--- a/Project_2_Group_10.pptx
+++ b/Project_2_Group_10.pptx
@@ -5,24 +5,25 @@
     <p:sldMasterId id="2147483648" r:id="rId1"/>
   </p:sldMasterIdLst>
   <p:notesMasterIdLst>
-    <p:notesMasterId r:id="rId17"/>
+    <p:notesMasterId r:id="rId18"/>
   </p:notesMasterIdLst>
   <p:sldIdLst>
     <p:sldId id="256" r:id="rId2"/>
-    <p:sldId id="272" r:id="rId3"/>
+    <p:sldId id="268" r:id="rId3"/>
     <p:sldId id="270" r:id="rId4"/>
     <p:sldId id="271" r:id="rId5"/>
-    <p:sldId id="268" r:id="rId6"/>
-    <p:sldId id="258" r:id="rId7"/>
+    <p:sldId id="272" r:id="rId6"/>
+    <p:sldId id="273" r:id="rId7"/>
     <p:sldId id="260" r:id="rId8"/>
-    <p:sldId id="264" r:id="rId9"/>
-    <p:sldId id="269" r:id="rId10"/>
-    <p:sldId id="262" r:id="rId11"/>
+    <p:sldId id="269" r:id="rId9"/>
+    <p:sldId id="258" r:id="rId10"/>
+    <p:sldId id="274" r:id="rId11"/>
     <p:sldId id="257" r:id="rId12"/>
-    <p:sldId id="263" r:id="rId13"/>
+    <p:sldId id="262" r:id="rId13"/>
     <p:sldId id="259" r:id="rId14"/>
-    <p:sldId id="267" r:id="rId15"/>
-    <p:sldId id="265" r:id="rId16"/>
+    <p:sldId id="263" r:id="rId15"/>
+    <p:sldId id="267" r:id="rId16"/>
+    <p:sldId id="265" r:id="rId17"/>
   </p:sldIdLst>
   <p:sldSz cx="12192000" cy="6858000"/>
   <p:notesSz cx="6858000" cy="9144000"/>
@@ -211,7 +212,7 @@
           <a:p>
             <a:fld id="{84856A6C-BAAB-4B56-984C-11A790D614FB}" type="datetimeFigureOut">
               <a:rPr lang="en-US" smtClean="0"/>
-              <a:t>12/10/2020</a:t>
+              <a:t>12/11/2020</a:t>
             </a:fld>
             <a:endParaRPr lang="en-US"/>
           </a:p>
@@ -720,7 +721,7 @@
     </p:spTree>
     <p:extLst>
       <p:ext uri="{BB962C8B-B14F-4D97-AF65-F5344CB8AC3E}">
-        <p14:creationId xmlns:p14="http://schemas.microsoft.com/office/powerpoint/2010/main" val="2247844227"/>
+        <p14:creationId xmlns:p14="http://schemas.microsoft.com/office/powerpoint/2010/main" val="2837915853"/>
       </p:ext>
     </p:extLst>
   </p:cSld>
@@ -796,6 +797,90 @@
             <a:fld id="{A7FE854B-F042-40AB-A8CC-8D2DE5C84AC8}" type="slidenum">
               <a:rPr lang="en-US" smtClean="0"/>
               <a:t>15</a:t>
+            </a:fld>
+            <a:endParaRPr lang="en-US"/>
+          </a:p>
+        </p:txBody>
+      </p:sp>
+    </p:spTree>
+    <p:extLst>
+      <p:ext uri="{BB962C8B-B14F-4D97-AF65-F5344CB8AC3E}">
+        <p14:creationId xmlns:p14="http://schemas.microsoft.com/office/powerpoint/2010/main" val="2247844227"/>
+      </p:ext>
+    </p:extLst>
+  </p:cSld>
+  <p:clrMapOvr>
+    <a:masterClrMapping/>
+  </p:clrMapOvr>
+</p:notes>
+</file>
+
+<file path=ppt/notesSlides/notesSlide13.xml><?xml version="1.0" encoding="utf-8"?>
+<p:notes xmlns:a="http://schemas.openxmlformats.org/drawingml/2006/main" xmlns:r="http://schemas.openxmlformats.org/officeDocument/2006/relationships" xmlns:p="http://schemas.openxmlformats.org/presentationml/2006/main">
+  <p:cSld>
+    <p:spTree>
+      <p:nvGrpSpPr>
+        <p:cNvPr id="1" name=""/>
+        <p:cNvGrpSpPr/>
+        <p:nvPr/>
+      </p:nvGrpSpPr>
+      <p:grpSpPr>
+        <a:xfrm>
+          <a:off x="0" y="0"/>
+          <a:ext cx="0" cy="0"/>
+          <a:chOff x="0" y="0"/>
+          <a:chExt cx="0" cy="0"/>
+        </a:xfrm>
+      </p:grpSpPr>
+      <p:sp>
+        <p:nvSpPr>
+          <p:cNvPr id="2" name="Slide Image Placeholder 1"/>
+          <p:cNvSpPr>
+            <a:spLocks noGrp="1" noRot="1" noChangeAspect="1"/>
+          </p:cNvSpPr>
+          <p:nvPr>
+            <p:ph type="sldImg"/>
+          </p:nvPr>
+        </p:nvSpPr>
+        <p:spPr/>
+      </p:sp>
+      <p:sp>
+        <p:nvSpPr>
+          <p:cNvPr id="3" name="Notes Placeholder 2"/>
+          <p:cNvSpPr>
+            <a:spLocks noGrp="1"/>
+          </p:cNvSpPr>
+          <p:nvPr>
+            <p:ph type="body" idx="1"/>
+          </p:nvPr>
+        </p:nvSpPr>
+        <p:spPr/>
+        <p:txBody>
+          <a:bodyPr/>
+          <a:lstStyle/>
+          <a:p>
+            <a:endParaRPr lang="en-US"/>
+          </a:p>
+        </p:txBody>
+      </p:sp>
+      <p:sp>
+        <p:nvSpPr>
+          <p:cNvPr id="4" name="Slide Number Placeholder 3"/>
+          <p:cNvSpPr>
+            <a:spLocks noGrp="1"/>
+          </p:cNvSpPr>
+          <p:nvPr>
+            <p:ph type="sldNum" sz="quarter" idx="5"/>
+          </p:nvPr>
+        </p:nvSpPr>
+        <p:spPr/>
+        <p:txBody>
+          <a:bodyPr/>
+          <a:lstStyle/>
+          <a:p>
+            <a:fld id="{A7FE854B-F042-40AB-A8CC-8D2DE5C84AC8}" type="slidenum">
+              <a:rPr lang="en-US" smtClean="0"/>
+              <a:t>16</a:t>
             </a:fld>
             <a:endParaRPr lang="en-US"/>
           </a:p>
@@ -879,7 +964,7 @@
           <a:p>
             <a:fld id="{A7FE854B-F042-40AB-A8CC-8D2DE5C84AC8}" type="slidenum">
               <a:rPr lang="en-US" smtClean="0"/>
-              <a:t>2</a:t>
+              <a:t>4</a:t>
             </a:fld>
             <a:endParaRPr lang="en-US"/>
           </a:p>
@@ -888,7 +973,7 @@
     </p:spTree>
     <p:extLst>
       <p:ext uri="{BB962C8B-B14F-4D97-AF65-F5344CB8AC3E}">
-        <p14:creationId xmlns:p14="http://schemas.microsoft.com/office/powerpoint/2010/main" val="1176823007"/>
+        <p14:creationId xmlns:p14="http://schemas.microsoft.com/office/powerpoint/2010/main" val="1175710412"/>
       </p:ext>
     </p:extLst>
   </p:cSld>
@@ -963,7 +1048,7 @@
           <a:p>
             <a:fld id="{A7FE854B-F042-40AB-A8CC-8D2DE5C84AC8}" type="slidenum">
               <a:rPr lang="en-US" smtClean="0"/>
-              <a:t>4</a:t>
+              <a:t>5</a:t>
             </a:fld>
             <a:endParaRPr lang="en-US"/>
           </a:p>
@@ -972,7 +1057,7 @@
     </p:spTree>
     <p:extLst>
       <p:ext uri="{BB962C8B-B14F-4D97-AF65-F5344CB8AC3E}">
-        <p14:creationId xmlns:p14="http://schemas.microsoft.com/office/powerpoint/2010/main" val="1175710412"/>
+        <p14:creationId xmlns:p14="http://schemas.microsoft.com/office/powerpoint/2010/main" val="1780560237"/>
       </p:ext>
     </p:extLst>
   </p:cSld>
@@ -1056,7 +1141,7 @@
     </p:spTree>
     <p:extLst>
       <p:ext uri="{BB962C8B-B14F-4D97-AF65-F5344CB8AC3E}">
-        <p14:creationId xmlns:p14="http://schemas.microsoft.com/office/powerpoint/2010/main" val="957875324"/>
+        <p14:creationId xmlns:p14="http://schemas.microsoft.com/office/powerpoint/2010/main" val="2756498524"/>
       </p:ext>
     </p:extLst>
   </p:cSld>
@@ -1215,7 +1300,7 @@
           <a:p>
             <a:fld id="{A7FE854B-F042-40AB-A8CC-8D2DE5C84AC8}" type="slidenum">
               <a:rPr lang="en-US" smtClean="0"/>
-              <a:t>8</a:t>
+              <a:t>9</a:t>
             </a:fld>
             <a:endParaRPr lang="en-US"/>
           </a:p>
@@ -1224,7 +1309,7 @@
     </p:spTree>
     <p:extLst>
       <p:ext uri="{BB962C8B-B14F-4D97-AF65-F5344CB8AC3E}">
-        <p14:creationId xmlns:p14="http://schemas.microsoft.com/office/powerpoint/2010/main" val="1240739138"/>
+        <p14:creationId xmlns:p14="http://schemas.microsoft.com/office/powerpoint/2010/main" val="957875324"/>
       </p:ext>
     </p:extLst>
   </p:cSld>
@@ -1308,7 +1393,7 @@
     </p:spTree>
     <p:extLst>
       <p:ext uri="{BB962C8B-B14F-4D97-AF65-F5344CB8AC3E}">
-        <p14:creationId xmlns:p14="http://schemas.microsoft.com/office/powerpoint/2010/main" val="712438140"/>
+        <p14:creationId xmlns:p14="http://schemas.microsoft.com/office/powerpoint/2010/main" val="1250615393"/>
       </p:ext>
     </p:extLst>
   </p:cSld>
@@ -1476,7 +1561,7 @@
     </p:spTree>
     <p:extLst>
       <p:ext uri="{BB962C8B-B14F-4D97-AF65-F5344CB8AC3E}">
-        <p14:creationId xmlns:p14="http://schemas.microsoft.com/office/powerpoint/2010/main" val="2837915853"/>
+        <p14:creationId xmlns:p14="http://schemas.microsoft.com/office/powerpoint/2010/main" val="712438140"/>
       </p:ext>
     </p:extLst>
   </p:cSld>
@@ -1625,7 +1710,7 @@
           <a:p>
             <a:fld id="{48A87A34-81AB-432B-8DAE-1953F412C126}" type="datetimeFigureOut">
               <a:rPr lang="en-US" dirty="0"/>
-              <a:t>12/10/2020</a:t>
+              <a:t>12/11/2020</a:t>
             </a:fld>
             <a:endParaRPr lang="en-US" dirty="0"/>
           </a:p>
@@ -1800,7 +1885,7 @@
           <a:p>
             <a:fld id="{48A87A34-81AB-432B-8DAE-1953F412C126}" type="datetimeFigureOut">
               <a:rPr lang="en-US" dirty="0"/>
-              <a:t>12/10/2020</a:t>
+              <a:t>12/11/2020</a:t>
             </a:fld>
             <a:endParaRPr lang="en-US" dirty="0"/>
           </a:p>
@@ -1979,7 +2064,7 @@
           <a:p>
             <a:fld id="{48A87A34-81AB-432B-8DAE-1953F412C126}" type="datetimeFigureOut">
               <a:rPr lang="en-US" dirty="0"/>
-              <a:t>12/10/2020</a:t>
+              <a:t>12/11/2020</a:t>
             </a:fld>
             <a:endParaRPr lang="en-US" dirty="0"/>
           </a:p>
@@ -2144,7 +2229,7 @@
           <a:p>
             <a:fld id="{48A87A34-81AB-432B-8DAE-1953F412C126}" type="datetimeFigureOut">
               <a:rPr lang="en-US" dirty="0"/>
-              <a:t>12/10/2020</a:t>
+              <a:t>12/11/2020</a:t>
             </a:fld>
             <a:endParaRPr lang="en-US" dirty="0"/>
           </a:p>
@@ -2387,7 +2472,7 @@
           <a:p>
             <a:fld id="{48A87A34-81AB-432B-8DAE-1953F412C126}" type="datetimeFigureOut">
               <a:rPr lang="en-US" dirty="0"/>
-              <a:t>12/10/2020</a:t>
+              <a:t>12/11/2020</a:t>
             </a:fld>
             <a:endParaRPr lang="en-US" dirty="0"/>
           </a:p>
@@ -2619,7 +2704,7 @@
           <a:p>
             <a:fld id="{48A87A34-81AB-432B-8DAE-1953F412C126}" type="datetimeFigureOut">
               <a:rPr lang="en-US" dirty="0"/>
-              <a:t>12/10/2020</a:t>
+              <a:t>12/11/2020</a:t>
             </a:fld>
             <a:endParaRPr lang="en-US" dirty="0"/>
           </a:p>
@@ -2999,7 +3084,7 @@
           <a:p>
             <a:fld id="{48A87A34-81AB-432B-8DAE-1953F412C126}" type="datetimeFigureOut">
               <a:rPr lang="en-US" dirty="0"/>
-              <a:t>12/10/2020</a:t>
+              <a:t>12/11/2020</a:t>
             </a:fld>
             <a:endParaRPr lang="en-US" dirty="0"/>
           </a:p>
@@ -3112,7 +3197,7 @@
           <a:p>
             <a:fld id="{48A87A34-81AB-432B-8DAE-1953F412C126}" type="datetimeFigureOut">
               <a:rPr lang="en-US" dirty="0"/>
-              <a:t>12/10/2020</a:t>
+              <a:t>12/11/2020</a:t>
             </a:fld>
             <a:endParaRPr lang="en-US" dirty="0"/>
           </a:p>
@@ -3202,7 +3287,7 @@
           <a:p>
             <a:fld id="{48A87A34-81AB-432B-8DAE-1953F412C126}" type="datetimeFigureOut">
               <a:rPr lang="en-US" dirty="0"/>
-              <a:t>12/10/2020</a:t>
+              <a:t>12/11/2020</a:t>
             </a:fld>
             <a:endParaRPr lang="en-US" dirty="0"/>
           </a:p>
@@ -3448,7 +3533,7 @@
           <a:p>
             <a:fld id="{48A87A34-81AB-432B-8DAE-1953F412C126}" type="datetimeFigureOut">
               <a:rPr lang="en-US" dirty="0"/>
-              <a:t>12/10/2020</a:t>
+              <a:t>12/11/2020</a:t>
             </a:fld>
             <a:endParaRPr lang="en-US" dirty="0"/>
           </a:p>
@@ -3835,7 +3920,7 @@
             <a:fld id="{48A87A34-81AB-432B-8DAE-1953F412C126}" type="datetimeFigureOut">
               <a:rPr lang="en-US" dirty="0"/>
               <a:pPr/>
-              <a:t>12/10/2020</a:t>
+              <a:t>12/11/2020</a:t>
             </a:fld>
             <a:endParaRPr lang="en-US" dirty="0"/>
           </a:p>
@@ -4049,7 +4134,7 @@
             <a:fld id="{48A87A34-81AB-432B-8DAE-1953F412C126}" type="datetimeFigureOut">
               <a:rPr lang="en-US" dirty="0"/>
               <a:pPr/>
-              <a:t>12/10/2020</a:t>
+              <a:t>12/11/2020</a:t>
             </a:fld>
             <a:endParaRPr lang="en-US" dirty="0"/>
           </a:p>
@@ -4714,106 +4799,81 @@
           <a:chExt cx="0" cy="0"/>
         </a:xfrm>
       </p:grpSpPr>
+      <p:sp>
+        <p:nvSpPr>
+          <p:cNvPr id="2" name="Content Placeholder 1">
+            <a:extLst>
+              <a:ext uri="{FF2B5EF4-FFF2-40B4-BE49-F238E27FC236}">
+                <a16:creationId xmlns:a16="http://schemas.microsoft.com/office/drawing/2014/main" id="{8E8EE68E-6ABD-4E4B-BCEA-97B333FB905B}"/>
+              </a:ext>
+            </a:extLst>
+          </p:cNvPr>
+          <p:cNvSpPr>
+            <a:spLocks noGrp="1"/>
+          </p:cNvSpPr>
+          <p:nvPr>
+            <p:ph idx="1"/>
+          </p:nvPr>
+        </p:nvSpPr>
+        <p:spPr>
+          <a:xfrm>
+            <a:off x="1113378" y="399875"/>
+            <a:ext cx="9233122" cy="904269"/>
+          </a:xfrm>
+        </p:spPr>
+        <p:txBody>
+          <a:bodyPr>
+            <a:normAutofit lnSpcReduction="10000"/>
+          </a:bodyPr>
+          <a:lstStyle/>
+          <a:p>
+            <a:r>
+              <a:rPr lang="en-US" dirty="0"/>
+              <a:t>Large Business Map</a:t>
+            </a:r>
+          </a:p>
+          <a:p>
+            <a:r>
+              <a:rPr lang="en-US" dirty="0"/>
+              <a:t>We actually need side by side comparisons by year </a:t>
+            </a:r>
+          </a:p>
+        </p:txBody>
+      </p:sp>
       <p:pic>
         <p:nvPicPr>
-          <p:cNvPr id="2050" name="Picture 2" descr="Image result for proper rigging techniques">
+          <p:cNvPr id="4" name="Picture 3" descr="Map&#10;&#10;Description automatically generated">
             <a:extLst>
               <a:ext uri="{FF2B5EF4-FFF2-40B4-BE49-F238E27FC236}">
-                <a16:creationId xmlns:a16="http://schemas.microsoft.com/office/drawing/2014/main" id="{739181C8-9C4F-4DCB-9950-F1CD306B50D5}"/>
+                <a16:creationId xmlns:a16="http://schemas.microsoft.com/office/drawing/2014/main" id="{2AF07DD8-DD59-400E-976B-84C8C500723F}"/>
               </a:ext>
             </a:extLst>
           </p:cNvPr>
           <p:cNvPicPr>
-            <a:picLocks noGrp="1" noChangeAspect="1" noChangeArrowheads="1"/>
+            <a:picLocks noChangeAspect="1"/>
           </p:cNvPicPr>
-          <p:nvPr>
-            <p:ph idx="1"/>
-          </p:nvPr>
+          <p:nvPr/>
         </p:nvPicPr>
         <p:blipFill>
-          <a:blip r:embed="rId3">
-            <a:extLst>
-              <a:ext uri="{28A0092B-C50C-407E-A947-70E740481C1C}">
-                <a14:useLocalDpi xmlns:a14="http://schemas.microsoft.com/office/drawing/2010/main" val="0"/>
-              </a:ext>
-            </a:extLst>
-          </a:blip>
-          <a:srcRect/>
+          <a:blip r:embed="rId3"/>
           <a:stretch>
             <a:fillRect/>
           </a:stretch>
         </p:blipFill>
-        <p:spPr bwMode="auto">
+        <p:spPr>
           <a:xfrm>
-            <a:off x="6113577" y="1244184"/>
-            <a:ext cx="5227158" cy="4317167"/>
+            <a:off x="614597" y="1411574"/>
+            <a:ext cx="9074044" cy="4537022"/>
           </a:xfrm>
           <a:prstGeom prst="rect">
             <a:avLst/>
           </a:prstGeom>
-          <a:noFill/>
-          <a:extLst>
-            <a:ext uri="{909E8E84-426E-40DD-AFC4-6F175D3DCCD1}">
-              <a14:hiddenFill xmlns:a14="http://schemas.microsoft.com/office/drawing/2010/main">
-                <a:solidFill>
-                  <a:srgbClr val="FFFFFF"/>
-                </a:solidFill>
-              </a14:hiddenFill>
-            </a:ext>
-          </a:extLst>
-        </p:spPr>
-      </p:pic>
-      <p:pic>
-        <p:nvPicPr>
-          <p:cNvPr id="2052" name="Picture 4" descr="Image result for proper rigging techniques">
-            <a:extLst>
-              <a:ext uri="{FF2B5EF4-FFF2-40B4-BE49-F238E27FC236}">
-                <a16:creationId xmlns:a16="http://schemas.microsoft.com/office/drawing/2014/main" id="{5A3BB707-3977-4554-8B58-7FA1CEB66F7B}"/>
-              </a:ext>
-            </a:extLst>
-          </p:cNvPr>
-          <p:cNvPicPr>
-            <a:picLocks noChangeAspect="1" noChangeArrowheads="1"/>
-          </p:cNvPicPr>
-          <p:nvPr/>
-        </p:nvPicPr>
-        <p:blipFill>
-          <a:blip r:embed="rId4">
-            <a:extLst>
-              <a:ext uri="{28A0092B-C50C-407E-A947-70E740481C1C}">
-                <a14:useLocalDpi xmlns:a14="http://schemas.microsoft.com/office/drawing/2010/main" val="0"/>
-              </a:ext>
-            </a:extLst>
-          </a:blip>
-          <a:srcRect/>
-          <a:stretch>
-            <a:fillRect/>
-          </a:stretch>
-        </p:blipFill>
-        <p:spPr bwMode="auto">
-          <a:xfrm>
-            <a:off x="877193" y="1244184"/>
-            <a:ext cx="4718764" cy="4317167"/>
-          </a:xfrm>
-          <a:prstGeom prst="rect">
-            <a:avLst/>
-          </a:prstGeom>
-          <a:noFill/>
-          <a:extLst>
-            <a:ext uri="{909E8E84-426E-40DD-AFC4-6F175D3DCCD1}">
-              <a14:hiddenFill xmlns:a14="http://schemas.microsoft.com/office/drawing/2010/main">
-                <a:solidFill>
-                  <a:srgbClr val="FFFFFF"/>
-                </a:solidFill>
-              </a14:hiddenFill>
-            </a:ext>
-          </a:extLst>
         </p:spPr>
       </p:pic>
     </p:spTree>
     <p:extLst>
       <p:ext uri="{BB962C8B-B14F-4D97-AF65-F5344CB8AC3E}">
-        <p14:creationId xmlns:p14="http://schemas.microsoft.com/office/powerpoint/2010/main" val="1005104479"/>
+        <p14:creationId xmlns:p14="http://schemas.microsoft.com/office/powerpoint/2010/main" val="1082837802"/>
       </p:ext>
     </p:extLst>
   </p:cSld>
@@ -4972,55 +5032,38 @@
       </p:grpSpPr>
       <p:pic>
         <p:nvPicPr>
-          <p:cNvPr id="4" name="Picture 2" descr="Image result for crane hook failure analysis">
+          <p:cNvPr id="4" name="Picture 3">
             <a:extLst>
               <a:ext uri="{FF2B5EF4-FFF2-40B4-BE49-F238E27FC236}">
-                <a16:creationId xmlns:a16="http://schemas.microsoft.com/office/drawing/2014/main" id="{72256205-E2F7-4341-93D7-7AD87770D8C3}"/>
+                <a16:creationId xmlns:a16="http://schemas.microsoft.com/office/drawing/2014/main" id="{CE36E934-F271-4714-92DB-F8838A091F01}"/>
               </a:ext>
             </a:extLst>
           </p:cNvPr>
           <p:cNvPicPr>
-            <a:picLocks noChangeAspect="1" noChangeArrowheads="1"/>
+            <a:picLocks noChangeAspect="1"/>
           </p:cNvPicPr>
           <p:nvPr/>
         </p:nvPicPr>
         <p:blipFill>
-          <a:blip r:embed="rId3">
-            <a:extLst>
-              <a:ext uri="{28A0092B-C50C-407E-A947-70E740481C1C}">
-                <a14:useLocalDpi xmlns:a14="http://schemas.microsoft.com/office/drawing/2010/main" val="0"/>
-              </a:ext>
-            </a:extLst>
-          </a:blip>
-          <a:srcRect/>
+          <a:blip r:embed="rId3"/>
           <a:stretch>
             <a:fillRect/>
           </a:stretch>
         </p:blipFill>
-        <p:spPr bwMode="auto">
+        <p:spPr>
           <a:xfrm>
-            <a:off x="2911268" y="1049647"/>
-            <a:ext cx="6369464" cy="4511704"/>
+            <a:off x="2083635" y="0"/>
+            <a:ext cx="8015032" cy="6145967"/>
           </a:xfrm>
           <a:prstGeom prst="rect">
             <a:avLst/>
           </a:prstGeom>
-          <a:noFill/>
-          <a:extLst>
-            <a:ext uri="{909E8E84-426E-40DD-AFC4-6F175D3DCCD1}">
-              <a14:hiddenFill xmlns:a14="http://schemas.microsoft.com/office/drawing/2010/main">
-                <a:solidFill>
-                  <a:srgbClr val="FFFFFF"/>
-                </a:solidFill>
-              </a14:hiddenFill>
-            </a:ext>
-          </a:extLst>
         </p:spPr>
       </p:pic>
     </p:spTree>
     <p:extLst>
       <p:ext uri="{BB962C8B-B14F-4D97-AF65-F5344CB8AC3E}">
-        <p14:creationId xmlns:p14="http://schemas.microsoft.com/office/powerpoint/2010/main" val="2409283498"/>
+        <p14:creationId xmlns:p14="http://schemas.microsoft.com/office/powerpoint/2010/main" val="1005104479"/>
       </p:ext>
     </p:extLst>
   </p:cSld>
@@ -5109,25 +5152,25 @@
           <a:p>
             <a:r>
               <a:rPr lang="en-US" dirty="0"/>
-              <a:t>What is difference between lifting and rigging?</a:t>
-            </a:r>
-          </a:p>
-          <a:p>
-            <a:endParaRPr lang="en-US" dirty="0"/>
-          </a:p>
-          <a:p>
-            <a:r>
-              <a:rPr lang="en-US" dirty="0"/>
-              <a:t>Proper Rigging Techniques</a:t>
-            </a:r>
-          </a:p>
-          <a:p>
-            <a:endParaRPr lang="en-US" dirty="0"/>
-          </a:p>
-          <a:p>
-            <a:r>
-              <a:rPr lang="en-US" dirty="0"/>
-              <a:t>Degrees of Freedom and Maintaining Control</a:t>
+              <a:t>Big Picture</a:t>
+            </a:r>
+          </a:p>
+          <a:p>
+            <a:endParaRPr lang="en-US" dirty="0"/>
+          </a:p>
+          <a:p>
+            <a:r>
+              <a:rPr lang="en-US" dirty="0"/>
+              <a:t>Cool things</a:t>
+            </a:r>
+          </a:p>
+          <a:p>
+            <a:endParaRPr lang="en-US" dirty="0"/>
+          </a:p>
+          <a:p>
+            <a:r>
+              <a:rPr lang="en-US" dirty="0"/>
+              <a:t>What to explore</a:t>
             </a:r>
           </a:p>
           <a:p>
@@ -5170,93 +5213,252 @@
       </p:grpSpPr>
       <p:sp>
         <p:nvSpPr>
-          <p:cNvPr id="2" name="Title 1">
+          <p:cNvPr id="3" name="Content Placeholder 1">
             <a:extLst>
               <a:ext uri="{FF2B5EF4-FFF2-40B4-BE49-F238E27FC236}">
-                <a16:creationId xmlns:a16="http://schemas.microsoft.com/office/drawing/2014/main" id="{CE040AB0-FF06-4B94-8C2E-15EAB5EEAE5E}"/>
+                <a16:creationId xmlns:a16="http://schemas.microsoft.com/office/drawing/2014/main" id="{5BA104E2-07FA-4667-8599-B961359F2FB0}"/>
               </a:ext>
             </a:extLst>
           </p:cNvPr>
-          <p:cNvSpPr>
-            <a:spLocks noGrp="1"/>
-          </p:cNvSpPr>
-          <p:nvPr>
-            <p:ph type="title"/>
-          </p:nvPr>
-        </p:nvSpPr>
-        <p:spPr/>
-        <p:txBody>
-          <a:bodyPr/>
-          <a:lstStyle/>
-          <a:p>
-            <a:pPr algn="l"/>
-            <a:r>
-              <a:rPr lang="en-US" dirty="0"/>
-              <a:t>Knowledge is key</a:t>
-            </a:r>
-          </a:p>
-        </p:txBody>
-      </p:sp>
-      <p:sp>
-        <p:nvSpPr>
-          <p:cNvPr id="3" name="Content Placeholder 2">
-            <a:extLst>
-              <a:ext uri="{FF2B5EF4-FFF2-40B4-BE49-F238E27FC236}">
-                <a16:creationId xmlns:a16="http://schemas.microsoft.com/office/drawing/2014/main" id="{66F85413-8A5C-40BC-B0A5-7431DAE502DA}"/>
-              </a:ext>
-            </a:extLst>
-          </p:cNvPr>
-          <p:cNvSpPr>
-            <a:spLocks noGrp="1"/>
-          </p:cNvSpPr>
-          <p:nvPr>
-            <p:ph idx="1"/>
-          </p:nvPr>
+          <p:cNvSpPr txBox="1">
+            <a:spLocks/>
+          </p:cNvSpPr>
+          <p:nvPr/>
         </p:nvSpPr>
         <p:spPr>
           <a:xfrm>
-            <a:off x="1451579" y="1853754"/>
-            <a:ext cx="9291215" cy="3612591"/>
+            <a:off x="299184" y="1301749"/>
+            <a:ext cx="10109943" cy="3320355"/>
           </a:xfrm>
+          <a:prstGeom prst="rect">
+            <a:avLst/>
+          </a:prstGeom>
         </p:spPr>
         <p:txBody>
-          <a:bodyPr>
+          <a:bodyPr vert="horz" lIns="91440" tIns="91440" rIns="91440" bIns="91440" rtlCol="0">
             <a:normAutofit/>
           </a:bodyPr>
-          <a:lstStyle/>
-          <a:p>
-            <a:endParaRPr lang="en-US" dirty="0"/>
-          </a:p>
-          <a:p>
-            <a:r>
-              <a:rPr lang="en-US" dirty="0"/>
-              <a:t>Knowing Equipment to be Lifted </a:t>
-            </a:r>
-          </a:p>
-          <a:p>
-            <a:endParaRPr lang="en-US" dirty="0"/>
-          </a:p>
-          <a:p>
-            <a:r>
-              <a:rPr lang="en-US" dirty="0"/>
-              <a:t>Knowing the Equipment used in Lifting</a:t>
-            </a:r>
-          </a:p>
-          <a:p>
-            <a:endParaRPr lang="en-US" dirty="0"/>
-          </a:p>
-          <a:p>
-            <a:pPr marL="0" indent="0">
+          <a:lstStyle>
+            <a:lvl1pPr marL="0" indent="0" algn="ctr" defTabSz="914400" rtl="0" eaLnBrk="1" latinLnBrk="0" hangingPunct="1">
+              <a:lnSpc>
+                <a:spcPct val="120000"/>
+              </a:lnSpc>
+              <a:spcBef>
+                <a:spcPts val="1000"/>
+              </a:spcBef>
+              <a:buClr>
+                <a:schemeClr val="accent1"/>
+              </a:buClr>
+              <a:buSzPct val="100000"/>
+              <a:buFont typeface="Arial" panose="020B0604020202020204" pitchFamily="34" charset="0"/>
               <a:buNone/>
-            </a:pPr>
-            <a:endParaRPr lang="en-US" dirty="0"/>
+              <a:defRPr sz="1800" b="0" kern="1200" cap="all" baseline="0">
+                <a:solidFill>
+                  <a:schemeClr val="tx1"/>
+                </a:solidFill>
+                <a:effectLst/>
+                <a:latin typeface="+mn-lt"/>
+                <a:ea typeface="+mn-ea"/>
+                <a:cs typeface="+mn-cs"/>
+              </a:defRPr>
+            </a:lvl1pPr>
+            <a:lvl2pPr marL="457200" indent="0" algn="ctr" defTabSz="914400" rtl="0" eaLnBrk="1" latinLnBrk="0" hangingPunct="1">
+              <a:lnSpc>
+                <a:spcPct val="120000"/>
+              </a:lnSpc>
+              <a:spcBef>
+                <a:spcPts val="500"/>
+              </a:spcBef>
+              <a:buClr>
+                <a:schemeClr val="accent1"/>
+              </a:buClr>
+              <a:buSzPct val="100000"/>
+              <a:buFont typeface="Arial" panose="020B0604020202020204" pitchFamily="34" charset="0"/>
+              <a:buNone/>
+              <a:defRPr sz="1800" kern="1200" cap="none" baseline="0">
+                <a:solidFill>
+                  <a:schemeClr val="tx1"/>
+                </a:solidFill>
+                <a:effectLst/>
+                <a:latin typeface="+mn-lt"/>
+                <a:ea typeface="+mn-ea"/>
+                <a:cs typeface="+mn-cs"/>
+              </a:defRPr>
+            </a:lvl2pPr>
+            <a:lvl3pPr marL="914400" indent="0" algn="ctr" defTabSz="914400" rtl="0" eaLnBrk="1" latinLnBrk="0" hangingPunct="1">
+              <a:lnSpc>
+                <a:spcPct val="120000"/>
+              </a:lnSpc>
+              <a:spcBef>
+                <a:spcPts val="500"/>
+              </a:spcBef>
+              <a:buClr>
+                <a:schemeClr val="accent1"/>
+              </a:buClr>
+              <a:buSzPct val="100000"/>
+              <a:buFont typeface="Arial" panose="020B0604020202020204" pitchFamily="34" charset="0"/>
+              <a:buNone/>
+              <a:defRPr sz="1800" kern="1200">
+                <a:solidFill>
+                  <a:schemeClr val="tx1"/>
+                </a:solidFill>
+                <a:effectLst/>
+                <a:latin typeface="+mn-lt"/>
+                <a:ea typeface="+mn-ea"/>
+                <a:cs typeface="+mn-cs"/>
+              </a:defRPr>
+            </a:lvl3pPr>
+            <a:lvl4pPr marL="1371600" indent="0" algn="ctr" defTabSz="914400" rtl="0" eaLnBrk="1" latinLnBrk="0" hangingPunct="1">
+              <a:lnSpc>
+                <a:spcPct val="120000"/>
+              </a:lnSpc>
+              <a:spcBef>
+                <a:spcPts val="500"/>
+              </a:spcBef>
+              <a:buClr>
+                <a:schemeClr val="accent1"/>
+              </a:buClr>
+              <a:buSzPct val="100000"/>
+              <a:buFont typeface="Arial" panose="020B0604020202020204" pitchFamily="34" charset="0"/>
+              <a:buNone/>
+              <a:defRPr sz="1600" kern="1200" cap="none" baseline="0">
+                <a:solidFill>
+                  <a:schemeClr val="tx1"/>
+                </a:solidFill>
+                <a:effectLst/>
+                <a:latin typeface="+mn-lt"/>
+                <a:ea typeface="+mn-ea"/>
+                <a:cs typeface="+mn-cs"/>
+              </a:defRPr>
+            </a:lvl4pPr>
+            <a:lvl5pPr marL="1828800" indent="0" algn="ctr" defTabSz="914400" rtl="0" eaLnBrk="1" latinLnBrk="0" hangingPunct="1">
+              <a:lnSpc>
+                <a:spcPct val="120000"/>
+              </a:lnSpc>
+              <a:spcBef>
+                <a:spcPts val="500"/>
+              </a:spcBef>
+              <a:buClr>
+                <a:schemeClr val="accent1"/>
+              </a:buClr>
+              <a:buSzPct val="100000"/>
+              <a:buFont typeface="Arial" panose="020B0604020202020204" pitchFamily="34" charset="0"/>
+              <a:buNone/>
+              <a:defRPr sz="1600" kern="1200">
+                <a:solidFill>
+                  <a:schemeClr val="tx1"/>
+                </a:solidFill>
+                <a:effectLst/>
+                <a:latin typeface="+mn-lt"/>
+                <a:ea typeface="+mn-ea"/>
+                <a:cs typeface="+mn-cs"/>
+              </a:defRPr>
+            </a:lvl5pPr>
+            <a:lvl6pPr marL="2286000" indent="0" algn="ctr" defTabSz="914400" rtl="0" eaLnBrk="1" latinLnBrk="0" hangingPunct="1">
+              <a:lnSpc>
+                <a:spcPct val="120000"/>
+              </a:lnSpc>
+              <a:spcBef>
+                <a:spcPts val="500"/>
+              </a:spcBef>
+              <a:buClr>
+                <a:schemeClr val="accent1"/>
+              </a:buClr>
+              <a:buSzPct val="100000"/>
+              <a:buFont typeface="Arial" panose="020B0604020202020204" pitchFamily="34" charset="0"/>
+              <a:buNone/>
+              <a:defRPr sz="1600" kern="1200">
+                <a:solidFill>
+                  <a:schemeClr val="tx1"/>
+                </a:solidFill>
+                <a:effectLst/>
+                <a:latin typeface="+mn-lt"/>
+                <a:ea typeface="+mn-ea"/>
+                <a:cs typeface="+mn-cs"/>
+              </a:defRPr>
+            </a:lvl6pPr>
+            <a:lvl7pPr marL="2743200" indent="0" algn="ctr" defTabSz="914400" rtl="0" eaLnBrk="1" latinLnBrk="0" hangingPunct="1">
+              <a:lnSpc>
+                <a:spcPct val="120000"/>
+              </a:lnSpc>
+              <a:spcBef>
+                <a:spcPts val="500"/>
+              </a:spcBef>
+              <a:buClr>
+                <a:schemeClr val="accent1"/>
+              </a:buClr>
+              <a:buSzPct val="100000"/>
+              <a:buFont typeface="Arial" panose="020B0604020202020204" pitchFamily="34" charset="0"/>
+              <a:buNone/>
+              <a:defRPr sz="1600" kern="1200">
+                <a:solidFill>
+                  <a:schemeClr val="tx1"/>
+                </a:solidFill>
+                <a:effectLst/>
+                <a:latin typeface="+mn-lt"/>
+                <a:ea typeface="+mn-ea"/>
+                <a:cs typeface="+mn-cs"/>
+              </a:defRPr>
+            </a:lvl7pPr>
+            <a:lvl8pPr marL="3200400" indent="0" algn="ctr" defTabSz="914400" rtl="0" eaLnBrk="1" latinLnBrk="0" hangingPunct="1">
+              <a:lnSpc>
+                <a:spcPct val="120000"/>
+              </a:lnSpc>
+              <a:spcBef>
+                <a:spcPts val="500"/>
+              </a:spcBef>
+              <a:buClr>
+                <a:schemeClr val="accent1"/>
+              </a:buClr>
+              <a:buSzPct val="100000"/>
+              <a:buFont typeface="Arial" panose="020B0604020202020204" pitchFamily="34" charset="0"/>
+              <a:buNone/>
+              <a:defRPr sz="1600" kern="1200" baseline="0">
+                <a:solidFill>
+                  <a:schemeClr val="tx1"/>
+                </a:solidFill>
+                <a:effectLst/>
+                <a:latin typeface="+mn-lt"/>
+                <a:ea typeface="+mn-ea"/>
+                <a:cs typeface="+mn-cs"/>
+              </a:defRPr>
+            </a:lvl8pPr>
+            <a:lvl9pPr marL="3657600" indent="0" algn="ctr" defTabSz="914400" rtl="0" eaLnBrk="1" latinLnBrk="0" hangingPunct="1">
+              <a:lnSpc>
+                <a:spcPct val="120000"/>
+              </a:lnSpc>
+              <a:spcBef>
+                <a:spcPts val="500"/>
+              </a:spcBef>
+              <a:buClr>
+                <a:schemeClr val="accent1"/>
+              </a:buClr>
+              <a:buSzPct val="100000"/>
+              <a:buFont typeface="Arial" panose="020B0604020202020204" pitchFamily="34" charset="0"/>
+              <a:buNone/>
+              <a:defRPr sz="1600" kern="1200" baseline="0">
+                <a:solidFill>
+                  <a:schemeClr val="tx1"/>
+                </a:solidFill>
+                <a:effectLst/>
+                <a:latin typeface="+mn-lt"/>
+                <a:ea typeface="+mn-ea"/>
+                <a:cs typeface="+mn-cs"/>
+              </a:defRPr>
+            </a:lvl9pPr>
+          </a:lstStyle>
+          <a:p>
+            <a:r>
+              <a:rPr lang="en-US" dirty="0"/>
+              <a:t>Picture Here?</a:t>
+            </a:r>
           </a:p>
         </p:txBody>
       </p:sp>
     </p:spTree>
     <p:extLst>
       <p:ext uri="{BB962C8B-B14F-4D97-AF65-F5344CB8AC3E}">
-        <p14:creationId xmlns:p14="http://schemas.microsoft.com/office/powerpoint/2010/main" val="1298604608"/>
+        <p14:creationId xmlns:p14="http://schemas.microsoft.com/office/powerpoint/2010/main" val="2409283498"/>
       </p:ext>
     </p:extLst>
   </p:cSld>
@@ -5307,7 +5509,122 @@
             <a:pPr algn="l"/>
             <a:r>
               <a:rPr lang="en-US" dirty="0"/>
-              <a:t>Questions</a:t>
+              <a:t>Knowledge is key</a:t>
+            </a:r>
+          </a:p>
+        </p:txBody>
+      </p:sp>
+      <p:sp>
+        <p:nvSpPr>
+          <p:cNvPr id="3" name="Content Placeholder 2">
+            <a:extLst>
+              <a:ext uri="{FF2B5EF4-FFF2-40B4-BE49-F238E27FC236}">
+                <a16:creationId xmlns:a16="http://schemas.microsoft.com/office/drawing/2014/main" id="{66F85413-8A5C-40BC-B0A5-7431DAE502DA}"/>
+              </a:ext>
+            </a:extLst>
+          </p:cNvPr>
+          <p:cNvSpPr>
+            <a:spLocks noGrp="1"/>
+          </p:cNvSpPr>
+          <p:nvPr>
+            <p:ph idx="1"/>
+          </p:nvPr>
+        </p:nvSpPr>
+        <p:spPr>
+          <a:xfrm>
+            <a:off x="1451579" y="1853754"/>
+            <a:ext cx="9291215" cy="3612591"/>
+          </a:xfrm>
+        </p:spPr>
+        <p:txBody>
+          <a:bodyPr>
+            <a:normAutofit/>
+          </a:bodyPr>
+          <a:lstStyle/>
+          <a:p>
+            <a:endParaRPr lang="en-US" dirty="0"/>
+          </a:p>
+          <a:p>
+            <a:r>
+              <a:rPr lang="en-US" dirty="0"/>
+              <a:t>How to take advantage</a:t>
+            </a:r>
+          </a:p>
+          <a:p>
+            <a:endParaRPr lang="en-US" dirty="0"/>
+          </a:p>
+          <a:p>
+            <a:r>
+              <a:rPr lang="en-US" dirty="0"/>
+              <a:t>Insights</a:t>
+            </a:r>
+          </a:p>
+          <a:p>
+            <a:endParaRPr lang="en-US" dirty="0"/>
+          </a:p>
+          <a:p>
+            <a:pPr marL="0" indent="0">
+              <a:buNone/>
+            </a:pPr>
+            <a:endParaRPr lang="en-US" dirty="0"/>
+          </a:p>
+        </p:txBody>
+      </p:sp>
+    </p:spTree>
+    <p:extLst>
+      <p:ext uri="{BB962C8B-B14F-4D97-AF65-F5344CB8AC3E}">
+        <p14:creationId xmlns:p14="http://schemas.microsoft.com/office/powerpoint/2010/main" val="1298604608"/>
+      </p:ext>
+    </p:extLst>
+  </p:cSld>
+  <p:clrMapOvr>
+    <a:masterClrMapping/>
+  </p:clrMapOvr>
+</p:sld>
+</file>
+
+<file path=ppt/slides/slide16.xml><?xml version="1.0" encoding="utf-8"?>
+<p:sld xmlns:a="http://schemas.openxmlformats.org/drawingml/2006/main" xmlns:r="http://schemas.openxmlformats.org/officeDocument/2006/relationships" xmlns:p="http://schemas.openxmlformats.org/presentationml/2006/main">
+  <p:cSld>
+    <p:spTree>
+      <p:nvGrpSpPr>
+        <p:cNvPr id="1" name=""/>
+        <p:cNvGrpSpPr/>
+        <p:nvPr/>
+      </p:nvGrpSpPr>
+      <p:grpSpPr>
+        <a:xfrm>
+          <a:off x="0" y="0"/>
+          <a:ext cx="0" cy="0"/>
+          <a:chOff x="0" y="0"/>
+          <a:chExt cx="0" cy="0"/>
+        </a:xfrm>
+      </p:grpSpPr>
+      <p:sp>
+        <p:nvSpPr>
+          <p:cNvPr id="2" name="Title 1">
+            <a:extLst>
+              <a:ext uri="{FF2B5EF4-FFF2-40B4-BE49-F238E27FC236}">
+                <a16:creationId xmlns:a16="http://schemas.microsoft.com/office/drawing/2014/main" id="{CE040AB0-FF06-4B94-8C2E-15EAB5EEAE5E}"/>
+              </a:ext>
+            </a:extLst>
+          </p:cNvPr>
+          <p:cNvSpPr>
+            <a:spLocks noGrp="1"/>
+          </p:cNvSpPr>
+          <p:nvPr>
+            <p:ph type="title"/>
+          </p:nvPr>
+        </p:nvSpPr>
+        <p:spPr/>
+        <p:txBody>
+          <a:bodyPr/>
+          <a:lstStyle/>
+          <a:p>
+            <a:pPr algn="l"/>
+            <a:r>
+              <a:rPr lang="en-US" dirty="0"/>
+              <a:t>conclusion</a:t>
             </a:r>
           </a:p>
         </p:txBody>
@@ -5401,59 +5718,73 @@
           <a:chExt cx="0" cy="0"/>
         </a:xfrm>
       </p:grpSpPr>
-      <p:pic>
-        <p:nvPicPr>
-          <p:cNvPr id="9" name="Picture 2" descr="Image result for lifting hook damage">
+      <p:sp>
+        <p:nvSpPr>
+          <p:cNvPr id="2" name="Title 1">
             <a:extLst>
               <a:ext uri="{FF2B5EF4-FFF2-40B4-BE49-F238E27FC236}">
-                <a16:creationId xmlns:a16="http://schemas.microsoft.com/office/drawing/2014/main" id="{2F26418F-6B1F-4652-BF07-469214D0870B}"/>
+                <a16:creationId xmlns:a16="http://schemas.microsoft.com/office/drawing/2014/main" id="{745B22F2-ABCA-48AD-BAFF-517A32C33F83}"/>
               </a:ext>
             </a:extLst>
           </p:cNvPr>
-          <p:cNvPicPr>
-            <a:picLocks noGrp="1" noChangeAspect="1" noChangeArrowheads="1"/>
-          </p:cNvPicPr>
-          <p:nvPr>
-            <p:ph idx="1"/>
-          </p:nvPr>
-        </p:nvPicPr>
-        <p:blipFill>
-          <a:blip r:embed="rId3">
+          <p:cNvSpPr>
+            <a:spLocks noGrp="1"/>
+          </p:cNvSpPr>
+          <p:nvPr>
+            <p:ph type="title"/>
+          </p:nvPr>
+        </p:nvSpPr>
+        <p:spPr/>
+        <p:txBody>
+          <a:bodyPr/>
+          <a:lstStyle/>
+          <a:p>
+            <a:pPr algn="l"/>
+            <a:r>
+              <a:rPr lang="en-US" dirty="0"/>
+              <a:t>What the data?</a:t>
+            </a:r>
+          </a:p>
+        </p:txBody>
+      </p:sp>
+      <p:sp>
+        <p:nvSpPr>
+          <p:cNvPr id="3" name="Content Placeholder 2">
             <a:extLst>
-              <a:ext uri="{28A0092B-C50C-407E-A947-70E740481C1C}">
-                <a14:useLocalDpi xmlns:a14="http://schemas.microsoft.com/office/drawing/2010/main" val="0"/>
+              <a:ext uri="{FF2B5EF4-FFF2-40B4-BE49-F238E27FC236}">
+                <a16:creationId xmlns:a16="http://schemas.microsoft.com/office/drawing/2014/main" id="{E2310E3E-6483-4B36-A28F-0F6EB7A0352A}"/>
               </a:ext>
             </a:extLst>
-          </a:blip>
-          <a:srcRect/>
-          <a:stretch>
-            <a:fillRect/>
-          </a:stretch>
-        </p:blipFill>
-        <p:spPr bwMode="auto">
-          <a:xfrm>
-            <a:off x="1359820" y="1124262"/>
-            <a:ext cx="9540169" cy="4452079"/>
-          </a:xfrm>
-          <a:prstGeom prst="rect">
-            <a:avLst/>
-          </a:prstGeom>
-          <a:noFill/>
-          <a:extLst>
-            <a:ext uri="{909E8E84-426E-40DD-AFC4-6F175D3DCCD1}">
-              <a14:hiddenFill xmlns:a14="http://schemas.microsoft.com/office/drawing/2010/main">
-                <a:solidFill>
-                  <a:srgbClr val="FFFFFF"/>
-                </a:solidFill>
-              </a14:hiddenFill>
-            </a:ext>
-          </a:extLst>
-        </p:spPr>
-      </p:pic>
+          </p:cNvPr>
+          <p:cNvSpPr>
+            <a:spLocks noGrp="1"/>
+          </p:cNvSpPr>
+          <p:nvPr>
+            <p:ph idx="1"/>
+          </p:nvPr>
+        </p:nvSpPr>
+        <p:spPr/>
+        <p:txBody>
+          <a:bodyPr/>
+          <a:lstStyle/>
+          <a:p>
+            <a:r>
+              <a:rPr lang="en-US" dirty="0"/>
+              <a:t>Patricia- describe to me where the raw data came from</a:t>
+            </a:r>
+          </a:p>
+          <a:p>
+            <a:r>
+              <a:rPr lang="en-US" dirty="0"/>
+              <a:t>North American Classification System (NAICS)</a:t>
+            </a:r>
+          </a:p>
+        </p:txBody>
+      </p:sp>
     </p:spTree>
     <p:extLst>
       <p:ext uri="{BB962C8B-B14F-4D97-AF65-F5344CB8AC3E}">
-        <p14:creationId xmlns:p14="http://schemas.microsoft.com/office/powerpoint/2010/main" val="4273149872"/>
+        <p14:creationId xmlns:p14="http://schemas.microsoft.com/office/powerpoint/2010/main" val="422618061"/>
       </p:ext>
     </p:extLst>
   </p:cSld>
@@ -5504,7 +5835,7 @@
             <a:pPr algn="l"/>
             <a:r>
               <a:rPr lang="en-US" dirty="0"/>
-              <a:t>Project overview</a:t>
+              <a:t>Dashboard Overview</a:t>
             </a:r>
           </a:p>
         </p:txBody>
@@ -5527,36 +5858,44 @@
         </p:nvSpPr>
         <p:spPr/>
         <p:txBody>
-          <a:bodyPr/>
-          <a:lstStyle/>
-          <a:p>
-            <a:r>
-              <a:rPr lang="en-US" dirty="0"/>
-              <a:t>Inspections</a:t>
-            </a:r>
-          </a:p>
-          <a:p>
-            <a:r>
-              <a:rPr lang="en-US" dirty="0"/>
-              <a:t>Testing</a:t>
-            </a:r>
-          </a:p>
-          <a:p>
-            <a:r>
-              <a:rPr lang="en-US" dirty="0"/>
-              <a:t>Maintenance</a:t>
-            </a:r>
-          </a:p>
-          <a:p>
-            <a:r>
-              <a:rPr lang="en-US" dirty="0"/>
-              <a:t>Forms</a:t>
-            </a:r>
-          </a:p>
-          <a:p>
-            <a:r>
-              <a:rPr lang="en-US" dirty="0"/>
-              <a:t>Program Site and Coursework</a:t>
+          <a:bodyPr>
+            <a:normAutofit/>
+          </a:bodyPr>
+          <a:lstStyle/>
+          <a:p>
+            <a:r>
+              <a:rPr lang="en-US" dirty="0" err="1"/>
+              <a:t>Barchart</a:t>
+            </a:r>
+            <a:r>
+              <a:rPr lang="en-US" dirty="0"/>
+              <a:t> showing Industry vs Revenue</a:t>
+            </a:r>
+          </a:p>
+          <a:p>
+            <a:r>
+              <a:rPr lang="en-US" dirty="0"/>
+              <a:t>Scatterplot with Employment vs Payroll, distinguishes points by total revenue</a:t>
+            </a:r>
+          </a:p>
+          <a:p>
+            <a:r>
+              <a:rPr lang="en-US" dirty="0"/>
+              <a:t>To make good analysis, need to define parameters (year, industry, </a:t>
+            </a:r>
+            <a:r>
+              <a:rPr lang="en-US" dirty="0" err="1"/>
+              <a:t>etc</a:t>
+            </a:r>
+            <a:r>
+              <a:rPr lang="en-US" dirty="0"/>
+              <a:t>)</a:t>
+            </a:r>
+          </a:p>
+          <a:p>
+            <a:r>
+              <a:rPr lang="en-US" dirty="0"/>
+              <a:t>The closest differential in Small and Large is within the Finance &amp; Insurance industry, this suggests a low capital, mid margin, mid skill industry, compare this to Health Care (high capital), Hospitality (low skill),  Construction (high margin)</a:t>
             </a:r>
           </a:p>
         </p:txBody>
@@ -5591,53 +5930,99 @@
           <a:chExt cx="0" cy="0"/>
         </a:xfrm>
       </p:grpSpPr>
+      <p:sp>
+        <p:nvSpPr>
+          <p:cNvPr id="6" name="Content Placeholder 5">
+            <a:extLst>
+              <a:ext uri="{FF2B5EF4-FFF2-40B4-BE49-F238E27FC236}">
+                <a16:creationId xmlns:a16="http://schemas.microsoft.com/office/drawing/2014/main" id="{1B8A89CC-2DD5-4A8F-8E05-CC0856C5B80C}"/>
+              </a:ext>
+            </a:extLst>
+          </p:cNvPr>
+          <p:cNvSpPr>
+            <a:spLocks noGrp="1"/>
+          </p:cNvSpPr>
+          <p:nvPr>
+            <p:ph idx="1"/>
+          </p:nvPr>
+        </p:nvSpPr>
+        <p:spPr>
+          <a:xfrm>
+            <a:off x="1450392" y="36192"/>
+            <a:ext cx="7034041" cy="413513"/>
+          </a:xfrm>
+        </p:spPr>
+        <p:txBody>
+          <a:bodyPr>
+            <a:normAutofit lnSpcReduction="10000"/>
+          </a:bodyPr>
+          <a:lstStyle/>
+          <a:p>
+            <a:r>
+              <a:rPr lang="en-US" dirty="0"/>
+              <a:t>Lets Add a photo of the Dashboard not individual graphs</a:t>
+            </a:r>
+          </a:p>
+        </p:txBody>
+      </p:sp>
       <p:pic>
         <p:nvPicPr>
-          <p:cNvPr id="9" name="Picture 2" descr="Image result for lifting hook damage">
+          <p:cNvPr id="8" name="Picture 7" descr="Chart, bar chart&#10;&#10;Description automatically generated">
             <a:extLst>
               <a:ext uri="{FF2B5EF4-FFF2-40B4-BE49-F238E27FC236}">
-                <a16:creationId xmlns:a16="http://schemas.microsoft.com/office/drawing/2014/main" id="{2F26418F-6B1F-4652-BF07-469214D0870B}"/>
+                <a16:creationId xmlns:a16="http://schemas.microsoft.com/office/drawing/2014/main" id="{7DE66B56-DB46-49CB-8766-4166613EA3FC}"/>
               </a:ext>
             </a:extLst>
           </p:cNvPr>
           <p:cNvPicPr>
-            <a:picLocks noGrp="1" noChangeAspect="1" noChangeArrowheads="1"/>
+            <a:picLocks noChangeAspect="1"/>
           </p:cNvPicPr>
-          <p:nvPr>
-            <p:ph idx="1"/>
-          </p:nvPr>
+          <p:nvPr/>
         </p:nvPicPr>
         <p:blipFill>
-          <a:blip r:embed="rId3">
-            <a:extLst>
-              <a:ext uri="{28A0092B-C50C-407E-A947-70E740481C1C}">
-                <a14:useLocalDpi xmlns:a14="http://schemas.microsoft.com/office/drawing/2010/main" val="0"/>
-              </a:ext>
-            </a:extLst>
-          </a:blip>
-          <a:srcRect/>
+          <a:blip r:embed="rId3"/>
           <a:stretch>
             <a:fillRect/>
           </a:stretch>
         </p:blipFill>
-        <p:spPr bwMode="auto">
+        <p:spPr>
           <a:xfrm>
-            <a:off x="1359820" y="1124262"/>
-            <a:ext cx="9540169" cy="4452079"/>
+            <a:off x="1285501" y="449705"/>
+            <a:ext cx="5451334" cy="2782395"/>
           </a:xfrm>
           <a:prstGeom prst="rect">
             <a:avLst/>
           </a:prstGeom>
-          <a:noFill/>
-          <a:extLst>
-            <a:ext uri="{909E8E84-426E-40DD-AFC4-6F175D3DCCD1}">
-              <a14:hiddenFill xmlns:a14="http://schemas.microsoft.com/office/drawing/2010/main">
-                <a:solidFill>
-                  <a:srgbClr val="FFFFFF"/>
-                </a:solidFill>
-              </a14:hiddenFill>
-            </a:ext>
-          </a:extLst>
+        </p:spPr>
+      </p:pic>
+      <p:pic>
+        <p:nvPicPr>
+          <p:cNvPr id="10" name="Picture 9" descr="Chart, scatter chart&#10;&#10;Description automatically generated">
+            <a:extLst>
+              <a:ext uri="{FF2B5EF4-FFF2-40B4-BE49-F238E27FC236}">
+                <a16:creationId xmlns:a16="http://schemas.microsoft.com/office/drawing/2014/main" id="{D4A4CF8E-83CE-4895-A78E-69A7873CDA25}"/>
+              </a:ext>
+            </a:extLst>
+          </p:cNvPr>
+          <p:cNvPicPr>
+            <a:picLocks noChangeAspect="1"/>
+          </p:cNvPicPr>
+          <p:nvPr/>
+        </p:nvPicPr>
+        <p:blipFill>
+          <a:blip r:embed="rId4"/>
+          <a:stretch>
+            <a:fillRect/>
+          </a:stretch>
+        </p:blipFill>
+        <p:spPr>
+          <a:xfrm>
+            <a:off x="1285500" y="3429000"/>
+            <a:ext cx="5451334" cy="2706178"/>
+          </a:xfrm>
+          <a:prstGeom prst="rect">
+            <a:avLst/>
+          </a:prstGeom>
         </p:spPr>
       </p:pic>
     </p:spTree>
@@ -5672,10 +6057,10 @@
       </p:grpSpPr>
       <p:sp>
         <p:nvSpPr>
-          <p:cNvPr id="2" name="Title 1">
+          <p:cNvPr id="6" name="Content Placeholder 5">
             <a:extLst>
               <a:ext uri="{FF2B5EF4-FFF2-40B4-BE49-F238E27FC236}">
-                <a16:creationId xmlns:a16="http://schemas.microsoft.com/office/drawing/2014/main" id="{745B22F2-ABCA-48AD-BAFF-517A32C33F83}"/>
+                <a16:creationId xmlns:a16="http://schemas.microsoft.com/office/drawing/2014/main" id="{1B8A89CC-2DD5-4A8F-8E05-CC0856C5B80C}"/>
               </a:ext>
             </a:extLst>
           </p:cNvPr>
@@ -5683,78 +6068,60 @@
             <a:spLocks noGrp="1"/>
           </p:cNvSpPr>
           <p:nvPr>
-            <p:ph type="title"/>
-          </p:nvPr>
-        </p:nvSpPr>
-        <p:spPr/>
-        <p:txBody>
-          <a:bodyPr/>
-          <a:lstStyle/>
-          <a:p>
-            <a:pPr algn="l"/>
-            <a:r>
-              <a:rPr lang="en-US" dirty="0"/>
-              <a:t>Data </a:t>
-            </a:r>
-          </a:p>
-        </p:txBody>
-      </p:sp>
-      <p:sp>
-        <p:nvSpPr>
-          <p:cNvPr id="3" name="Content Placeholder 2">
+            <p:ph idx="1"/>
+          </p:nvPr>
+        </p:nvSpPr>
+        <p:spPr>
+          <a:xfrm>
+            <a:off x="1450392" y="901874"/>
+            <a:ext cx="9291215" cy="693929"/>
+          </a:xfrm>
+        </p:spPr>
+        <p:txBody>
+          <a:bodyPr/>
+          <a:lstStyle/>
+          <a:p>
+            <a:r>
+              <a:rPr lang="en-US" dirty="0"/>
+              <a:t>Lets Add a photo of the Dashboard not individual graphs</a:t>
+            </a:r>
+          </a:p>
+        </p:txBody>
+      </p:sp>
+      <p:pic>
+        <p:nvPicPr>
+          <p:cNvPr id="3" name="Picture 2" descr="Chart, scatter chart&#10;&#10;Description automatically generated">
             <a:extLst>
               <a:ext uri="{FF2B5EF4-FFF2-40B4-BE49-F238E27FC236}">
-                <a16:creationId xmlns:a16="http://schemas.microsoft.com/office/drawing/2014/main" id="{E2310E3E-6483-4B36-A28F-0F6EB7A0352A}"/>
+                <a16:creationId xmlns:a16="http://schemas.microsoft.com/office/drawing/2014/main" id="{725DFAF4-3E3B-490C-B878-C1BF21062F1B}"/>
               </a:ext>
             </a:extLst>
           </p:cNvPr>
-          <p:cNvSpPr>
-            <a:spLocks noGrp="1"/>
-          </p:cNvSpPr>
-          <p:nvPr>
-            <p:ph idx="1"/>
-          </p:nvPr>
-        </p:nvSpPr>
-        <p:spPr/>
-        <p:txBody>
-          <a:bodyPr/>
-          <a:lstStyle/>
-          <a:p>
-            <a:r>
-              <a:rPr lang="en-US" dirty="0"/>
-              <a:t>Inspections</a:t>
-            </a:r>
-          </a:p>
-          <a:p>
-            <a:r>
-              <a:rPr lang="en-US" dirty="0"/>
-              <a:t>Testing</a:t>
-            </a:r>
-          </a:p>
-          <a:p>
-            <a:r>
-              <a:rPr lang="en-US" dirty="0"/>
-              <a:t>Maintenance</a:t>
-            </a:r>
-          </a:p>
-          <a:p>
-            <a:r>
-              <a:rPr lang="en-US" dirty="0"/>
-              <a:t>Forms</a:t>
-            </a:r>
-          </a:p>
-          <a:p>
-            <a:r>
-              <a:rPr lang="en-US" dirty="0"/>
-              <a:t>Program Site and Coursework</a:t>
-            </a:r>
-          </a:p>
-        </p:txBody>
-      </p:sp>
+          <p:cNvPicPr>
+            <a:picLocks noChangeAspect="1"/>
+          </p:cNvPicPr>
+          <p:nvPr/>
+        </p:nvPicPr>
+        <p:blipFill>
+          <a:blip r:embed="rId3"/>
+          <a:stretch>
+            <a:fillRect/>
+          </a:stretch>
+        </p:blipFill>
+        <p:spPr>
+          <a:xfrm>
+            <a:off x="1450392" y="1422921"/>
+            <a:ext cx="8885368" cy="4410918"/>
+          </a:xfrm>
+          <a:prstGeom prst="rect">
+            <a:avLst/>
+          </a:prstGeom>
+        </p:spPr>
+      </p:pic>
     </p:spTree>
     <p:extLst>
       <p:ext uri="{BB962C8B-B14F-4D97-AF65-F5344CB8AC3E}">
-        <p14:creationId xmlns:p14="http://schemas.microsoft.com/office/powerpoint/2010/main" val="422618061"/>
+        <p14:creationId xmlns:p14="http://schemas.microsoft.com/office/powerpoint/2010/main" val="2490499327"/>
       </p:ext>
     </p:extLst>
   </p:cSld>
@@ -5781,59 +6148,73 @@
           <a:chExt cx="0" cy="0"/>
         </a:xfrm>
       </p:grpSpPr>
+      <p:sp>
+        <p:nvSpPr>
+          <p:cNvPr id="6" name="Content Placeholder 5">
+            <a:extLst>
+              <a:ext uri="{FF2B5EF4-FFF2-40B4-BE49-F238E27FC236}">
+                <a16:creationId xmlns:a16="http://schemas.microsoft.com/office/drawing/2014/main" id="{1B8A89CC-2DD5-4A8F-8E05-CC0856C5B80C}"/>
+              </a:ext>
+            </a:extLst>
+          </p:cNvPr>
+          <p:cNvSpPr>
+            <a:spLocks noGrp="1"/>
+          </p:cNvSpPr>
+          <p:nvPr>
+            <p:ph idx="1"/>
+          </p:nvPr>
+        </p:nvSpPr>
+        <p:spPr>
+          <a:xfrm>
+            <a:off x="1450392" y="901874"/>
+            <a:ext cx="9291215" cy="693929"/>
+          </a:xfrm>
+        </p:spPr>
+        <p:txBody>
+          <a:bodyPr/>
+          <a:lstStyle/>
+          <a:p>
+            <a:r>
+              <a:rPr lang="en-US" dirty="0"/>
+              <a:t>Like This</a:t>
+            </a:r>
+          </a:p>
+        </p:txBody>
+      </p:sp>
       <p:pic>
         <p:nvPicPr>
-          <p:cNvPr id="9" name="Picture 2" descr="Image result for lifting hook damage">
+          <p:cNvPr id="4" name="Picture 3" descr="Chart&#10;&#10;Description automatically generated">
             <a:extLst>
               <a:ext uri="{FF2B5EF4-FFF2-40B4-BE49-F238E27FC236}">
-                <a16:creationId xmlns:a16="http://schemas.microsoft.com/office/drawing/2014/main" id="{2F26418F-6B1F-4652-BF07-469214D0870B}"/>
+                <a16:creationId xmlns:a16="http://schemas.microsoft.com/office/drawing/2014/main" id="{F017EF6B-3459-42EB-8DD1-E7EFA58FF4D8}"/>
               </a:ext>
             </a:extLst>
           </p:cNvPr>
           <p:cNvPicPr>
-            <a:picLocks noGrp="1" noChangeAspect="1" noChangeArrowheads="1"/>
+            <a:picLocks noChangeAspect="1"/>
           </p:cNvPicPr>
-          <p:nvPr>
-            <p:ph idx="1"/>
-          </p:nvPr>
+          <p:nvPr/>
         </p:nvPicPr>
         <p:blipFill>
-          <a:blip r:embed="rId3">
-            <a:extLst>
-              <a:ext uri="{28A0092B-C50C-407E-A947-70E740481C1C}">
-                <a14:useLocalDpi xmlns:a14="http://schemas.microsoft.com/office/drawing/2010/main" val="0"/>
-              </a:ext>
-            </a:extLst>
-          </a:blip>
-          <a:srcRect/>
+          <a:blip r:embed="rId3"/>
           <a:stretch>
             <a:fillRect/>
           </a:stretch>
         </p:blipFill>
-        <p:spPr bwMode="auto">
+        <p:spPr>
           <a:xfrm>
-            <a:off x="1359820" y="1124262"/>
-            <a:ext cx="9540169" cy="4452079"/>
+            <a:off x="3447736" y="1595803"/>
+            <a:ext cx="5501392" cy="4947120"/>
           </a:xfrm>
           <a:prstGeom prst="rect">
             <a:avLst/>
           </a:prstGeom>
-          <a:noFill/>
-          <a:extLst>
-            <a:ext uri="{909E8E84-426E-40DD-AFC4-6F175D3DCCD1}">
-              <a14:hiddenFill xmlns:a14="http://schemas.microsoft.com/office/drawing/2010/main">
-                <a:solidFill>
-                  <a:srgbClr val="FFFFFF"/>
-                </a:solidFill>
-              </a14:hiddenFill>
-            </a:ext>
-          </a:extLst>
         </p:spPr>
       </p:pic>
     </p:spTree>
     <p:extLst>
       <p:ext uri="{BB962C8B-B14F-4D97-AF65-F5344CB8AC3E}">
-        <p14:creationId xmlns:p14="http://schemas.microsoft.com/office/powerpoint/2010/main" val="1417637710"/>
+        <p14:creationId xmlns:p14="http://schemas.microsoft.com/office/powerpoint/2010/main" val="174007766"/>
       </p:ext>
     </p:extLst>
   </p:cSld>
@@ -5884,7 +6265,7 @@
             <a:pPr algn="l"/>
             <a:r>
               <a:rPr lang="en-US" dirty="0"/>
-              <a:t>Dashboard</a:t>
+              <a:t>The Bubble trends</a:t>
             </a:r>
           </a:p>
         </p:txBody>
@@ -5907,22 +6288,81 @@
         </p:nvSpPr>
         <p:spPr/>
         <p:txBody>
-          <a:bodyPr/>
-          <a:lstStyle/>
-          <a:p>
-            <a:r>
-              <a:rPr lang="en-US" dirty="0"/>
-              <a:t>Overload of Lifting Equipment</a:t>
-            </a:r>
-          </a:p>
-          <a:p>
-            <a:endParaRPr lang="en-US" dirty="0"/>
-          </a:p>
-          <a:p>
-            <a:r>
-              <a:rPr lang="en-US" dirty="0"/>
-              <a:t>Improper Installations</a:t>
-            </a:r>
+          <a:bodyPr>
+            <a:normAutofit lnSpcReduction="10000"/>
+          </a:bodyPr>
+          <a:lstStyle/>
+          <a:p>
+            <a:r>
+              <a:rPr lang="en-US" dirty="0"/>
+              <a:t>Industries are side by side comparisons of Big and Small Businesses</a:t>
+            </a:r>
+          </a:p>
+          <a:p>
+            <a:r>
+              <a:rPr lang="en-US" dirty="0"/>
+              <a:t>Revenue by industry (this shows a 1</a:t>
+            </a:r>
+            <a:r>
+              <a:rPr lang="en-US" baseline="30000" dirty="0"/>
+              <a:t>st</a:t>
+            </a:r>
+            <a:r>
+              <a:rPr lang="en-US" dirty="0"/>
+              <a:t> world *service* economy)</a:t>
+            </a:r>
+          </a:p>
+          <a:p>
+            <a:pPr lvl="1"/>
+            <a:r>
+              <a:rPr lang="en-US" dirty="0"/>
+              <a:t>Management, Utilities, Finance &amp; Insurance, Resource Exploitation</a:t>
+            </a:r>
+          </a:p>
+          <a:p>
+            <a:pPr lvl="8"/>
+            <a:r>
+              <a:rPr lang="en-US" dirty="0"/>
+              <a:t>(3</a:t>
+            </a:r>
+            <a:r>
+              <a:rPr lang="en-US" baseline="30000" dirty="0"/>
+              <a:t>rd</a:t>
+            </a:r>
+            <a:r>
+              <a:rPr lang="en-US" dirty="0"/>
+              <a:t> world has the last one as #1 industry every time)</a:t>
+            </a:r>
+          </a:p>
+          <a:p>
+            <a:r>
+              <a:rPr lang="en-US" dirty="0"/>
+              <a:t>Information is a rapidly growing piece of the pie (@10k per pop) ;)</a:t>
+            </a:r>
+          </a:p>
+          <a:p>
+            <a:r>
+              <a:rPr lang="en-US" dirty="0"/>
+              <a:t>Large Businesses dominate the US economies Total Payroll</a:t>
+            </a:r>
+          </a:p>
+          <a:p>
+            <a:r>
+              <a:rPr lang="en-US" dirty="0"/>
+              <a:t>Time permitting the “by industry” Average Salary differentials would be an interesting deep dive comparison</a:t>
+            </a:r>
+          </a:p>
+          <a:p>
+            <a:endParaRPr lang="en-US" dirty="0"/>
+          </a:p>
+          <a:p>
+            <a:pPr marL="0" indent="0">
+              <a:buNone/>
+            </a:pPr>
+            <a:endParaRPr lang="en-US" dirty="0"/>
+          </a:p>
+          <a:p>
+            <a:endParaRPr lang="en-US" dirty="0"/>
           </a:p>
           <a:p>
             <a:endParaRPr lang="en-US" dirty="0"/>
@@ -5959,104 +6399,86 @@
           <a:chExt cx="0" cy="0"/>
         </a:xfrm>
       </p:grpSpPr>
-      <p:pic>
-        <p:nvPicPr>
-          <p:cNvPr id="5" name="Picture 4" descr="Related image">
+      <p:sp>
+        <p:nvSpPr>
+          <p:cNvPr id="2" name="Title 1">
             <a:extLst>
               <a:ext uri="{FF2B5EF4-FFF2-40B4-BE49-F238E27FC236}">
-                <a16:creationId xmlns:a16="http://schemas.microsoft.com/office/drawing/2014/main" id="{23073AAB-3B44-4D6B-A8A4-2BD6EF878036}"/>
+                <a16:creationId xmlns:a16="http://schemas.microsoft.com/office/drawing/2014/main" id="{745B22F2-ABCA-48AD-BAFF-517A32C33F83}"/>
               </a:ext>
             </a:extLst>
           </p:cNvPr>
-          <p:cNvPicPr>
-            <a:picLocks noChangeAspect="1" noChangeArrowheads="1"/>
-          </p:cNvPicPr>
-          <p:nvPr/>
-        </p:nvPicPr>
-        <p:blipFill>
-          <a:blip r:embed="rId3">
-            <a:extLst>
-              <a:ext uri="{28A0092B-C50C-407E-A947-70E740481C1C}">
-                <a14:useLocalDpi xmlns:a14="http://schemas.microsoft.com/office/drawing/2010/main" val="0"/>
-              </a:ext>
-            </a:extLst>
-          </a:blip>
-          <a:srcRect/>
-          <a:stretch>
-            <a:fillRect/>
-          </a:stretch>
-        </p:blipFill>
-        <p:spPr bwMode="auto">
-          <a:xfrm>
-            <a:off x="6875735" y="1490827"/>
-            <a:ext cx="4903137" cy="3975517"/>
-          </a:xfrm>
-          <a:prstGeom prst="rect">
-            <a:avLst/>
-          </a:prstGeom>
-          <a:noFill/>
-          <a:extLst>
-            <a:ext uri="{909E8E84-426E-40DD-AFC4-6F175D3DCCD1}">
-              <a14:hiddenFill xmlns:a14="http://schemas.microsoft.com/office/drawing/2010/main">
-                <a:solidFill>
-                  <a:srgbClr val="FFFFFF"/>
-                </a:solidFill>
-              </a14:hiddenFill>
-            </a:ext>
-          </a:extLst>
-        </p:spPr>
-      </p:pic>
-      <p:pic>
-        <p:nvPicPr>
-          <p:cNvPr id="6" name="Picture 6" descr="Image result for proper rigging techniques">
+          <p:cNvSpPr>
+            <a:spLocks noGrp="1"/>
+          </p:cNvSpPr>
+          <p:nvPr>
+            <p:ph type="title"/>
+          </p:nvPr>
+        </p:nvSpPr>
+        <p:spPr/>
+        <p:txBody>
+          <a:bodyPr/>
+          <a:lstStyle/>
+          <a:p>
+            <a:pPr algn="l"/>
+            <a:r>
+              <a:rPr lang="en-US" dirty="0"/>
+              <a:t>Color map</a:t>
+            </a:r>
+          </a:p>
+        </p:txBody>
+      </p:sp>
+      <p:sp>
+        <p:nvSpPr>
+          <p:cNvPr id="3" name="Content Placeholder 2">
             <a:extLst>
               <a:ext uri="{FF2B5EF4-FFF2-40B4-BE49-F238E27FC236}">
-                <a16:creationId xmlns:a16="http://schemas.microsoft.com/office/drawing/2014/main" id="{4D4F1184-B3B4-474F-B2E6-B235F329CB71}"/>
+                <a16:creationId xmlns:a16="http://schemas.microsoft.com/office/drawing/2014/main" id="{E2310E3E-6483-4B36-A28F-0F6EB7A0352A}"/>
               </a:ext>
             </a:extLst>
           </p:cNvPr>
-          <p:cNvPicPr>
-            <a:picLocks noChangeAspect="1" noChangeArrowheads="1"/>
-          </p:cNvPicPr>
-          <p:nvPr/>
-        </p:nvPicPr>
-        <p:blipFill>
-          <a:blip r:embed="rId4">
-            <a:extLst>
-              <a:ext uri="{28A0092B-C50C-407E-A947-70E740481C1C}">
-                <a14:useLocalDpi xmlns:a14="http://schemas.microsoft.com/office/drawing/2010/main" val="0"/>
-              </a:ext>
-            </a:extLst>
-          </a:blip>
-          <a:srcRect/>
-          <a:stretch>
-            <a:fillRect/>
-          </a:stretch>
-        </p:blipFill>
-        <p:spPr bwMode="auto">
+          <p:cNvSpPr>
+            <a:spLocks noGrp="1"/>
+          </p:cNvSpPr>
+          <p:nvPr>
+            <p:ph idx="1"/>
+          </p:nvPr>
+        </p:nvSpPr>
+        <p:spPr>
           <a:xfrm>
-            <a:off x="395999" y="1490827"/>
-            <a:ext cx="6263106" cy="3975517"/>
+            <a:off x="1449206" y="1703693"/>
+            <a:ext cx="9291215" cy="4033228"/>
           </a:xfrm>
-          <a:prstGeom prst="rect">
-            <a:avLst/>
-          </a:prstGeom>
-          <a:noFill/>
-          <a:extLst>
-            <a:ext uri="{909E8E84-426E-40DD-AFC4-6F175D3DCCD1}">
-              <a14:hiddenFill xmlns:a14="http://schemas.microsoft.com/office/drawing/2010/main">
-                <a:solidFill>
-                  <a:srgbClr val="FFFFFF"/>
-                </a:solidFill>
-              </a14:hiddenFill>
-            </a:ext>
-          </a:extLst>
         </p:spPr>
-      </p:pic>
+        <p:txBody>
+          <a:bodyPr>
+            <a:normAutofit/>
+          </a:bodyPr>
+          <a:lstStyle/>
+          <a:p>
+            <a:r>
+              <a:rPr lang="en-US" dirty="0"/>
+              <a:t>Shows the US economy grew by roughly 15% from 2008 to 2017 within these Industries (David- can compute the annual GDP growth from that? (reverse compound interest)</a:t>
+            </a:r>
+          </a:p>
+          <a:p>
+            <a:r>
+              <a:rPr lang="en-US" dirty="0"/>
+              <a:t>Big business grew from 08 to 10 then dropped until 14 then jumped 1M in 15, then dropping the next 2 years, look into something between 13 and 14 causing massive big biz windfall in 15.</a:t>
+            </a:r>
+          </a:p>
+          <a:p>
+            <a:r>
+              <a:rPr lang="en-US" dirty="0"/>
+              <a:t>Small Businesses dropped every year from 08 to 15, jumping significantly in 16. Falls in line with historical political trends as to small businesses support. </a:t>
+            </a:r>
+          </a:p>
+        </p:txBody>
+      </p:sp>
     </p:spTree>
     <p:extLst>
       <p:ext uri="{BB962C8B-B14F-4D97-AF65-F5344CB8AC3E}">
-        <p14:creationId xmlns:p14="http://schemas.microsoft.com/office/powerpoint/2010/main" val="2109965030"/>
+        <p14:creationId xmlns:p14="http://schemas.microsoft.com/office/powerpoint/2010/main" val="3357386375"/>
       </p:ext>
     </p:extLst>
   </p:cSld>
@@ -6085,10 +6507,10 @@
       </p:grpSpPr>
       <p:sp>
         <p:nvSpPr>
-          <p:cNvPr id="2" name="Title 1">
+          <p:cNvPr id="2" name="Content Placeholder 1">
             <a:extLst>
               <a:ext uri="{FF2B5EF4-FFF2-40B4-BE49-F238E27FC236}">
-                <a16:creationId xmlns:a16="http://schemas.microsoft.com/office/drawing/2014/main" id="{745B22F2-ABCA-48AD-BAFF-517A32C33F83}"/>
+                <a16:creationId xmlns:a16="http://schemas.microsoft.com/office/drawing/2014/main" id="{8E8EE68E-6ABD-4E4B-BCEA-97B333FB905B}"/>
               </a:ext>
             </a:extLst>
           </p:cNvPr>
@@ -6096,81 +6518,60 @@
             <a:spLocks noGrp="1"/>
           </p:cNvSpPr>
           <p:nvPr>
-            <p:ph type="title"/>
-          </p:nvPr>
-        </p:nvSpPr>
-        <p:spPr/>
-        <p:txBody>
-          <a:bodyPr/>
-          <a:lstStyle/>
-          <a:p>
-            <a:pPr algn="l"/>
-            <a:r>
-              <a:rPr lang="en-US" dirty="0"/>
-              <a:t>Color map</a:t>
-            </a:r>
-          </a:p>
-        </p:txBody>
-      </p:sp>
-      <p:sp>
-        <p:nvSpPr>
-          <p:cNvPr id="3" name="Content Placeholder 2">
+            <p:ph idx="1"/>
+          </p:nvPr>
+        </p:nvSpPr>
+        <p:spPr>
+          <a:xfrm>
+            <a:off x="1113378" y="399875"/>
+            <a:ext cx="9233122" cy="1629341"/>
+          </a:xfrm>
+        </p:spPr>
+        <p:txBody>
+          <a:bodyPr/>
+          <a:lstStyle/>
+          <a:p>
+            <a:r>
+              <a:rPr lang="en-US" dirty="0"/>
+              <a:t>Small Business Map</a:t>
+            </a:r>
+          </a:p>
+        </p:txBody>
+      </p:sp>
+      <p:pic>
+        <p:nvPicPr>
+          <p:cNvPr id="4" name="Picture 3" descr="Map&#10;&#10;Description automatically generated">
             <a:extLst>
               <a:ext uri="{FF2B5EF4-FFF2-40B4-BE49-F238E27FC236}">
-                <a16:creationId xmlns:a16="http://schemas.microsoft.com/office/drawing/2014/main" id="{E2310E3E-6483-4B36-A28F-0F6EB7A0352A}"/>
+                <a16:creationId xmlns:a16="http://schemas.microsoft.com/office/drawing/2014/main" id="{12C15C64-3671-430A-A22C-DC188895281C}"/>
               </a:ext>
             </a:extLst>
           </p:cNvPr>
-          <p:cNvSpPr>
-            <a:spLocks noGrp="1"/>
-          </p:cNvSpPr>
-          <p:nvPr>
-            <p:ph idx="1"/>
-          </p:nvPr>
-        </p:nvSpPr>
-        <p:spPr/>
-        <p:txBody>
-          <a:bodyPr/>
-          <a:lstStyle/>
-          <a:p>
-            <a:r>
-              <a:rPr lang="en-US" dirty="0"/>
-              <a:t>Inspections must be performed by a “qualified person”</a:t>
-            </a:r>
-          </a:p>
-          <a:p>
-            <a:r>
-              <a:rPr lang="en-US" dirty="0"/>
-              <a:t>Pre-Lift Plan</a:t>
-            </a:r>
-          </a:p>
-          <a:p>
-            <a:r>
-              <a:rPr lang="en-US" dirty="0"/>
-              <a:t>Working knowledge of all work to be performed</a:t>
-            </a:r>
-          </a:p>
-          <a:p>
-            <a:r>
-              <a:rPr lang="en-US" dirty="0"/>
-              <a:t>Weights, envelope dimensions</a:t>
-            </a:r>
-          </a:p>
-          <a:p>
-            <a:r>
-              <a:rPr lang="en-US" dirty="0"/>
-              <a:t>Reduce planning down to manageable rigging and lift work to be performed</a:t>
-            </a:r>
-          </a:p>
-          <a:p>
-            <a:endParaRPr lang="en-US" dirty="0"/>
-          </a:p>
-        </p:txBody>
-      </p:sp>
+          <p:cNvPicPr>
+            <a:picLocks noChangeAspect="1"/>
+          </p:cNvPicPr>
+          <p:nvPr/>
+        </p:nvPicPr>
+        <p:blipFill>
+          <a:blip r:embed="rId3"/>
+          <a:stretch>
+            <a:fillRect/>
+          </a:stretch>
+        </p:blipFill>
+        <p:spPr>
+          <a:xfrm>
+            <a:off x="313084" y="1214545"/>
+            <a:ext cx="10033416" cy="5016708"/>
+          </a:xfrm>
+          <a:prstGeom prst="rect">
+            <a:avLst/>
+          </a:prstGeom>
+        </p:spPr>
+      </p:pic>
     </p:spTree>
     <p:extLst>
       <p:ext uri="{BB962C8B-B14F-4D97-AF65-F5344CB8AC3E}">
-        <p14:creationId xmlns:p14="http://schemas.microsoft.com/office/powerpoint/2010/main" val="3357386375"/>
+        <p14:creationId xmlns:p14="http://schemas.microsoft.com/office/powerpoint/2010/main" val="1417637710"/>
       </p:ext>
     </p:extLst>
   </p:cSld>

--- a/Project_2_Group_10.pptx
+++ b/Project_2_Group_10.pptx
@@ -5,7 +5,7 @@
     <p:sldMasterId id="2147483648" r:id="rId1"/>
   </p:sldMasterIdLst>
   <p:notesMasterIdLst>
-    <p:notesMasterId r:id="rId18"/>
+    <p:notesMasterId r:id="rId16"/>
   </p:notesMasterIdLst>
   <p:sldIdLst>
     <p:sldId id="256" r:id="rId2"/>
@@ -13,17 +13,15 @@
     <p:sldId id="270" r:id="rId4"/>
     <p:sldId id="271" r:id="rId5"/>
     <p:sldId id="272" r:id="rId6"/>
-    <p:sldId id="273" r:id="rId7"/>
-    <p:sldId id="260" r:id="rId8"/>
-    <p:sldId id="269" r:id="rId9"/>
-    <p:sldId id="258" r:id="rId10"/>
-    <p:sldId id="274" r:id="rId11"/>
+    <p:sldId id="260" r:id="rId7"/>
+    <p:sldId id="258" r:id="rId8"/>
+    <p:sldId id="274" r:id="rId9"/>
+    <p:sldId id="269" r:id="rId10"/>
+    <p:sldId id="262" r:id="rId11"/>
     <p:sldId id="257" r:id="rId12"/>
-    <p:sldId id="262" r:id="rId13"/>
-    <p:sldId id="259" r:id="rId14"/>
-    <p:sldId id="263" r:id="rId15"/>
-    <p:sldId id="267" r:id="rId16"/>
-    <p:sldId id="265" r:id="rId17"/>
+    <p:sldId id="259" r:id="rId13"/>
+    <p:sldId id="267" r:id="rId14"/>
+    <p:sldId id="265" r:id="rId15"/>
   </p:sldIdLst>
   <p:sldSz cx="12192000" cy="6858000"/>
   <p:notesSz cx="6858000" cy="9144000"/>
@@ -212,7 +210,7 @@
           <a:p>
             <a:fld id="{84856A6C-BAAB-4B56-984C-11A790D614FB}" type="datetimeFigureOut">
               <a:rPr lang="en-US" smtClean="0"/>
-              <a:t>12/11/2020</a:t>
+              <a:t>12/12/2020</a:t>
             </a:fld>
             <a:endParaRPr lang="en-US"/>
           </a:p>
@@ -637,7 +635,7 @@
     </p:spTree>
     <p:extLst>
       <p:ext uri="{BB962C8B-B14F-4D97-AF65-F5344CB8AC3E}">
-        <p14:creationId xmlns:p14="http://schemas.microsoft.com/office/powerpoint/2010/main" val="609426225"/>
+        <p14:creationId xmlns:p14="http://schemas.microsoft.com/office/powerpoint/2010/main" val="2247844227"/>
       </p:ext>
     </p:extLst>
   </p:cSld>
@@ -713,174 +711,6 @@
             <a:fld id="{A7FE854B-F042-40AB-A8CC-8D2DE5C84AC8}" type="slidenum">
               <a:rPr lang="en-US" smtClean="0"/>
               <a:t>14</a:t>
-            </a:fld>
-            <a:endParaRPr lang="en-US"/>
-          </a:p>
-        </p:txBody>
-      </p:sp>
-    </p:spTree>
-    <p:extLst>
-      <p:ext uri="{BB962C8B-B14F-4D97-AF65-F5344CB8AC3E}">
-        <p14:creationId xmlns:p14="http://schemas.microsoft.com/office/powerpoint/2010/main" val="2837915853"/>
-      </p:ext>
-    </p:extLst>
-  </p:cSld>
-  <p:clrMapOvr>
-    <a:masterClrMapping/>
-  </p:clrMapOvr>
-</p:notes>
-</file>
-
-<file path=ppt/notesSlides/notesSlide12.xml><?xml version="1.0" encoding="utf-8"?>
-<p:notes xmlns:a="http://schemas.openxmlformats.org/drawingml/2006/main" xmlns:r="http://schemas.openxmlformats.org/officeDocument/2006/relationships" xmlns:p="http://schemas.openxmlformats.org/presentationml/2006/main">
-  <p:cSld>
-    <p:spTree>
-      <p:nvGrpSpPr>
-        <p:cNvPr id="1" name=""/>
-        <p:cNvGrpSpPr/>
-        <p:nvPr/>
-      </p:nvGrpSpPr>
-      <p:grpSpPr>
-        <a:xfrm>
-          <a:off x="0" y="0"/>
-          <a:ext cx="0" cy="0"/>
-          <a:chOff x="0" y="0"/>
-          <a:chExt cx="0" cy="0"/>
-        </a:xfrm>
-      </p:grpSpPr>
-      <p:sp>
-        <p:nvSpPr>
-          <p:cNvPr id="2" name="Slide Image Placeholder 1"/>
-          <p:cNvSpPr>
-            <a:spLocks noGrp="1" noRot="1" noChangeAspect="1"/>
-          </p:cNvSpPr>
-          <p:nvPr>
-            <p:ph type="sldImg"/>
-          </p:nvPr>
-        </p:nvSpPr>
-        <p:spPr/>
-      </p:sp>
-      <p:sp>
-        <p:nvSpPr>
-          <p:cNvPr id="3" name="Notes Placeholder 2"/>
-          <p:cNvSpPr>
-            <a:spLocks noGrp="1"/>
-          </p:cNvSpPr>
-          <p:nvPr>
-            <p:ph type="body" idx="1"/>
-          </p:nvPr>
-        </p:nvSpPr>
-        <p:spPr/>
-        <p:txBody>
-          <a:bodyPr/>
-          <a:lstStyle/>
-          <a:p>
-            <a:endParaRPr lang="en-US"/>
-          </a:p>
-        </p:txBody>
-      </p:sp>
-      <p:sp>
-        <p:nvSpPr>
-          <p:cNvPr id="4" name="Slide Number Placeholder 3"/>
-          <p:cNvSpPr>
-            <a:spLocks noGrp="1"/>
-          </p:cNvSpPr>
-          <p:nvPr>
-            <p:ph type="sldNum" sz="quarter" idx="5"/>
-          </p:nvPr>
-        </p:nvSpPr>
-        <p:spPr/>
-        <p:txBody>
-          <a:bodyPr/>
-          <a:lstStyle/>
-          <a:p>
-            <a:fld id="{A7FE854B-F042-40AB-A8CC-8D2DE5C84AC8}" type="slidenum">
-              <a:rPr lang="en-US" smtClean="0"/>
-              <a:t>15</a:t>
-            </a:fld>
-            <a:endParaRPr lang="en-US"/>
-          </a:p>
-        </p:txBody>
-      </p:sp>
-    </p:spTree>
-    <p:extLst>
-      <p:ext uri="{BB962C8B-B14F-4D97-AF65-F5344CB8AC3E}">
-        <p14:creationId xmlns:p14="http://schemas.microsoft.com/office/powerpoint/2010/main" val="2247844227"/>
-      </p:ext>
-    </p:extLst>
-  </p:cSld>
-  <p:clrMapOvr>
-    <a:masterClrMapping/>
-  </p:clrMapOvr>
-</p:notes>
-</file>
-
-<file path=ppt/notesSlides/notesSlide13.xml><?xml version="1.0" encoding="utf-8"?>
-<p:notes xmlns:a="http://schemas.openxmlformats.org/drawingml/2006/main" xmlns:r="http://schemas.openxmlformats.org/officeDocument/2006/relationships" xmlns:p="http://schemas.openxmlformats.org/presentationml/2006/main">
-  <p:cSld>
-    <p:spTree>
-      <p:nvGrpSpPr>
-        <p:cNvPr id="1" name=""/>
-        <p:cNvGrpSpPr/>
-        <p:nvPr/>
-      </p:nvGrpSpPr>
-      <p:grpSpPr>
-        <a:xfrm>
-          <a:off x="0" y="0"/>
-          <a:ext cx="0" cy="0"/>
-          <a:chOff x="0" y="0"/>
-          <a:chExt cx="0" cy="0"/>
-        </a:xfrm>
-      </p:grpSpPr>
-      <p:sp>
-        <p:nvSpPr>
-          <p:cNvPr id="2" name="Slide Image Placeholder 1"/>
-          <p:cNvSpPr>
-            <a:spLocks noGrp="1" noRot="1" noChangeAspect="1"/>
-          </p:cNvSpPr>
-          <p:nvPr>
-            <p:ph type="sldImg"/>
-          </p:nvPr>
-        </p:nvSpPr>
-        <p:spPr/>
-      </p:sp>
-      <p:sp>
-        <p:nvSpPr>
-          <p:cNvPr id="3" name="Notes Placeholder 2"/>
-          <p:cNvSpPr>
-            <a:spLocks noGrp="1"/>
-          </p:cNvSpPr>
-          <p:nvPr>
-            <p:ph type="body" idx="1"/>
-          </p:nvPr>
-        </p:nvSpPr>
-        <p:spPr/>
-        <p:txBody>
-          <a:bodyPr/>
-          <a:lstStyle/>
-          <a:p>
-            <a:endParaRPr lang="en-US"/>
-          </a:p>
-        </p:txBody>
-      </p:sp>
-      <p:sp>
-        <p:nvSpPr>
-          <p:cNvPr id="4" name="Slide Number Placeholder 3"/>
-          <p:cNvSpPr>
-            <a:spLocks noGrp="1"/>
-          </p:cNvSpPr>
-          <p:nvPr>
-            <p:ph type="sldNum" sz="quarter" idx="5"/>
-          </p:nvPr>
-        </p:nvSpPr>
-        <p:spPr/>
-        <p:txBody>
-          <a:bodyPr/>
-          <a:lstStyle/>
-          <a:p>
-            <a:fld id="{A7FE854B-F042-40AB-A8CC-8D2DE5C84AC8}" type="slidenum">
-              <a:rPr lang="en-US" smtClean="0"/>
-              <a:t>16</a:t>
             </a:fld>
             <a:endParaRPr lang="en-US"/>
           </a:p>
@@ -1141,7 +971,7 @@
     </p:spTree>
     <p:extLst>
       <p:ext uri="{BB962C8B-B14F-4D97-AF65-F5344CB8AC3E}">
-        <p14:creationId xmlns:p14="http://schemas.microsoft.com/office/powerpoint/2010/main" val="2756498524"/>
+        <p14:creationId xmlns:p14="http://schemas.microsoft.com/office/powerpoint/2010/main" val="3969762949"/>
       </p:ext>
     </p:extLst>
   </p:cSld>
@@ -1225,7 +1055,7 @@
     </p:spTree>
     <p:extLst>
       <p:ext uri="{BB962C8B-B14F-4D97-AF65-F5344CB8AC3E}">
-        <p14:creationId xmlns:p14="http://schemas.microsoft.com/office/powerpoint/2010/main" val="3969762949"/>
+        <p14:creationId xmlns:p14="http://schemas.microsoft.com/office/powerpoint/2010/main" val="957875324"/>
       </p:ext>
     </p:extLst>
   </p:cSld>
@@ -1300,7 +1130,7 @@
           <a:p>
             <a:fld id="{A7FE854B-F042-40AB-A8CC-8D2DE5C84AC8}" type="slidenum">
               <a:rPr lang="en-US" smtClean="0"/>
-              <a:t>9</a:t>
+              <a:t>8</a:t>
             </a:fld>
             <a:endParaRPr lang="en-US"/>
           </a:p>
@@ -1309,7 +1139,7 @@
     </p:spTree>
     <p:extLst>
       <p:ext uri="{BB962C8B-B14F-4D97-AF65-F5344CB8AC3E}">
-        <p14:creationId xmlns:p14="http://schemas.microsoft.com/office/powerpoint/2010/main" val="957875324"/>
+        <p14:creationId xmlns:p14="http://schemas.microsoft.com/office/powerpoint/2010/main" val="1250615393"/>
       </p:ext>
     </p:extLst>
   </p:cSld>
@@ -1393,7 +1223,7 @@
     </p:spTree>
     <p:extLst>
       <p:ext uri="{BB962C8B-B14F-4D97-AF65-F5344CB8AC3E}">
-        <p14:creationId xmlns:p14="http://schemas.microsoft.com/office/powerpoint/2010/main" val="1250615393"/>
+        <p14:creationId xmlns:p14="http://schemas.microsoft.com/office/powerpoint/2010/main" val="712438140"/>
       </p:ext>
     </p:extLst>
   </p:cSld>
@@ -1561,7 +1391,7 @@
     </p:spTree>
     <p:extLst>
       <p:ext uri="{BB962C8B-B14F-4D97-AF65-F5344CB8AC3E}">
-        <p14:creationId xmlns:p14="http://schemas.microsoft.com/office/powerpoint/2010/main" val="712438140"/>
+        <p14:creationId xmlns:p14="http://schemas.microsoft.com/office/powerpoint/2010/main" val="609426225"/>
       </p:ext>
     </p:extLst>
   </p:cSld>
@@ -1710,7 +1540,7 @@
           <a:p>
             <a:fld id="{48A87A34-81AB-432B-8DAE-1953F412C126}" type="datetimeFigureOut">
               <a:rPr lang="en-US" dirty="0"/>
-              <a:t>12/11/2020</a:t>
+              <a:t>12/12/2020</a:t>
             </a:fld>
             <a:endParaRPr lang="en-US" dirty="0"/>
           </a:p>
@@ -1885,7 +1715,7 @@
           <a:p>
             <a:fld id="{48A87A34-81AB-432B-8DAE-1953F412C126}" type="datetimeFigureOut">
               <a:rPr lang="en-US" dirty="0"/>
-              <a:t>12/11/2020</a:t>
+              <a:t>12/12/2020</a:t>
             </a:fld>
             <a:endParaRPr lang="en-US" dirty="0"/>
           </a:p>
@@ -2064,7 +1894,7 @@
           <a:p>
             <a:fld id="{48A87A34-81AB-432B-8DAE-1953F412C126}" type="datetimeFigureOut">
               <a:rPr lang="en-US" dirty="0"/>
-              <a:t>12/11/2020</a:t>
+              <a:t>12/12/2020</a:t>
             </a:fld>
             <a:endParaRPr lang="en-US" dirty="0"/>
           </a:p>
@@ -2229,7 +2059,7 @@
           <a:p>
             <a:fld id="{48A87A34-81AB-432B-8DAE-1953F412C126}" type="datetimeFigureOut">
               <a:rPr lang="en-US" dirty="0"/>
-              <a:t>12/11/2020</a:t>
+              <a:t>12/12/2020</a:t>
             </a:fld>
             <a:endParaRPr lang="en-US" dirty="0"/>
           </a:p>
@@ -2472,7 +2302,7 @@
           <a:p>
             <a:fld id="{48A87A34-81AB-432B-8DAE-1953F412C126}" type="datetimeFigureOut">
               <a:rPr lang="en-US" dirty="0"/>
-              <a:t>12/11/2020</a:t>
+              <a:t>12/12/2020</a:t>
             </a:fld>
             <a:endParaRPr lang="en-US" dirty="0"/>
           </a:p>
@@ -2704,7 +2534,7 @@
           <a:p>
             <a:fld id="{48A87A34-81AB-432B-8DAE-1953F412C126}" type="datetimeFigureOut">
               <a:rPr lang="en-US" dirty="0"/>
-              <a:t>12/11/2020</a:t>
+              <a:t>12/12/2020</a:t>
             </a:fld>
             <a:endParaRPr lang="en-US" dirty="0"/>
           </a:p>
@@ -3084,7 +2914,7 @@
           <a:p>
             <a:fld id="{48A87A34-81AB-432B-8DAE-1953F412C126}" type="datetimeFigureOut">
               <a:rPr lang="en-US" dirty="0"/>
-              <a:t>12/11/2020</a:t>
+              <a:t>12/12/2020</a:t>
             </a:fld>
             <a:endParaRPr lang="en-US" dirty="0"/>
           </a:p>
@@ -3197,7 +3027,7 @@
           <a:p>
             <a:fld id="{48A87A34-81AB-432B-8DAE-1953F412C126}" type="datetimeFigureOut">
               <a:rPr lang="en-US" dirty="0"/>
-              <a:t>12/11/2020</a:t>
+              <a:t>12/12/2020</a:t>
             </a:fld>
             <a:endParaRPr lang="en-US" dirty="0"/>
           </a:p>
@@ -3287,7 +3117,7 @@
           <a:p>
             <a:fld id="{48A87A34-81AB-432B-8DAE-1953F412C126}" type="datetimeFigureOut">
               <a:rPr lang="en-US" dirty="0"/>
-              <a:t>12/11/2020</a:t>
+              <a:t>12/12/2020</a:t>
             </a:fld>
             <a:endParaRPr lang="en-US" dirty="0"/>
           </a:p>
@@ -3533,7 +3363,7 @@
           <a:p>
             <a:fld id="{48A87A34-81AB-432B-8DAE-1953F412C126}" type="datetimeFigureOut">
               <a:rPr lang="en-US" dirty="0"/>
-              <a:t>12/11/2020</a:t>
+              <a:t>12/12/2020</a:t>
             </a:fld>
             <a:endParaRPr lang="en-US" dirty="0"/>
           </a:p>
@@ -3920,7 +3750,7 @@
             <a:fld id="{48A87A34-81AB-432B-8DAE-1953F412C126}" type="datetimeFigureOut">
               <a:rPr lang="en-US" dirty="0"/>
               <a:pPr/>
-              <a:t>12/11/2020</a:t>
+              <a:t>12/12/2020</a:t>
             </a:fld>
             <a:endParaRPr lang="en-US" dirty="0"/>
           </a:p>
@@ -4134,7 +3964,7 @@
             <a:fld id="{48A87A34-81AB-432B-8DAE-1953F412C126}" type="datetimeFigureOut">
               <a:rPr lang="en-US" dirty="0"/>
               <a:pPr/>
-              <a:t>12/11/2020</a:t>
+              <a:t>12/12/2020</a:t>
             </a:fld>
             <a:endParaRPr lang="en-US" dirty="0"/>
           </a:p>
@@ -4799,6 +4629,1130 @@
           <a:chExt cx="0" cy="0"/>
         </a:xfrm>
       </p:grpSpPr>
+      <p:pic>
+        <p:nvPicPr>
+          <p:cNvPr id="4" name="Picture 3">
+            <a:extLst>
+              <a:ext uri="{FF2B5EF4-FFF2-40B4-BE49-F238E27FC236}">
+                <a16:creationId xmlns:a16="http://schemas.microsoft.com/office/drawing/2014/main" id="{CE36E934-F271-4714-92DB-F8838A091F01}"/>
+              </a:ext>
+            </a:extLst>
+          </p:cNvPr>
+          <p:cNvPicPr>
+            <a:picLocks noChangeAspect="1"/>
+          </p:cNvPicPr>
+          <p:nvPr/>
+        </p:nvPicPr>
+        <p:blipFill>
+          <a:blip r:embed="rId3"/>
+          <a:stretch>
+            <a:fillRect/>
+          </a:stretch>
+        </p:blipFill>
+        <p:spPr>
+          <a:xfrm>
+            <a:off x="2083635" y="0"/>
+            <a:ext cx="8015032" cy="6145967"/>
+          </a:xfrm>
+          <a:prstGeom prst="rect">
+            <a:avLst/>
+          </a:prstGeom>
+        </p:spPr>
+      </p:pic>
+    </p:spTree>
+    <p:extLst>
+      <p:ext uri="{BB962C8B-B14F-4D97-AF65-F5344CB8AC3E}">
+        <p14:creationId xmlns:p14="http://schemas.microsoft.com/office/powerpoint/2010/main" val="1005104479"/>
+      </p:ext>
+    </p:extLst>
+  </p:cSld>
+  <p:clrMapOvr>
+    <a:masterClrMapping/>
+  </p:clrMapOvr>
+</p:sld>
+</file>
+
+<file path=ppt/slides/slide11.xml><?xml version="1.0" encoding="utf-8"?>
+<p:sld xmlns:a="http://schemas.openxmlformats.org/drawingml/2006/main" xmlns:r="http://schemas.openxmlformats.org/officeDocument/2006/relationships" xmlns:p="http://schemas.openxmlformats.org/presentationml/2006/main">
+  <p:cSld>
+    <p:spTree>
+      <p:nvGrpSpPr>
+        <p:cNvPr id="1" name=""/>
+        <p:cNvGrpSpPr/>
+        <p:nvPr/>
+      </p:nvGrpSpPr>
+      <p:grpSpPr>
+        <a:xfrm>
+          <a:off x="0" y="0"/>
+          <a:ext cx="0" cy="0"/>
+          <a:chOff x="0" y="0"/>
+          <a:chExt cx="0" cy="0"/>
+        </a:xfrm>
+      </p:grpSpPr>
+      <p:sp>
+        <p:nvSpPr>
+          <p:cNvPr id="2" name="Title 1">
+            <a:extLst>
+              <a:ext uri="{FF2B5EF4-FFF2-40B4-BE49-F238E27FC236}">
+                <a16:creationId xmlns:a16="http://schemas.microsoft.com/office/drawing/2014/main" id="{290CB288-323F-4B33-AB6E-A323569DC47C}"/>
+              </a:ext>
+            </a:extLst>
+          </p:cNvPr>
+          <p:cNvSpPr>
+            <a:spLocks noGrp="1"/>
+          </p:cNvSpPr>
+          <p:nvPr>
+            <p:ph type="title"/>
+          </p:nvPr>
+        </p:nvSpPr>
+        <p:spPr/>
+        <p:txBody>
+          <a:bodyPr/>
+          <a:lstStyle/>
+          <a:p>
+            <a:pPr algn="l"/>
+            <a:r>
+              <a:rPr lang="en-US" dirty="0"/>
+              <a:t>Bubble chart</a:t>
+            </a:r>
+          </a:p>
+        </p:txBody>
+      </p:sp>
+      <p:sp>
+        <p:nvSpPr>
+          <p:cNvPr id="3" name="Content Placeholder 2">
+            <a:extLst>
+              <a:ext uri="{FF2B5EF4-FFF2-40B4-BE49-F238E27FC236}">
+                <a16:creationId xmlns:a16="http://schemas.microsoft.com/office/drawing/2014/main" id="{F6EA209F-2977-41AC-83EF-3BC54DAF1EC3}"/>
+              </a:ext>
+            </a:extLst>
+          </p:cNvPr>
+          <p:cNvSpPr>
+            <a:spLocks noGrp="1"/>
+          </p:cNvSpPr>
+          <p:nvPr>
+            <p:ph idx="1"/>
+          </p:nvPr>
+        </p:nvSpPr>
+        <p:spPr>
+          <a:xfrm>
+            <a:off x="1451579" y="2015732"/>
+            <a:ext cx="9291215" cy="3450613"/>
+          </a:xfrm>
+        </p:spPr>
+        <p:txBody>
+          <a:bodyPr>
+            <a:normAutofit/>
+          </a:bodyPr>
+          <a:lstStyle/>
+          <a:p>
+            <a:r>
+              <a:rPr lang="en-US" dirty="0"/>
+              <a:t>Missing or Illegible Tags on Equipment</a:t>
+            </a:r>
+          </a:p>
+          <a:p>
+            <a:r>
+              <a:rPr lang="en-US" dirty="0"/>
+              <a:t>Damage to Synthetic Slings</a:t>
+            </a:r>
+          </a:p>
+          <a:p>
+            <a:r>
+              <a:rPr lang="en-US" dirty="0"/>
+              <a:t>Stretched or Bent Links on Alloy Chain Slings</a:t>
+            </a:r>
+          </a:p>
+          <a:p>
+            <a:r>
+              <a:rPr lang="en-US" dirty="0"/>
+              <a:t>Broken Wires, Corrosion, and Deformation to Wire Rope</a:t>
+            </a:r>
+          </a:p>
+          <a:p>
+            <a:r>
+              <a:rPr lang="en-US" dirty="0"/>
+              <a:t>Broken or Damaged Rigging Hardware</a:t>
+            </a:r>
+          </a:p>
+          <a:p>
+            <a:r>
+              <a:rPr lang="en-US" dirty="0"/>
+              <a:t>Homemade or unmarked below the hook devices</a:t>
+            </a:r>
+          </a:p>
+          <a:p>
+            <a:pPr marL="0" indent="0">
+              <a:buNone/>
+            </a:pPr>
+            <a:endParaRPr lang="en-US" dirty="0"/>
+          </a:p>
+        </p:txBody>
+      </p:sp>
+    </p:spTree>
+    <p:extLst>
+      <p:ext uri="{BB962C8B-B14F-4D97-AF65-F5344CB8AC3E}">
+        <p14:creationId xmlns:p14="http://schemas.microsoft.com/office/powerpoint/2010/main" val="546367421"/>
+      </p:ext>
+    </p:extLst>
+  </p:cSld>
+  <p:clrMapOvr>
+    <a:masterClrMapping/>
+  </p:clrMapOvr>
+</p:sld>
+</file>
+
+<file path=ppt/slides/slide12.xml><?xml version="1.0" encoding="utf-8"?>
+<p:sld xmlns:a="http://schemas.openxmlformats.org/drawingml/2006/main" xmlns:r="http://schemas.openxmlformats.org/officeDocument/2006/relationships" xmlns:p="http://schemas.openxmlformats.org/presentationml/2006/main">
+  <p:cSld>
+    <p:spTree>
+      <p:nvGrpSpPr>
+        <p:cNvPr id="1" name=""/>
+        <p:cNvGrpSpPr/>
+        <p:nvPr/>
+      </p:nvGrpSpPr>
+      <p:grpSpPr>
+        <a:xfrm>
+          <a:off x="0" y="0"/>
+          <a:ext cx="0" cy="0"/>
+          <a:chOff x="0" y="0"/>
+          <a:chExt cx="0" cy="0"/>
+        </a:xfrm>
+      </p:grpSpPr>
+      <p:sp>
+        <p:nvSpPr>
+          <p:cNvPr id="2" name="Title 1">
+            <a:extLst>
+              <a:ext uri="{FF2B5EF4-FFF2-40B4-BE49-F238E27FC236}">
+                <a16:creationId xmlns:a16="http://schemas.microsoft.com/office/drawing/2014/main" id="{CE040AB0-FF06-4B94-8C2E-15EAB5EEAE5E}"/>
+              </a:ext>
+            </a:extLst>
+          </p:cNvPr>
+          <p:cNvSpPr>
+            <a:spLocks noGrp="1"/>
+          </p:cNvSpPr>
+          <p:nvPr>
+            <p:ph type="title"/>
+          </p:nvPr>
+        </p:nvSpPr>
+        <p:spPr/>
+        <p:txBody>
+          <a:bodyPr/>
+          <a:lstStyle/>
+          <a:p>
+            <a:pPr algn="l"/>
+            <a:r>
+              <a:rPr lang="en-US" dirty="0"/>
+              <a:t>Analysis summary</a:t>
+            </a:r>
+          </a:p>
+        </p:txBody>
+      </p:sp>
+      <p:sp>
+        <p:nvSpPr>
+          <p:cNvPr id="3" name="Content Placeholder 2">
+            <a:extLst>
+              <a:ext uri="{FF2B5EF4-FFF2-40B4-BE49-F238E27FC236}">
+                <a16:creationId xmlns:a16="http://schemas.microsoft.com/office/drawing/2014/main" id="{66F85413-8A5C-40BC-B0A5-7431DAE502DA}"/>
+              </a:ext>
+            </a:extLst>
+          </p:cNvPr>
+          <p:cNvSpPr>
+            <a:spLocks noGrp="1"/>
+          </p:cNvSpPr>
+          <p:nvPr>
+            <p:ph idx="1"/>
+          </p:nvPr>
+        </p:nvSpPr>
+        <p:spPr>
+          <a:xfrm>
+            <a:off x="1451579" y="1853754"/>
+            <a:ext cx="9291215" cy="3612591"/>
+          </a:xfrm>
+        </p:spPr>
+        <p:txBody>
+          <a:bodyPr>
+            <a:normAutofit/>
+          </a:bodyPr>
+          <a:lstStyle/>
+          <a:p>
+            <a:endParaRPr lang="en-US" dirty="0"/>
+          </a:p>
+          <a:p>
+            <a:r>
+              <a:rPr lang="en-US" dirty="0"/>
+              <a:t>Big Picture</a:t>
+            </a:r>
+          </a:p>
+          <a:p>
+            <a:endParaRPr lang="en-US" dirty="0"/>
+          </a:p>
+          <a:p>
+            <a:r>
+              <a:rPr lang="en-US" dirty="0"/>
+              <a:t>Cool things</a:t>
+            </a:r>
+          </a:p>
+          <a:p>
+            <a:endParaRPr lang="en-US" dirty="0"/>
+          </a:p>
+          <a:p>
+            <a:r>
+              <a:rPr lang="en-US" dirty="0"/>
+              <a:t>What to explore</a:t>
+            </a:r>
+          </a:p>
+          <a:p>
+            <a:pPr marL="0" indent="0">
+              <a:buNone/>
+            </a:pPr>
+            <a:endParaRPr lang="en-US" dirty="0"/>
+          </a:p>
+        </p:txBody>
+      </p:sp>
+    </p:spTree>
+    <p:extLst>
+      <p:ext uri="{BB962C8B-B14F-4D97-AF65-F5344CB8AC3E}">
+        <p14:creationId xmlns:p14="http://schemas.microsoft.com/office/powerpoint/2010/main" val="533002121"/>
+      </p:ext>
+    </p:extLst>
+  </p:cSld>
+  <p:clrMapOvr>
+    <a:masterClrMapping/>
+  </p:clrMapOvr>
+</p:sld>
+</file>
+
+<file path=ppt/slides/slide13.xml><?xml version="1.0" encoding="utf-8"?>
+<p:sld xmlns:a="http://schemas.openxmlformats.org/drawingml/2006/main" xmlns:r="http://schemas.openxmlformats.org/officeDocument/2006/relationships" xmlns:p="http://schemas.openxmlformats.org/presentationml/2006/main">
+  <p:cSld>
+    <p:spTree>
+      <p:nvGrpSpPr>
+        <p:cNvPr id="1" name=""/>
+        <p:cNvGrpSpPr/>
+        <p:nvPr/>
+      </p:nvGrpSpPr>
+      <p:grpSpPr>
+        <a:xfrm>
+          <a:off x="0" y="0"/>
+          <a:ext cx="0" cy="0"/>
+          <a:chOff x="0" y="0"/>
+          <a:chExt cx="0" cy="0"/>
+        </a:xfrm>
+      </p:grpSpPr>
+      <p:sp>
+        <p:nvSpPr>
+          <p:cNvPr id="2" name="Title 1">
+            <a:extLst>
+              <a:ext uri="{FF2B5EF4-FFF2-40B4-BE49-F238E27FC236}">
+                <a16:creationId xmlns:a16="http://schemas.microsoft.com/office/drawing/2014/main" id="{CE040AB0-FF06-4B94-8C2E-15EAB5EEAE5E}"/>
+              </a:ext>
+            </a:extLst>
+          </p:cNvPr>
+          <p:cNvSpPr>
+            <a:spLocks noGrp="1"/>
+          </p:cNvSpPr>
+          <p:nvPr>
+            <p:ph type="title"/>
+          </p:nvPr>
+        </p:nvSpPr>
+        <p:spPr/>
+        <p:txBody>
+          <a:bodyPr/>
+          <a:lstStyle/>
+          <a:p>
+            <a:pPr algn="l"/>
+            <a:r>
+              <a:rPr lang="en-US" dirty="0"/>
+              <a:t>Knowledge is key</a:t>
+            </a:r>
+          </a:p>
+        </p:txBody>
+      </p:sp>
+      <p:sp>
+        <p:nvSpPr>
+          <p:cNvPr id="3" name="Content Placeholder 2">
+            <a:extLst>
+              <a:ext uri="{FF2B5EF4-FFF2-40B4-BE49-F238E27FC236}">
+                <a16:creationId xmlns:a16="http://schemas.microsoft.com/office/drawing/2014/main" id="{66F85413-8A5C-40BC-B0A5-7431DAE502DA}"/>
+              </a:ext>
+            </a:extLst>
+          </p:cNvPr>
+          <p:cNvSpPr>
+            <a:spLocks noGrp="1"/>
+          </p:cNvSpPr>
+          <p:nvPr>
+            <p:ph idx="1"/>
+          </p:nvPr>
+        </p:nvSpPr>
+        <p:spPr>
+          <a:xfrm>
+            <a:off x="1451579" y="1853754"/>
+            <a:ext cx="9291215" cy="3612591"/>
+          </a:xfrm>
+        </p:spPr>
+        <p:txBody>
+          <a:bodyPr>
+            <a:normAutofit/>
+          </a:bodyPr>
+          <a:lstStyle/>
+          <a:p>
+            <a:endParaRPr lang="en-US" dirty="0"/>
+          </a:p>
+          <a:p>
+            <a:r>
+              <a:rPr lang="en-US" dirty="0"/>
+              <a:t>How to take advantage</a:t>
+            </a:r>
+          </a:p>
+          <a:p>
+            <a:endParaRPr lang="en-US" dirty="0"/>
+          </a:p>
+          <a:p>
+            <a:r>
+              <a:rPr lang="en-US" dirty="0"/>
+              <a:t>Insights</a:t>
+            </a:r>
+          </a:p>
+          <a:p>
+            <a:endParaRPr lang="en-US" dirty="0"/>
+          </a:p>
+          <a:p>
+            <a:pPr marL="0" indent="0">
+              <a:buNone/>
+            </a:pPr>
+            <a:endParaRPr lang="en-US" dirty="0"/>
+          </a:p>
+        </p:txBody>
+      </p:sp>
+    </p:spTree>
+    <p:extLst>
+      <p:ext uri="{BB962C8B-B14F-4D97-AF65-F5344CB8AC3E}">
+        <p14:creationId xmlns:p14="http://schemas.microsoft.com/office/powerpoint/2010/main" val="1298604608"/>
+      </p:ext>
+    </p:extLst>
+  </p:cSld>
+  <p:clrMapOvr>
+    <a:masterClrMapping/>
+  </p:clrMapOvr>
+</p:sld>
+</file>
+
+<file path=ppt/slides/slide14.xml><?xml version="1.0" encoding="utf-8"?>
+<p:sld xmlns:a="http://schemas.openxmlformats.org/drawingml/2006/main" xmlns:r="http://schemas.openxmlformats.org/officeDocument/2006/relationships" xmlns:p="http://schemas.openxmlformats.org/presentationml/2006/main">
+  <p:cSld>
+    <p:spTree>
+      <p:nvGrpSpPr>
+        <p:cNvPr id="1" name=""/>
+        <p:cNvGrpSpPr/>
+        <p:nvPr/>
+      </p:nvGrpSpPr>
+      <p:grpSpPr>
+        <a:xfrm>
+          <a:off x="0" y="0"/>
+          <a:ext cx="0" cy="0"/>
+          <a:chOff x="0" y="0"/>
+          <a:chExt cx="0" cy="0"/>
+        </a:xfrm>
+      </p:grpSpPr>
+      <p:sp>
+        <p:nvSpPr>
+          <p:cNvPr id="2" name="Title 1">
+            <a:extLst>
+              <a:ext uri="{FF2B5EF4-FFF2-40B4-BE49-F238E27FC236}">
+                <a16:creationId xmlns:a16="http://schemas.microsoft.com/office/drawing/2014/main" id="{CE040AB0-FF06-4B94-8C2E-15EAB5EEAE5E}"/>
+              </a:ext>
+            </a:extLst>
+          </p:cNvPr>
+          <p:cNvSpPr>
+            <a:spLocks noGrp="1"/>
+          </p:cNvSpPr>
+          <p:nvPr>
+            <p:ph type="title"/>
+          </p:nvPr>
+        </p:nvSpPr>
+        <p:spPr/>
+        <p:txBody>
+          <a:bodyPr/>
+          <a:lstStyle/>
+          <a:p>
+            <a:pPr algn="l"/>
+            <a:r>
+              <a:rPr lang="en-US" dirty="0"/>
+              <a:t>conclusion</a:t>
+            </a:r>
+          </a:p>
+        </p:txBody>
+      </p:sp>
+      <p:sp>
+        <p:nvSpPr>
+          <p:cNvPr id="3" name="Content Placeholder 2">
+            <a:extLst>
+              <a:ext uri="{FF2B5EF4-FFF2-40B4-BE49-F238E27FC236}">
+                <a16:creationId xmlns:a16="http://schemas.microsoft.com/office/drawing/2014/main" id="{66F85413-8A5C-40BC-B0A5-7431DAE502DA}"/>
+              </a:ext>
+            </a:extLst>
+          </p:cNvPr>
+          <p:cNvSpPr>
+            <a:spLocks noGrp="1"/>
+          </p:cNvSpPr>
+          <p:nvPr>
+            <p:ph idx="1"/>
+          </p:nvPr>
+        </p:nvSpPr>
+        <p:spPr>
+          <a:xfrm>
+            <a:off x="1451579" y="1853754"/>
+            <a:ext cx="9291215" cy="3612591"/>
+          </a:xfrm>
+        </p:spPr>
+        <p:txBody>
+          <a:bodyPr>
+            <a:normAutofit/>
+          </a:bodyPr>
+          <a:lstStyle/>
+          <a:p>
+            <a:endParaRPr lang="en-US" dirty="0"/>
+          </a:p>
+          <a:p>
+            <a:r>
+              <a:rPr lang="en-US" dirty="0"/>
+              <a:t>Questions, comments, or concerns</a:t>
+            </a:r>
+          </a:p>
+          <a:p>
+            <a:endParaRPr lang="en-US" dirty="0"/>
+          </a:p>
+          <a:p>
+            <a:pPr marL="0" indent="0">
+              <a:buNone/>
+            </a:pPr>
+            <a:endParaRPr lang="en-US" dirty="0"/>
+          </a:p>
+          <a:p>
+            <a:endParaRPr lang="en-US" dirty="0"/>
+          </a:p>
+          <a:p>
+            <a:endParaRPr lang="en-US" dirty="0"/>
+          </a:p>
+          <a:p>
+            <a:pPr marL="0" indent="0">
+              <a:buNone/>
+            </a:pPr>
+            <a:endParaRPr lang="en-US" dirty="0"/>
+          </a:p>
+        </p:txBody>
+      </p:sp>
+    </p:spTree>
+    <p:extLst>
+      <p:ext uri="{BB962C8B-B14F-4D97-AF65-F5344CB8AC3E}">
+        <p14:creationId xmlns:p14="http://schemas.microsoft.com/office/powerpoint/2010/main" val="271191244"/>
+      </p:ext>
+    </p:extLst>
+  </p:cSld>
+  <p:clrMapOvr>
+    <a:masterClrMapping/>
+  </p:clrMapOvr>
+</p:sld>
+</file>
+
+<file path=ppt/slides/slide2.xml><?xml version="1.0" encoding="utf-8"?>
+<p:sld xmlns:a="http://schemas.openxmlformats.org/drawingml/2006/main" xmlns:r="http://schemas.openxmlformats.org/officeDocument/2006/relationships" xmlns:p="http://schemas.openxmlformats.org/presentationml/2006/main">
+  <p:cSld>
+    <p:spTree>
+      <p:nvGrpSpPr>
+        <p:cNvPr id="1" name=""/>
+        <p:cNvGrpSpPr/>
+        <p:nvPr/>
+      </p:nvGrpSpPr>
+      <p:grpSpPr>
+        <a:xfrm>
+          <a:off x="0" y="0"/>
+          <a:ext cx="0" cy="0"/>
+          <a:chOff x="0" y="0"/>
+          <a:chExt cx="0" cy="0"/>
+        </a:xfrm>
+      </p:grpSpPr>
+      <p:sp>
+        <p:nvSpPr>
+          <p:cNvPr id="2" name="Title 1">
+            <a:extLst>
+              <a:ext uri="{FF2B5EF4-FFF2-40B4-BE49-F238E27FC236}">
+                <a16:creationId xmlns:a16="http://schemas.microsoft.com/office/drawing/2014/main" id="{745B22F2-ABCA-48AD-BAFF-517A32C33F83}"/>
+              </a:ext>
+            </a:extLst>
+          </p:cNvPr>
+          <p:cNvSpPr>
+            <a:spLocks noGrp="1"/>
+          </p:cNvSpPr>
+          <p:nvPr>
+            <p:ph type="title"/>
+          </p:nvPr>
+        </p:nvSpPr>
+        <p:spPr/>
+        <p:txBody>
+          <a:bodyPr/>
+          <a:lstStyle/>
+          <a:p>
+            <a:pPr algn="l"/>
+            <a:r>
+              <a:rPr lang="en-US" dirty="0"/>
+              <a:t>What the data?</a:t>
+            </a:r>
+          </a:p>
+        </p:txBody>
+      </p:sp>
+      <p:sp>
+        <p:nvSpPr>
+          <p:cNvPr id="3" name="Content Placeholder 2">
+            <a:extLst>
+              <a:ext uri="{FF2B5EF4-FFF2-40B4-BE49-F238E27FC236}">
+                <a16:creationId xmlns:a16="http://schemas.microsoft.com/office/drawing/2014/main" id="{E2310E3E-6483-4B36-A28F-0F6EB7A0352A}"/>
+              </a:ext>
+            </a:extLst>
+          </p:cNvPr>
+          <p:cNvSpPr>
+            <a:spLocks noGrp="1"/>
+          </p:cNvSpPr>
+          <p:nvPr>
+            <p:ph idx="1"/>
+          </p:nvPr>
+        </p:nvSpPr>
+        <p:spPr/>
+        <p:txBody>
+          <a:bodyPr/>
+          <a:lstStyle/>
+          <a:p>
+            <a:r>
+              <a:rPr lang="en-US" dirty="0"/>
+              <a:t>Where:</a:t>
+            </a:r>
+          </a:p>
+          <a:p>
+            <a:pPr lvl="1"/>
+            <a:r>
+              <a:rPr lang="en-US" dirty="0"/>
+              <a:t>North American Classification System (NAICS)</a:t>
+            </a:r>
+          </a:p>
+        </p:txBody>
+      </p:sp>
+    </p:spTree>
+    <p:extLst>
+      <p:ext uri="{BB962C8B-B14F-4D97-AF65-F5344CB8AC3E}">
+        <p14:creationId xmlns:p14="http://schemas.microsoft.com/office/powerpoint/2010/main" val="422618061"/>
+      </p:ext>
+    </p:extLst>
+  </p:cSld>
+  <p:clrMapOvr>
+    <a:masterClrMapping/>
+  </p:clrMapOvr>
+</p:sld>
+</file>
+
+<file path=ppt/slides/slide3.xml><?xml version="1.0" encoding="utf-8"?>
+<p:sld xmlns:a="http://schemas.openxmlformats.org/drawingml/2006/main" xmlns:r="http://schemas.openxmlformats.org/officeDocument/2006/relationships" xmlns:p="http://schemas.openxmlformats.org/presentationml/2006/main">
+  <p:cSld>
+    <p:spTree>
+      <p:nvGrpSpPr>
+        <p:cNvPr id="1" name=""/>
+        <p:cNvGrpSpPr/>
+        <p:nvPr/>
+      </p:nvGrpSpPr>
+      <p:grpSpPr>
+        <a:xfrm>
+          <a:off x="0" y="0"/>
+          <a:ext cx="0" cy="0"/>
+          <a:chOff x="0" y="0"/>
+          <a:chExt cx="0" cy="0"/>
+        </a:xfrm>
+      </p:grpSpPr>
+      <p:sp>
+        <p:nvSpPr>
+          <p:cNvPr id="2" name="Title 1">
+            <a:extLst>
+              <a:ext uri="{FF2B5EF4-FFF2-40B4-BE49-F238E27FC236}">
+                <a16:creationId xmlns:a16="http://schemas.microsoft.com/office/drawing/2014/main" id="{745B22F2-ABCA-48AD-BAFF-517A32C33F83}"/>
+              </a:ext>
+            </a:extLst>
+          </p:cNvPr>
+          <p:cNvSpPr>
+            <a:spLocks noGrp="1"/>
+          </p:cNvSpPr>
+          <p:nvPr>
+            <p:ph type="title"/>
+          </p:nvPr>
+        </p:nvSpPr>
+        <p:spPr/>
+        <p:txBody>
+          <a:bodyPr/>
+          <a:lstStyle/>
+          <a:p>
+            <a:pPr algn="l"/>
+            <a:r>
+              <a:rPr lang="en-US" dirty="0"/>
+              <a:t>Dashboard Overview</a:t>
+            </a:r>
+          </a:p>
+        </p:txBody>
+      </p:sp>
+      <p:sp>
+        <p:nvSpPr>
+          <p:cNvPr id="3" name="Content Placeholder 2">
+            <a:extLst>
+              <a:ext uri="{FF2B5EF4-FFF2-40B4-BE49-F238E27FC236}">
+                <a16:creationId xmlns:a16="http://schemas.microsoft.com/office/drawing/2014/main" id="{E2310E3E-6483-4B36-A28F-0F6EB7A0352A}"/>
+              </a:ext>
+            </a:extLst>
+          </p:cNvPr>
+          <p:cNvSpPr>
+            <a:spLocks noGrp="1"/>
+          </p:cNvSpPr>
+          <p:nvPr>
+            <p:ph idx="1"/>
+          </p:nvPr>
+        </p:nvSpPr>
+        <p:spPr/>
+        <p:txBody>
+          <a:bodyPr>
+            <a:normAutofit fontScale="92500"/>
+          </a:bodyPr>
+          <a:lstStyle/>
+          <a:p>
+            <a:r>
+              <a:rPr lang="en-US" dirty="0"/>
+              <a:t>Bar chart showing Industry vs Revenue</a:t>
+            </a:r>
+          </a:p>
+          <a:p>
+            <a:r>
+              <a:rPr lang="en-US" dirty="0"/>
+              <a:t>Scatterplot with Employment vs Payroll, distinguishes points by total revenue</a:t>
+            </a:r>
+          </a:p>
+          <a:p>
+            <a:r>
+              <a:rPr lang="en-US" dirty="0"/>
+              <a:t>To make a good analysis, we needed to define parameters (year, industry, </a:t>
+            </a:r>
+            <a:r>
+              <a:rPr lang="en-US" dirty="0" err="1"/>
+              <a:t>etc</a:t>
+            </a:r>
+            <a:r>
+              <a:rPr lang="en-US" dirty="0"/>
+              <a:t>)</a:t>
+            </a:r>
+          </a:p>
+          <a:p>
+            <a:r>
+              <a:rPr lang="en-US" dirty="0"/>
+              <a:t>The closest differential in Small and Large is within the Finance &amp; Insurance industry, this suggests a low capital, mid margin, mid skill industry, compare this to Health Care (high capital), Hospitality (low skill),  Construction (high margin)</a:t>
+            </a:r>
+          </a:p>
+        </p:txBody>
+      </p:sp>
+    </p:spTree>
+    <p:extLst>
+      <p:ext uri="{BB962C8B-B14F-4D97-AF65-F5344CB8AC3E}">
+        <p14:creationId xmlns:p14="http://schemas.microsoft.com/office/powerpoint/2010/main" val="901229362"/>
+      </p:ext>
+    </p:extLst>
+  </p:cSld>
+  <p:clrMapOvr>
+    <a:masterClrMapping/>
+  </p:clrMapOvr>
+</p:sld>
+</file>
+
+<file path=ppt/slides/slide4.xml><?xml version="1.0" encoding="utf-8"?>
+<p:sld xmlns:a="http://schemas.openxmlformats.org/drawingml/2006/main" xmlns:r="http://schemas.openxmlformats.org/officeDocument/2006/relationships" xmlns:p="http://schemas.openxmlformats.org/presentationml/2006/main">
+  <p:cSld>
+    <p:spTree>
+      <p:nvGrpSpPr>
+        <p:cNvPr id="1" name=""/>
+        <p:cNvGrpSpPr/>
+        <p:nvPr/>
+      </p:nvGrpSpPr>
+      <p:grpSpPr>
+        <a:xfrm>
+          <a:off x="0" y="0"/>
+          <a:ext cx="0" cy="0"/>
+          <a:chOff x="0" y="0"/>
+          <a:chExt cx="0" cy="0"/>
+        </a:xfrm>
+      </p:grpSpPr>
+      <p:pic>
+        <p:nvPicPr>
+          <p:cNvPr id="8" name="Picture 7" descr="Chart, bar chart&#10;&#10;Description automatically generated">
+            <a:extLst>
+              <a:ext uri="{FF2B5EF4-FFF2-40B4-BE49-F238E27FC236}">
+                <a16:creationId xmlns:a16="http://schemas.microsoft.com/office/drawing/2014/main" id="{7DE66B56-DB46-49CB-8766-4166613EA3FC}"/>
+              </a:ext>
+            </a:extLst>
+          </p:cNvPr>
+          <p:cNvPicPr>
+            <a:picLocks noChangeAspect="1"/>
+          </p:cNvPicPr>
+          <p:nvPr/>
+        </p:nvPicPr>
+        <p:blipFill>
+          <a:blip r:embed="rId3"/>
+          <a:stretch>
+            <a:fillRect/>
+          </a:stretch>
+        </p:blipFill>
+        <p:spPr>
+          <a:xfrm>
+            <a:off x="1521040" y="736953"/>
+            <a:ext cx="9149919" cy="4670176"/>
+          </a:xfrm>
+          <a:prstGeom prst="rect">
+            <a:avLst/>
+          </a:prstGeom>
+        </p:spPr>
+      </p:pic>
+    </p:spTree>
+    <p:extLst>
+      <p:ext uri="{BB962C8B-B14F-4D97-AF65-F5344CB8AC3E}">
+        <p14:creationId xmlns:p14="http://schemas.microsoft.com/office/powerpoint/2010/main" val="167221941"/>
+      </p:ext>
+    </p:extLst>
+  </p:cSld>
+  <p:clrMapOvr>
+    <a:masterClrMapping/>
+  </p:clrMapOvr>
+</p:sld>
+</file>
+
+<file path=ppt/slides/slide5.xml><?xml version="1.0" encoding="utf-8"?>
+<p:sld xmlns:a="http://schemas.openxmlformats.org/drawingml/2006/main" xmlns:r="http://schemas.openxmlformats.org/officeDocument/2006/relationships" xmlns:p="http://schemas.openxmlformats.org/presentationml/2006/main">
+  <p:cSld>
+    <p:spTree>
+      <p:nvGrpSpPr>
+        <p:cNvPr id="1" name=""/>
+        <p:cNvGrpSpPr/>
+        <p:nvPr/>
+      </p:nvGrpSpPr>
+      <p:grpSpPr>
+        <a:xfrm>
+          <a:off x="0" y="0"/>
+          <a:ext cx="0" cy="0"/>
+          <a:chOff x="0" y="0"/>
+          <a:chExt cx="0" cy="0"/>
+        </a:xfrm>
+      </p:grpSpPr>
+      <p:pic>
+        <p:nvPicPr>
+          <p:cNvPr id="3" name="Picture 2" descr="Chart, scatter chart&#10;&#10;Description automatically generated">
+            <a:extLst>
+              <a:ext uri="{FF2B5EF4-FFF2-40B4-BE49-F238E27FC236}">
+                <a16:creationId xmlns:a16="http://schemas.microsoft.com/office/drawing/2014/main" id="{725DFAF4-3E3B-490C-B878-C1BF21062F1B}"/>
+              </a:ext>
+            </a:extLst>
+          </p:cNvPr>
+          <p:cNvPicPr>
+            <a:picLocks noChangeAspect="1"/>
+          </p:cNvPicPr>
+          <p:nvPr/>
+        </p:nvPicPr>
+        <p:blipFill>
+          <a:blip r:embed="rId3"/>
+          <a:stretch>
+            <a:fillRect/>
+          </a:stretch>
+        </p:blipFill>
+        <p:spPr>
+          <a:xfrm>
+            <a:off x="1414881" y="916894"/>
+            <a:ext cx="8885368" cy="4410918"/>
+          </a:xfrm>
+          <a:prstGeom prst="rect">
+            <a:avLst/>
+          </a:prstGeom>
+        </p:spPr>
+      </p:pic>
+    </p:spTree>
+    <p:extLst>
+      <p:ext uri="{BB962C8B-B14F-4D97-AF65-F5344CB8AC3E}">
+        <p14:creationId xmlns:p14="http://schemas.microsoft.com/office/powerpoint/2010/main" val="2490499327"/>
+      </p:ext>
+    </p:extLst>
+  </p:cSld>
+  <p:clrMapOvr>
+    <a:masterClrMapping/>
+  </p:clrMapOvr>
+</p:sld>
+</file>
+
+<file path=ppt/slides/slide6.xml><?xml version="1.0" encoding="utf-8"?>
+<p:sld xmlns:a="http://schemas.openxmlformats.org/drawingml/2006/main" xmlns:r="http://schemas.openxmlformats.org/officeDocument/2006/relationships" xmlns:p="http://schemas.openxmlformats.org/presentationml/2006/main">
+  <p:cSld>
+    <p:spTree>
+      <p:nvGrpSpPr>
+        <p:cNvPr id="1" name=""/>
+        <p:cNvGrpSpPr/>
+        <p:nvPr/>
+      </p:nvGrpSpPr>
+      <p:grpSpPr>
+        <a:xfrm>
+          <a:off x="0" y="0"/>
+          <a:ext cx="0" cy="0"/>
+          <a:chOff x="0" y="0"/>
+          <a:chExt cx="0" cy="0"/>
+        </a:xfrm>
+      </p:grpSpPr>
+      <p:sp>
+        <p:nvSpPr>
+          <p:cNvPr id="2" name="Title 1">
+            <a:extLst>
+              <a:ext uri="{FF2B5EF4-FFF2-40B4-BE49-F238E27FC236}">
+                <a16:creationId xmlns:a16="http://schemas.microsoft.com/office/drawing/2014/main" id="{11454E09-CFEA-4CB8-B06F-E98298309E31}"/>
+              </a:ext>
+            </a:extLst>
+          </p:cNvPr>
+          <p:cNvSpPr>
+            <a:spLocks noGrp="1"/>
+          </p:cNvSpPr>
+          <p:nvPr>
+            <p:ph type="title"/>
+          </p:nvPr>
+        </p:nvSpPr>
+        <p:spPr/>
+        <p:txBody>
+          <a:bodyPr/>
+          <a:lstStyle/>
+          <a:p>
+            <a:pPr algn="l"/>
+            <a:r>
+              <a:rPr lang="en-US" dirty="0"/>
+              <a:t>The Bubble trends</a:t>
+            </a:r>
+          </a:p>
+        </p:txBody>
+      </p:sp>
+      <p:sp>
+        <p:nvSpPr>
+          <p:cNvPr id="3" name="Content Placeholder 2">
+            <a:extLst>
+              <a:ext uri="{FF2B5EF4-FFF2-40B4-BE49-F238E27FC236}">
+                <a16:creationId xmlns:a16="http://schemas.microsoft.com/office/drawing/2014/main" id="{7BFE4042-24DF-4107-9C7E-524FFBD186AD}"/>
+              </a:ext>
+            </a:extLst>
+          </p:cNvPr>
+          <p:cNvSpPr>
+            <a:spLocks noGrp="1"/>
+          </p:cNvSpPr>
+          <p:nvPr>
+            <p:ph idx="1"/>
+          </p:nvPr>
+        </p:nvSpPr>
+        <p:spPr/>
+        <p:txBody>
+          <a:bodyPr>
+            <a:normAutofit lnSpcReduction="10000"/>
+          </a:bodyPr>
+          <a:lstStyle/>
+          <a:p>
+            <a:r>
+              <a:rPr lang="en-US" dirty="0"/>
+              <a:t>Industries are side by side comparisons of Big and Small Businesses</a:t>
+            </a:r>
+          </a:p>
+          <a:p>
+            <a:r>
+              <a:rPr lang="en-US" dirty="0"/>
+              <a:t>Revenue by industry (this shows a 1</a:t>
+            </a:r>
+            <a:r>
+              <a:rPr lang="en-US" baseline="30000" dirty="0"/>
+              <a:t>st</a:t>
+            </a:r>
+            <a:r>
+              <a:rPr lang="en-US" dirty="0"/>
+              <a:t> world *service* economy)</a:t>
+            </a:r>
+          </a:p>
+          <a:p>
+            <a:pPr lvl="1"/>
+            <a:r>
+              <a:rPr lang="en-US" dirty="0"/>
+              <a:t>Management, Utilities, Finance &amp; Insurance, Resource Exploitation</a:t>
+            </a:r>
+          </a:p>
+          <a:p>
+            <a:pPr lvl="8"/>
+            <a:r>
+              <a:rPr lang="en-US" dirty="0"/>
+              <a:t>(3</a:t>
+            </a:r>
+            <a:r>
+              <a:rPr lang="en-US" baseline="30000" dirty="0"/>
+              <a:t>rd</a:t>
+            </a:r>
+            <a:r>
+              <a:rPr lang="en-US" dirty="0"/>
+              <a:t> world has the last one as #1 industry every time)</a:t>
+            </a:r>
+          </a:p>
+          <a:p>
+            <a:r>
+              <a:rPr lang="en-US" dirty="0"/>
+              <a:t>Information is a rapidly growing piece of the pie (@10k per pop) ;)</a:t>
+            </a:r>
+          </a:p>
+          <a:p>
+            <a:r>
+              <a:rPr lang="en-US" dirty="0"/>
+              <a:t>Large Businesses dominate the US economies Total Payroll</a:t>
+            </a:r>
+          </a:p>
+          <a:p>
+            <a:r>
+              <a:rPr lang="en-US" dirty="0"/>
+              <a:t>Time permitting the “by industry” Average Salary differentials would be an interesting deep dive comparison</a:t>
+            </a:r>
+          </a:p>
+          <a:p>
+            <a:endParaRPr lang="en-US" dirty="0"/>
+          </a:p>
+          <a:p>
+            <a:pPr marL="0" indent="0">
+              <a:buNone/>
+            </a:pPr>
+            <a:endParaRPr lang="en-US" dirty="0"/>
+          </a:p>
+          <a:p>
+            <a:endParaRPr lang="en-US" dirty="0"/>
+          </a:p>
+          <a:p>
+            <a:endParaRPr lang="en-US" dirty="0"/>
+          </a:p>
+        </p:txBody>
+      </p:sp>
+    </p:spTree>
+    <p:extLst>
+      <p:ext uri="{BB962C8B-B14F-4D97-AF65-F5344CB8AC3E}">
+        <p14:creationId xmlns:p14="http://schemas.microsoft.com/office/powerpoint/2010/main" val="4049647872"/>
+      </p:ext>
+    </p:extLst>
+  </p:cSld>
+  <p:clrMapOvr>
+    <a:masterClrMapping/>
+  </p:clrMapOvr>
+</p:sld>
+</file>
+
+<file path=ppt/slides/slide7.xml><?xml version="1.0" encoding="utf-8"?>
+<p:sld xmlns:a="http://schemas.openxmlformats.org/drawingml/2006/main" xmlns:r="http://schemas.openxmlformats.org/officeDocument/2006/relationships" xmlns:p="http://schemas.openxmlformats.org/presentationml/2006/main">
+  <p:cSld>
+    <p:spTree>
+      <p:nvGrpSpPr>
+        <p:cNvPr id="1" name=""/>
+        <p:cNvGrpSpPr/>
+        <p:nvPr/>
+      </p:nvGrpSpPr>
+      <p:grpSpPr>
+        <a:xfrm>
+          <a:off x="0" y="0"/>
+          <a:ext cx="0" cy="0"/>
+          <a:chOff x="0" y="0"/>
+          <a:chExt cx="0" cy="0"/>
+        </a:xfrm>
+      </p:grpSpPr>
+      <p:sp>
+        <p:nvSpPr>
+          <p:cNvPr id="2" name="Content Placeholder 1">
+            <a:extLst>
+              <a:ext uri="{FF2B5EF4-FFF2-40B4-BE49-F238E27FC236}">
+                <a16:creationId xmlns:a16="http://schemas.microsoft.com/office/drawing/2014/main" id="{8E8EE68E-6ABD-4E4B-BCEA-97B333FB905B}"/>
+              </a:ext>
+            </a:extLst>
+          </p:cNvPr>
+          <p:cNvSpPr>
+            <a:spLocks noGrp="1"/>
+          </p:cNvSpPr>
+          <p:nvPr>
+            <p:ph idx="1"/>
+          </p:nvPr>
+        </p:nvSpPr>
+        <p:spPr>
+          <a:xfrm>
+            <a:off x="1113378" y="399875"/>
+            <a:ext cx="9233122" cy="1629341"/>
+          </a:xfrm>
+        </p:spPr>
+        <p:txBody>
+          <a:bodyPr/>
+          <a:lstStyle/>
+          <a:p>
+            <a:r>
+              <a:rPr lang="en-US" dirty="0"/>
+              <a:t>Small Business Map</a:t>
+            </a:r>
+          </a:p>
+        </p:txBody>
+      </p:sp>
+      <p:pic>
+        <p:nvPicPr>
+          <p:cNvPr id="4" name="Picture 3" descr="Map&#10;&#10;Description automatically generated">
+            <a:extLst>
+              <a:ext uri="{FF2B5EF4-FFF2-40B4-BE49-F238E27FC236}">
+                <a16:creationId xmlns:a16="http://schemas.microsoft.com/office/drawing/2014/main" id="{12C15C64-3671-430A-A22C-DC188895281C}"/>
+              </a:ext>
+            </a:extLst>
+          </p:cNvPr>
+          <p:cNvPicPr>
+            <a:picLocks noChangeAspect="1"/>
+          </p:cNvPicPr>
+          <p:nvPr/>
+        </p:nvPicPr>
+        <p:blipFill>
+          <a:blip r:embed="rId3"/>
+          <a:stretch>
+            <a:fillRect/>
+          </a:stretch>
+        </p:blipFill>
+        <p:spPr>
+          <a:xfrm>
+            <a:off x="499515" y="920646"/>
+            <a:ext cx="10033416" cy="5016708"/>
+          </a:xfrm>
+          <a:prstGeom prst="rect">
+            <a:avLst/>
+          </a:prstGeom>
+        </p:spPr>
+      </p:pic>
+    </p:spTree>
+    <p:extLst>
+      <p:ext uri="{BB962C8B-B14F-4D97-AF65-F5344CB8AC3E}">
+        <p14:creationId xmlns:p14="http://schemas.microsoft.com/office/powerpoint/2010/main" val="1417637710"/>
+      </p:ext>
+    </p:extLst>
+  </p:cSld>
+  <p:clrMapOvr>
+    <a:masterClrMapping/>
+  </p:clrMapOvr>
+</p:sld>
+</file>
+
+<file path=ppt/slides/slide8.xml><?xml version="1.0" encoding="utf-8"?>
+<p:sld xmlns:a="http://schemas.openxmlformats.org/drawingml/2006/main" xmlns:r="http://schemas.openxmlformats.org/officeDocument/2006/relationships" xmlns:p="http://schemas.openxmlformats.org/presentationml/2006/main">
+  <p:cSld>
+    <p:spTree>
+      <p:nvGrpSpPr>
+        <p:cNvPr id="1" name=""/>
+        <p:cNvGrpSpPr/>
+        <p:nvPr/>
+      </p:nvGrpSpPr>
+      <p:grpSpPr>
+        <a:xfrm>
+          <a:off x="0" y="0"/>
+          <a:ext cx="0" cy="0"/>
+          <a:chOff x="0" y="0"/>
+          <a:chExt cx="0" cy="0"/>
+        </a:xfrm>
+      </p:grpSpPr>
       <p:sp>
         <p:nvSpPr>
           <p:cNvPr id="2" name="Content Placeholder 1">
@@ -4883,1611 +5837,6 @@
 </p:sld>
 </file>
 
-<file path=ppt/slides/slide11.xml><?xml version="1.0" encoding="utf-8"?>
-<p:sld xmlns:a="http://schemas.openxmlformats.org/drawingml/2006/main" xmlns:r="http://schemas.openxmlformats.org/officeDocument/2006/relationships" xmlns:p="http://schemas.openxmlformats.org/presentationml/2006/main">
-  <p:cSld>
-    <p:spTree>
-      <p:nvGrpSpPr>
-        <p:cNvPr id="1" name=""/>
-        <p:cNvGrpSpPr/>
-        <p:nvPr/>
-      </p:nvGrpSpPr>
-      <p:grpSpPr>
-        <a:xfrm>
-          <a:off x="0" y="0"/>
-          <a:ext cx="0" cy="0"/>
-          <a:chOff x="0" y="0"/>
-          <a:chExt cx="0" cy="0"/>
-        </a:xfrm>
-      </p:grpSpPr>
-      <p:sp>
-        <p:nvSpPr>
-          <p:cNvPr id="2" name="Title 1">
-            <a:extLst>
-              <a:ext uri="{FF2B5EF4-FFF2-40B4-BE49-F238E27FC236}">
-                <a16:creationId xmlns:a16="http://schemas.microsoft.com/office/drawing/2014/main" id="{290CB288-323F-4B33-AB6E-A323569DC47C}"/>
-              </a:ext>
-            </a:extLst>
-          </p:cNvPr>
-          <p:cNvSpPr>
-            <a:spLocks noGrp="1"/>
-          </p:cNvSpPr>
-          <p:nvPr>
-            <p:ph type="title"/>
-          </p:nvPr>
-        </p:nvSpPr>
-        <p:spPr/>
-        <p:txBody>
-          <a:bodyPr/>
-          <a:lstStyle/>
-          <a:p>
-            <a:pPr algn="l"/>
-            <a:r>
-              <a:rPr lang="en-US" dirty="0"/>
-              <a:t>Bubble chart</a:t>
-            </a:r>
-          </a:p>
-        </p:txBody>
-      </p:sp>
-      <p:sp>
-        <p:nvSpPr>
-          <p:cNvPr id="3" name="Content Placeholder 2">
-            <a:extLst>
-              <a:ext uri="{FF2B5EF4-FFF2-40B4-BE49-F238E27FC236}">
-                <a16:creationId xmlns:a16="http://schemas.microsoft.com/office/drawing/2014/main" id="{F6EA209F-2977-41AC-83EF-3BC54DAF1EC3}"/>
-              </a:ext>
-            </a:extLst>
-          </p:cNvPr>
-          <p:cNvSpPr>
-            <a:spLocks noGrp="1"/>
-          </p:cNvSpPr>
-          <p:nvPr>
-            <p:ph idx="1"/>
-          </p:nvPr>
-        </p:nvSpPr>
-        <p:spPr>
-          <a:xfrm>
-            <a:off x="1451579" y="2015732"/>
-            <a:ext cx="9291215" cy="3450613"/>
-          </a:xfrm>
-        </p:spPr>
-        <p:txBody>
-          <a:bodyPr>
-            <a:normAutofit/>
-          </a:bodyPr>
-          <a:lstStyle/>
-          <a:p>
-            <a:r>
-              <a:rPr lang="en-US" dirty="0"/>
-              <a:t>Missing or Illegible Tags on Equipment</a:t>
-            </a:r>
-          </a:p>
-          <a:p>
-            <a:r>
-              <a:rPr lang="en-US" dirty="0"/>
-              <a:t>Damage to Synthetic Slings</a:t>
-            </a:r>
-          </a:p>
-          <a:p>
-            <a:r>
-              <a:rPr lang="en-US" dirty="0"/>
-              <a:t>Stretched or Bent Links on Alloy Chain Slings</a:t>
-            </a:r>
-          </a:p>
-          <a:p>
-            <a:r>
-              <a:rPr lang="en-US" dirty="0"/>
-              <a:t>Broken Wires, Corrosion, and Deformation to Wire Rope</a:t>
-            </a:r>
-          </a:p>
-          <a:p>
-            <a:r>
-              <a:rPr lang="en-US" dirty="0"/>
-              <a:t>Broken or Damaged Rigging Hardware</a:t>
-            </a:r>
-          </a:p>
-          <a:p>
-            <a:r>
-              <a:rPr lang="en-US" dirty="0"/>
-              <a:t>Homemade or unmarked below the hook devices</a:t>
-            </a:r>
-          </a:p>
-          <a:p>
-            <a:pPr marL="0" indent="0">
-              <a:buNone/>
-            </a:pPr>
-            <a:endParaRPr lang="en-US" dirty="0"/>
-          </a:p>
-        </p:txBody>
-      </p:sp>
-    </p:spTree>
-    <p:extLst>
-      <p:ext uri="{BB962C8B-B14F-4D97-AF65-F5344CB8AC3E}">
-        <p14:creationId xmlns:p14="http://schemas.microsoft.com/office/powerpoint/2010/main" val="546367421"/>
-      </p:ext>
-    </p:extLst>
-  </p:cSld>
-  <p:clrMapOvr>
-    <a:masterClrMapping/>
-  </p:clrMapOvr>
-</p:sld>
-</file>
-
-<file path=ppt/slides/slide12.xml><?xml version="1.0" encoding="utf-8"?>
-<p:sld xmlns:a="http://schemas.openxmlformats.org/drawingml/2006/main" xmlns:r="http://schemas.openxmlformats.org/officeDocument/2006/relationships" xmlns:p="http://schemas.openxmlformats.org/presentationml/2006/main">
-  <p:cSld>
-    <p:spTree>
-      <p:nvGrpSpPr>
-        <p:cNvPr id="1" name=""/>
-        <p:cNvGrpSpPr/>
-        <p:nvPr/>
-      </p:nvGrpSpPr>
-      <p:grpSpPr>
-        <a:xfrm>
-          <a:off x="0" y="0"/>
-          <a:ext cx="0" cy="0"/>
-          <a:chOff x="0" y="0"/>
-          <a:chExt cx="0" cy="0"/>
-        </a:xfrm>
-      </p:grpSpPr>
-      <p:pic>
-        <p:nvPicPr>
-          <p:cNvPr id="4" name="Picture 3">
-            <a:extLst>
-              <a:ext uri="{FF2B5EF4-FFF2-40B4-BE49-F238E27FC236}">
-                <a16:creationId xmlns:a16="http://schemas.microsoft.com/office/drawing/2014/main" id="{CE36E934-F271-4714-92DB-F8838A091F01}"/>
-              </a:ext>
-            </a:extLst>
-          </p:cNvPr>
-          <p:cNvPicPr>
-            <a:picLocks noChangeAspect="1"/>
-          </p:cNvPicPr>
-          <p:nvPr/>
-        </p:nvPicPr>
-        <p:blipFill>
-          <a:blip r:embed="rId3"/>
-          <a:stretch>
-            <a:fillRect/>
-          </a:stretch>
-        </p:blipFill>
-        <p:spPr>
-          <a:xfrm>
-            <a:off x="2083635" y="0"/>
-            <a:ext cx="8015032" cy="6145967"/>
-          </a:xfrm>
-          <a:prstGeom prst="rect">
-            <a:avLst/>
-          </a:prstGeom>
-        </p:spPr>
-      </p:pic>
-    </p:spTree>
-    <p:extLst>
-      <p:ext uri="{BB962C8B-B14F-4D97-AF65-F5344CB8AC3E}">
-        <p14:creationId xmlns:p14="http://schemas.microsoft.com/office/powerpoint/2010/main" val="1005104479"/>
-      </p:ext>
-    </p:extLst>
-  </p:cSld>
-  <p:clrMapOvr>
-    <a:masterClrMapping/>
-  </p:clrMapOvr>
-</p:sld>
-</file>
-
-<file path=ppt/slides/slide13.xml><?xml version="1.0" encoding="utf-8"?>
-<p:sld xmlns:a="http://schemas.openxmlformats.org/drawingml/2006/main" xmlns:r="http://schemas.openxmlformats.org/officeDocument/2006/relationships" xmlns:p="http://schemas.openxmlformats.org/presentationml/2006/main">
-  <p:cSld>
-    <p:spTree>
-      <p:nvGrpSpPr>
-        <p:cNvPr id="1" name=""/>
-        <p:cNvGrpSpPr/>
-        <p:nvPr/>
-      </p:nvGrpSpPr>
-      <p:grpSpPr>
-        <a:xfrm>
-          <a:off x="0" y="0"/>
-          <a:ext cx="0" cy="0"/>
-          <a:chOff x="0" y="0"/>
-          <a:chExt cx="0" cy="0"/>
-        </a:xfrm>
-      </p:grpSpPr>
-      <p:sp>
-        <p:nvSpPr>
-          <p:cNvPr id="2" name="Title 1">
-            <a:extLst>
-              <a:ext uri="{FF2B5EF4-FFF2-40B4-BE49-F238E27FC236}">
-                <a16:creationId xmlns:a16="http://schemas.microsoft.com/office/drawing/2014/main" id="{CE040AB0-FF06-4B94-8C2E-15EAB5EEAE5E}"/>
-              </a:ext>
-            </a:extLst>
-          </p:cNvPr>
-          <p:cNvSpPr>
-            <a:spLocks noGrp="1"/>
-          </p:cNvSpPr>
-          <p:nvPr>
-            <p:ph type="title"/>
-          </p:nvPr>
-        </p:nvSpPr>
-        <p:spPr/>
-        <p:txBody>
-          <a:bodyPr/>
-          <a:lstStyle/>
-          <a:p>
-            <a:pPr algn="l"/>
-            <a:r>
-              <a:rPr lang="en-US" dirty="0"/>
-              <a:t>Analysis summary</a:t>
-            </a:r>
-          </a:p>
-        </p:txBody>
-      </p:sp>
-      <p:sp>
-        <p:nvSpPr>
-          <p:cNvPr id="3" name="Content Placeholder 2">
-            <a:extLst>
-              <a:ext uri="{FF2B5EF4-FFF2-40B4-BE49-F238E27FC236}">
-                <a16:creationId xmlns:a16="http://schemas.microsoft.com/office/drawing/2014/main" id="{66F85413-8A5C-40BC-B0A5-7431DAE502DA}"/>
-              </a:ext>
-            </a:extLst>
-          </p:cNvPr>
-          <p:cNvSpPr>
-            <a:spLocks noGrp="1"/>
-          </p:cNvSpPr>
-          <p:nvPr>
-            <p:ph idx="1"/>
-          </p:nvPr>
-        </p:nvSpPr>
-        <p:spPr>
-          <a:xfrm>
-            <a:off x="1451579" y="1853754"/>
-            <a:ext cx="9291215" cy="3612591"/>
-          </a:xfrm>
-        </p:spPr>
-        <p:txBody>
-          <a:bodyPr>
-            <a:normAutofit/>
-          </a:bodyPr>
-          <a:lstStyle/>
-          <a:p>
-            <a:endParaRPr lang="en-US" dirty="0"/>
-          </a:p>
-          <a:p>
-            <a:r>
-              <a:rPr lang="en-US" dirty="0"/>
-              <a:t>Big Picture</a:t>
-            </a:r>
-          </a:p>
-          <a:p>
-            <a:endParaRPr lang="en-US" dirty="0"/>
-          </a:p>
-          <a:p>
-            <a:r>
-              <a:rPr lang="en-US" dirty="0"/>
-              <a:t>Cool things</a:t>
-            </a:r>
-          </a:p>
-          <a:p>
-            <a:endParaRPr lang="en-US" dirty="0"/>
-          </a:p>
-          <a:p>
-            <a:r>
-              <a:rPr lang="en-US" dirty="0"/>
-              <a:t>What to explore</a:t>
-            </a:r>
-          </a:p>
-          <a:p>
-            <a:pPr marL="0" indent="0">
-              <a:buNone/>
-            </a:pPr>
-            <a:endParaRPr lang="en-US" dirty="0"/>
-          </a:p>
-        </p:txBody>
-      </p:sp>
-    </p:spTree>
-    <p:extLst>
-      <p:ext uri="{BB962C8B-B14F-4D97-AF65-F5344CB8AC3E}">
-        <p14:creationId xmlns:p14="http://schemas.microsoft.com/office/powerpoint/2010/main" val="533002121"/>
-      </p:ext>
-    </p:extLst>
-  </p:cSld>
-  <p:clrMapOvr>
-    <a:masterClrMapping/>
-  </p:clrMapOvr>
-</p:sld>
-</file>
-
-<file path=ppt/slides/slide14.xml><?xml version="1.0" encoding="utf-8"?>
-<p:sld xmlns:a="http://schemas.openxmlformats.org/drawingml/2006/main" xmlns:r="http://schemas.openxmlformats.org/officeDocument/2006/relationships" xmlns:p="http://schemas.openxmlformats.org/presentationml/2006/main">
-  <p:cSld>
-    <p:spTree>
-      <p:nvGrpSpPr>
-        <p:cNvPr id="1" name=""/>
-        <p:cNvGrpSpPr/>
-        <p:nvPr/>
-      </p:nvGrpSpPr>
-      <p:grpSpPr>
-        <a:xfrm>
-          <a:off x="0" y="0"/>
-          <a:ext cx="0" cy="0"/>
-          <a:chOff x="0" y="0"/>
-          <a:chExt cx="0" cy="0"/>
-        </a:xfrm>
-      </p:grpSpPr>
-      <p:sp>
-        <p:nvSpPr>
-          <p:cNvPr id="3" name="Content Placeholder 1">
-            <a:extLst>
-              <a:ext uri="{FF2B5EF4-FFF2-40B4-BE49-F238E27FC236}">
-                <a16:creationId xmlns:a16="http://schemas.microsoft.com/office/drawing/2014/main" id="{5BA104E2-07FA-4667-8599-B961359F2FB0}"/>
-              </a:ext>
-            </a:extLst>
-          </p:cNvPr>
-          <p:cNvSpPr txBox="1">
-            <a:spLocks/>
-          </p:cNvSpPr>
-          <p:nvPr/>
-        </p:nvSpPr>
-        <p:spPr>
-          <a:xfrm>
-            <a:off x="299184" y="1301749"/>
-            <a:ext cx="10109943" cy="3320355"/>
-          </a:xfrm>
-          <a:prstGeom prst="rect">
-            <a:avLst/>
-          </a:prstGeom>
-        </p:spPr>
-        <p:txBody>
-          <a:bodyPr vert="horz" lIns="91440" tIns="91440" rIns="91440" bIns="91440" rtlCol="0">
-            <a:normAutofit/>
-          </a:bodyPr>
-          <a:lstStyle>
-            <a:lvl1pPr marL="0" indent="0" algn="ctr" defTabSz="914400" rtl="0" eaLnBrk="1" latinLnBrk="0" hangingPunct="1">
-              <a:lnSpc>
-                <a:spcPct val="120000"/>
-              </a:lnSpc>
-              <a:spcBef>
-                <a:spcPts val="1000"/>
-              </a:spcBef>
-              <a:buClr>
-                <a:schemeClr val="accent1"/>
-              </a:buClr>
-              <a:buSzPct val="100000"/>
-              <a:buFont typeface="Arial" panose="020B0604020202020204" pitchFamily="34" charset="0"/>
-              <a:buNone/>
-              <a:defRPr sz="1800" b="0" kern="1200" cap="all" baseline="0">
-                <a:solidFill>
-                  <a:schemeClr val="tx1"/>
-                </a:solidFill>
-                <a:effectLst/>
-                <a:latin typeface="+mn-lt"/>
-                <a:ea typeface="+mn-ea"/>
-                <a:cs typeface="+mn-cs"/>
-              </a:defRPr>
-            </a:lvl1pPr>
-            <a:lvl2pPr marL="457200" indent="0" algn="ctr" defTabSz="914400" rtl="0" eaLnBrk="1" latinLnBrk="0" hangingPunct="1">
-              <a:lnSpc>
-                <a:spcPct val="120000"/>
-              </a:lnSpc>
-              <a:spcBef>
-                <a:spcPts val="500"/>
-              </a:spcBef>
-              <a:buClr>
-                <a:schemeClr val="accent1"/>
-              </a:buClr>
-              <a:buSzPct val="100000"/>
-              <a:buFont typeface="Arial" panose="020B0604020202020204" pitchFamily="34" charset="0"/>
-              <a:buNone/>
-              <a:defRPr sz="1800" kern="1200" cap="none" baseline="0">
-                <a:solidFill>
-                  <a:schemeClr val="tx1"/>
-                </a:solidFill>
-                <a:effectLst/>
-                <a:latin typeface="+mn-lt"/>
-                <a:ea typeface="+mn-ea"/>
-                <a:cs typeface="+mn-cs"/>
-              </a:defRPr>
-            </a:lvl2pPr>
-            <a:lvl3pPr marL="914400" indent="0" algn="ctr" defTabSz="914400" rtl="0" eaLnBrk="1" latinLnBrk="0" hangingPunct="1">
-              <a:lnSpc>
-                <a:spcPct val="120000"/>
-              </a:lnSpc>
-              <a:spcBef>
-                <a:spcPts val="500"/>
-              </a:spcBef>
-              <a:buClr>
-                <a:schemeClr val="accent1"/>
-              </a:buClr>
-              <a:buSzPct val="100000"/>
-              <a:buFont typeface="Arial" panose="020B0604020202020204" pitchFamily="34" charset="0"/>
-              <a:buNone/>
-              <a:defRPr sz="1800" kern="1200">
-                <a:solidFill>
-                  <a:schemeClr val="tx1"/>
-                </a:solidFill>
-                <a:effectLst/>
-                <a:latin typeface="+mn-lt"/>
-                <a:ea typeface="+mn-ea"/>
-                <a:cs typeface="+mn-cs"/>
-              </a:defRPr>
-            </a:lvl3pPr>
-            <a:lvl4pPr marL="1371600" indent="0" algn="ctr" defTabSz="914400" rtl="0" eaLnBrk="1" latinLnBrk="0" hangingPunct="1">
-              <a:lnSpc>
-                <a:spcPct val="120000"/>
-              </a:lnSpc>
-              <a:spcBef>
-                <a:spcPts val="500"/>
-              </a:spcBef>
-              <a:buClr>
-                <a:schemeClr val="accent1"/>
-              </a:buClr>
-              <a:buSzPct val="100000"/>
-              <a:buFont typeface="Arial" panose="020B0604020202020204" pitchFamily="34" charset="0"/>
-              <a:buNone/>
-              <a:defRPr sz="1600" kern="1200" cap="none" baseline="0">
-                <a:solidFill>
-                  <a:schemeClr val="tx1"/>
-                </a:solidFill>
-                <a:effectLst/>
-                <a:latin typeface="+mn-lt"/>
-                <a:ea typeface="+mn-ea"/>
-                <a:cs typeface="+mn-cs"/>
-              </a:defRPr>
-            </a:lvl4pPr>
-            <a:lvl5pPr marL="1828800" indent="0" algn="ctr" defTabSz="914400" rtl="0" eaLnBrk="1" latinLnBrk="0" hangingPunct="1">
-              <a:lnSpc>
-                <a:spcPct val="120000"/>
-              </a:lnSpc>
-              <a:spcBef>
-                <a:spcPts val="500"/>
-              </a:spcBef>
-              <a:buClr>
-                <a:schemeClr val="accent1"/>
-              </a:buClr>
-              <a:buSzPct val="100000"/>
-              <a:buFont typeface="Arial" panose="020B0604020202020204" pitchFamily="34" charset="0"/>
-              <a:buNone/>
-              <a:defRPr sz="1600" kern="1200">
-                <a:solidFill>
-                  <a:schemeClr val="tx1"/>
-                </a:solidFill>
-                <a:effectLst/>
-                <a:latin typeface="+mn-lt"/>
-                <a:ea typeface="+mn-ea"/>
-                <a:cs typeface="+mn-cs"/>
-              </a:defRPr>
-            </a:lvl5pPr>
-            <a:lvl6pPr marL="2286000" indent="0" algn="ctr" defTabSz="914400" rtl="0" eaLnBrk="1" latinLnBrk="0" hangingPunct="1">
-              <a:lnSpc>
-                <a:spcPct val="120000"/>
-              </a:lnSpc>
-              <a:spcBef>
-                <a:spcPts val="500"/>
-              </a:spcBef>
-              <a:buClr>
-                <a:schemeClr val="accent1"/>
-              </a:buClr>
-              <a:buSzPct val="100000"/>
-              <a:buFont typeface="Arial" panose="020B0604020202020204" pitchFamily="34" charset="0"/>
-              <a:buNone/>
-              <a:defRPr sz="1600" kern="1200">
-                <a:solidFill>
-                  <a:schemeClr val="tx1"/>
-                </a:solidFill>
-                <a:effectLst/>
-                <a:latin typeface="+mn-lt"/>
-                <a:ea typeface="+mn-ea"/>
-                <a:cs typeface="+mn-cs"/>
-              </a:defRPr>
-            </a:lvl6pPr>
-            <a:lvl7pPr marL="2743200" indent="0" algn="ctr" defTabSz="914400" rtl="0" eaLnBrk="1" latinLnBrk="0" hangingPunct="1">
-              <a:lnSpc>
-                <a:spcPct val="120000"/>
-              </a:lnSpc>
-              <a:spcBef>
-                <a:spcPts val="500"/>
-              </a:spcBef>
-              <a:buClr>
-                <a:schemeClr val="accent1"/>
-              </a:buClr>
-              <a:buSzPct val="100000"/>
-              <a:buFont typeface="Arial" panose="020B0604020202020204" pitchFamily="34" charset="0"/>
-              <a:buNone/>
-              <a:defRPr sz="1600" kern="1200">
-                <a:solidFill>
-                  <a:schemeClr val="tx1"/>
-                </a:solidFill>
-                <a:effectLst/>
-                <a:latin typeface="+mn-lt"/>
-                <a:ea typeface="+mn-ea"/>
-                <a:cs typeface="+mn-cs"/>
-              </a:defRPr>
-            </a:lvl7pPr>
-            <a:lvl8pPr marL="3200400" indent="0" algn="ctr" defTabSz="914400" rtl="0" eaLnBrk="1" latinLnBrk="0" hangingPunct="1">
-              <a:lnSpc>
-                <a:spcPct val="120000"/>
-              </a:lnSpc>
-              <a:spcBef>
-                <a:spcPts val="500"/>
-              </a:spcBef>
-              <a:buClr>
-                <a:schemeClr val="accent1"/>
-              </a:buClr>
-              <a:buSzPct val="100000"/>
-              <a:buFont typeface="Arial" panose="020B0604020202020204" pitchFamily="34" charset="0"/>
-              <a:buNone/>
-              <a:defRPr sz="1600" kern="1200" baseline="0">
-                <a:solidFill>
-                  <a:schemeClr val="tx1"/>
-                </a:solidFill>
-                <a:effectLst/>
-                <a:latin typeface="+mn-lt"/>
-                <a:ea typeface="+mn-ea"/>
-                <a:cs typeface="+mn-cs"/>
-              </a:defRPr>
-            </a:lvl8pPr>
-            <a:lvl9pPr marL="3657600" indent="0" algn="ctr" defTabSz="914400" rtl="0" eaLnBrk="1" latinLnBrk="0" hangingPunct="1">
-              <a:lnSpc>
-                <a:spcPct val="120000"/>
-              </a:lnSpc>
-              <a:spcBef>
-                <a:spcPts val="500"/>
-              </a:spcBef>
-              <a:buClr>
-                <a:schemeClr val="accent1"/>
-              </a:buClr>
-              <a:buSzPct val="100000"/>
-              <a:buFont typeface="Arial" panose="020B0604020202020204" pitchFamily="34" charset="0"/>
-              <a:buNone/>
-              <a:defRPr sz="1600" kern="1200" baseline="0">
-                <a:solidFill>
-                  <a:schemeClr val="tx1"/>
-                </a:solidFill>
-                <a:effectLst/>
-                <a:latin typeface="+mn-lt"/>
-                <a:ea typeface="+mn-ea"/>
-                <a:cs typeface="+mn-cs"/>
-              </a:defRPr>
-            </a:lvl9pPr>
-          </a:lstStyle>
-          <a:p>
-            <a:r>
-              <a:rPr lang="en-US" dirty="0"/>
-              <a:t>Picture Here?</a:t>
-            </a:r>
-          </a:p>
-        </p:txBody>
-      </p:sp>
-    </p:spTree>
-    <p:extLst>
-      <p:ext uri="{BB962C8B-B14F-4D97-AF65-F5344CB8AC3E}">
-        <p14:creationId xmlns:p14="http://schemas.microsoft.com/office/powerpoint/2010/main" val="2409283498"/>
-      </p:ext>
-    </p:extLst>
-  </p:cSld>
-  <p:clrMapOvr>
-    <a:masterClrMapping/>
-  </p:clrMapOvr>
-</p:sld>
-</file>
-
-<file path=ppt/slides/slide15.xml><?xml version="1.0" encoding="utf-8"?>
-<p:sld xmlns:a="http://schemas.openxmlformats.org/drawingml/2006/main" xmlns:r="http://schemas.openxmlformats.org/officeDocument/2006/relationships" xmlns:p="http://schemas.openxmlformats.org/presentationml/2006/main">
-  <p:cSld>
-    <p:spTree>
-      <p:nvGrpSpPr>
-        <p:cNvPr id="1" name=""/>
-        <p:cNvGrpSpPr/>
-        <p:nvPr/>
-      </p:nvGrpSpPr>
-      <p:grpSpPr>
-        <a:xfrm>
-          <a:off x="0" y="0"/>
-          <a:ext cx="0" cy="0"/>
-          <a:chOff x="0" y="0"/>
-          <a:chExt cx="0" cy="0"/>
-        </a:xfrm>
-      </p:grpSpPr>
-      <p:sp>
-        <p:nvSpPr>
-          <p:cNvPr id="2" name="Title 1">
-            <a:extLst>
-              <a:ext uri="{FF2B5EF4-FFF2-40B4-BE49-F238E27FC236}">
-                <a16:creationId xmlns:a16="http://schemas.microsoft.com/office/drawing/2014/main" id="{CE040AB0-FF06-4B94-8C2E-15EAB5EEAE5E}"/>
-              </a:ext>
-            </a:extLst>
-          </p:cNvPr>
-          <p:cNvSpPr>
-            <a:spLocks noGrp="1"/>
-          </p:cNvSpPr>
-          <p:nvPr>
-            <p:ph type="title"/>
-          </p:nvPr>
-        </p:nvSpPr>
-        <p:spPr/>
-        <p:txBody>
-          <a:bodyPr/>
-          <a:lstStyle/>
-          <a:p>
-            <a:pPr algn="l"/>
-            <a:r>
-              <a:rPr lang="en-US" dirty="0"/>
-              <a:t>Knowledge is key</a:t>
-            </a:r>
-          </a:p>
-        </p:txBody>
-      </p:sp>
-      <p:sp>
-        <p:nvSpPr>
-          <p:cNvPr id="3" name="Content Placeholder 2">
-            <a:extLst>
-              <a:ext uri="{FF2B5EF4-FFF2-40B4-BE49-F238E27FC236}">
-                <a16:creationId xmlns:a16="http://schemas.microsoft.com/office/drawing/2014/main" id="{66F85413-8A5C-40BC-B0A5-7431DAE502DA}"/>
-              </a:ext>
-            </a:extLst>
-          </p:cNvPr>
-          <p:cNvSpPr>
-            <a:spLocks noGrp="1"/>
-          </p:cNvSpPr>
-          <p:nvPr>
-            <p:ph idx="1"/>
-          </p:nvPr>
-        </p:nvSpPr>
-        <p:spPr>
-          <a:xfrm>
-            <a:off x="1451579" y="1853754"/>
-            <a:ext cx="9291215" cy="3612591"/>
-          </a:xfrm>
-        </p:spPr>
-        <p:txBody>
-          <a:bodyPr>
-            <a:normAutofit/>
-          </a:bodyPr>
-          <a:lstStyle/>
-          <a:p>
-            <a:endParaRPr lang="en-US" dirty="0"/>
-          </a:p>
-          <a:p>
-            <a:r>
-              <a:rPr lang="en-US" dirty="0"/>
-              <a:t>How to take advantage</a:t>
-            </a:r>
-          </a:p>
-          <a:p>
-            <a:endParaRPr lang="en-US" dirty="0"/>
-          </a:p>
-          <a:p>
-            <a:r>
-              <a:rPr lang="en-US" dirty="0"/>
-              <a:t>Insights</a:t>
-            </a:r>
-          </a:p>
-          <a:p>
-            <a:endParaRPr lang="en-US" dirty="0"/>
-          </a:p>
-          <a:p>
-            <a:pPr marL="0" indent="0">
-              <a:buNone/>
-            </a:pPr>
-            <a:endParaRPr lang="en-US" dirty="0"/>
-          </a:p>
-        </p:txBody>
-      </p:sp>
-    </p:spTree>
-    <p:extLst>
-      <p:ext uri="{BB962C8B-B14F-4D97-AF65-F5344CB8AC3E}">
-        <p14:creationId xmlns:p14="http://schemas.microsoft.com/office/powerpoint/2010/main" val="1298604608"/>
-      </p:ext>
-    </p:extLst>
-  </p:cSld>
-  <p:clrMapOvr>
-    <a:masterClrMapping/>
-  </p:clrMapOvr>
-</p:sld>
-</file>
-
-<file path=ppt/slides/slide16.xml><?xml version="1.0" encoding="utf-8"?>
-<p:sld xmlns:a="http://schemas.openxmlformats.org/drawingml/2006/main" xmlns:r="http://schemas.openxmlformats.org/officeDocument/2006/relationships" xmlns:p="http://schemas.openxmlformats.org/presentationml/2006/main">
-  <p:cSld>
-    <p:spTree>
-      <p:nvGrpSpPr>
-        <p:cNvPr id="1" name=""/>
-        <p:cNvGrpSpPr/>
-        <p:nvPr/>
-      </p:nvGrpSpPr>
-      <p:grpSpPr>
-        <a:xfrm>
-          <a:off x="0" y="0"/>
-          <a:ext cx="0" cy="0"/>
-          <a:chOff x="0" y="0"/>
-          <a:chExt cx="0" cy="0"/>
-        </a:xfrm>
-      </p:grpSpPr>
-      <p:sp>
-        <p:nvSpPr>
-          <p:cNvPr id="2" name="Title 1">
-            <a:extLst>
-              <a:ext uri="{FF2B5EF4-FFF2-40B4-BE49-F238E27FC236}">
-                <a16:creationId xmlns:a16="http://schemas.microsoft.com/office/drawing/2014/main" id="{CE040AB0-FF06-4B94-8C2E-15EAB5EEAE5E}"/>
-              </a:ext>
-            </a:extLst>
-          </p:cNvPr>
-          <p:cNvSpPr>
-            <a:spLocks noGrp="1"/>
-          </p:cNvSpPr>
-          <p:nvPr>
-            <p:ph type="title"/>
-          </p:nvPr>
-        </p:nvSpPr>
-        <p:spPr/>
-        <p:txBody>
-          <a:bodyPr/>
-          <a:lstStyle/>
-          <a:p>
-            <a:pPr algn="l"/>
-            <a:r>
-              <a:rPr lang="en-US" dirty="0"/>
-              <a:t>conclusion</a:t>
-            </a:r>
-          </a:p>
-        </p:txBody>
-      </p:sp>
-      <p:sp>
-        <p:nvSpPr>
-          <p:cNvPr id="3" name="Content Placeholder 2">
-            <a:extLst>
-              <a:ext uri="{FF2B5EF4-FFF2-40B4-BE49-F238E27FC236}">
-                <a16:creationId xmlns:a16="http://schemas.microsoft.com/office/drawing/2014/main" id="{66F85413-8A5C-40BC-B0A5-7431DAE502DA}"/>
-              </a:ext>
-            </a:extLst>
-          </p:cNvPr>
-          <p:cNvSpPr>
-            <a:spLocks noGrp="1"/>
-          </p:cNvSpPr>
-          <p:nvPr>
-            <p:ph idx="1"/>
-          </p:nvPr>
-        </p:nvSpPr>
-        <p:spPr>
-          <a:xfrm>
-            <a:off x="1451579" y="1853754"/>
-            <a:ext cx="9291215" cy="3612591"/>
-          </a:xfrm>
-        </p:spPr>
-        <p:txBody>
-          <a:bodyPr>
-            <a:normAutofit/>
-          </a:bodyPr>
-          <a:lstStyle/>
-          <a:p>
-            <a:endParaRPr lang="en-US" dirty="0"/>
-          </a:p>
-          <a:p>
-            <a:r>
-              <a:rPr lang="en-US" dirty="0"/>
-              <a:t>Questions, comments, or concerns</a:t>
-            </a:r>
-          </a:p>
-          <a:p>
-            <a:endParaRPr lang="en-US" dirty="0"/>
-          </a:p>
-          <a:p>
-            <a:pPr marL="0" indent="0">
-              <a:buNone/>
-            </a:pPr>
-            <a:endParaRPr lang="en-US" dirty="0"/>
-          </a:p>
-          <a:p>
-            <a:endParaRPr lang="en-US" dirty="0"/>
-          </a:p>
-          <a:p>
-            <a:endParaRPr lang="en-US" dirty="0"/>
-          </a:p>
-          <a:p>
-            <a:pPr marL="0" indent="0">
-              <a:buNone/>
-            </a:pPr>
-            <a:endParaRPr lang="en-US" dirty="0"/>
-          </a:p>
-        </p:txBody>
-      </p:sp>
-    </p:spTree>
-    <p:extLst>
-      <p:ext uri="{BB962C8B-B14F-4D97-AF65-F5344CB8AC3E}">
-        <p14:creationId xmlns:p14="http://schemas.microsoft.com/office/powerpoint/2010/main" val="271191244"/>
-      </p:ext>
-    </p:extLst>
-  </p:cSld>
-  <p:clrMapOvr>
-    <a:masterClrMapping/>
-  </p:clrMapOvr>
-</p:sld>
-</file>
-
-<file path=ppt/slides/slide2.xml><?xml version="1.0" encoding="utf-8"?>
-<p:sld xmlns:a="http://schemas.openxmlformats.org/drawingml/2006/main" xmlns:r="http://schemas.openxmlformats.org/officeDocument/2006/relationships" xmlns:p="http://schemas.openxmlformats.org/presentationml/2006/main">
-  <p:cSld>
-    <p:spTree>
-      <p:nvGrpSpPr>
-        <p:cNvPr id="1" name=""/>
-        <p:cNvGrpSpPr/>
-        <p:nvPr/>
-      </p:nvGrpSpPr>
-      <p:grpSpPr>
-        <a:xfrm>
-          <a:off x="0" y="0"/>
-          <a:ext cx="0" cy="0"/>
-          <a:chOff x="0" y="0"/>
-          <a:chExt cx="0" cy="0"/>
-        </a:xfrm>
-      </p:grpSpPr>
-      <p:sp>
-        <p:nvSpPr>
-          <p:cNvPr id="2" name="Title 1">
-            <a:extLst>
-              <a:ext uri="{FF2B5EF4-FFF2-40B4-BE49-F238E27FC236}">
-                <a16:creationId xmlns:a16="http://schemas.microsoft.com/office/drawing/2014/main" id="{745B22F2-ABCA-48AD-BAFF-517A32C33F83}"/>
-              </a:ext>
-            </a:extLst>
-          </p:cNvPr>
-          <p:cNvSpPr>
-            <a:spLocks noGrp="1"/>
-          </p:cNvSpPr>
-          <p:nvPr>
-            <p:ph type="title"/>
-          </p:nvPr>
-        </p:nvSpPr>
-        <p:spPr/>
-        <p:txBody>
-          <a:bodyPr/>
-          <a:lstStyle/>
-          <a:p>
-            <a:pPr algn="l"/>
-            <a:r>
-              <a:rPr lang="en-US" dirty="0"/>
-              <a:t>What the data?</a:t>
-            </a:r>
-          </a:p>
-        </p:txBody>
-      </p:sp>
-      <p:sp>
-        <p:nvSpPr>
-          <p:cNvPr id="3" name="Content Placeholder 2">
-            <a:extLst>
-              <a:ext uri="{FF2B5EF4-FFF2-40B4-BE49-F238E27FC236}">
-                <a16:creationId xmlns:a16="http://schemas.microsoft.com/office/drawing/2014/main" id="{E2310E3E-6483-4B36-A28F-0F6EB7A0352A}"/>
-              </a:ext>
-            </a:extLst>
-          </p:cNvPr>
-          <p:cNvSpPr>
-            <a:spLocks noGrp="1"/>
-          </p:cNvSpPr>
-          <p:nvPr>
-            <p:ph idx="1"/>
-          </p:nvPr>
-        </p:nvSpPr>
-        <p:spPr/>
-        <p:txBody>
-          <a:bodyPr/>
-          <a:lstStyle/>
-          <a:p>
-            <a:r>
-              <a:rPr lang="en-US" dirty="0"/>
-              <a:t>Patricia- describe to me where the raw data came from</a:t>
-            </a:r>
-          </a:p>
-          <a:p>
-            <a:r>
-              <a:rPr lang="en-US" dirty="0"/>
-              <a:t>North American Classification System (NAICS)</a:t>
-            </a:r>
-          </a:p>
-        </p:txBody>
-      </p:sp>
-    </p:spTree>
-    <p:extLst>
-      <p:ext uri="{BB962C8B-B14F-4D97-AF65-F5344CB8AC3E}">
-        <p14:creationId xmlns:p14="http://schemas.microsoft.com/office/powerpoint/2010/main" val="422618061"/>
-      </p:ext>
-    </p:extLst>
-  </p:cSld>
-  <p:clrMapOvr>
-    <a:masterClrMapping/>
-  </p:clrMapOvr>
-</p:sld>
-</file>
-
-<file path=ppt/slides/slide3.xml><?xml version="1.0" encoding="utf-8"?>
-<p:sld xmlns:a="http://schemas.openxmlformats.org/drawingml/2006/main" xmlns:r="http://schemas.openxmlformats.org/officeDocument/2006/relationships" xmlns:p="http://schemas.openxmlformats.org/presentationml/2006/main">
-  <p:cSld>
-    <p:spTree>
-      <p:nvGrpSpPr>
-        <p:cNvPr id="1" name=""/>
-        <p:cNvGrpSpPr/>
-        <p:nvPr/>
-      </p:nvGrpSpPr>
-      <p:grpSpPr>
-        <a:xfrm>
-          <a:off x="0" y="0"/>
-          <a:ext cx="0" cy="0"/>
-          <a:chOff x="0" y="0"/>
-          <a:chExt cx="0" cy="0"/>
-        </a:xfrm>
-      </p:grpSpPr>
-      <p:sp>
-        <p:nvSpPr>
-          <p:cNvPr id="2" name="Title 1">
-            <a:extLst>
-              <a:ext uri="{FF2B5EF4-FFF2-40B4-BE49-F238E27FC236}">
-                <a16:creationId xmlns:a16="http://schemas.microsoft.com/office/drawing/2014/main" id="{745B22F2-ABCA-48AD-BAFF-517A32C33F83}"/>
-              </a:ext>
-            </a:extLst>
-          </p:cNvPr>
-          <p:cNvSpPr>
-            <a:spLocks noGrp="1"/>
-          </p:cNvSpPr>
-          <p:nvPr>
-            <p:ph type="title"/>
-          </p:nvPr>
-        </p:nvSpPr>
-        <p:spPr/>
-        <p:txBody>
-          <a:bodyPr/>
-          <a:lstStyle/>
-          <a:p>
-            <a:pPr algn="l"/>
-            <a:r>
-              <a:rPr lang="en-US" dirty="0"/>
-              <a:t>Dashboard Overview</a:t>
-            </a:r>
-          </a:p>
-        </p:txBody>
-      </p:sp>
-      <p:sp>
-        <p:nvSpPr>
-          <p:cNvPr id="3" name="Content Placeholder 2">
-            <a:extLst>
-              <a:ext uri="{FF2B5EF4-FFF2-40B4-BE49-F238E27FC236}">
-                <a16:creationId xmlns:a16="http://schemas.microsoft.com/office/drawing/2014/main" id="{E2310E3E-6483-4B36-A28F-0F6EB7A0352A}"/>
-              </a:ext>
-            </a:extLst>
-          </p:cNvPr>
-          <p:cNvSpPr>
-            <a:spLocks noGrp="1"/>
-          </p:cNvSpPr>
-          <p:nvPr>
-            <p:ph idx="1"/>
-          </p:nvPr>
-        </p:nvSpPr>
-        <p:spPr/>
-        <p:txBody>
-          <a:bodyPr>
-            <a:normAutofit/>
-          </a:bodyPr>
-          <a:lstStyle/>
-          <a:p>
-            <a:r>
-              <a:rPr lang="en-US" dirty="0" err="1"/>
-              <a:t>Barchart</a:t>
-            </a:r>
-            <a:r>
-              <a:rPr lang="en-US" dirty="0"/>
-              <a:t> showing Industry vs Revenue</a:t>
-            </a:r>
-          </a:p>
-          <a:p>
-            <a:r>
-              <a:rPr lang="en-US" dirty="0"/>
-              <a:t>Scatterplot with Employment vs Payroll, distinguishes points by total revenue</a:t>
-            </a:r>
-          </a:p>
-          <a:p>
-            <a:r>
-              <a:rPr lang="en-US" dirty="0"/>
-              <a:t>To make good analysis, need to define parameters (year, industry, </a:t>
-            </a:r>
-            <a:r>
-              <a:rPr lang="en-US" dirty="0" err="1"/>
-              <a:t>etc</a:t>
-            </a:r>
-            <a:r>
-              <a:rPr lang="en-US" dirty="0"/>
-              <a:t>)</a:t>
-            </a:r>
-          </a:p>
-          <a:p>
-            <a:r>
-              <a:rPr lang="en-US" dirty="0"/>
-              <a:t>The closest differential in Small and Large is within the Finance &amp; Insurance industry, this suggests a low capital, mid margin, mid skill industry, compare this to Health Care (high capital), Hospitality (low skill),  Construction (high margin)</a:t>
-            </a:r>
-          </a:p>
-        </p:txBody>
-      </p:sp>
-    </p:spTree>
-    <p:extLst>
-      <p:ext uri="{BB962C8B-B14F-4D97-AF65-F5344CB8AC3E}">
-        <p14:creationId xmlns:p14="http://schemas.microsoft.com/office/powerpoint/2010/main" val="901229362"/>
-      </p:ext>
-    </p:extLst>
-  </p:cSld>
-  <p:clrMapOvr>
-    <a:masterClrMapping/>
-  </p:clrMapOvr>
-</p:sld>
-</file>
-
-<file path=ppt/slides/slide4.xml><?xml version="1.0" encoding="utf-8"?>
-<p:sld xmlns:a="http://schemas.openxmlformats.org/drawingml/2006/main" xmlns:r="http://schemas.openxmlformats.org/officeDocument/2006/relationships" xmlns:p="http://schemas.openxmlformats.org/presentationml/2006/main">
-  <p:cSld>
-    <p:spTree>
-      <p:nvGrpSpPr>
-        <p:cNvPr id="1" name=""/>
-        <p:cNvGrpSpPr/>
-        <p:nvPr/>
-      </p:nvGrpSpPr>
-      <p:grpSpPr>
-        <a:xfrm>
-          <a:off x="0" y="0"/>
-          <a:ext cx="0" cy="0"/>
-          <a:chOff x="0" y="0"/>
-          <a:chExt cx="0" cy="0"/>
-        </a:xfrm>
-      </p:grpSpPr>
-      <p:sp>
-        <p:nvSpPr>
-          <p:cNvPr id="6" name="Content Placeholder 5">
-            <a:extLst>
-              <a:ext uri="{FF2B5EF4-FFF2-40B4-BE49-F238E27FC236}">
-                <a16:creationId xmlns:a16="http://schemas.microsoft.com/office/drawing/2014/main" id="{1B8A89CC-2DD5-4A8F-8E05-CC0856C5B80C}"/>
-              </a:ext>
-            </a:extLst>
-          </p:cNvPr>
-          <p:cNvSpPr>
-            <a:spLocks noGrp="1"/>
-          </p:cNvSpPr>
-          <p:nvPr>
-            <p:ph idx="1"/>
-          </p:nvPr>
-        </p:nvSpPr>
-        <p:spPr>
-          <a:xfrm>
-            <a:off x="1450392" y="36192"/>
-            <a:ext cx="7034041" cy="413513"/>
-          </a:xfrm>
-        </p:spPr>
-        <p:txBody>
-          <a:bodyPr>
-            <a:normAutofit lnSpcReduction="10000"/>
-          </a:bodyPr>
-          <a:lstStyle/>
-          <a:p>
-            <a:r>
-              <a:rPr lang="en-US" dirty="0"/>
-              <a:t>Lets Add a photo of the Dashboard not individual graphs</a:t>
-            </a:r>
-          </a:p>
-        </p:txBody>
-      </p:sp>
-      <p:pic>
-        <p:nvPicPr>
-          <p:cNvPr id="8" name="Picture 7" descr="Chart, bar chart&#10;&#10;Description automatically generated">
-            <a:extLst>
-              <a:ext uri="{FF2B5EF4-FFF2-40B4-BE49-F238E27FC236}">
-                <a16:creationId xmlns:a16="http://schemas.microsoft.com/office/drawing/2014/main" id="{7DE66B56-DB46-49CB-8766-4166613EA3FC}"/>
-              </a:ext>
-            </a:extLst>
-          </p:cNvPr>
-          <p:cNvPicPr>
-            <a:picLocks noChangeAspect="1"/>
-          </p:cNvPicPr>
-          <p:nvPr/>
-        </p:nvPicPr>
-        <p:blipFill>
-          <a:blip r:embed="rId3"/>
-          <a:stretch>
-            <a:fillRect/>
-          </a:stretch>
-        </p:blipFill>
-        <p:spPr>
-          <a:xfrm>
-            <a:off x="1285501" y="449705"/>
-            <a:ext cx="5451334" cy="2782395"/>
-          </a:xfrm>
-          <a:prstGeom prst="rect">
-            <a:avLst/>
-          </a:prstGeom>
-        </p:spPr>
-      </p:pic>
-      <p:pic>
-        <p:nvPicPr>
-          <p:cNvPr id="10" name="Picture 9" descr="Chart, scatter chart&#10;&#10;Description automatically generated">
-            <a:extLst>
-              <a:ext uri="{FF2B5EF4-FFF2-40B4-BE49-F238E27FC236}">
-                <a16:creationId xmlns:a16="http://schemas.microsoft.com/office/drawing/2014/main" id="{D4A4CF8E-83CE-4895-A78E-69A7873CDA25}"/>
-              </a:ext>
-            </a:extLst>
-          </p:cNvPr>
-          <p:cNvPicPr>
-            <a:picLocks noChangeAspect="1"/>
-          </p:cNvPicPr>
-          <p:nvPr/>
-        </p:nvPicPr>
-        <p:blipFill>
-          <a:blip r:embed="rId4"/>
-          <a:stretch>
-            <a:fillRect/>
-          </a:stretch>
-        </p:blipFill>
-        <p:spPr>
-          <a:xfrm>
-            <a:off x="1285500" y="3429000"/>
-            <a:ext cx="5451334" cy="2706178"/>
-          </a:xfrm>
-          <a:prstGeom prst="rect">
-            <a:avLst/>
-          </a:prstGeom>
-        </p:spPr>
-      </p:pic>
-    </p:spTree>
-    <p:extLst>
-      <p:ext uri="{BB962C8B-B14F-4D97-AF65-F5344CB8AC3E}">
-        <p14:creationId xmlns:p14="http://schemas.microsoft.com/office/powerpoint/2010/main" val="167221941"/>
-      </p:ext>
-    </p:extLst>
-  </p:cSld>
-  <p:clrMapOvr>
-    <a:masterClrMapping/>
-  </p:clrMapOvr>
-</p:sld>
-</file>
-
-<file path=ppt/slides/slide5.xml><?xml version="1.0" encoding="utf-8"?>
-<p:sld xmlns:a="http://schemas.openxmlformats.org/drawingml/2006/main" xmlns:r="http://schemas.openxmlformats.org/officeDocument/2006/relationships" xmlns:p="http://schemas.openxmlformats.org/presentationml/2006/main">
-  <p:cSld>
-    <p:spTree>
-      <p:nvGrpSpPr>
-        <p:cNvPr id="1" name=""/>
-        <p:cNvGrpSpPr/>
-        <p:nvPr/>
-      </p:nvGrpSpPr>
-      <p:grpSpPr>
-        <a:xfrm>
-          <a:off x="0" y="0"/>
-          <a:ext cx="0" cy="0"/>
-          <a:chOff x="0" y="0"/>
-          <a:chExt cx="0" cy="0"/>
-        </a:xfrm>
-      </p:grpSpPr>
-      <p:sp>
-        <p:nvSpPr>
-          <p:cNvPr id="6" name="Content Placeholder 5">
-            <a:extLst>
-              <a:ext uri="{FF2B5EF4-FFF2-40B4-BE49-F238E27FC236}">
-                <a16:creationId xmlns:a16="http://schemas.microsoft.com/office/drawing/2014/main" id="{1B8A89CC-2DD5-4A8F-8E05-CC0856C5B80C}"/>
-              </a:ext>
-            </a:extLst>
-          </p:cNvPr>
-          <p:cNvSpPr>
-            <a:spLocks noGrp="1"/>
-          </p:cNvSpPr>
-          <p:nvPr>
-            <p:ph idx="1"/>
-          </p:nvPr>
-        </p:nvSpPr>
-        <p:spPr>
-          <a:xfrm>
-            <a:off x="1450392" y="901874"/>
-            <a:ext cx="9291215" cy="693929"/>
-          </a:xfrm>
-        </p:spPr>
-        <p:txBody>
-          <a:bodyPr/>
-          <a:lstStyle/>
-          <a:p>
-            <a:r>
-              <a:rPr lang="en-US" dirty="0"/>
-              <a:t>Lets Add a photo of the Dashboard not individual graphs</a:t>
-            </a:r>
-          </a:p>
-        </p:txBody>
-      </p:sp>
-      <p:pic>
-        <p:nvPicPr>
-          <p:cNvPr id="3" name="Picture 2" descr="Chart, scatter chart&#10;&#10;Description automatically generated">
-            <a:extLst>
-              <a:ext uri="{FF2B5EF4-FFF2-40B4-BE49-F238E27FC236}">
-                <a16:creationId xmlns:a16="http://schemas.microsoft.com/office/drawing/2014/main" id="{725DFAF4-3E3B-490C-B878-C1BF21062F1B}"/>
-              </a:ext>
-            </a:extLst>
-          </p:cNvPr>
-          <p:cNvPicPr>
-            <a:picLocks noChangeAspect="1"/>
-          </p:cNvPicPr>
-          <p:nvPr/>
-        </p:nvPicPr>
-        <p:blipFill>
-          <a:blip r:embed="rId3"/>
-          <a:stretch>
-            <a:fillRect/>
-          </a:stretch>
-        </p:blipFill>
-        <p:spPr>
-          <a:xfrm>
-            <a:off x="1450392" y="1422921"/>
-            <a:ext cx="8885368" cy="4410918"/>
-          </a:xfrm>
-          <a:prstGeom prst="rect">
-            <a:avLst/>
-          </a:prstGeom>
-        </p:spPr>
-      </p:pic>
-    </p:spTree>
-    <p:extLst>
-      <p:ext uri="{BB962C8B-B14F-4D97-AF65-F5344CB8AC3E}">
-        <p14:creationId xmlns:p14="http://schemas.microsoft.com/office/powerpoint/2010/main" val="2490499327"/>
-      </p:ext>
-    </p:extLst>
-  </p:cSld>
-  <p:clrMapOvr>
-    <a:masterClrMapping/>
-  </p:clrMapOvr>
-</p:sld>
-</file>
-
-<file path=ppt/slides/slide6.xml><?xml version="1.0" encoding="utf-8"?>
-<p:sld xmlns:a="http://schemas.openxmlformats.org/drawingml/2006/main" xmlns:r="http://schemas.openxmlformats.org/officeDocument/2006/relationships" xmlns:p="http://schemas.openxmlformats.org/presentationml/2006/main">
-  <p:cSld>
-    <p:spTree>
-      <p:nvGrpSpPr>
-        <p:cNvPr id="1" name=""/>
-        <p:cNvGrpSpPr/>
-        <p:nvPr/>
-      </p:nvGrpSpPr>
-      <p:grpSpPr>
-        <a:xfrm>
-          <a:off x="0" y="0"/>
-          <a:ext cx="0" cy="0"/>
-          <a:chOff x="0" y="0"/>
-          <a:chExt cx="0" cy="0"/>
-        </a:xfrm>
-      </p:grpSpPr>
-      <p:sp>
-        <p:nvSpPr>
-          <p:cNvPr id="6" name="Content Placeholder 5">
-            <a:extLst>
-              <a:ext uri="{FF2B5EF4-FFF2-40B4-BE49-F238E27FC236}">
-                <a16:creationId xmlns:a16="http://schemas.microsoft.com/office/drawing/2014/main" id="{1B8A89CC-2DD5-4A8F-8E05-CC0856C5B80C}"/>
-              </a:ext>
-            </a:extLst>
-          </p:cNvPr>
-          <p:cNvSpPr>
-            <a:spLocks noGrp="1"/>
-          </p:cNvSpPr>
-          <p:nvPr>
-            <p:ph idx="1"/>
-          </p:nvPr>
-        </p:nvSpPr>
-        <p:spPr>
-          <a:xfrm>
-            <a:off x="1450392" y="901874"/>
-            <a:ext cx="9291215" cy="693929"/>
-          </a:xfrm>
-        </p:spPr>
-        <p:txBody>
-          <a:bodyPr/>
-          <a:lstStyle/>
-          <a:p>
-            <a:r>
-              <a:rPr lang="en-US" dirty="0"/>
-              <a:t>Like This</a:t>
-            </a:r>
-          </a:p>
-        </p:txBody>
-      </p:sp>
-      <p:pic>
-        <p:nvPicPr>
-          <p:cNvPr id="4" name="Picture 3" descr="Chart&#10;&#10;Description automatically generated">
-            <a:extLst>
-              <a:ext uri="{FF2B5EF4-FFF2-40B4-BE49-F238E27FC236}">
-                <a16:creationId xmlns:a16="http://schemas.microsoft.com/office/drawing/2014/main" id="{F017EF6B-3459-42EB-8DD1-E7EFA58FF4D8}"/>
-              </a:ext>
-            </a:extLst>
-          </p:cNvPr>
-          <p:cNvPicPr>
-            <a:picLocks noChangeAspect="1"/>
-          </p:cNvPicPr>
-          <p:nvPr/>
-        </p:nvPicPr>
-        <p:blipFill>
-          <a:blip r:embed="rId3"/>
-          <a:stretch>
-            <a:fillRect/>
-          </a:stretch>
-        </p:blipFill>
-        <p:spPr>
-          <a:xfrm>
-            <a:off x="3447736" y="1595803"/>
-            <a:ext cx="5501392" cy="4947120"/>
-          </a:xfrm>
-          <a:prstGeom prst="rect">
-            <a:avLst/>
-          </a:prstGeom>
-        </p:spPr>
-      </p:pic>
-    </p:spTree>
-    <p:extLst>
-      <p:ext uri="{BB962C8B-B14F-4D97-AF65-F5344CB8AC3E}">
-        <p14:creationId xmlns:p14="http://schemas.microsoft.com/office/powerpoint/2010/main" val="174007766"/>
-      </p:ext>
-    </p:extLst>
-  </p:cSld>
-  <p:clrMapOvr>
-    <a:masterClrMapping/>
-  </p:clrMapOvr>
-</p:sld>
-</file>
-
-<file path=ppt/slides/slide7.xml><?xml version="1.0" encoding="utf-8"?>
-<p:sld xmlns:a="http://schemas.openxmlformats.org/drawingml/2006/main" xmlns:r="http://schemas.openxmlformats.org/officeDocument/2006/relationships" xmlns:p="http://schemas.openxmlformats.org/presentationml/2006/main">
-  <p:cSld>
-    <p:spTree>
-      <p:nvGrpSpPr>
-        <p:cNvPr id="1" name=""/>
-        <p:cNvGrpSpPr/>
-        <p:nvPr/>
-      </p:nvGrpSpPr>
-      <p:grpSpPr>
-        <a:xfrm>
-          <a:off x="0" y="0"/>
-          <a:ext cx="0" cy="0"/>
-          <a:chOff x="0" y="0"/>
-          <a:chExt cx="0" cy="0"/>
-        </a:xfrm>
-      </p:grpSpPr>
-      <p:sp>
-        <p:nvSpPr>
-          <p:cNvPr id="2" name="Title 1">
-            <a:extLst>
-              <a:ext uri="{FF2B5EF4-FFF2-40B4-BE49-F238E27FC236}">
-                <a16:creationId xmlns:a16="http://schemas.microsoft.com/office/drawing/2014/main" id="{11454E09-CFEA-4CB8-B06F-E98298309E31}"/>
-              </a:ext>
-            </a:extLst>
-          </p:cNvPr>
-          <p:cNvSpPr>
-            <a:spLocks noGrp="1"/>
-          </p:cNvSpPr>
-          <p:nvPr>
-            <p:ph type="title"/>
-          </p:nvPr>
-        </p:nvSpPr>
-        <p:spPr/>
-        <p:txBody>
-          <a:bodyPr/>
-          <a:lstStyle/>
-          <a:p>
-            <a:pPr algn="l"/>
-            <a:r>
-              <a:rPr lang="en-US" dirty="0"/>
-              <a:t>The Bubble trends</a:t>
-            </a:r>
-          </a:p>
-        </p:txBody>
-      </p:sp>
-      <p:sp>
-        <p:nvSpPr>
-          <p:cNvPr id="3" name="Content Placeholder 2">
-            <a:extLst>
-              <a:ext uri="{FF2B5EF4-FFF2-40B4-BE49-F238E27FC236}">
-                <a16:creationId xmlns:a16="http://schemas.microsoft.com/office/drawing/2014/main" id="{7BFE4042-24DF-4107-9C7E-524FFBD186AD}"/>
-              </a:ext>
-            </a:extLst>
-          </p:cNvPr>
-          <p:cNvSpPr>
-            <a:spLocks noGrp="1"/>
-          </p:cNvSpPr>
-          <p:nvPr>
-            <p:ph idx="1"/>
-          </p:nvPr>
-        </p:nvSpPr>
-        <p:spPr/>
-        <p:txBody>
-          <a:bodyPr>
-            <a:normAutofit lnSpcReduction="10000"/>
-          </a:bodyPr>
-          <a:lstStyle/>
-          <a:p>
-            <a:r>
-              <a:rPr lang="en-US" dirty="0"/>
-              <a:t>Industries are side by side comparisons of Big and Small Businesses</a:t>
-            </a:r>
-          </a:p>
-          <a:p>
-            <a:r>
-              <a:rPr lang="en-US" dirty="0"/>
-              <a:t>Revenue by industry (this shows a 1</a:t>
-            </a:r>
-            <a:r>
-              <a:rPr lang="en-US" baseline="30000" dirty="0"/>
-              <a:t>st</a:t>
-            </a:r>
-            <a:r>
-              <a:rPr lang="en-US" dirty="0"/>
-              <a:t> world *service* economy)</a:t>
-            </a:r>
-          </a:p>
-          <a:p>
-            <a:pPr lvl="1"/>
-            <a:r>
-              <a:rPr lang="en-US" dirty="0"/>
-              <a:t>Management, Utilities, Finance &amp; Insurance, Resource Exploitation</a:t>
-            </a:r>
-          </a:p>
-          <a:p>
-            <a:pPr lvl="8"/>
-            <a:r>
-              <a:rPr lang="en-US" dirty="0"/>
-              <a:t>(3</a:t>
-            </a:r>
-            <a:r>
-              <a:rPr lang="en-US" baseline="30000" dirty="0"/>
-              <a:t>rd</a:t>
-            </a:r>
-            <a:r>
-              <a:rPr lang="en-US" dirty="0"/>
-              <a:t> world has the last one as #1 industry every time)</a:t>
-            </a:r>
-          </a:p>
-          <a:p>
-            <a:r>
-              <a:rPr lang="en-US" dirty="0"/>
-              <a:t>Information is a rapidly growing piece of the pie (@10k per pop) ;)</a:t>
-            </a:r>
-          </a:p>
-          <a:p>
-            <a:r>
-              <a:rPr lang="en-US" dirty="0"/>
-              <a:t>Large Businesses dominate the US economies Total Payroll</a:t>
-            </a:r>
-          </a:p>
-          <a:p>
-            <a:r>
-              <a:rPr lang="en-US" dirty="0"/>
-              <a:t>Time permitting the “by industry” Average Salary differentials would be an interesting deep dive comparison</a:t>
-            </a:r>
-          </a:p>
-          <a:p>
-            <a:endParaRPr lang="en-US" dirty="0"/>
-          </a:p>
-          <a:p>
-            <a:pPr marL="0" indent="0">
-              <a:buNone/>
-            </a:pPr>
-            <a:endParaRPr lang="en-US" dirty="0"/>
-          </a:p>
-          <a:p>
-            <a:endParaRPr lang="en-US" dirty="0"/>
-          </a:p>
-          <a:p>
-            <a:endParaRPr lang="en-US" dirty="0"/>
-          </a:p>
-        </p:txBody>
-      </p:sp>
-    </p:spTree>
-    <p:extLst>
-      <p:ext uri="{BB962C8B-B14F-4D97-AF65-F5344CB8AC3E}">
-        <p14:creationId xmlns:p14="http://schemas.microsoft.com/office/powerpoint/2010/main" val="4049647872"/>
-      </p:ext>
-    </p:extLst>
-  </p:cSld>
-  <p:clrMapOvr>
-    <a:masterClrMapping/>
-  </p:clrMapOvr>
-</p:sld>
-</file>
-
-<file path=ppt/slides/slide8.xml><?xml version="1.0" encoding="utf-8"?>
-<p:sld xmlns:a="http://schemas.openxmlformats.org/drawingml/2006/main" xmlns:r="http://schemas.openxmlformats.org/officeDocument/2006/relationships" xmlns:p="http://schemas.openxmlformats.org/presentationml/2006/main">
-  <p:cSld>
-    <p:spTree>
-      <p:nvGrpSpPr>
-        <p:cNvPr id="1" name=""/>
-        <p:cNvGrpSpPr/>
-        <p:nvPr/>
-      </p:nvGrpSpPr>
-      <p:grpSpPr>
-        <a:xfrm>
-          <a:off x="0" y="0"/>
-          <a:ext cx="0" cy="0"/>
-          <a:chOff x="0" y="0"/>
-          <a:chExt cx="0" cy="0"/>
-        </a:xfrm>
-      </p:grpSpPr>
-      <p:sp>
-        <p:nvSpPr>
-          <p:cNvPr id="2" name="Title 1">
-            <a:extLst>
-              <a:ext uri="{FF2B5EF4-FFF2-40B4-BE49-F238E27FC236}">
-                <a16:creationId xmlns:a16="http://schemas.microsoft.com/office/drawing/2014/main" id="{745B22F2-ABCA-48AD-BAFF-517A32C33F83}"/>
-              </a:ext>
-            </a:extLst>
-          </p:cNvPr>
-          <p:cNvSpPr>
-            <a:spLocks noGrp="1"/>
-          </p:cNvSpPr>
-          <p:nvPr>
-            <p:ph type="title"/>
-          </p:nvPr>
-        </p:nvSpPr>
-        <p:spPr/>
-        <p:txBody>
-          <a:bodyPr/>
-          <a:lstStyle/>
-          <a:p>
-            <a:pPr algn="l"/>
-            <a:r>
-              <a:rPr lang="en-US" dirty="0"/>
-              <a:t>Color map</a:t>
-            </a:r>
-          </a:p>
-        </p:txBody>
-      </p:sp>
-      <p:sp>
-        <p:nvSpPr>
-          <p:cNvPr id="3" name="Content Placeholder 2">
-            <a:extLst>
-              <a:ext uri="{FF2B5EF4-FFF2-40B4-BE49-F238E27FC236}">
-                <a16:creationId xmlns:a16="http://schemas.microsoft.com/office/drawing/2014/main" id="{E2310E3E-6483-4B36-A28F-0F6EB7A0352A}"/>
-              </a:ext>
-            </a:extLst>
-          </p:cNvPr>
-          <p:cNvSpPr>
-            <a:spLocks noGrp="1"/>
-          </p:cNvSpPr>
-          <p:nvPr>
-            <p:ph idx="1"/>
-          </p:nvPr>
-        </p:nvSpPr>
-        <p:spPr>
-          <a:xfrm>
-            <a:off x="1449206" y="1703693"/>
-            <a:ext cx="9291215" cy="4033228"/>
-          </a:xfrm>
-        </p:spPr>
-        <p:txBody>
-          <a:bodyPr>
-            <a:normAutofit/>
-          </a:bodyPr>
-          <a:lstStyle/>
-          <a:p>
-            <a:r>
-              <a:rPr lang="en-US" dirty="0"/>
-              <a:t>Shows the US economy grew by roughly 15% from 2008 to 2017 within these Industries (David- can compute the annual GDP growth from that? (reverse compound interest)</a:t>
-            </a:r>
-          </a:p>
-          <a:p>
-            <a:r>
-              <a:rPr lang="en-US" dirty="0"/>
-              <a:t>Big business grew from 08 to 10 then dropped until 14 then jumped 1M in 15, then dropping the next 2 years, look into something between 13 and 14 causing massive big biz windfall in 15.</a:t>
-            </a:r>
-          </a:p>
-          <a:p>
-            <a:r>
-              <a:rPr lang="en-US" dirty="0"/>
-              <a:t>Small Businesses dropped every year from 08 to 15, jumping significantly in 16. Falls in line with historical political trends as to small businesses support. </a:t>
-            </a:r>
-          </a:p>
-        </p:txBody>
-      </p:sp>
-    </p:spTree>
-    <p:extLst>
-      <p:ext uri="{BB962C8B-B14F-4D97-AF65-F5344CB8AC3E}">
-        <p14:creationId xmlns:p14="http://schemas.microsoft.com/office/powerpoint/2010/main" val="3357386375"/>
-      </p:ext>
-    </p:extLst>
-  </p:cSld>
-  <p:clrMapOvr>
-    <a:masterClrMapping/>
-  </p:clrMapOvr>
-</p:sld>
-</file>
-
 <file path=ppt/slides/slide9.xml><?xml version="1.0" encoding="utf-8"?>
 <p:sld xmlns:a="http://schemas.openxmlformats.org/drawingml/2006/main" xmlns:r="http://schemas.openxmlformats.org/officeDocument/2006/relationships" xmlns:p="http://schemas.openxmlformats.org/presentationml/2006/main">
   <p:cSld>
@@ -6507,10 +5856,10 @@
       </p:grpSpPr>
       <p:sp>
         <p:nvSpPr>
-          <p:cNvPr id="2" name="Content Placeholder 1">
+          <p:cNvPr id="2" name="Title 1">
             <a:extLst>
               <a:ext uri="{FF2B5EF4-FFF2-40B4-BE49-F238E27FC236}">
-                <a16:creationId xmlns:a16="http://schemas.microsoft.com/office/drawing/2014/main" id="{8E8EE68E-6ABD-4E4B-BCEA-97B333FB905B}"/>
+                <a16:creationId xmlns:a16="http://schemas.microsoft.com/office/drawing/2014/main" id="{745B22F2-ABCA-48AD-BAFF-517A32C33F83}"/>
               </a:ext>
             </a:extLst>
           </p:cNvPr>
@@ -6518,60 +5867,73 @@
             <a:spLocks noGrp="1"/>
           </p:cNvSpPr>
           <p:nvPr>
-            <p:ph idx="1"/>
-          </p:nvPr>
-        </p:nvSpPr>
-        <p:spPr>
-          <a:xfrm>
-            <a:off x="1113378" y="399875"/>
-            <a:ext cx="9233122" cy="1629341"/>
-          </a:xfrm>
-        </p:spPr>
-        <p:txBody>
-          <a:bodyPr/>
-          <a:lstStyle/>
-          <a:p>
-            <a:r>
-              <a:rPr lang="en-US" dirty="0"/>
-              <a:t>Small Business Map</a:t>
-            </a:r>
-          </a:p>
-        </p:txBody>
-      </p:sp>
-      <p:pic>
-        <p:nvPicPr>
-          <p:cNvPr id="4" name="Picture 3" descr="Map&#10;&#10;Description automatically generated">
+            <p:ph type="title"/>
+          </p:nvPr>
+        </p:nvSpPr>
+        <p:spPr/>
+        <p:txBody>
+          <a:bodyPr/>
+          <a:lstStyle/>
+          <a:p>
+            <a:pPr algn="l"/>
+            <a:r>
+              <a:rPr lang="en-US" dirty="0"/>
+              <a:t>Color map</a:t>
+            </a:r>
+          </a:p>
+        </p:txBody>
+      </p:sp>
+      <p:sp>
+        <p:nvSpPr>
+          <p:cNvPr id="3" name="Content Placeholder 2">
             <a:extLst>
               <a:ext uri="{FF2B5EF4-FFF2-40B4-BE49-F238E27FC236}">
-                <a16:creationId xmlns:a16="http://schemas.microsoft.com/office/drawing/2014/main" id="{12C15C64-3671-430A-A22C-DC188895281C}"/>
+                <a16:creationId xmlns:a16="http://schemas.microsoft.com/office/drawing/2014/main" id="{E2310E3E-6483-4B36-A28F-0F6EB7A0352A}"/>
               </a:ext>
             </a:extLst>
           </p:cNvPr>
-          <p:cNvPicPr>
-            <a:picLocks noChangeAspect="1"/>
-          </p:cNvPicPr>
-          <p:nvPr/>
-        </p:nvPicPr>
-        <p:blipFill>
-          <a:blip r:embed="rId3"/>
-          <a:stretch>
-            <a:fillRect/>
-          </a:stretch>
-        </p:blipFill>
+          <p:cNvSpPr>
+            <a:spLocks noGrp="1"/>
+          </p:cNvSpPr>
+          <p:nvPr>
+            <p:ph idx="1"/>
+          </p:nvPr>
+        </p:nvSpPr>
         <p:spPr>
           <a:xfrm>
-            <a:off x="313084" y="1214545"/>
-            <a:ext cx="10033416" cy="5016708"/>
+            <a:off x="1449206" y="1703693"/>
+            <a:ext cx="9291215" cy="4033228"/>
           </a:xfrm>
-          <a:prstGeom prst="rect">
-            <a:avLst/>
-          </a:prstGeom>
         </p:spPr>
-      </p:pic>
+        <p:txBody>
+          <a:bodyPr>
+            <a:normAutofit/>
+          </a:bodyPr>
+          <a:lstStyle/>
+          <a:p>
+            <a:r>
+              <a:rPr lang="en-US" dirty="0"/>
+              <a:t>Shows the US economy grew by roughly 15% from 2008 to 2017 within these Industries (David- can compute the annual GDP growth from that? (reverse compound interest)</a:t>
+            </a:r>
+          </a:p>
+          <a:p>
+            <a:r>
+              <a:rPr lang="en-US" dirty="0"/>
+              <a:t>Big business grew from 08 to 10 then dropped until 14 then jumped 1M in 15, then dropping the next 2 years, look into something between 13 and 14 causing massive big biz windfall in 15.</a:t>
+            </a:r>
+          </a:p>
+          <a:p>
+            <a:r>
+              <a:rPr lang="en-US" dirty="0"/>
+              <a:t>Small Businesses dropped every year from 08 to 15, jumping significantly in 16. Falls in line with historical political trends as to small businesses support. </a:t>
+            </a:r>
+          </a:p>
+        </p:txBody>
+      </p:sp>
     </p:spTree>
     <p:extLst>
       <p:ext uri="{BB962C8B-B14F-4D97-AF65-F5344CB8AC3E}">
-        <p14:creationId xmlns:p14="http://schemas.microsoft.com/office/powerpoint/2010/main" val="1417637710"/>
+        <p14:creationId xmlns:p14="http://schemas.microsoft.com/office/powerpoint/2010/main" val="3357386375"/>
       </p:ext>
     </p:extLst>
   </p:cSld>

--- a/Project_2_Group_10.pptx
+++ b/Project_2_Group_10.pptx
@@ -5,7 +5,7 @@
     <p:sldMasterId id="2147483648" r:id="rId1"/>
   </p:sldMasterIdLst>
   <p:notesMasterIdLst>
-    <p:notesMasterId r:id="rId16"/>
+    <p:notesMasterId r:id="rId15"/>
   </p:notesMasterIdLst>
   <p:sldIdLst>
     <p:sldId id="256" r:id="rId2"/>
@@ -13,15 +13,14 @@
     <p:sldId id="270" r:id="rId4"/>
     <p:sldId id="271" r:id="rId5"/>
     <p:sldId id="272" r:id="rId6"/>
-    <p:sldId id="260" r:id="rId7"/>
-    <p:sldId id="258" r:id="rId8"/>
-    <p:sldId id="274" r:id="rId9"/>
-    <p:sldId id="269" r:id="rId10"/>
-    <p:sldId id="262" r:id="rId11"/>
-    <p:sldId id="257" r:id="rId12"/>
-    <p:sldId id="259" r:id="rId13"/>
-    <p:sldId id="267" r:id="rId14"/>
-    <p:sldId id="265" r:id="rId15"/>
+    <p:sldId id="258" r:id="rId7"/>
+    <p:sldId id="274" r:id="rId8"/>
+    <p:sldId id="269" r:id="rId9"/>
+    <p:sldId id="262" r:id="rId10"/>
+    <p:sldId id="260" r:id="rId11"/>
+    <p:sldId id="259" r:id="rId12"/>
+    <p:sldId id="267" r:id="rId13"/>
+    <p:sldId id="265" r:id="rId14"/>
   </p:sldIdLst>
   <p:sldSz cx="12192000" cy="6858000"/>
   <p:notesSz cx="6858000" cy="9144000"/>
@@ -635,90 +634,6 @@
     </p:spTree>
     <p:extLst>
       <p:ext uri="{BB962C8B-B14F-4D97-AF65-F5344CB8AC3E}">
-        <p14:creationId xmlns:p14="http://schemas.microsoft.com/office/powerpoint/2010/main" val="2247844227"/>
-      </p:ext>
-    </p:extLst>
-  </p:cSld>
-  <p:clrMapOvr>
-    <a:masterClrMapping/>
-  </p:clrMapOvr>
-</p:notes>
-</file>
-
-<file path=ppt/notesSlides/notesSlide11.xml><?xml version="1.0" encoding="utf-8"?>
-<p:notes xmlns:a="http://schemas.openxmlformats.org/drawingml/2006/main" xmlns:r="http://schemas.openxmlformats.org/officeDocument/2006/relationships" xmlns:p="http://schemas.openxmlformats.org/presentationml/2006/main">
-  <p:cSld>
-    <p:spTree>
-      <p:nvGrpSpPr>
-        <p:cNvPr id="1" name=""/>
-        <p:cNvGrpSpPr/>
-        <p:nvPr/>
-      </p:nvGrpSpPr>
-      <p:grpSpPr>
-        <a:xfrm>
-          <a:off x="0" y="0"/>
-          <a:ext cx="0" cy="0"/>
-          <a:chOff x="0" y="0"/>
-          <a:chExt cx="0" cy="0"/>
-        </a:xfrm>
-      </p:grpSpPr>
-      <p:sp>
-        <p:nvSpPr>
-          <p:cNvPr id="2" name="Slide Image Placeholder 1"/>
-          <p:cNvSpPr>
-            <a:spLocks noGrp="1" noRot="1" noChangeAspect="1"/>
-          </p:cNvSpPr>
-          <p:nvPr>
-            <p:ph type="sldImg"/>
-          </p:nvPr>
-        </p:nvSpPr>
-        <p:spPr/>
-      </p:sp>
-      <p:sp>
-        <p:nvSpPr>
-          <p:cNvPr id="3" name="Notes Placeholder 2"/>
-          <p:cNvSpPr>
-            <a:spLocks noGrp="1"/>
-          </p:cNvSpPr>
-          <p:nvPr>
-            <p:ph type="body" idx="1"/>
-          </p:nvPr>
-        </p:nvSpPr>
-        <p:spPr/>
-        <p:txBody>
-          <a:bodyPr/>
-          <a:lstStyle/>
-          <a:p>
-            <a:endParaRPr lang="en-US"/>
-          </a:p>
-        </p:txBody>
-      </p:sp>
-      <p:sp>
-        <p:nvSpPr>
-          <p:cNvPr id="4" name="Slide Number Placeholder 3"/>
-          <p:cNvSpPr>
-            <a:spLocks noGrp="1"/>
-          </p:cNvSpPr>
-          <p:nvPr>
-            <p:ph type="sldNum" sz="quarter" idx="5"/>
-          </p:nvPr>
-        </p:nvSpPr>
-        <p:spPr/>
-        <p:txBody>
-          <a:bodyPr/>
-          <a:lstStyle/>
-          <a:p>
-            <a:fld id="{A7FE854B-F042-40AB-A8CC-8D2DE5C84AC8}" type="slidenum">
-              <a:rPr lang="en-US" smtClean="0"/>
-              <a:t>14</a:t>
-            </a:fld>
-            <a:endParaRPr lang="en-US"/>
-          </a:p>
-        </p:txBody>
-      </p:sp>
-    </p:spTree>
-    <p:extLst>
-      <p:ext uri="{BB962C8B-B14F-4D97-AF65-F5344CB8AC3E}">
         <p14:creationId xmlns:p14="http://schemas.microsoft.com/office/powerpoint/2010/main" val="3757065082"/>
       </p:ext>
     </p:extLst>
@@ -971,7 +886,7 @@
     </p:spTree>
     <p:extLst>
       <p:ext uri="{BB962C8B-B14F-4D97-AF65-F5344CB8AC3E}">
-        <p14:creationId xmlns:p14="http://schemas.microsoft.com/office/powerpoint/2010/main" val="3969762949"/>
+        <p14:creationId xmlns:p14="http://schemas.microsoft.com/office/powerpoint/2010/main" val="957875324"/>
       </p:ext>
     </p:extLst>
   </p:cSld>
@@ -1055,7 +970,7 @@
     </p:spTree>
     <p:extLst>
       <p:ext uri="{BB962C8B-B14F-4D97-AF65-F5344CB8AC3E}">
-        <p14:creationId xmlns:p14="http://schemas.microsoft.com/office/powerpoint/2010/main" val="957875324"/>
+        <p14:creationId xmlns:p14="http://schemas.microsoft.com/office/powerpoint/2010/main" val="1250615393"/>
       </p:ext>
     </p:extLst>
   </p:cSld>
@@ -1130,7 +1045,7 @@
           <a:p>
             <a:fld id="{A7FE854B-F042-40AB-A8CC-8D2DE5C84AC8}" type="slidenum">
               <a:rPr lang="en-US" smtClean="0"/>
-              <a:t>8</a:t>
+              <a:t>9</a:t>
             </a:fld>
             <a:endParaRPr lang="en-US"/>
           </a:p>
@@ -1139,7 +1054,7 @@
     </p:spTree>
     <p:extLst>
       <p:ext uri="{BB962C8B-B14F-4D97-AF65-F5344CB8AC3E}">
-        <p14:creationId xmlns:p14="http://schemas.microsoft.com/office/powerpoint/2010/main" val="1250615393"/>
+        <p14:creationId xmlns:p14="http://schemas.microsoft.com/office/powerpoint/2010/main" val="712438140"/>
       </p:ext>
     </p:extLst>
   </p:cSld>
@@ -1223,7 +1138,7 @@
     </p:spTree>
     <p:extLst>
       <p:ext uri="{BB962C8B-B14F-4D97-AF65-F5344CB8AC3E}">
-        <p14:creationId xmlns:p14="http://schemas.microsoft.com/office/powerpoint/2010/main" val="712438140"/>
+        <p14:creationId xmlns:p14="http://schemas.microsoft.com/office/powerpoint/2010/main" val="3969762949"/>
       </p:ext>
     </p:extLst>
   </p:cSld>
@@ -1307,7 +1222,7 @@
     </p:spTree>
     <p:extLst>
       <p:ext uri="{BB962C8B-B14F-4D97-AF65-F5344CB8AC3E}">
-        <p14:creationId xmlns:p14="http://schemas.microsoft.com/office/powerpoint/2010/main" val="3864383518"/>
+        <p14:creationId xmlns:p14="http://schemas.microsoft.com/office/powerpoint/2010/main" val="609426225"/>
       </p:ext>
     </p:extLst>
   </p:cSld>
@@ -1391,7 +1306,7 @@
     </p:spTree>
     <p:extLst>
       <p:ext uri="{BB962C8B-B14F-4D97-AF65-F5344CB8AC3E}">
-        <p14:creationId xmlns:p14="http://schemas.microsoft.com/office/powerpoint/2010/main" val="609426225"/>
+        <p14:creationId xmlns:p14="http://schemas.microsoft.com/office/powerpoint/2010/main" val="2247844227"/>
       </p:ext>
     </p:extLst>
   </p:cSld>
@@ -4629,40 +4544,138 @@
           <a:chExt cx="0" cy="0"/>
         </a:xfrm>
       </p:grpSpPr>
-      <p:pic>
-        <p:nvPicPr>
-          <p:cNvPr id="4" name="Picture 3">
+      <p:sp>
+        <p:nvSpPr>
+          <p:cNvPr id="2" name="Title 1">
             <a:extLst>
               <a:ext uri="{FF2B5EF4-FFF2-40B4-BE49-F238E27FC236}">
-                <a16:creationId xmlns:a16="http://schemas.microsoft.com/office/drawing/2014/main" id="{CE36E934-F271-4714-92DB-F8838A091F01}"/>
+                <a16:creationId xmlns:a16="http://schemas.microsoft.com/office/drawing/2014/main" id="{11454E09-CFEA-4CB8-B06F-E98298309E31}"/>
               </a:ext>
             </a:extLst>
           </p:cNvPr>
-          <p:cNvPicPr>
-            <a:picLocks noChangeAspect="1"/>
-          </p:cNvPicPr>
-          <p:nvPr/>
-        </p:nvPicPr>
-        <p:blipFill>
-          <a:blip r:embed="rId3"/>
-          <a:stretch>
-            <a:fillRect/>
-          </a:stretch>
-        </p:blipFill>
-        <p:spPr>
-          <a:xfrm>
-            <a:off x="2083635" y="0"/>
-            <a:ext cx="8015032" cy="6145967"/>
-          </a:xfrm>
-          <a:prstGeom prst="rect">
-            <a:avLst/>
-          </a:prstGeom>
-        </p:spPr>
-      </p:pic>
+          <p:cNvSpPr>
+            <a:spLocks noGrp="1"/>
+          </p:cNvSpPr>
+          <p:nvPr>
+            <p:ph type="title"/>
+          </p:nvPr>
+        </p:nvSpPr>
+        <p:spPr/>
+        <p:txBody>
+          <a:bodyPr/>
+          <a:lstStyle/>
+          <a:p>
+            <a:pPr algn="l"/>
+            <a:r>
+              <a:rPr lang="en-US" dirty="0"/>
+              <a:t>The Bubble trends</a:t>
+            </a:r>
+          </a:p>
+        </p:txBody>
+      </p:sp>
+      <p:sp>
+        <p:nvSpPr>
+          <p:cNvPr id="3" name="Content Placeholder 2">
+            <a:extLst>
+              <a:ext uri="{FF2B5EF4-FFF2-40B4-BE49-F238E27FC236}">
+                <a16:creationId xmlns:a16="http://schemas.microsoft.com/office/drawing/2014/main" id="{7BFE4042-24DF-4107-9C7E-524FFBD186AD}"/>
+              </a:ext>
+            </a:extLst>
+          </p:cNvPr>
+          <p:cNvSpPr>
+            <a:spLocks noGrp="1"/>
+          </p:cNvSpPr>
+          <p:nvPr>
+            <p:ph idx="1"/>
+          </p:nvPr>
+        </p:nvSpPr>
+        <p:spPr/>
+        <p:txBody>
+          <a:bodyPr>
+            <a:normAutofit lnSpcReduction="10000"/>
+          </a:bodyPr>
+          <a:lstStyle/>
+          <a:p>
+            <a:r>
+              <a:rPr lang="en-US" dirty="0"/>
+              <a:t>Industries are side by side comparisons of Big and Small Businesses</a:t>
+            </a:r>
+          </a:p>
+          <a:p>
+            <a:r>
+              <a:rPr lang="en-US" dirty="0"/>
+              <a:t>Revenue by industry (this shows a 1</a:t>
+            </a:r>
+            <a:r>
+              <a:rPr lang="en-US" baseline="30000" dirty="0"/>
+              <a:t>st</a:t>
+            </a:r>
+            <a:r>
+              <a:rPr lang="en-US" dirty="0"/>
+              <a:t> world *service* economy)</a:t>
+            </a:r>
+          </a:p>
+          <a:p>
+            <a:pPr lvl="1"/>
+            <a:r>
+              <a:rPr lang="en-US" dirty="0"/>
+              <a:t>Management, Utilities, Finance &amp; Insurance, Resource Exploitation</a:t>
+            </a:r>
+          </a:p>
+          <a:p>
+            <a:pPr lvl="8"/>
+            <a:r>
+              <a:rPr lang="en-US" dirty="0"/>
+              <a:t>(3</a:t>
+            </a:r>
+            <a:r>
+              <a:rPr lang="en-US" baseline="30000" dirty="0"/>
+              <a:t>rd</a:t>
+            </a:r>
+            <a:r>
+              <a:rPr lang="en-US" dirty="0"/>
+              <a:t> world has the last one as #1 industry every time)</a:t>
+            </a:r>
+          </a:p>
+          <a:p>
+            <a:r>
+              <a:rPr lang="en-US" dirty="0"/>
+              <a:t>Information is a rapidly growing piece of the pie (@10k per pop) ;)</a:t>
+            </a:r>
+          </a:p>
+          <a:p>
+            <a:r>
+              <a:rPr lang="en-US" dirty="0"/>
+              <a:t>Large Businesses dominate the US economies Total Payroll</a:t>
+            </a:r>
+          </a:p>
+          <a:p>
+            <a:r>
+              <a:rPr lang="en-US" dirty="0"/>
+              <a:t>Time permitting the “by industry” Average Salary differentials would be an interesting deep dive comparison</a:t>
+            </a:r>
+          </a:p>
+          <a:p>
+            <a:endParaRPr lang="en-US" dirty="0"/>
+          </a:p>
+          <a:p>
+            <a:pPr marL="0" indent="0">
+              <a:buNone/>
+            </a:pPr>
+            <a:endParaRPr lang="en-US" dirty="0"/>
+          </a:p>
+          <a:p>
+            <a:endParaRPr lang="en-US" dirty="0"/>
+          </a:p>
+          <a:p>
+            <a:endParaRPr lang="en-US" dirty="0"/>
+          </a:p>
+        </p:txBody>
+      </p:sp>
     </p:spTree>
     <p:extLst>
       <p:ext uri="{BB962C8B-B14F-4D97-AF65-F5344CB8AC3E}">
-        <p14:creationId xmlns:p14="http://schemas.microsoft.com/office/powerpoint/2010/main" val="1005104479"/>
+        <p14:creationId xmlns:p14="http://schemas.microsoft.com/office/powerpoint/2010/main" val="4049647872"/>
       </p:ext>
     </p:extLst>
   </p:cSld>
@@ -4694,7 +4707,7 @@
           <p:cNvPr id="2" name="Title 1">
             <a:extLst>
               <a:ext uri="{FF2B5EF4-FFF2-40B4-BE49-F238E27FC236}">
-                <a16:creationId xmlns:a16="http://schemas.microsoft.com/office/drawing/2014/main" id="{290CB288-323F-4B33-AB6E-A323569DC47C}"/>
+                <a16:creationId xmlns:a16="http://schemas.microsoft.com/office/drawing/2014/main" id="{CE040AB0-FF06-4B94-8C2E-15EAB5EEAE5E}"/>
               </a:ext>
             </a:extLst>
           </p:cNvPr>
@@ -4713,7 +4726,7 @@
             <a:pPr algn="l"/>
             <a:r>
               <a:rPr lang="en-US" dirty="0"/>
-              <a:t>Bubble chart</a:t>
+              <a:t>Analysis summary</a:t>
             </a:r>
           </a:p>
         </p:txBody>
@@ -4723,7 +4736,7 @@
           <p:cNvPr id="3" name="Content Placeholder 2">
             <a:extLst>
               <a:ext uri="{FF2B5EF4-FFF2-40B4-BE49-F238E27FC236}">
-                <a16:creationId xmlns:a16="http://schemas.microsoft.com/office/drawing/2014/main" id="{F6EA209F-2977-41AC-83EF-3BC54DAF1EC3}"/>
+                <a16:creationId xmlns:a16="http://schemas.microsoft.com/office/drawing/2014/main" id="{66F85413-8A5C-40BC-B0A5-7431DAE502DA}"/>
               </a:ext>
             </a:extLst>
           </p:cNvPr>
@@ -4736,8 +4749,8 @@
         </p:nvSpPr>
         <p:spPr>
           <a:xfrm>
-            <a:off x="1451579" y="2015732"/>
-            <a:ext cx="9291215" cy="3450613"/>
+            <a:off x="1451579" y="1853754"/>
+            <a:ext cx="9291215" cy="3612591"/>
           </a:xfrm>
         </p:spPr>
         <p:txBody>
@@ -4746,39 +4759,30 @@
           </a:bodyPr>
           <a:lstStyle/>
           <a:p>
+            <a:endParaRPr lang="en-US" dirty="0"/>
+          </a:p>
+          <a:p>
             <a:r>
               <a:rPr lang="en-US" dirty="0"/>
-              <a:t>Missing or Illegible Tags on Equipment</a:t>
-            </a:r>
+              <a:t>Big Picture</a:t>
+            </a:r>
+          </a:p>
+          <a:p>
+            <a:endParaRPr lang="en-US" dirty="0"/>
           </a:p>
           <a:p>
             <a:r>
               <a:rPr lang="en-US" dirty="0"/>
-              <a:t>Damage to Synthetic Slings</a:t>
-            </a:r>
+              <a:t>Cool things</a:t>
+            </a:r>
+          </a:p>
+          <a:p>
+            <a:endParaRPr lang="en-US" dirty="0"/>
           </a:p>
           <a:p>
             <a:r>
               <a:rPr lang="en-US" dirty="0"/>
-              <a:t>Stretched or Bent Links on Alloy Chain Slings</a:t>
-            </a:r>
-          </a:p>
-          <a:p>
-            <a:r>
-              <a:rPr lang="en-US" dirty="0"/>
-              <a:t>Broken Wires, Corrosion, and Deformation to Wire Rope</a:t>
-            </a:r>
-          </a:p>
-          <a:p>
-            <a:r>
-              <a:rPr lang="en-US" dirty="0"/>
-              <a:t>Broken or Damaged Rigging Hardware</a:t>
-            </a:r>
-          </a:p>
-          <a:p>
-            <a:r>
-              <a:rPr lang="en-US" dirty="0"/>
-              <a:t>Homemade or unmarked below the hook devices</a:t>
+              <a:t>What to explore</a:t>
             </a:r>
           </a:p>
           <a:p>
@@ -4792,7 +4796,7 @@
     </p:spTree>
     <p:extLst>
       <p:ext uri="{BB962C8B-B14F-4D97-AF65-F5344CB8AC3E}">
-        <p14:creationId xmlns:p14="http://schemas.microsoft.com/office/powerpoint/2010/main" val="546367421"/>
+        <p14:creationId xmlns:p14="http://schemas.microsoft.com/office/powerpoint/2010/main" val="533002121"/>
       </p:ext>
     </p:extLst>
   </p:cSld>
@@ -4843,127 +4847,6 @@
             <a:pPr algn="l"/>
             <a:r>
               <a:rPr lang="en-US" dirty="0"/>
-              <a:t>Analysis summary</a:t>
-            </a:r>
-          </a:p>
-        </p:txBody>
-      </p:sp>
-      <p:sp>
-        <p:nvSpPr>
-          <p:cNvPr id="3" name="Content Placeholder 2">
-            <a:extLst>
-              <a:ext uri="{FF2B5EF4-FFF2-40B4-BE49-F238E27FC236}">
-                <a16:creationId xmlns:a16="http://schemas.microsoft.com/office/drawing/2014/main" id="{66F85413-8A5C-40BC-B0A5-7431DAE502DA}"/>
-              </a:ext>
-            </a:extLst>
-          </p:cNvPr>
-          <p:cNvSpPr>
-            <a:spLocks noGrp="1"/>
-          </p:cNvSpPr>
-          <p:nvPr>
-            <p:ph idx="1"/>
-          </p:nvPr>
-        </p:nvSpPr>
-        <p:spPr>
-          <a:xfrm>
-            <a:off x="1451579" y="1853754"/>
-            <a:ext cx="9291215" cy="3612591"/>
-          </a:xfrm>
-        </p:spPr>
-        <p:txBody>
-          <a:bodyPr>
-            <a:normAutofit/>
-          </a:bodyPr>
-          <a:lstStyle/>
-          <a:p>
-            <a:endParaRPr lang="en-US" dirty="0"/>
-          </a:p>
-          <a:p>
-            <a:r>
-              <a:rPr lang="en-US" dirty="0"/>
-              <a:t>Big Picture</a:t>
-            </a:r>
-          </a:p>
-          <a:p>
-            <a:endParaRPr lang="en-US" dirty="0"/>
-          </a:p>
-          <a:p>
-            <a:r>
-              <a:rPr lang="en-US" dirty="0"/>
-              <a:t>Cool things</a:t>
-            </a:r>
-          </a:p>
-          <a:p>
-            <a:endParaRPr lang="en-US" dirty="0"/>
-          </a:p>
-          <a:p>
-            <a:r>
-              <a:rPr lang="en-US" dirty="0"/>
-              <a:t>What to explore</a:t>
-            </a:r>
-          </a:p>
-          <a:p>
-            <a:pPr marL="0" indent="0">
-              <a:buNone/>
-            </a:pPr>
-            <a:endParaRPr lang="en-US" dirty="0"/>
-          </a:p>
-        </p:txBody>
-      </p:sp>
-    </p:spTree>
-    <p:extLst>
-      <p:ext uri="{BB962C8B-B14F-4D97-AF65-F5344CB8AC3E}">
-        <p14:creationId xmlns:p14="http://schemas.microsoft.com/office/powerpoint/2010/main" val="533002121"/>
-      </p:ext>
-    </p:extLst>
-  </p:cSld>
-  <p:clrMapOvr>
-    <a:masterClrMapping/>
-  </p:clrMapOvr>
-</p:sld>
-</file>
-
-<file path=ppt/slides/slide13.xml><?xml version="1.0" encoding="utf-8"?>
-<p:sld xmlns:a="http://schemas.openxmlformats.org/drawingml/2006/main" xmlns:r="http://schemas.openxmlformats.org/officeDocument/2006/relationships" xmlns:p="http://schemas.openxmlformats.org/presentationml/2006/main">
-  <p:cSld>
-    <p:spTree>
-      <p:nvGrpSpPr>
-        <p:cNvPr id="1" name=""/>
-        <p:cNvGrpSpPr/>
-        <p:nvPr/>
-      </p:nvGrpSpPr>
-      <p:grpSpPr>
-        <a:xfrm>
-          <a:off x="0" y="0"/>
-          <a:ext cx="0" cy="0"/>
-          <a:chOff x="0" y="0"/>
-          <a:chExt cx="0" cy="0"/>
-        </a:xfrm>
-      </p:grpSpPr>
-      <p:sp>
-        <p:nvSpPr>
-          <p:cNvPr id="2" name="Title 1">
-            <a:extLst>
-              <a:ext uri="{FF2B5EF4-FFF2-40B4-BE49-F238E27FC236}">
-                <a16:creationId xmlns:a16="http://schemas.microsoft.com/office/drawing/2014/main" id="{CE040AB0-FF06-4B94-8C2E-15EAB5EEAE5E}"/>
-              </a:ext>
-            </a:extLst>
-          </p:cNvPr>
-          <p:cNvSpPr>
-            <a:spLocks noGrp="1"/>
-          </p:cNvSpPr>
-          <p:nvPr>
-            <p:ph type="title"/>
-          </p:nvPr>
-        </p:nvSpPr>
-        <p:spPr/>
-        <p:txBody>
-          <a:bodyPr/>
-          <a:lstStyle/>
-          <a:p>
-            <a:pPr algn="l"/>
-            <a:r>
-              <a:rPr lang="en-US" dirty="0"/>
               <a:t>Knowledge is key</a:t>
             </a:r>
           </a:p>
@@ -5038,7 +4921,7 @@
 </p:sld>
 </file>
 
-<file path=ppt/slides/slide14.xml><?xml version="1.0" encoding="utf-8"?>
+<file path=ppt/slides/slide13.xml><?xml version="1.0" encoding="utf-8"?>
 <p:sld xmlns:a="http://schemas.openxmlformats.org/drawingml/2006/main" xmlns:r="http://schemas.openxmlformats.org/officeDocument/2006/relationships" xmlns:p="http://schemas.openxmlformats.org/presentationml/2006/main">
   <p:cSld>
     <p:spTree>
@@ -5504,164 +5387,6 @@
       </p:grpSpPr>
       <p:sp>
         <p:nvSpPr>
-          <p:cNvPr id="2" name="Title 1">
-            <a:extLst>
-              <a:ext uri="{FF2B5EF4-FFF2-40B4-BE49-F238E27FC236}">
-                <a16:creationId xmlns:a16="http://schemas.microsoft.com/office/drawing/2014/main" id="{11454E09-CFEA-4CB8-B06F-E98298309E31}"/>
-              </a:ext>
-            </a:extLst>
-          </p:cNvPr>
-          <p:cNvSpPr>
-            <a:spLocks noGrp="1"/>
-          </p:cNvSpPr>
-          <p:nvPr>
-            <p:ph type="title"/>
-          </p:nvPr>
-        </p:nvSpPr>
-        <p:spPr/>
-        <p:txBody>
-          <a:bodyPr/>
-          <a:lstStyle/>
-          <a:p>
-            <a:pPr algn="l"/>
-            <a:r>
-              <a:rPr lang="en-US" dirty="0"/>
-              <a:t>The Bubble trends</a:t>
-            </a:r>
-          </a:p>
-        </p:txBody>
-      </p:sp>
-      <p:sp>
-        <p:nvSpPr>
-          <p:cNvPr id="3" name="Content Placeholder 2">
-            <a:extLst>
-              <a:ext uri="{FF2B5EF4-FFF2-40B4-BE49-F238E27FC236}">
-                <a16:creationId xmlns:a16="http://schemas.microsoft.com/office/drawing/2014/main" id="{7BFE4042-24DF-4107-9C7E-524FFBD186AD}"/>
-              </a:ext>
-            </a:extLst>
-          </p:cNvPr>
-          <p:cNvSpPr>
-            <a:spLocks noGrp="1"/>
-          </p:cNvSpPr>
-          <p:nvPr>
-            <p:ph idx="1"/>
-          </p:nvPr>
-        </p:nvSpPr>
-        <p:spPr/>
-        <p:txBody>
-          <a:bodyPr>
-            <a:normAutofit lnSpcReduction="10000"/>
-          </a:bodyPr>
-          <a:lstStyle/>
-          <a:p>
-            <a:r>
-              <a:rPr lang="en-US" dirty="0"/>
-              <a:t>Industries are side by side comparisons of Big and Small Businesses</a:t>
-            </a:r>
-          </a:p>
-          <a:p>
-            <a:r>
-              <a:rPr lang="en-US" dirty="0"/>
-              <a:t>Revenue by industry (this shows a 1</a:t>
-            </a:r>
-            <a:r>
-              <a:rPr lang="en-US" baseline="30000" dirty="0"/>
-              <a:t>st</a:t>
-            </a:r>
-            <a:r>
-              <a:rPr lang="en-US" dirty="0"/>
-              <a:t> world *service* economy)</a:t>
-            </a:r>
-          </a:p>
-          <a:p>
-            <a:pPr lvl="1"/>
-            <a:r>
-              <a:rPr lang="en-US" dirty="0"/>
-              <a:t>Management, Utilities, Finance &amp; Insurance, Resource Exploitation</a:t>
-            </a:r>
-          </a:p>
-          <a:p>
-            <a:pPr lvl="8"/>
-            <a:r>
-              <a:rPr lang="en-US" dirty="0"/>
-              <a:t>(3</a:t>
-            </a:r>
-            <a:r>
-              <a:rPr lang="en-US" baseline="30000" dirty="0"/>
-              <a:t>rd</a:t>
-            </a:r>
-            <a:r>
-              <a:rPr lang="en-US" dirty="0"/>
-              <a:t> world has the last one as #1 industry every time)</a:t>
-            </a:r>
-          </a:p>
-          <a:p>
-            <a:r>
-              <a:rPr lang="en-US" dirty="0"/>
-              <a:t>Information is a rapidly growing piece of the pie (@10k per pop) ;)</a:t>
-            </a:r>
-          </a:p>
-          <a:p>
-            <a:r>
-              <a:rPr lang="en-US" dirty="0"/>
-              <a:t>Large Businesses dominate the US economies Total Payroll</a:t>
-            </a:r>
-          </a:p>
-          <a:p>
-            <a:r>
-              <a:rPr lang="en-US" dirty="0"/>
-              <a:t>Time permitting the “by industry” Average Salary differentials would be an interesting deep dive comparison</a:t>
-            </a:r>
-          </a:p>
-          <a:p>
-            <a:endParaRPr lang="en-US" dirty="0"/>
-          </a:p>
-          <a:p>
-            <a:pPr marL="0" indent="0">
-              <a:buNone/>
-            </a:pPr>
-            <a:endParaRPr lang="en-US" dirty="0"/>
-          </a:p>
-          <a:p>
-            <a:endParaRPr lang="en-US" dirty="0"/>
-          </a:p>
-          <a:p>
-            <a:endParaRPr lang="en-US" dirty="0"/>
-          </a:p>
-        </p:txBody>
-      </p:sp>
-    </p:spTree>
-    <p:extLst>
-      <p:ext uri="{BB962C8B-B14F-4D97-AF65-F5344CB8AC3E}">
-        <p14:creationId xmlns:p14="http://schemas.microsoft.com/office/powerpoint/2010/main" val="4049647872"/>
-      </p:ext>
-    </p:extLst>
-  </p:cSld>
-  <p:clrMapOvr>
-    <a:masterClrMapping/>
-  </p:clrMapOvr>
-</p:sld>
-</file>
-
-<file path=ppt/slides/slide7.xml><?xml version="1.0" encoding="utf-8"?>
-<p:sld xmlns:a="http://schemas.openxmlformats.org/drawingml/2006/main" xmlns:r="http://schemas.openxmlformats.org/officeDocument/2006/relationships" xmlns:p="http://schemas.openxmlformats.org/presentationml/2006/main">
-  <p:cSld>
-    <p:spTree>
-      <p:nvGrpSpPr>
-        <p:cNvPr id="1" name=""/>
-        <p:cNvGrpSpPr/>
-        <p:nvPr/>
-      </p:nvGrpSpPr>
-      <p:grpSpPr>
-        <a:xfrm>
-          <a:off x="0" y="0"/>
-          <a:ext cx="0" cy="0"/>
-          <a:chOff x="0" y="0"/>
-          <a:chExt cx="0" cy="0"/>
-        </a:xfrm>
-      </p:grpSpPr>
-      <p:sp>
-        <p:nvSpPr>
           <p:cNvPr id="2" name="Content Placeholder 1">
             <a:extLst>
               <a:ext uri="{FF2B5EF4-FFF2-40B4-BE49-F238E27FC236}">
@@ -5736,7 +5461,7 @@
 </p:sld>
 </file>
 
-<file path=ppt/slides/slide8.xml><?xml version="1.0" encoding="utf-8"?>
+<file path=ppt/slides/slide7.xml><?xml version="1.0" encoding="utf-8"?>
 <p:sld xmlns:a="http://schemas.openxmlformats.org/drawingml/2006/main" xmlns:r="http://schemas.openxmlformats.org/officeDocument/2006/relationships" xmlns:p="http://schemas.openxmlformats.org/presentationml/2006/main">
   <p:cSld>
     <p:spTree>
@@ -5837,6 +5562,112 @@
 </p:sld>
 </file>
 
+<file path=ppt/slides/slide8.xml><?xml version="1.0" encoding="utf-8"?>
+<p:sld xmlns:a="http://schemas.openxmlformats.org/drawingml/2006/main" xmlns:r="http://schemas.openxmlformats.org/officeDocument/2006/relationships" xmlns:p="http://schemas.openxmlformats.org/presentationml/2006/main">
+  <p:cSld>
+    <p:spTree>
+      <p:nvGrpSpPr>
+        <p:cNvPr id="1" name=""/>
+        <p:cNvGrpSpPr/>
+        <p:nvPr/>
+      </p:nvGrpSpPr>
+      <p:grpSpPr>
+        <a:xfrm>
+          <a:off x="0" y="0"/>
+          <a:ext cx="0" cy="0"/>
+          <a:chOff x="0" y="0"/>
+          <a:chExt cx="0" cy="0"/>
+        </a:xfrm>
+      </p:grpSpPr>
+      <p:sp>
+        <p:nvSpPr>
+          <p:cNvPr id="2" name="Title 1">
+            <a:extLst>
+              <a:ext uri="{FF2B5EF4-FFF2-40B4-BE49-F238E27FC236}">
+                <a16:creationId xmlns:a16="http://schemas.microsoft.com/office/drawing/2014/main" id="{745B22F2-ABCA-48AD-BAFF-517A32C33F83}"/>
+              </a:ext>
+            </a:extLst>
+          </p:cNvPr>
+          <p:cNvSpPr>
+            <a:spLocks noGrp="1"/>
+          </p:cNvSpPr>
+          <p:nvPr>
+            <p:ph type="title"/>
+          </p:nvPr>
+        </p:nvSpPr>
+        <p:spPr/>
+        <p:txBody>
+          <a:bodyPr/>
+          <a:lstStyle/>
+          <a:p>
+            <a:pPr algn="l"/>
+            <a:r>
+              <a:rPr lang="en-US" dirty="0"/>
+              <a:t>Color map</a:t>
+            </a:r>
+          </a:p>
+        </p:txBody>
+      </p:sp>
+      <p:sp>
+        <p:nvSpPr>
+          <p:cNvPr id="3" name="Content Placeholder 2">
+            <a:extLst>
+              <a:ext uri="{FF2B5EF4-FFF2-40B4-BE49-F238E27FC236}">
+                <a16:creationId xmlns:a16="http://schemas.microsoft.com/office/drawing/2014/main" id="{E2310E3E-6483-4B36-A28F-0F6EB7A0352A}"/>
+              </a:ext>
+            </a:extLst>
+          </p:cNvPr>
+          <p:cNvSpPr>
+            <a:spLocks noGrp="1"/>
+          </p:cNvSpPr>
+          <p:nvPr>
+            <p:ph idx="1"/>
+          </p:nvPr>
+        </p:nvSpPr>
+        <p:spPr>
+          <a:xfrm>
+            <a:off x="1449206" y="1703693"/>
+            <a:ext cx="9291215" cy="4033228"/>
+          </a:xfrm>
+        </p:spPr>
+        <p:txBody>
+          <a:bodyPr>
+            <a:normAutofit/>
+          </a:bodyPr>
+          <a:lstStyle/>
+          <a:p>
+            <a:r>
+              <a:rPr lang="en-US" dirty="0"/>
+              <a:t>Shows the US economy grew by roughly 15% from 2008 to 2017 within these Industries (David- can compute the annual GDP growth from that? (reverse compound interest)</a:t>
+            </a:r>
+          </a:p>
+          <a:p>
+            <a:r>
+              <a:rPr lang="en-US" dirty="0"/>
+              <a:t>Big business grew from 08 to 10 then dropped until 14 then jumped 1M in 15, then dropping the next 2 years, look into something between 13 and 14 causing massive big biz windfall in 15.</a:t>
+            </a:r>
+          </a:p>
+          <a:p>
+            <a:r>
+              <a:rPr lang="en-US" dirty="0"/>
+              <a:t>Small Businesses dropped every year from 08 to 15, jumping significantly in 16. Falls in line with historical political trends as to small businesses support. </a:t>
+            </a:r>
+          </a:p>
+        </p:txBody>
+      </p:sp>
+    </p:spTree>
+    <p:extLst>
+      <p:ext uri="{BB962C8B-B14F-4D97-AF65-F5344CB8AC3E}">
+        <p14:creationId xmlns:p14="http://schemas.microsoft.com/office/powerpoint/2010/main" val="3357386375"/>
+      </p:ext>
+    </p:extLst>
+  </p:cSld>
+  <p:clrMapOvr>
+    <a:masterClrMapping/>
+  </p:clrMapOvr>
+</p:sld>
+</file>
+
 <file path=ppt/slides/slide9.xml><?xml version="1.0" encoding="utf-8"?>
 <p:sld xmlns:a="http://schemas.openxmlformats.org/drawingml/2006/main" xmlns:r="http://schemas.openxmlformats.org/officeDocument/2006/relationships" xmlns:p="http://schemas.openxmlformats.org/presentationml/2006/main">
   <p:cSld>
@@ -5854,86 +5685,40 @@
           <a:chExt cx="0" cy="0"/>
         </a:xfrm>
       </p:grpSpPr>
-      <p:sp>
-        <p:nvSpPr>
-          <p:cNvPr id="2" name="Title 1">
+      <p:pic>
+        <p:nvPicPr>
+          <p:cNvPr id="4" name="Picture 3">
             <a:extLst>
               <a:ext uri="{FF2B5EF4-FFF2-40B4-BE49-F238E27FC236}">
-                <a16:creationId xmlns:a16="http://schemas.microsoft.com/office/drawing/2014/main" id="{745B22F2-ABCA-48AD-BAFF-517A32C33F83}"/>
+                <a16:creationId xmlns:a16="http://schemas.microsoft.com/office/drawing/2014/main" id="{CE36E934-F271-4714-92DB-F8838A091F01}"/>
               </a:ext>
             </a:extLst>
           </p:cNvPr>
-          <p:cNvSpPr>
-            <a:spLocks noGrp="1"/>
-          </p:cNvSpPr>
-          <p:nvPr>
-            <p:ph type="title"/>
-          </p:nvPr>
-        </p:nvSpPr>
-        <p:spPr/>
-        <p:txBody>
-          <a:bodyPr/>
-          <a:lstStyle/>
-          <a:p>
-            <a:pPr algn="l"/>
-            <a:r>
-              <a:rPr lang="en-US" dirty="0"/>
-              <a:t>Color map</a:t>
-            </a:r>
-          </a:p>
-        </p:txBody>
-      </p:sp>
-      <p:sp>
-        <p:nvSpPr>
-          <p:cNvPr id="3" name="Content Placeholder 2">
-            <a:extLst>
-              <a:ext uri="{FF2B5EF4-FFF2-40B4-BE49-F238E27FC236}">
-                <a16:creationId xmlns:a16="http://schemas.microsoft.com/office/drawing/2014/main" id="{E2310E3E-6483-4B36-A28F-0F6EB7A0352A}"/>
-              </a:ext>
-            </a:extLst>
-          </p:cNvPr>
-          <p:cNvSpPr>
-            <a:spLocks noGrp="1"/>
-          </p:cNvSpPr>
-          <p:nvPr>
-            <p:ph idx="1"/>
-          </p:nvPr>
-        </p:nvSpPr>
+          <p:cNvPicPr>
+            <a:picLocks noChangeAspect="1"/>
+          </p:cNvPicPr>
+          <p:nvPr/>
+        </p:nvPicPr>
+        <p:blipFill>
+          <a:blip r:embed="rId3"/>
+          <a:stretch>
+            <a:fillRect/>
+          </a:stretch>
+        </p:blipFill>
         <p:spPr>
           <a:xfrm>
-            <a:off x="1449206" y="1703693"/>
-            <a:ext cx="9291215" cy="4033228"/>
+            <a:off x="2083635" y="0"/>
+            <a:ext cx="8015032" cy="6145967"/>
           </a:xfrm>
+          <a:prstGeom prst="rect">
+            <a:avLst/>
+          </a:prstGeom>
         </p:spPr>
-        <p:txBody>
-          <a:bodyPr>
-            <a:normAutofit/>
-          </a:bodyPr>
-          <a:lstStyle/>
-          <a:p>
-            <a:r>
-              <a:rPr lang="en-US" dirty="0"/>
-              <a:t>Shows the US economy grew by roughly 15% from 2008 to 2017 within these Industries (David- can compute the annual GDP growth from that? (reverse compound interest)</a:t>
-            </a:r>
-          </a:p>
-          <a:p>
-            <a:r>
-              <a:rPr lang="en-US" dirty="0"/>
-              <a:t>Big business grew from 08 to 10 then dropped until 14 then jumped 1M in 15, then dropping the next 2 years, look into something between 13 and 14 causing massive big biz windfall in 15.</a:t>
-            </a:r>
-          </a:p>
-          <a:p>
-            <a:r>
-              <a:rPr lang="en-US" dirty="0"/>
-              <a:t>Small Businesses dropped every year from 08 to 15, jumping significantly in 16. Falls in line with historical political trends as to small businesses support. </a:t>
-            </a:r>
-          </a:p>
-        </p:txBody>
-      </p:sp>
+      </p:pic>
     </p:spTree>
     <p:extLst>
       <p:ext uri="{BB962C8B-B14F-4D97-AF65-F5344CB8AC3E}">
-        <p14:creationId xmlns:p14="http://schemas.microsoft.com/office/powerpoint/2010/main" val="3357386375"/>
+        <p14:creationId xmlns:p14="http://schemas.microsoft.com/office/powerpoint/2010/main" val="1005104479"/>
       </p:ext>
     </p:extLst>
   </p:cSld>

--- a/Project_2_Group_10.pptx
+++ b/Project_2_Group_10.pptx
@@ -5,22 +5,24 @@
     <p:sldMasterId id="2147483648" r:id="rId1"/>
   </p:sldMasterIdLst>
   <p:notesMasterIdLst>
-    <p:notesMasterId r:id="rId15"/>
+    <p:notesMasterId r:id="rId17"/>
   </p:notesMasterIdLst>
   <p:sldIdLst>
-    <p:sldId id="256" r:id="rId2"/>
-    <p:sldId id="268" r:id="rId3"/>
-    <p:sldId id="270" r:id="rId4"/>
-    <p:sldId id="271" r:id="rId5"/>
-    <p:sldId id="272" r:id="rId6"/>
-    <p:sldId id="258" r:id="rId7"/>
-    <p:sldId id="274" r:id="rId8"/>
-    <p:sldId id="269" r:id="rId9"/>
-    <p:sldId id="262" r:id="rId10"/>
-    <p:sldId id="260" r:id="rId11"/>
-    <p:sldId id="259" r:id="rId12"/>
-    <p:sldId id="267" r:id="rId13"/>
-    <p:sldId id="265" r:id="rId14"/>
+    <p:sldId id="275" r:id="rId2"/>
+    <p:sldId id="276" r:id="rId3"/>
+    <p:sldId id="277" r:id="rId4"/>
+    <p:sldId id="278" r:id="rId5"/>
+    <p:sldId id="270" r:id="rId6"/>
+    <p:sldId id="271" r:id="rId7"/>
+    <p:sldId id="272" r:id="rId8"/>
+    <p:sldId id="258" r:id="rId9"/>
+    <p:sldId id="274" r:id="rId10"/>
+    <p:sldId id="269" r:id="rId11"/>
+    <p:sldId id="262" r:id="rId12"/>
+    <p:sldId id="260" r:id="rId13"/>
+    <p:sldId id="259" r:id="rId14"/>
+    <p:sldId id="267" r:id="rId15"/>
+    <p:sldId id="265" r:id="rId16"/>
   </p:sldIdLst>
   <p:sldSz cx="12192000" cy="6858000"/>
   <p:notesSz cx="6858000" cy="9144000"/>
@@ -625,7 +627,7 @@
           <a:p>
             <a:fld id="{A7FE854B-F042-40AB-A8CC-8D2DE5C84AC8}" type="slidenum">
               <a:rPr lang="en-US" smtClean="0"/>
-              <a:t>13</a:t>
+              <a:t>15</a:t>
             </a:fld>
             <a:endParaRPr lang="en-US"/>
           </a:p>
@@ -709,7 +711,7 @@
           <a:p>
             <a:fld id="{A7FE854B-F042-40AB-A8CC-8D2DE5C84AC8}" type="slidenum">
               <a:rPr lang="en-US" smtClean="0"/>
-              <a:t>4</a:t>
+              <a:t>6</a:t>
             </a:fld>
             <a:endParaRPr lang="en-US"/>
           </a:p>
@@ -793,7 +795,7 @@
           <a:p>
             <a:fld id="{A7FE854B-F042-40AB-A8CC-8D2DE5C84AC8}" type="slidenum">
               <a:rPr lang="en-US" smtClean="0"/>
-              <a:t>5</a:t>
+              <a:t>7</a:t>
             </a:fld>
             <a:endParaRPr lang="en-US"/>
           </a:p>
@@ -877,7 +879,7 @@
           <a:p>
             <a:fld id="{A7FE854B-F042-40AB-A8CC-8D2DE5C84AC8}" type="slidenum">
               <a:rPr lang="en-US" smtClean="0"/>
-              <a:t>6</a:t>
+              <a:t>8</a:t>
             </a:fld>
             <a:endParaRPr lang="en-US"/>
           </a:p>
@@ -961,7 +963,7 @@
           <a:p>
             <a:fld id="{A7FE854B-F042-40AB-A8CC-8D2DE5C84AC8}" type="slidenum">
               <a:rPr lang="en-US" smtClean="0"/>
-              <a:t>7</a:t>
+              <a:t>9</a:t>
             </a:fld>
             <a:endParaRPr lang="en-US"/>
           </a:p>
@@ -1045,7 +1047,7 @@
           <a:p>
             <a:fld id="{A7FE854B-F042-40AB-A8CC-8D2DE5C84AC8}" type="slidenum">
               <a:rPr lang="en-US" smtClean="0"/>
-              <a:t>9</a:t>
+              <a:t>11</a:t>
             </a:fld>
             <a:endParaRPr lang="en-US"/>
           </a:p>
@@ -1129,7 +1131,7 @@
           <a:p>
             <a:fld id="{A7FE854B-F042-40AB-A8CC-8D2DE5C84AC8}" type="slidenum">
               <a:rPr lang="en-US" smtClean="0"/>
-              <a:t>10</a:t>
+              <a:t>12</a:t>
             </a:fld>
             <a:endParaRPr lang="en-US"/>
           </a:p>
@@ -1213,7 +1215,7 @@
           <a:p>
             <a:fld id="{A7FE854B-F042-40AB-A8CC-8D2DE5C84AC8}" type="slidenum">
               <a:rPr lang="en-US" smtClean="0"/>
-              <a:t>11</a:t>
+              <a:t>13</a:t>
             </a:fld>
             <a:endParaRPr lang="en-US"/>
           </a:p>
@@ -1297,7 +1299,7 @@
           <a:p>
             <a:fld id="{A7FE854B-F042-40AB-A8CC-8D2DE5C84AC8}" type="slidenum">
               <a:rPr lang="en-US" smtClean="0"/>
-              <a:t>12</a:t>
+              <a:t>14</a:t>
             </a:fld>
             <a:endParaRPr lang="en-US"/>
           </a:p>
@@ -4512,12 +4514,35 @@
               <a:t>Industry employment data for 50 US states</a:t>
             </a:r>
           </a:p>
+          <a:p>
+            <a:r>
+              <a:rPr lang="en-US" sz="1800" b="1" dirty="0">
+                <a:effectLst/>
+                <a:latin typeface="Calibri" panose="020F0502020204030204" pitchFamily="34" charset="0"/>
+                <a:ea typeface="Calibri" panose="020F0502020204030204" pitchFamily="34" charset="0"/>
+                <a:cs typeface="Times New Roman" panose="02020603050405020304" pitchFamily="18" charset="0"/>
+              </a:rPr>
+              <a:t>Members:</a:t>
+            </a:r>
+            <a:r>
+              <a:rPr lang="en-US" sz="1800" dirty="0">
+                <a:effectLst/>
+                <a:latin typeface="Calibri" panose="020F0502020204030204" pitchFamily="34" charset="0"/>
+                <a:ea typeface="Calibri" panose="020F0502020204030204" pitchFamily="34" charset="0"/>
+                <a:cs typeface="Times New Roman" panose="02020603050405020304" pitchFamily="18" charset="0"/>
+              </a:rPr>
+              <a:t> Patricia Mobolade, David Martinez, Roberto De La Torre, Josh Bond</a:t>
+            </a:r>
+          </a:p>
+          <a:p>
+            <a:endParaRPr lang="en-US" dirty="0"/>
+          </a:p>
         </p:txBody>
       </p:sp>
     </p:spTree>
     <p:extLst>
       <p:ext uri="{BB962C8B-B14F-4D97-AF65-F5344CB8AC3E}">
-        <p14:creationId xmlns:p14="http://schemas.microsoft.com/office/powerpoint/2010/main" val="2833022254"/>
+        <p14:creationId xmlns:p14="http://schemas.microsoft.com/office/powerpoint/2010/main" val="1098313699"/>
       </p:ext>
     </p:extLst>
   </p:cSld>
@@ -4549,7 +4574,7 @@
           <p:cNvPr id="2" name="Title 1">
             <a:extLst>
               <a:ext uri="{FF2B5EF4-FFF2-40B4-BE49-F238E27FC236}">
-                <a16:creationId xmlns:a16="http://schemas.microsoft.com/office/drawing/2014/main" id="{11454E09-CFEA-4CB8-B06F-E98298309E31}"/>
+                <a16:creationId xmlns:a16="http://schemas.microsoft.com/office/drawing/2014/main" id="{745B22F2-ABCA-48AD-BAFF-517A32C33F83}"/>
               </a:ext>
             </a:extLst>
           </p:cNvPr>
@@ -4568,7 +4593,7 @@
             <a:pPr algn="l"/>
             <a:r>
               <a:rPr lang="en-US" dirty="0"/>
-              <a:t>The Bubble trends</a:t>
+              <a:t>Color map</a:t>
             </a:r>
           </a:p>
         </p:txBody>
@@ -4578,7 +4603,7 @@
           <p:cNvPr id="3" name="Content Placeholder 2">
             <a:extLst>
               <a:ext uri="{FF2B5EF4-FFF2-40B4-BE49-F238E27FC236}">
-                <a16:creationId xmlns:a16="http://schemas.microsoft.com/office/drawing/2014/main" id="{7BFE4042-24DF-4107-9C7E-524FFBD186AD}"/>
+                <a16:creationId xmlns:a16="http://schemas.microsoft.com/office/drawing/2014/main" id="{E2310E3E-6483-4B36-A28F-0F6EB7A0352A}"/>
               </a:ext>
             </a:extLst>
           </p:cNvPr>
@@ -4589,93 +4614,41 @@
             <p:ph idx="1"/>
           </p:nvPr>
         </p:nvSpPr>
-        <p:spPr/>
+        <p:spPr>
+          <a:xfrm>
+            <a:off x="1449206" y="1703693"/>
+            <a:ext cx="9291215" cy="4033228"/>
+          </a:xfrm>
+        </p:spPr>
         <p:txBody>
           <a:bodyPr>
-            <a:normAutofit lnSpcReduction="10000"/>
+            <a:normAutofit/>
           </a:bodyPr>
           <a:lstStyle/>
           <a:p>
             <a:r>
               <a:rPr lang="en-US" dirty="0"/>
-              <a:t>Industries are side by side comparisons of Big and Small Businesses</a:t>
+              <a:t>Shows the US economy grew by roughly 15% from 2008 to 2017 within these Industries (David- can compute the annual GDP growth from that? (reverse compound interest)</a:t>
             </a:r>
           </a:p>
           <a:p>
             <a:r>
               <a:rPr lang="en-US" dirty="0"/>
-              <a:t>Revenue by industry (this shows a 1</a:t>
-            </a:r>
-            <a:r>
-              <a:rPr lang="en-US" baseline="30000" dirty="0"/>
-              <a:t>st</a:t>
-            </a:r>
+              <a:t>Big business grew from 08 to 10 then dropped until 14 then jumped 1M in 15, then dropping the next 2 years, look into something between 13 and 14 causing massive big biz windfall in 15.</a:t>
+            </a:r>
+          </a:p>
+          <a:p>
             <a:r>
               <a:rPr lang="en-US" dirty="0"/>
-              <a:t> world *service* economy)</a:t>
-            </a:r>
-          </a:p>
-          <a:p>
-            <a:pPr lvl="1"/>
-            <a:r>
-              <a:rPr lang="en-US" dirty="0"/>
-              <a:t>Management, Utilities, Finance &amp; Insurance, Resource Exploitation</a:t>
-            </a:r>
-          </a:p>
-          <a:p>
-            <a:pPr lvl="8"/>
-            <a:r>
-              <a:rPr lang="en-US" dirty="0"/>
-              <a:t>(3</a:t>
-            </a:r>
-            <a:r>
-              <a:rPr lang="en-US" baseline="30000" dirty="0"/>
-              <a:t>rd</a:t>
-            </a:r>
-            <a:r>
-              <a:rPr lang="en-US" dirty="0"/>
-              <a:t> world has the last one as #1 industry every time)</a:t>
-            </a:r>
-          </a:p>
-          <a:p>
-            <a:r>
-              <a:rPr lang="en-US" dirty="0"/>
-              <a:t>Information is a rapidly growing piece of the pie (@10k per pop) ;)</a:t>
-            </a:r>
-          </a:p>
-          <a:p>
-            <a:r>
-              <a:rPr lang="en-US" dirty="0"/>
-              <a:t>Large Businesses dominate the US economies Total Payroll</a:t>
-            </a:r>
-          </a:p>
-          <a:p>
-            <a:r>
-              <a:rPr lang="en-US" dirty="0"/>
-              <a:t>Time permitting the “by industry” Average Salary differentials would be an interesting deep dive comparison</a:t>
-            </a:r>
-          </a:p>
-          <a:p>
-            <a:endParaRPr lang="en-US" dirty="0"/>
-          </a:p>
-          <a:p>
-            <a:pPr marL="0" indent="0">
-              <a:buNone/>
-            </a:pPr>
-            <a:endParaRPr lang="en-US" dirty="0"/>
-          </a:p>
-          <a:p>
-            <a:endParaRPr lang="en-US" dirty="0"/>
-          </a:p>
-          <a:p>
-            <a:endParaRPr lang="en-US" dirty="0"/>
+              <a:t>Small Businesses dropped every year from 08 to 15, jumping significantly in 16. Falls in line with historical political trends as to small businesses support. </a:t>
+            </a:r>
           </a:p>
         </p:txBody>
       </p:sp>
     </p:spTree>
     <p:extLst>
       <p:ext uri="{BB962C8B-B14F-4D97-AF65-F5344CB8AC3E}">
-        <p14:creationId xmlns:p14="http://schemas.microsoft.com/office/powerpoint/2010/main" val="4049647872"/>
+        <p14:creationId xmlns:p14="http://schemas.microsoft.com/office/powerpoint/2010/main" val="3357386375"/>
       </p:ext>
     </p:extLst>
   </p:cSld>
@@ -4702,101 +4675,40 @@
           <a:chExt cx="0" cy="0"/>
         </a:xfrm>
       </p:grpSpPr>
-      <p:sp>
-        <p:nvSpPr>
-          <p:cNvPr id="2" name="Title 1">
+      <p:pic>
+        <p:nvPicPr>
+          <p:cNvPr id="4" name="Picture 3">
             <a:extLst>
               <a:ext uri="{FF2B5EF4-FFF2-40B4-BE49-F238E27FC236}">
-                <a16:creationId xmlns:a16="http://schemas.microsoft.com/office/drawing/2014/main" id="{CE040AB0-FF06-4B94-8C2E-15EAB5EEAE5E}"/>
+                <a16:creationId xmlns:a16="http://schemas.microsoft.com/office/drawing/2014/main" id="{CE36E934-F271-4714-92DB-F8838A091F01}"/>
               </a:ext>
             </a:extLst>
           </p:cNvPr>
-          <p:cNvSpPr>
-            <a:spLocks noGrp="1"/>
-          </p:cNvSpPr>
-          <p:nvPr>
-            <p:ph type="title"/>
-          </p:nvPr>
-        </p:nvSpPr>
-        <p:spPr/>
-        <p:txBody>
-          <a:bodyPr/>
-          <a:lstStyle/>
-          <a:p>
-            <a:pPr algn="l"/>
-            <a:r>
-              <a:rPr lang="en-US" dirty="0"/>
-              <a:t>Analysis summary</a:t>
-            </a:r>
-          </a:p>
-        </p:txBody>
-      </p:sp>
-      <p:sp>
-        <p:nvSpPr>
-          <p:cNvPr id="3" name="Content Placeholder 2">
-            <a:extLst>
-              <a:ext uri="{FF2B5EF4-FFF2-40B4-BE49-F238E27FC236}">
-                <a16:creationId xmlns:a16="http://schemas.microsoft.com/office/drawing/2014/main" id="{66F85413-8A5C-40BC-B0A5-7431DAE502DA}"/>
-              </a:ext>
-            </a:extLst>
-          </p:cNvPr>
-          <p:cNvSpPr>
-            <a:spLocks noGrp="1"/>
-          </p:cNvSpPr>
-          <p:nvPr>
-            <p:ph idx="1"/>
-          </p:nvPr>
-        </p:nvSpPr>
+          <p:cNvPicPr>
+            <a:picLocks noChangeAspect="1"/>
+          </p:cNvPicPr>
+          <p:nvPr/>
+        </p:nvPicPr>
+        <p:blipFill>
+          <a:blip r:embed="rId3"/>
+          <a:stretch>
+            <a:fillRect/>
+          </a:stretch>
+        </p:blipFill>
         <p:spPr>
           <a:xfrm>
-            <a:off x="1451579" y="1853754"/>
-            <a:ext cx="9291215" cy="3612591"/>
+            <a:off x="2083635" y="0"/>
+            <a:ext cx="8015032" cy="6145967"/>
           </a:xfrm>
+          <a:prstGeom prst="rect">
+            <a:avLst/>
+          </a:prstGeom>
         </p:spPr>
-        <p:txBody>
-          <a:bodyPr>
-            <a:normAutofit/>
-          </a:bodyPr>
-          <a:lstStyle/>
-          <a:p>
-            <a:endParaRPr lang="en-US" dirty="0"/>
-          </a:p>
-          <a:p>
-            <a:r>
-              <a:rPr lang="en-US" dirty="0"/>
-              <a:t>Big Picture</a:t>
-            </a:r>
-          </a:p>
-          <a:p>
-            <a:endParaRPr lang="en-US" dirty="0"/>
-          </a:p>
-          <a:p>
-            <a:r>
-              <a:rPr lang="en-US" dirty="0"/>
-              <a:t>Cool things</a:t>
-            </a:r>
-          </a:p>
-          <a:p>
-            <a:endParaRPr lang="en-US" dirty="0"/>
-          </a:p>
-          <a:p>
-            <a:r>
-              <a:rPr lang="en-US" dirty="0"/>
-              <a:t>What to explore</a:t>
-            </a:r>
-          </a:p>
-          <a:p>
-            <a:pPr marL="0" indent="0">
-              <a:buNone/>
-            </a:pPr>
-            <a:endParaRPr lang="en-US" dirty="0"/>
-          </a:p>
-        </p:txBody>
-      </p:sp>
+      </p:pic>
     </p:spTree>
     <p:extLst>
       <p:ext uri="{BB962C8B-B14F-4D97-AF65-F5344CB8AC3E}">
-        <p14:creationId xmlns:p14="http://schemas.microsoft.com/office/powerpoint/2010/main" val="533002121"/>
+        <p14:creationId xmlns:p14="http://schemas.microsoft.com/office/powerpoint/2010/main" val="1005104479"/>
       </p:ext>
     </p:extLst>
   </p:cSld>
@@ -4828,6 +4740,285 @@
           <p:cNvPr id="2" name="Title 1">
             <a:extLst>
               <a:ext uri="{FF2B5EF4-FFF2-40B4-BE49-F238E27FC236}">
+                <a16:creationId xmlns:a16="http://schemas.microsoft.com/office/drawing/2014/main" id="{11454E09-CFEA-4CB8-B06F-E98298309E31}"/>
+              </a:ext>
+            </a:extLst>
+          </p:cNvPr>
+          <p:cNvSpPr>
+            <a:spLocks noGrp="1"/>
+          </p:cNvSpPr>
+          <p:nvPr>
+            <p:ph type="title"/>
+          </p:nvPr>
+        </p:nvSpPr>
+        <p:spPr/>
+        <p:txBody>
+          <a:bodyPr/>
+          <a:lstStyle/>
+          <a:p>
+            <a:pPr algn="l"/>
+            <a:r>
+              <a:rPr lang="en-US" dirty="0"/>
+              <a:t>The Bubble trends</a:t>
+            </a:r>
+          </a:p>
+        </p:txBody>
+      </p:sp>
+      <p:sp>
+        <p:nvSpPr>
+          <p:cNvPr id="3" name="Content Placeholder 2">
+            <a:extLst>
+              <a:ext uri="{FF2B5EF4-FFF2-40B4-BE49-F238E27FC236}">
+                <a16:creationId xmlns:a16="http://schemas.microsoft.com/office/drawing/2014/main" id="{7BFE4042-24DF-4107-9C7E-524FFBD186AD}"/>
+              </a:ext>
+            </a:extLst>
+          </p:cNvPr>
+          <p:cNvSpPr>
+            <a:spLocks noGrp="1"/>
+          </p:cNvSpPr>
+          <p:nvPr>
+            <p:ph idx="1"/>
+          </p:nvPr>
+        </p:nvSpPr>
+        <p:spPr/>
+        <p:txBody>
+          <a:bodyPr>
+            <a:normAutofit lnSpcReduction="10000"/>
+          </a:bodyPr>
+          <a:lstStyle/>
+          <a:p>
+            <a:r>
+              <a:rPr lang="en-US" dirty="0"/>
+              <a:t>Industries are side by side comparisons of Big and Small Businesses</a:t>
+            </a:r>
+          </a:p>
+          <a:p>
+            <a:r>
+              <a:rPr lang="en-US" dirty="0"/>
+              <a:t>Revenue by industry (this shows a 1</a:t>
+            </a:r>
+            <a:r>
+              <a:rPr lang="en-US" baseline="30000" dirty="0"/>
+              <a:t>st</a:t>
+            </a:r>
+            <a:r>
+              <a:rPr lang="en-US" dirty="0"/>
+              <a:t> world *service* economy)</a:t>
+            </a:r>
+          </a:p>
+          <a:p>
+            <a:pPr lvl="1"/>
+            <a:r>
+              <a:rPr lang="en-US" dirty="0"/>
+              <a:t>Management, Utilities, Finance &amp; Insurance, Resource Exploitation</a:t>
+            </a:r>
+          </a:p>
+          <a:p>
+            <a:pPr lvl="8"/>
+            <a:r>
+              <a:rPr lang="en-US" dirty="0"/>
+              <a:t>(3</a:t>
+            </a:r>
+            <a:r>
+              <a:rPr lang="en-US" baseline="30000" dirty="0"/>
+              <a:t>rd</a:t>
+            </a:r>
+            <a:r>
+              <a:rPr lang="en-US" dirty="0"/>
+              <a:t> world has the last one as #1 industry every time)</a:t>
+            </a:r>
+          </a:p>
+          <a:p>
+            <a:r>
+              <a:rPr lang="en-US" dirty="0"/>
+              <a:t>Information is a rapidly growing piece of the pie (@10k per pop) ;)</a:t>
+            </a:r>
+          </a:p>
+          <a:p>
+            <a:r>
+              <a:rPr lang="en-US" dirty="0"/>
+              <a:t>Large Businesses dominate the US economies Total Payroll</a:t>
+            </a:r>
+          </a:p>
+          <a:p>
+            <a:r>
+              <a:rPr lang="en-US" dirty="0"/>
+              <a:t>Time permitting the “by industry” Average Salary differentials would be an interesting deep dive comparison</a:t>
+            </a:r>
+          </a:p>
+          <a:p>
+            <a:endParaRPr lang="en-US" dirty="0"/>
+          </a:p>
+          <a:p>
+            <a:pPr marL="0" indent="0">
+              <a:buNone/>
+            </a:pPr>
+            <a:endParaRPr lang="en-US" dirty="0"/>
+          </a:p>
+          <a:p>
+            <a:endParaRPr lang="en-US" dirty="0"/>
+          </a:p>
+          <a:p>
+            <a:endParaRPr lang="en-US" dirty="0"/>
+          </a:p>
+        </p:txBody>
+      </p:sp>
+    </p:spTree>
+    <p:extLst>
+      <p:ext uri="{BB962C8B-B14F-4D97-AF65-F5344CB8AC3E}">
+        <p14:creationId xmlns:p14="http://schemas.microsoft.com/office/powerpoint/2010/main" val="4049647872"/>
+      </p:ext>
+    </p:extLst>
+  </p:cSld>
+  <p:clrMapOvr>
+    <a:masterClrMapping/>
+  </p:clrMapOvr>
+</p:sld>
+</file>
+
+<file path=ppt/slides/slide13.xml><?xml version="1.0" encoding="utf-8"?>
+<p:sld xmlns:a="http://schemas.openxmlformats.org/drawingml/2006/main" xmlns:r="http://schemas.openxmlformats.org/officeDocument/2006/relationships" xmlns:p="http://schemas.openxmlformats.org/presentationml/2006/main">
+  <p:cSld>
+    <p:spTree>
+      <p:nvGrpSpPr>
+        <p:cNvPr id="1" name=""/>
+        <p:cNvGrpSpPr/>
+        <p:nvPr/>
+      </p:nvGrpSpPr>
+      <p:grpSpPr>
+        <a:xfrm>
+          <a:off x="0" y="0"/>
+          <a:ext cx="0" cy="0"/>
+          <a:chOff x="0" y="0"/>
+          <a:chExt cx="0" cy="0"/>
+        </a:xfrm>
+      </p:grpSpPr>
+      <p:sp>
+        <p:nvSpPr>
+          <p:cNvPr id="2" name="Title 1">
+            <a:extLst>
+              <a:ext uri="{FF2B5EF4-FFF2-40B4-BE49-F238E27FC236}">
+                <a16:creationId xmlns:a16="http://schemas.microsoft.com/office/drawing/2014/main" id="{CE040AB0-FF06-4B94-8C2E-15EAB5EEAE5E}"/>
+              </a:ext>
+            </a:extLst>
+          </p:cNvPr>
+          <p:cNvSpPr>
+            <a:spLocks noGrp="1"/>
+          </p:cNvSpPr>
+          <p:nvPr>
+            <p:ph type="title"/>
+          </p:nvPr>
+        </p:nvSpPr>
+        <p:spPr/>
+        <p:txBody>
+          <a:bodyPr/>
+          <a:lstStyle/>
+          <a:p>
+            <a:pPr algn="l"/>
+            <a:r>
+              <a:rPr lang="en-US" dirty="0"/>
+              <a:t>Analysis summary</a:t>
+            </a:r>
+          </a:p>
+        </p:txBody>
+      </p:sp>
+      <p:sp>
+        <p:nvSpPr>
+          <p:cNvPr id="3" name="Content Placeholder 2">
+            <a:extLst>
+              <a:ext uri="{FF2B5EF4-FFF2-40B4-BE49-F238E27FC236}">
+                <a16:creationId xmlns:a16="http://schemas.microsoft.com/office/drawing/2014/main" id="{66F85413-8A5C-40BC-B0A5-7431DAE502DA}"/>
+              </a:ext>
+            </a:extLst>
+          </p:cNvPr>
+          <p:cNvSpPr>
+            <a:spLocks noGrp="1"/>
+          </p:cNvSpPr>
+          <p:nvPr>
+            <p:ph idx="1"/>
+          </p:nvPr>
+        </p:nvSpPr>
+        <p:spPr>
+          <a:xfrm>
+            <a:off x="1451579" y="1853754"/>
+            <a:ext cx="9291215" cy="3612591"/>
+          </a:xfrm>
+        </p:spPr>
+        <p:txBody>
+          <a:bodyPr>
+            <a:normAutofit/>
+          </a:bodyPr>
+          <a:lstStyle/>
+          <a:p>
+            <a:endParaRPr lang="en-US" dirty="0"/>
+          </a:p>
+          <a:p>
+            <a:r>
+              <a:rPr lang="en-US" dirty="0"/>
+              <a:t>Big Picture</a:t>
+            </a:r>
+          </a:p>
+          <a:p>
+            <a:endParaRPr lang="en-US" dirty="0"/>
+          </a:p>
+          <a:p>
+            <a:r>
+              <a:rPr lang="en-US" dirty="0"/>
+              <a:t>Cool things</a:t>
+            </a:r>
+          </a:p>
+          <a:p>
+            <a:endParaRPr lang="en-US" dirty="0"/>
+          </a:p>
+          <a:p>
+            <a:r>
+              <a:rPr lang="en-US" dirty="0"/>
+              <a:t>What to explore</a:t>
+            </a:r>
+          </a:p>
+          <a:p>
+            <a:pPr marL="0" indent="0">
+              <a:buNone/>
+            </a:pPr>
+            <a:endParaRPr lang="en-US" dirty="0"/>
+          </a:p>
+        </p:txBody>
+      </p:sp>
+    </p:spTree>
+    <p:extLst>
+      <p:ext uri="{BB962C8B-B14F-4D97-AF65-F5344CB8AC3E}">
+        <p14:creationId xmlns:p14="http://schemas.microsoft.com/office/powerpoint/2010/main" val="533002121"/>
+      </p:ext>
+    </p:extLst>
+  </p:cSld>
+  <p:clrMapOvr>
+    <a:masterClrMapping/>
+  </p:clrMapOvr>
+</p:sld>
+</file>
+
+<file path=ppt/slides/slide14.xml><?xml version="1.0" encoding="utf-8"?>
+<p:sld xmlns:a="http://schemas.openxmlformats.org/drawingml/2006/main" xmlns:r="http://schemas.openxmlformats.org/officeDocument/2006/relationships" xmlns:p="http://schemas.openxmlformats.org/presentationml/2006/main">
+  <p:cSld>
+    <p:spTree>
+      <p:nvGrpSpPr>
+        <p:cNvPr id="1" name=""/>
+        <p:cNvGrpSpPr/>
+        <p:nvPr/>
+      </p:nvGrpSpPr>
+      <p:grpSpPr>
+        <a:xfrm>
+          <a:off x="0" y="0"/>
+          <a:ext cx="0" cy="0"/>
+          <a:chOff x="0" y="0"/>
+          <a:chExt cx="0" cy="0"/>
+        </a:xfrm>
+      </p:grpSpPr>
+      <p:sp>
+        <p:nvSpPr>
+          <p:cNvPr id="2" name="Title 1">
+            <a:extLst>
+              <a:ext uri="{FF2B5EF4-FFF2-40B4-BE49-F238E27FC236}">
                 <a16:creationId xmlns:a16="http://schemas.microsoft.com/office/drawing/2014/main" id="{CE040AB0-FF06-4B94-8C2E-15EAB5EEAE5E}"/>
               </a:ext>
             </a:extLst>
@@ -4921,7 +5112,7 @@
 </p:sld>
 </file>
 
-<file path=ppt/slides/slide13.xml><?xml version="1.0" encoding="utf-8"?>
+<file path=ppt/slides/slide15.xml><?xml version="1.0" encoding="utf-8"?>
 <p:sld xmlns:a="http://schemas.openxmlformats.org/drawingml/2006/main" xmlns:r="http://schemas.openxmlformats.org/officeDocument/2006/relationships" xmlns:p="http://schemas.openxmlformats.org/presentationml/2006/main">
   <p:cSld>
     <p:spTree>
@@ -5080,7 +5271,7 @@
             <a:pPr algn="l"/>
             <a:r>
               <a:rPr lang="en-US" dirty="0"/>
-              <a:t>What the data?</a:t>
+              <a:t> WHY DO WE CARE?</a:t>
             </a:r>
           </a:p>
         </p:txBody>
@@ -5101,29 +5292,80 @@
             <p:ph idx="1"/>
           </p:nvPr>
         </p:nvSpPr>
-        <p:spPr/>
-        <p:txBody>
-          <a:bodyPr/>
-          <a:lstStyle/>
-          <a:p>
+        <p:spPr>
+          <a:xfrm>
+            <a:off x="1451579" y="1744910"/>
+            <a:ext cx="9291215" cy="3721435"/>
+          </a:xfrm>
+        </p:spPr>
+        <p:txBody>
+          <a:bodyPr>
+            <a:normAutofit/>
+          </a:bodyPr>
+          <a:lstStyle/>
+          <a:p>
+            <a:r>
+              <a:rPr lang="en-US" sz="1800" dirty="0">
+                <a:effectLst/>
+                <a:latin typeface="Calibri" panose="020F0502020204030204" pitchFamily="34" charset="0"/>
+                <a:ea typeface="Calibri" panose="020F0502020204030204" pitchFamily="34" charset="0"/>
+                <a:cs typeface="Times New Roman" panose="02020603050405020304" pitchFamily="18" charset="0"/>
+              </a:rPr>
+              <a:t>With the current push to support small businesses in the United States today. It begs the question, how much do small businesses contribute to the US economy in comparison to the "Amazons", "Googles" of the world? How has it varied over time? What sectors do small &amp; large business tend to gravitate to? On average, do employees in larger enterprises earn more per capita than small businesses? How to earnings vary across the states and industries? </a:t>
+            </a:r>
+          </a:p>
+          <a:p>
+            <a:endParaRPr lang="en-US" sz="1800" dirty="0">
+              <a:effectLst/>
+              <a:latin typeface="Calibri" panose="020F0502020204030204" pitchFamily="34" charset="0"/>
+              <a:ea typeface="Calibri" panose="020F0502020204030204" pitchFamily="34" charset="0"/>
+              <a:cs typeface="Times New Roman" panose="02020603050405020304" pitchFamily="18" charset="0"/>
+            </a:endParaRPr>
+          </a:p>
+          <a:p>
+            <a:pPr marL="457200" lvl="1" indent="0">
+              <a:buNone/>
+            </a:pPr>
             <a:r>
               <a:rPr lang="en-US" dirty="0"/>
-              <a:t>Where:</a:t>
-            </a:r>
-          </a:p>
-          <a:p>
-            <a:pPr lvl="1"/>
+              <a:t>DATA SOURCE: Census.gov</a:t>
+            </a:r>
+          </a:p>
+          <a:p>
+            <a:pPr marL="690563" lvl="2" indent="-233363"/>
             <a:r>
               <a:rPr lang="en-US" dirty="0"/>
-              <a:t>North American Classification System (NAICS)</a:t>
-            </a:r>
+              <a:t>North American Industry Classification System (NAICS) Stats 2008 -2017 (10 CSV Datasets)</a:t>
+            </a:r>
+          </a:p>
+          <a:p>
+            <a:pPr marL="690563" lvl="2" indent="-233363"/>
+            <a:r>
+              <a:rPr lang="en-US" dirty="0"/>
+              <a:t>2017 NAICS Structure Summary</a:t>
+            </a:r>
+          </a:p>
+          <a:p>
+            <a:pPr marL="690563" lvl="2" indent="-233363"/>
+            <a:r>
+              <a:rPr lang="en-US" dirty="0"/>
+              <a:t>US States Code </a:t>
+            </a:r>
+          </a:p>
+          <a:p>
+            <a:pPr lvl="2"/>
+            <a:endParaRPr lang="en-US" dirty="0"/>
+          </a:p>
+          <a:p>
+            <a:pPr lvl="2"/>
+            <a:endParaRPr lang="en-US" dirty="0"/>
           </a:p>
         </p:txBody>
       </p:sp>
     </p:spTree>
     <p:extLst>
       <p:ext uri="{BB962C8B-B14F-4D97-AF65-F5344CB8AC3E}">
-        <p14:creationId xmlns:p14="http://schemas.microsoft.com/office/powerpoint/2010/main" val="422618061"/>
+        <p14:creationId xmlns:p14="http://schemas.microsoft.com/office/powerpoint/2010/main" val="884371533"/>
       </p:ext>
     </p:extLst>
   </p:cSld>
@@ -5166,6 +5408,268 @@
             <p:ph type="title"/>
           </p:nvPr>
         </p:nvSpPr>
+        <p:spPr>
+          <a:xfrm>
+            <a:off x="1373942" y="539902"/>
+            <a:ext cx="9291215" cy="851753"/>
+          </a:xfrm>
+        </p:spPr>
+        <p:txBody>
+          <a:bodyPr/>
+          <a:lstStyle/>
+          <a:p>
+            <a:pPr algn="l"/>
+            <a:r>
+              <a:rPr lang="en-US" dirty="0"/>
+              <a:t>METADATA</a:t>
+            </a:r>
+          </a:p>
+        </p:txBody>
+      </p:sp>
+      <p:sp>
+        <p:nvSpPr>
+          <p:cNvPr id="3" name="Content Placeholder 2">
+            <a:extLst>
+              <a:ext uri="{FF2B5EF4-FFF2-40B4-BE49-F238E27FC236}">
+                <a16:creationId xmlns:a16="http://schemas.microsoft.com/office/drawing/2014/main" id="{E2310E3E-6483-4B36-A28F-0F6EB7A0352A}"/>
+              </a:ext>
+            </a:extLst>
+          </p:cNvPr>
+          <p:cNvSpPr>
+            <a:spLocks noGrp="1"/>
+          </p:cNvSpPr>
+          <p:nvPr>
+            <p:ph idx="1"/>
+          </p:nvPr>
+        </p:nvSpPr>
+        <p:spPr>
+          <a:xfrm>
+            <a:off x="1451579" y="1744910"/>
+            <a:ext cx="9291215" cy="3721435"/>
+          </a:xfrm>
+        </p:spPr>
+        <p:txBody>
+          <a:bodyPr>
+            <a:normAutofit/>
+          </a:bodyPr>
+          <a:lstStyle/>
+          <a:p>
+            <a:pPr lvl="2"/>
+            <a:endParaRPr lang="en-US" dirty="0"/>
+          </a:p>
+          <a:p>
+            <a:pPr lvl="2"/>
+            <a:endParaRPr lang="en-US" dirty="0"/>
+          </a:p>
+        </p:txBody>
+      </p:sp>
+      <p:pic>
+        <p:nvPicPr>
+          <p:cNvPr id="4" name="Picture 3">
+            <a:extLst>
+              <a:ext uri="{FF2B5EF4-FFF2-40B4-BE49-F238E27FC236}">
+                <a16:creationId xmlns:a16="http://schemas.microsoft.com/office/drawing/2014/main" id="{75924824-581A-4D70-81E4-77957F99CD78}"/>
+              </a:ext>
+            </a:extLst>
+          </p:cNvPr>
+          <p:cNvPicPr>
+            <a:picLocks noChangeAspect="1"/>
+          </p:cNvPicPr>
+          <p:nvPr/>
+        </p:nvPicPr>
+        <p:blipFill>
+          <a:blip r:embed="rId2"/>
+          <a:stretch>
+            <a:fillRect/>
+          </a:stretch>
+        </p:blipFill>
+        <p:spPr>
+          <a:xfrm>
+            <a:off x="1373942" y="1501735"/>
+            <a:ext cx="9144000" cy="4207783"/>
+          </a:xfrm>
+          <a:prstGeom prst="rect">
+            <a:avLst/>
+          </a:prstGeom>
+        </p:spPr>
+      </p:pic>
+    </p:spTree>
+    <p:extLst>
+      <p:ext uri="{BB962C8B-B14F-4D97-AF65-F5344CB8AC3E}">
+        <p14:creationId xmlns:p14="http://schemas.microsoft.com/office/powerpoint/2010/main" val="3287270996"/>
+      </p:ext>
+    </p:extLst>
+  </p:cSld>
+  <p:clrMapOvr>
+    <a:masterClrMapping/>
+  </p:clrMapOvr>
+</p:sld>
+</file>
+
+<file path=ppt/slides/slide4.xml><?xml version="1.0" encoding="utf-8"?>
+<p:sld xmlns:a="http://schemas.openxmlformats.org/drawingml/2006/main" xmlns:r="http://schemas.openxmlformats.org/officeDocument/2006/relationships" xmlns:p="http://schemas.openxmlformats.org/presentationml/2006/main">
+  <p:cSld>
+    <p:spTree>
+      <p:nvGrpSpPr>
+        <p:cNvPr id="1" name=""/>
+        <p:cNvGrpSpPr/>
+        <p:nvPr/>
+      </p:nvGrpSpPr>
+      <p:grpSpPr>
+        <a:xfrm>
+          <a:off x="0" y="0"/>
+          <a:ext cx="0" cy="0"/>
+          <a:chOff x="0" y="0"/>
+          <a:chExt cx="0" cy="0"/>
+        </a:xfrm>
+      </p:grpSpPr>
+      <p:sp>
+        <p:nvSpPr>
+          <p:cNvPr id="2" name="Title 1">
+            <a:extLst>
+              <a:ext uri="{FF2B5EF4-FFF2-40B4-BE49-F238E27FC236}">
+                <a16:creationId xmlns:a16="http://schemas.microsoft.com/office/drawing/2014/main" id="{745B22F2-ABCA-48AD-BAFF-517A32C33F83}"/>
+              </a:ext>
+            </a:extLst>
+          </p:cNvPr>
+          <p:cNvSpPr>
+            <a:spLocks noGrp="1"/>
+          </p:cNvSpPr>
+          <p:nvPr>
+            <p:ph type="title"/>
+          </p:nvPr>
+        </p:nvSpPr>
+        <p:spPr>
+          <a:xfrm>
+            <a:off x="1373942" y="539902"/>
+            <a:ext cx="9291215" cy="851753"/>
+          </a:xfrm>
+        </p:spPr>
+        <p:txBody>
+          <a:bodyPr/>
+          <a:lstStyle/>
+          <a:p>
+            <a:pPr algn="l"/>
+            <a:r>
+              <a:rPr lang="en-US" dirty="0"/>
+              <a:t>DATA ARCHITECTURE</a:t>
+            </a:r>
+          </a:p>
+        </p:txBody>
+      </p:sp>
+      <p:sp>
+        <p:nvSpPr>
+          <p:cNvPr id="3" name="Content Placeholder 2">
+            <a:extLst>
+              <a:ext uri="{FF2B5EF4-FFF2-40B4-BE49-F238E27FC236}">
+                <a16:creationId xmlns:a16="http://schemas.microsoft.com/office/drawing/2014/main" id="{E2310E3E-6483-4B36-A28F-0F6EB7A0352A}"/>
+              </a:ext>
+            </a:extLst>
+          </p:cNvPr>
+          <p:cNvSpPr>
+            <a:spLocks noGrp="1"/>
+          </p:cNvSpPr>
+          <p:nvPr>
+            <p:ph idx="1"/>
+          </p:nvPr>
+        </p:nvSpPr>
+        <p:spPr>
+          <a:xfrm>
+            <a:off x="1451579" y="1744910"/>
+            <a:ext cx="9291215" cy="3721435"/>
+          </a:xfrm>
+        </p:spPr>
+        <p:txBody>
+          <a:bodyPr>
+            <a:normAutofit/>
+          </a:bodyPr>
+          <a:lstStyle/>
+          <a:p>
+            <a:pPr lvl="2"/>
+            <a:endParaRPr lang="en-US" dirty="0"/>
+          </a:p>
+          <a:p>
+            <a:pPr lvl="2"/>
+            <a:endParaRPr lang="en-US" dirty="0"/>
+          </a:p>
+        </p:txBody>
+      </p:sp>
+      <p:pic>
+        <p:nvPicPr>
+          <p:cNvPr id="29" name="Picture 28">
+            <a:extLst>
+              <a:ext uri="{FF2B5EF4-FFF2-40B4-BE49-F238E27FC236}">
+                <a16:creationId xmlns:a16="http://schemas.microsoft.com/office/drawing/2014/main" id="{76BB97AE-BD82-4FB3-BFE9-F35F87281E42}"/>
+              </a:ext>
+            </a:extLst>
+          </p:cNvPr>
+          <p:cNvPicPr>
+            <a:picLocks noChangeAspect="1"/>
+          </p:cNvPicPr>
+          <p:nvPr/>
+        </p:nvPicPr>
+        <p:blipFill>
+          <a:blip r:embed="rId2"/>
+          <a:stretch>
+            <a:fillRect/>
+          </a:stretch>
+        </p:blipFill>
+        <p:spPr>
+          <a:xfrm>
+            <a:off x="1108364" y="1469066"/>
+            <a:ext cx="8625538" cy="4273121"/>
+          </a:xfrm>
+          <a:prstGeom prst="rect">
+            <a:avLst/>
+          </a:prstGeom>
+        </p:spPr>
+      </p:pic>
+    </p:spTree>
+    <p:extLst>
+      <p:ext uri="{BB962C8B-B14F-4D97-AF65-F5344CB8AC3E}">
+        <p14:creationId xmlns:p14="http://schemas.microsoft.com/office/powerpoint/2010/main" val="89376751"/>
+      </p:ext>
+    </p:extLst>
+  </p:cSld>
+  <p:clrMapOvr>
+    <a:masterClrMapping/>
+  </p:clrMapOvr>
+</p:sld>
+</file>
+
+<file path=ppt/slides/slide5.xml><?xml version="1.0" encoding="utf-8"?>
+<p:sld xmlns:a="http://schemas.openxmlformats.org/drawingml/2006/main" xmlns:r="http://schemas.openxmlformats.org/officeDocument/2006/relationships" xmlns:p="http://schemas.openxmlformats.org/presentationml/2006/main">
+  <p:cSld>
+    <p:spTree>
+      <p:nvGrpSpPr>
+        <p:cNvPr id="1" name=""/>
+        <p:cNvGrpSpPr/>
+        <p:nvPr/>
+      </p:nvGrpSpPr>
+      <p:grpSpPr>
+        <a:xfrm>
+          <a:off x="0" y="0"/>
+          <a:ext cx="0" cy="0"/>
+          <a:chOff x="0" y="0"/>
+          <a:chExt cx="0" cy="0"/>
+        </a:xfrm>
+      </p:grpSpPr>
+      <p:sp>
+        <p:nvSpPr>
+          <p:cNvPr id="2" name="Title 1">
+            <a:extLst>
+              <a:ext uri="{FF2B5EF4-FFF2-40B4-BE49-F238E27FC236}">
+                <a16:creationId xmlns:a16="http://schemas.microsoft.com/office/drawing/2014/main" id="{745B22F2-ABCA-48AD-BAFF-517A32C33F83}"/>
+              </a:ext>
+            </a:extLst>
+          </p:cNvPr>
+          <p:cNvSpPr>
+            <a:spLocks noGrp="1"/>
+          </p:cNvSpPr>
+          <p:nvPr>
+            <p:ph type="title"/>
+          </p:nvPr>
+        </p:nvSpPr>
         <p:spPr/>
         <p:txBody>
           <a:bodyPr/>
@@ -5248,7 +5752,7 @@
 </p:sld>
 </file>
 
-<file path=ppt/slides/slide4.xml><?xml version="1.0" encoding="utf-8"?>
+<file path=ppt/slides/slide6.xml><?xml version="1.0" encoding="utf-8"?>
 <p:sld xmlns:a="http://schemas.openxmlformats.org/drawingml/2006/main" xmlns:r="http://schemas.openxmlformats.org/officeDocument/2006/relationships" xmlns:p="http://schemas.openxmlformats.org/presentationml/2006/main">
   <p:cSld>
     <p:spTree>
@@ -5308,7 +5812,7 @@
 </p:sld>
 </file>
 
-<file path=ppt/slides/slide5.xml><?xml version="1.0" encoding="utf-8"?>
+<file path=ppt/slides/slide7.xml><?xml version="1.0" encoding="utf-8"?>
 <p:sld xmlns:a="http://schemas.openxmlformats.org/drawingml/2006/main" xmlns:r="http://schemas.openxmlformats.org/officeDocument/2006/relationships" xmlns:p="http://schemas.openxmlformats.org/presentationml/2006/main">
   <p:cSld>
     <p:spTree>
@@ -5368,7 +5872,7 @@
 </p:sld>
 </file>
 
-<file path=ppt/slides/slide6.xml><?xml version="1.0" encoding="utf-8"?>
+<file path=ppt/slides/slide8.xml><?xml version="1.0" encoding="utf-8"?>
 <p:sld xmlns:a="http://schemas.openxmlformats.org/drawingml/2006/main" xmlns:r="http://schemas.openxmlformats.org/officeDocument/2006/relationships" xmlns:p="http://schemas.openxmlformats.org/presentationml/2006/main">
   <p:cSld>
     <p:spTree>
@@ -5461,7 +5965,7 @@
 </p:sld>
 </file>
 
-<file path=ppt/slides/slide7.xml><?xml version="1.0" encoding="utf-8"?>
+<file path=ppt/slides/slide9.xml><?xml version="1.0" encoding="utf-8"?>
 <p:sld xmlns:a="http://schemas.openxmlformats.org/drawingml/2006/main" xmlns:r="http://schemas.openxmlformats.org/officeDocument/2006/relationships" xmlns:p="http://schemas.openxmlformats.org/presentationml/2006/main">
   <p:cSld>
     <p:spTree>
@@ -5553,172 +6057,6 @@
     <p:extLst>
       <p:ext uri="{BB962C8B-B14F-4D97-AF65-F5344CB8AC3E}">
         <p14:creationId xmlns:p14="http://schemas.microsoft.com/office/powerpoint/2010/main" val="1082837802"/>
-      </p:ext>
-    </p:extLst>
-  </p:cSld>
-  <p:clrMapOvr>
-    <a:masterClrMapping/>
-  </p:clrMapOvr>
-</p:sld>
-</file>
-
-<file path=ppt/slides/slide8.xml><?xml version="1.0" encoding="utf-8"?>
-<p:sld xmlns:a="http://schemas.openxmlformats.org/drawingml/2006/main" xmlns:r="http://schemas.openxmlformats.org/officeDocument/2006/relationships" xmlns:p="http://schemas.openxmlformats.org/presentationml/2006/main">
-  <p:cSld>
-    <p:spTree>
-      <p:nvGrpSpPr>
-        <p:cNvPr id="1" name=""/>
-        <p:cNvGrpSpPr/>
-        <p:nvPr/>
-      </p:nvGrpSpPr>
-      <p:grpSpPr>
-        <a:xfrm>
-          <a:off x="0" y="0"/>
-          <a:ext cx="0" cy="0"/>
-          <a:chOff x="0" y="0"/>
-          <a:chExt cx="0" cy="0"/>
-        </a:xfrm>
-      </p:grpSpPr>
-      <p:sp>
-        <p:nvSpPr>
-          <p:cNvPr id="2" name="Title 1">
-            <a:extLst>
-              <a:ext uri="{FF2B5EF4-FFF2-40B4-BE49-F238E27FC236}">
-                <a16:creationId xmlns:a16="http://schemas.microsoft.com/office/drawing/2014/main" id="{745B22F2-ABCA-48AD-BAFF-517A32C33F83}"/>
-              </a:ext>
-            </a:extLst>
-          </p:cNvPr>
-          <p:cNvSpPr>
-            <a:spLocks noGrp="1"/>
-          </p:cNvSpPr>
-          <p:nvPr>
-            <p:ph type="title"/>
-          </p:nvPr>
-        </p:nvSpPr>
-        <p:spPr/>
-        <p:txBody>
-          <a:bodyPr/>
-          <a:lstStyle/>
-          <a:p>
-            <a:pPr algn="l"/>
-            <a:r>
-              <a:rPr lang="en-US" dirty="0"/>
-              <a:t>Color map</a:t>
-            </a:r>
-          </a:p>
-        </p:txBody>
-      </p:sp>
-      <p:sp>
-        <p:nvSpPr>
-          <p:cNvPr id="3" name="Content Placeholder 2">
-            <a:extLst>
-              <a:ext uri="{FF2B5EF4-FFF2-40B4-BE49-F238E27FC236}">
-                <a16:creationId xmlns:a16="http://schemas.microsoft.com/office/drawing/2014/main" id="{E2310E3E-6483-4B36-A28F-0F6EB7A0352A}"/>
-              </a:ext>
-            </a:extLst>
-          </p:cNvPr>
-          <p:cNvSpPr>
-            <a:spLocks noGrp="1"/>
-          </p:cNvSpPr>
-          <p:nvPr>
-            <p:ph idx="1"/>
-          </p:nvPr>
-        </p:nvSpPr>
-        <p:spPr>
-          <a:xfrm>
-            <a:off x="1449206" y="1703693"/>
-            <a:ext cx="9291215" cy="4033228"/>
-          </a:xfrm>
-        </p:spPr>
-        <p:txBody>
-          <a:bodyPr>
-            <a:normAutofit/>
-          </a:bodyPr>
-          <a:lstStyle/>
-          <a:p>
-            <a:r>
-              <a:rPr lang="en-US" dirty="0"/>
-              <a:t>Shows the US economy grew by roughly 15% from 2008 to 2017 within these Industries (David- can compute the annual GDP growth from that? (reverse compound interest)</a:t>
-            </a:r>
-          </a:p>
-          <a:p>
-            <a:r>
-              <a:rPr lang="en-US" dirty="0"/>
-              <a:t>Big business grew from 08 to 10 then dropped until 14 then jumped 1M in 15, then dropping the next 2 years, look into something between 13 and 14 causing massive big biz windfall in 15.</a:t>
-            </a:r>
-          </a:p>
-          <a:p>
-            <a:r>
-              <a:rPr lang="en-US" dirty="0"/>
-              <a:t>Small Businesses dropped every year from 08 to 15, jumping significantly in 16. Falls in line with historical political trends as to small businesses support. </a:t>
-            </a:r>
-          </a:p>
-        </p:txBody>
-      </p:sp>
-    </p:spTree>
-    <p:extLst>
-      <p:ext uri="{BB962C8B-B14F-4D97-AF65-F5344CB8AC3E}">
-        <p14:creationId xmlns:p14="http://schemas.microsoft.com/office/powerpoint/2010/main" val="3357386375"/>
-      </p:ext>
-    </p:extLst>
-  </p:cSld>
-  <p:clrMapOvr>
-    <a:masterClrMapping/>
-  </p:clrMapOvr>
-</p:sld>
-</file>
-
-<file path=ppt/slides/slide9.xml><?xml version="1.0" encoding="utf-8"?>
-<p:sld xmlns:a="http://schemas.openxmlformats.org/drawingml/2006/main" xmlns:r="http://schemas.openxmlformats.org/officeDocument/2006/relationships" xmlns:p="http://schemas.openxmlformats.org/presentationml/2006/main">
-  <p:cSld>
-    <p:spTree>
-      <p:nvGrpSpPr>
-        <p:cNvPr id="1" name=""/>
-        <p:cNvGrpSpPr/>
-        <p:nvPr/>
-      </p:nvGrpSpPr>
-      <p:grpSpPr>
-        <a:xfrm>
-          <a:off x="0" y="0"/>
-          <a:ext cx="0" cy="0"/>
-          <a:chOff x="0" y="0"/>
-          <a:chExt cx="0" cy="0"/>
-        </a:xfrm>
-      </p:grpSpPr>
-      <p:pic>
-        <p:nvPicPr>
-          <p:cNvPr id="4" name="Picture 3">
-            <a:extLst>
-              <a:ext uri="{FF2B5EF4-FFF2-40B4-BE49-F238E27FC236}">
-                <a16:creationId xmlns:a16="http://schemas.microsoft.com/office/drawing/2014/main" id="{CE36E934-F271-4714-92DB-F8838A091F01}"/>
-              </a:ext>
-            </a:extLst>
-          </p:cNvPr>
-          <p:cNvPicPr>
-            <a:picLocks noChangeAspect="1"/>
-          </p:cNvPicPr>
-          <p:nvPr/>
-        </p:nvPicPr>
-        <p:blipFill>
-          <a:blip r:embed="rId3"/>
-          <a:stretch>
-            <a:fillRect/>
-          </a:stretch>
-        </p:blipFill>
-        <p:spPr>
-          <a:xfrm>
-            <a:off x="2083635" y="0"/>
-            <a:ext cx="8015032" cy="6145967"/>
-          </a:xfrm>
-          <a:prstGeom prst="rect">
-            <a:avLst/>
-          </a:prstGeom>
-        </p:spPr>
-      </p:pic>
-    </p:spTree>
-    <p:extLst>
-      <p:ext uri="{BB962C8B-B14F-4D97-AF65-F5344CB8AC3E}">
-        <p14:creationId xmlns:p14="http://schemas.microsoft.com/office/powerpoint/2010/main" val="1005104479"/>
       </p:ext>
     </p:extLst>
   </p:cSld>

--- a/Project_2_Group_10.pptx
+++ b/Project_2_Group_10.pptx
@@ -5,7 +5,7 @@
     <p:sldMasterId id="2147483648" r:id="rId1"/>
   </p:sldMasterIdLst>
   <p:notesMasterIdLst>
-    <p:notesMasterId r:id="rId17"/>
+    <p:notesMasterId r:id="rId16"/>
   </p:notesMasterIdLst>
   <p:sldIdLst>
     <p:sldId id="275" r:id="rId2"/>
@@ -21,8 +21,7 @@
     <p:sldId id="262" r:id="rId12"/>
     <p:sldId id="260" r:id="rId13"/>
     <p:sldId id="259" r:id="rId14"/>
-    <p:sldId id="267" r:id="rId15"/>
-    <p:sldId id="265" r:id="rId16"/>
+    <p:sldId id="265" r:id="rId15"/>
   </p:sldIdLst>
   <p:sldSz cx="12192000" cy="6858000"/>
   <p:notesSz cx="6858000" cy="9144000"/>
@@ -562,90 +561,6 @@
 </p:notes>
 </file>
 
-<file path=ppt/notesSlides/notesSlide10.xml><?xml version="1.0" encoding="utf-8"?>
-<p:notes xmlns:a="http://schemas.openxmlformats.org/drawingml/2006/main" xmlns:r="http://schemas.openxmlformats.org/officeDocument/2006/relationships" xmlns:p="http://schemas.openxmlformats.org/presentationml/2006/main">
-  <p:cSld>
-    <p:spTree>
-      <p:nvGrpSpPr>
-        <p:cNvPr id="1" name=""/>
-        <p:cNvGrpSpPr/>
-        <p:nvPr/>
-      </p:nvGrpSpPr>
-      <p:grpSpPr>
-        <a:xfrm>
-          <a:off x="0" y="0"/>
-          <a:ext cx="0" cy="0"/>
-          <a:chOff x="0" y="0"/>
-          <a:chExt cx="0" cy="0"/>
-        </a:xfrm>
-      </p:grpSpPr>
-      <p:sp>
-        <p:nvSpPr>
-          <p:cNvPr id="2" name="Slide Image Placeholder 1"/>
-          <p:cNvSpPr>
-            <a:spLocks noGrp="1" noRot="1" noChangeAspect="1"/>
-          </p:cNvSpPr>
-          <p:nvPr>
-            <p:ph type="sldImg"/>
-          </p:nvPr>
-        </p:nvSpPr>
-        <p:spPr/>
-      </p:sp>
-      <p:sp>
-        <p:nvSpPr>
-          <p:cNvPr id="3" name="Notes Placeholder 2"/>
-          <p:cNvSpPr>
-            <a:spLocks noGrp="1"/>
-          </p:cNvSpPr>
-          <p:nvPr>
-            <p:ph type="body" idx="1"/>
-          </p:nvPr>
-        </p:nvSpPr>
-        <p:spPr/>
-        <p:txBody>
-          <a:bodyPr/>
-          <a:lstStyle/>
-          <a:p>
-            <a:endParaRPr lang="en-US"/>
-          </a:p>
-        </p:txBody>
-      </p:sp>
-      <p:sp>
-        <p:nvSpPr>
-          <p:cNvPr id="4" name="Slide Number Placeholder 3"/>
-          <p:cNvSpPr>
-            <a:spLocks noGrp="1"/>
-          </p:cNvSpPr>
-          <p:nvPr>
-            <p:ph type="sldNum" sz="quarter" idx="5"/>
-          </p:nvPr>
-        </p:nvSpPr>
-        <p:spPr/>
-        <p:txBody>
-          <a:bodyPr/>
-          <a:lstStyle/>
-          <a:p>
-            <a:fld id="{A7FE854B-F042-40AB-A8CC-8D2DE5C84AC8}" type="slidenum">
-              <a:rPr lang="en-US" smtClean="0"/>
-              <a:t>15</a:t>
-            </a:fld>
-            <a:endParaRPr lang="en-US"/>
-          </a:p>
-        </p:txBody>
-      </p:sp>
-    </p:spTree>
-    <p:extLst>
-      <p:ext uri="{BB962C8B-B14F-4D97-AF65-F5344CB8AC3E}">
-        <p14:creationId xmlns:p14="http://schemas.microsoft.com/office/powerpoint/2010/main" val="3757065082"/>
-      </p:ext>
-    </p:extLst>
-  </p:cSld>
-  <p:clrMapOvr>
-    <a:masterClrMapping/>
-  </p:clrMapOvr>
-</p:notes>
-</file>
-
 <file path=ppt/notesSlides/notesSlide2.xml><?xml version="1.0" encoding="utf-8"?>
 <p:notes xmlns:a="http://schemas.openxmlformats.org/drawingml/2006/main" xmlns:r="http://schemas.openxmlformats.org/officeDocument/2006/relationships" xmlns:p="http://schemas.openxmlformats.org/presentationml/2006/main">
   <p:cSld>
@@ -1308,7 +1223,7 @@
     </p:spTree>
     <p:extLst>
       <p:ext uri="{BB962C8B-B14F-4D97-AF65-F5344CB8AC3E}">
-        <p14:creationId xmlns:p14="http://schemas.microsoft.com/office/powerpoint/2010/main" val="2247844227"/>
+        <p14:creationId xmlns:p14="http://schemas.microsoft.com/office/powerpoint/2010/main" val="3757065082"/>
       </p:ext>
     </p:extLst>
   </p:cSld>
@@ -4626,21 +4541,36 @@
           </a:bodyPr>
           <a:lstStyle/>
           <a:p>
+            <a:pPr>
+              <a:lnSpc>
+                <a:spcPct val="150000"/>
+              </a:lnSpc>
+            </a:pPr>
             <a:r>
               <a:rPr lang="en-US" dirty="0"/>
-              <a:t>Shows the US economy grew by roughly 15% from 2008 to 2017 within these Industries (David- can compute the annual GDP growth from that? (reverse compound interest)</a:t>
-            </a:r>
-          </a:p>
-          <a:p>
+              <a:t>Shows the US economy grew by roughly 15% from 2008 to 2017 within these Industries </a:t>
+            </a:r>
+          </a:p>
+          <a:p>
+            <a:pPr>
+              <a:lnSpc>
+                <a:spcPct val="150000"/>
+              </a:lnSpc>
+            </a:pPr>
             <a:r>
               <a:rPr lang="en-US" dirty="0"/>
-              <a:t>Big business grew from 08 to 10 then dropped until 14 then jumped 1M in 15, then dropping the next 2 years, look into something between 13 and 14 causing massive big biz windfall in 15.</a:t>
-            </a:r>
-          </a:p>
-          <a:p>
+              <a:t>Big business grew from 2008 to 2010 then dropped until 2014 then jumped 1M in 2015, then dropped.</a:t>
+            </a:r>
+          </a:p>
+          <a:p>
+            <a:pPr>
+              <a:lnSpc>
+                <a:spcPct val="150000"/>
+              </a:lnSpc>
+            </a:pPr>
             <a:r>
               <a:rPr lang="en-US" dirty="0"/>
-              <a:t>Small Businesses dropped every year from 08 to 15, jumping significantly in 16. Falls in line with historical political trends as to small businesses support. </a:t>
+              <a:t>Small Businesses dropped every year from 2008 to 2015, jumping significantly in 2016. </a:t>
             </a:r>
           </a:p>
         </p:txBody>
@@ -4780,19 +4710,34 @@
             <p:ph idx="1"/>
           </p:nvPr>
         </p:nvSpPr>
-        <p:spPr/>
+        <p:spPr>
+          <a:xfrm>
+            <a:off x="1451579" y="1716066"/>
+            <a:ext cx="9291215" cy="3750279"/>
+          </a:xfrm>
+        </p:spPr>
         <p:txBody>
           <a:bodyPr>
-            <a:normAutofit lnSpcReduction="10000"/>
+            <a:normAutofit/>
           </a:bodyPr>
           <a:lstStyle/>
           <a:p>
+            <a:pPr>
+              <a:lnSpc>
+                <a:spcPct val="150000"/>
+              </a:lnSpc>
+            </a:pPr>
             <a:r>
               <a:rPr lang="en-US" dirty="0"/>
               <a:t>Industries are side by side comparisons of Big and Small Businesses</a:t>
             </a:r>
           </a:p>
           <a:p>
+            <a:pPr>
+              <a:lnSpc>
+                <a:spcPct val="150000"/>
+              </a:lnSpc>
+            </a:pPr>
             <a:r>
               <a:rPr lang="en-US" dirty="0"/>
               <a:t>Revenue by industry (this shows a 1</a:t>
@@ -4807,46 +4752,44 @@
             </a:r>
           </a:p>
           <a:p>
-            <a:pPr lvl="1"/>
+            <a:pPr marL="800100" lvl="1" indent="-342900">
+              <a:lnSpc>
+                <a:spcPct val="150000"/>
+              </a:lnSpc>
+              <a:buFont typeface="+mj-lt"/>
+              <a:buAutoNum type="arabicPeriod"/>
+            </a:pPr>
             <a:r>
               <a:rPr lang="en-US" dirty="0"/>
               <a:t>Management, Utilities, Finance &amp; Insurance, Resource Exploitation</a:t>
             </a:r>
           </a:p>
           <a:p>
-            <a:pPr lvl="8"/>
+            <a:pPr>
+              <a:lnSpc>
+                <a:spcPct val="150000"/>
+              </a:lnSpc>
+            </a:pPr>
             <a:r>
               <a:rPr lang="en-US" dirty="0"/>
-              <a:t>(3</a:t>
-            </a:r>
-            <a:r>
-              <a:rPr lang="en-US" baseline="30000" dirty="0"/>
-              <a:t>rd</a:t>
-            </a:r>
-            <a:r>
-              <a:rPr lang="en-US" dirty="0"/>
-              <a:t> world has the last one as #1 industry every time)</a:t>
-            </a:r>
-          </a:p>
-          <a:p>
-            <a:r>
-              <a:rPr lang="en-US" dirty="0"/>
-              <a:t>Information is a rapidly growing piece of the pie (@10k per pop) ;)</a:t>
-            </a:r>
-          </a:p>
-          <a:p>
+              <a:t>Information is a rapidly growing piece of the pie</a:t>
+            </a:r>
+          </a:p>
+          <a:p>
+            <a:pPr>
+              <a:lnSpc>
+                <a:spcPct val="150000"/>
+              </a:lnSpc>
+            </a:pPr>
             <a:r>
               <a:rPr lang="en-US" dirty="0"/>
               <a:t>Large Businesses dominate the US economies Total Payroll</a:t>
             </a:r>
           </a:p>
           <a:p>
-            <a:r>
-              <a:rPr lang="en-US" dirty="0"/>
-              <a:t>Time permitting the “by industry” Average Salary differentials would be an interesting deep dive comparison</a:t>
-            </a:r>
-          </a:p>
-          <a:p>
+            <a:pPr marL="0" indent="0">
+              <a:buNone/>
+            </a:pPr>
             <a:endParaRPr lang="en-US" dirty="0"/>
           </a:p>
           <a:p>
@@ -4946,16 +4889,21 @@
         </p:spPr>
         <p:txBody>
           <a:bodyPr>
-            <a:normAutofit/>
+            <a:normAutofit lnSpcReduction="10000"/>
           </a:bodyPr>
           <a:lstStyle/>
           <a:p>
             <a:endParaRPr lang="en-US" dirty="0"/>
           </a:p>
           <a:p>
+            <a:pPr>
+              <a:lnSpc>
+                <a:spcPct val="150000"/>
+              </a:lnSpc>
+            </a:pPr>
             <a:r>
               <a:rPr lang="en-US" dirty="0"/>
-              <a:t>Big Picture</a:t>
+              <a:t>Look into something between 2013 and 2014 causing massive big business windfall in 2015.</a:t>
             </a:r>
           </a:p>
           <a:p>
@@ -4964,7 +4912,7 @@
           <a:p>
             <a:r>
               <a:rPr lang="en-US" dirty="0"/>
-              <a:t>Cool things</a:t>
+              <a:t>Falls in line with historical political trends as to small businesses historically.</a:t>
             </a:r>
           </a:p>
           <a:p>
@@ -4973,8 +4921,14 @@
           <a:p>
             <a:r>
               <a:rPr lang="en-US" dirty="0"/>
-              <a:t>What to explore</a:t>
-            </a:r>
+              <a:t>Time permitting the “by industry” Average Salary differentials would be an interesting deep dive comparison</a:t>
+            </a:r>
+          </a:p>
+          <a:p>
+            <a:endParaRPr lang="en-US" dirty="0"/>
+          </a:p>
+          <a:p>
+            <a:endParaRPr lang="en-US" dirty="0"/>
           </a:p>
           <a:p>
             <a:pPr marL="0" indent="0">
@@ -4998,121 +4952,6 @@
 </file>
 
 <file path=ppt/slides/slide14.xml><?xml version="1.0" encoding="utf-8"?>
-<p:sld xmlns:a="http://schemas.openxmlformats.org/drawingml/2006/main" xmlns:r="http://schemas.openxmlformats.org/officeDocument/2006/relationships" xmlns:p="http://schemas.openxmlformats.org/presentationml/2006/main">
-  <p:cSld>
-    <p:spTree>
-      <p:nvGrpSpPr>
-        <p:cNvPr id="1" name=""/>
-        <p:cNvGrpSpPr/>
-        <p:nvPr/>
-      </p:nvGrpSpPr>
-      <p:grpSpPr>
-        <a:xfrm>
-          <a:off x="0" y="0"/>
-          <a:ext cx="0" cy="0"/>
-          <a:chOff x="0" y="0"/>
-          <a:chExt cx="0" cy="0"/>
-        </a:xfrm>
-      </p:grpSpPr>
-      <p:sp>
-        <p:nvSpPr>
-          <p:cNvPr id="2" name="Title 1">
-            <a:extLst>
-              <a:ext uri="{FF2B5EF4-FFF2-40B4-BE49-F238E27FC236}">
-                <a16:creationId xmlns:a16="http://schemas.microsoft.com/office/drawing/2014/main" id="{CE040AB0-FF06-4B94-8C2E-15EAB5EEAE5E}"/>
-              </a:ext>
-            </a:extLst>
-          </p:cNvPr>
-          <p:cNvSpPr>
-            <a:spLocks noGrp="1"/>
-          </p:cNvSpPr>
-          <p:nvPr>
-            <p:ph type="title"/>
-          </p:nvPr>
-        </p:nvSpPr>
-        <p:spPr/>
-        <p:txBody>
-          <a:bodyPr/>
-          <a:lstStyle/>
-          <a:p>
-            <a:pPr algn="l"/>
-            <a:r>
-              <a:rPr lang="en-US" dirty="0"/>
-              <a:t>Knowledge is key</a:t>
-            </a:r>
-          </a:p>
-        </p:txBody>
-      </p:sp>
-      <p:sp>
-        <p:nvSpPr>
-          <p:cNvPr id="3" name="Content Placeholder 2">
-            <a:extLst>
-              <a:ext uri="{FF2B5EF4-FFF2-40B4-BE49-F238E27FC236}">
-                <a16:creationId xmlns:a16="http://schemas.microsoft.com/office/drawing/2014/main" id="{66F85413-8A5C-40BC-B0A5-7431DAE502DA}"/>
-              </a:ext>
-            </a:extLst>
-          </p:cNvPr>
-          <p:cNvSpPr>
-            <a:spLocks noGrp="1"/>
-          </p:cNvSpPr>
-          <p:nvPr>
-            <p:ph idx="1"/>
-          </p:nvPr>
-        </p:nvSpPr>
-        <p:spPr>
-          <a:xfrm>
-            <a:off x="1451579" y="1853754"/>
-            <a:ext cx="9291215" cy="3612591"/>
-          </a:xfrm>
-        </p:spPr>
-        <p:txBody>
-          <a:bodyPr>
-            <a:normAutofit/>
-          </a:bodyPr>
-          <a:lstStyle/>
-          <a:p>
-            <a:endParaRPr lang="en-US" dirty="0"/>
-          </a:p>
-          <a:p>
-            <a:r>
-              <a:rPr lang="en-US" dirty="0"/>
-              <a:t>How to take advantage</a:t>
-            </a:r>
-          </a:p>
-          <a:p>
-            <a:endParaRPr lang="en-US" dirty="0"/>
-          </a:p>
-          <a:p>
-            <a:r>
-              <a:rPr lang="en-US" dirty="0"/>
-              <a:t>Insights</a:t>
-            </a:r>
-          </a:p>
-          <a:p>
-            <a:endParaRPr lang="en-US" dirty="0"/>
-          </a:p>
-          <a:p>
-            <a:pPr marL="0" indent="0">
-              <a:buNone/>
-            </a:pPr>
-            <a:endParaRPr lang="en-US" dirty="0"/>
-          </a:p>
-        </p:txBody>
-      </p:sp>
-    </p:spTree>
-    <p:extLst>
-      <p:ext uri="{BB962C8B-B14F-4D97-AF65-F5344CB8AC3E}">
-        <p14:creationId xmlns:p14="http://schemas.microsoft.com/office/powerpoint/2010/main" val="1298604608"/>
-      </p:ext>
-    </p:extLst>
-  </p:cSld>
-  <p:clrMapOvr>
-    <a:masterClrMapping/>
-  </p:clrMapOvr>
-</p:sld>
-</file>
-
-<file path=ppt/slides/slide15.xml><?xml version="1.0" encoding="utf-8"?>
 <p:sld xmlns:a="http://schemas.openxmlformats.org/drawingml/2006/main" xmlns:r="http://schemas.openxmlformats.org/officeDocument/2006/relationships" xmlns:p="http://schemas.openxmlformats.org/presentationml/2006/main">
   <p:cSld>
     <p:spTree>

--- a/Project_2_Group_10.pptx
+++ b/Project_2_Group_10.pptx
@@ -5,7 +5,7 @@
     <p:sldMasterId id="2147483648" r:id="rId1"/>
   </p:sldMasterIdLst>
   <p:notesMasterIdLst>
-    <p:notesMasterId r:id="rId16"/>
+    <p:notesMasterId r:id="rId17"/>
   </p:notesMasterIdLst>
   <p:sldIdLst>
     <p:sldId id="275" r:id="rId2"/>
@@ -15,13 +15,14 @@
     <p:sldId id="270" r:id="rId6"/>
     <p:sldId id="271" r:id="rId7"/>
     <p:sldId id="272" r:id="rId8"/>
-    <p:sldId id="258" r:id="rId9"/>
-    <p:sldId id="274" r:id="rId10"/>
-    <p:sldId id="269" r:id="rId11"/>
-    <p:sldId id="262" r:id="rId12"/>
-    <p:sldId id="260" r:id="rId13"/>
-    <p:sldId id="259" r:id="rId14"/>
-    <p:sldId id="265" r:id="rId15"/>
+    <p:sldId id="279" r:id="rId9"/>
+    <p:sldId id="258" r:id="rId10"/>
+    <p:sldId id="274" r:id="rId11"/>
+    <p:sldId id="269" r:id="rId12"/>
+    <p:sldId id="262" r:id="rId13"/>
+    <p:sldId id="260" r:id="rId14"/>
+    <p:sldId id="259" r:id="rId15"/>
+    <p:sldId id="265" r:id="rId16"/>
   </p:sldIdLst>
   <p:sldSz cx="12192000" cy="6858000"/>
   <p:notesSz cx="6858000" cy="9144000"/>
@@ -794,7 +795,7 @@
           <a:p>
             <a:fld id="{A7FE854B-F042-40AB-A8CC-8D2DE5C84AC8}" type="slidenum">
               <a:rPr lang="en-US" smtClean="0"/>
-              <a:t>8</a:t>
+              <a:t>9</a:t>
             </a:fld>
             <a:endParaRPr lang="en-US"/>
           </a:p>
@@ -878,7 +879,7 @@
           <a:p>
             <a:fld id="{A7FE854B-F042-40AB-A8CC-8D2DE5C84AC8}" type="slidenum">
               <a:rPr lang="en-US" smtClean="0"/>
-              <a:t>9</a:t>
+              <a:t>10</a:t>
             </a:fld>
             <a:endParaRPr lang="en-US"/>
           </a:p>
@@ -962,7 +963,7 @@
           <a:p>
             <a:fld id="{A7FE854B-F042-40AB-A8CC-8D2DE5C84AC8}" type="slidenum">
               <a:rPr lang="en-US" smtClean="0"/>
-              <a:t>11</a:t>
+              <a:t>12</a:t>
             </a:fld>
             <a:endParaRPr lang="en-US"/>
           </a:p>
@@ -1046,7 +1047,7 @@
           <a:p>
             <a:fld id="{A7FE854B-F042-40AB-A8CC-8D2DE5C84AC8}" type="slidenum">
               <a:rPr lang="en-US" smtClean="0"/>
-              <a:t>12</a:t>
+              <a:t>13</a:t>
             </a:fld>
             <a:endParaRPr lang="en-US"/>
           </a:p>
@@ -1130,7 +1131,7 @@
           <a:p>
             <a:fld id="{A7FE854B-F042-40AB-A8CC-8D2DE5C84AC8}" type="slidenum">
               <a:rPr lang="en-US" smtClean="0"/>
-              <a:t>13</a:t>
+              <a:t>14</a:t>
             </a:fld>
             <a:endParaRPr lang="en-US"/>
           </a:p>
@@ -1214,7 +1215,7 @@
           <a:p>
             <a:fld id="{A7FE854B-F042-40AB-A8CC-8D2DE5C84AC8}" type="slidenum">
               <a:rPr lang="en-US" smtClean="0"/>
-              <a:t>14</a:t>
+              <a:t>15</a:t>
             </a:fld>
             <a:endParaRPr lang="en-US"/>
           </a:p>
@@ -4486,6 +4487,107 @@
       </p:grpSpPr>
       <p:sp>
         <p:nvSpPr>
+          <p:cNvPr id="2" name="Content Placeholder 1">
+            <a:extLst>
+              <a:ext uri="{FF2B5EF4-FFF2-40B4-BE49-F238E27FC236}">
+                <a16:creationId xmlns:a16="http://schemas.microsoft.com/office/drawing/2014/main" id="{8E8EE68E-6ABD-4E4B-BCEA-97B333FB905B}"/>
+              </a:ext>
+            </a:extLst>
+          </p:cNvPr>
+          <p:cNvSpPr>
+            <a:spLocks noGrp="1"/>
+          </p:cNvSpPr>
+          <p:nvPr>
+            <p:ph idx="1"/>
+          </p:nvPr>
+        </p:nvSpPr>
+        <p:spPr>
+          <a:xfrm>
+            <a:off x="1113378" y="399875"/>
+            <a:ext cx="9233122" cy="904269"/>
+          </a:xfrm>
+        </p:spPr>
+        <p:txBody>
+          <a:bodyPr>
+            <a:normAutofit lnSpcReduction="10000"/>
+          </a:bodyPr>
+          <a:lstStyle/>
+          <a:p>
+            <a:r>
+              <a:rPr lang="en-US" dirty="0"/>
+              <a:t>Large Business Map</a:t>
+            </a:r>
+          </a:p>
+          <a:p>
+            <a:r>
+              <a:rPr lang="en-US" dirty="0"/>
+              <a:t>We actually need side by side comparisons by year </a:t>
+            </a:r>
+          </a:p>
+        </p:txBody>
+      </p:sp>
+      <p:pic>
+        <p:nvPicPr>
+          <p:cNvPr id="4" name="Picture 3" descr="Map&#10;&#10;Description automatically generated">
+            <a:extLst>
+              <a:ext uri="{FF2B5EF4-FFF2-40B4-BE49-F238E27FC236}">
+                <a16:creationId xmlns:a16="http://schemas.microsoft.com/office/drawing/2014/main" id="{2AF07DD8-DD59-400E-976B-84C8C500723F}"/>
+              </a:ext>
+            </a:extLst>
+          </p:cNvPr>
+          <p:cNvPicPr>
+            <a:picLocks noChangeAspect="1"/>
+          </p:cNvPicPr>
+          <p:nvPr/>
+        </p:nvPicPr>
+        <p:blipFill>
+          <a:blip r:embed="rId3"/>
+          <a:stretch>
+            <a:fillRect/>
+          </a:stretch>
+        </p:blipFill>
+        <p:spPr>
+          <a:xfrm>
+            <a:off x="614597" y="1411574"/>
+            <a:ext cx="9074044" cy="4537022"/>
+          </a:xfrm>
+          <a:prstGeom prst="rect">
+            <a:avLst/>
+          </a:prstGeom>
+        </p:spPr>
+      </p:pic>
+    </p:spTree>
+    <p:extLst>
+      <p:ext uri="{BB962C8B-B14F-4D97-AF65-F5344CB8AC3E}">
+        <p14:creationId xmlns:p14="http://schemas.microsoft.com/office/powerpoint/2010/main" val="1082837802"/>
+      </p:ext>
+    </p:extLst>
+  </p:cSld>
+  <p:clrMapOvr>
+    <a:masterClrMapping/>
+  </p:clrMapOvr>
+</p:sld>
+</file>
+
+<file path=ppt/slides/slide11.xml><?xml version="1.0" encoding="utf-8"?>
+<p:sld xmlns:a="http://schemas.openxmlformats.org/drawingml/2006/main" xmlns:r="http://schemas.openxmlformats.org/officeDocument/2006/relationships" xmlns:p="http://schemas.openxmlformats.org/presentationml/2006/main">
+  <p:cSld>
+    <p:spTree>
+      <p:nvGrpSpPr>
+        <p:cNvPr id="1" name=""/>
+        <p:cNvGrpSpPr/>
+        <p:nvPr/>
+      </p:nvGrpSpPr>
+      <p:grpSpPr>
+        <a:xfrm>
+          <a:off x="0" y="0"/>
+          <a:ext cx="0" cy="0"/>
+          <a:chOff x="0" y="0"/>
+          <a:chExt cx="0" cy="0"/>
+        </a:xfrm>
+      </p:grpSpPr>
+      <p:sp>
+        <p:nvSpPr>
           <p:cNvPr id="2" name="Title 1">
             <a:extLst>
               <a:ext uri="{FF2B5EF4-FFF2-40B4-BE49-F238E27FC236}">
@@ -4588,7 +4690,7 @@
 </p:sld>
 </file>
 
-<file path=ppt/slides/slide11.xml><?xml version="1.0" encoding="utf-8"?>
+<file path=ppt/slides/slide12.xml><?xml version="1.0" encoding="utf-8"?>
 <p:sld xmlns:a="http://schemas.openxmlformats.org/drawingml/2006/main" xmlns:r="http://schemas.openxmlformats.org/officeDocument/2006/relationships" xmlns:p="http://schemas.openxmlformats.org/presentationml/2006/main">
   <p:cSld>
     <p:spTree>
@@ -4648,177 +4750,6 @@
 </p:sld>
 </file>
 
-<file path=ppt/slides/slide12.xml><?xml version="1.0" encoding="utf-8"?>
-<p:sld xmlns:a="http://schemas.openxmlformats.org/drawingml/2006/main" xmlns:r="http://schemas.openxmlformats.org/officeDocument/2006/relationships" xmlns:p="http://schemas.openxmlformats.org/presentationml/2006/main">
-  <p:cSld>
-    <p:spTree>
-      <p:nvGrpSpPr>
-        <p:cNvPr id="1" name=""/>
-        <p:cNvGrpSpPr/>
-        <p:nvPr/>
-      </p:nvGrpSpPr>
-      <p:grpSpPr>
-        <a:xfrm>
-          <a:off x="0" y="0"/>
-          <a:ext cx="0" cy="0"/>
-          <a:chOff x="0" y="0"/>
-          <a:chExt cx="0" cy="0"/>
-        </a:xfrm>
-      </p:grpSpPr>
-      <p:sp>
-        <p:nvSpPr>
-          <p:cNvPr id="2" name="Title 1">
-            <a:extLst>
-              <a:ext uri="{FF2B5EF4-FFF2-40B4-BE49-F238E27FC236}">
-                <a16:creationId xmlns:a16="http://schemas.microsoft.com/office/drawing/2014/main" id="{11454E09-CFEA-4CB8-B06F-E98298309E31}"/>
-              </a:ext>
-            </a:extLst>
-          </p:cNvPr>
-          <p:cNvSpPr>
-            <a:spLocks noGrp="1"/>
-          </p:cNvSpPr>
-          <p:nvPr>
-            <p:ph type="title"/>
-          </p:nvPr>
-        </p:nvSpPr>
-        <p:spPr/>
-        <p:txBody>
-          <a:bodyPr/>
-          <a:lstStyle/>
-          <a:p>
-            <a:pPr algn="l"/>
-            <a:r>
-              <a:rPr lang="en-US" dirty="0"/>
-              <a:t>The Bubble trends</a:t>
-            </a:r>
-          </a:p>
-        </p:txBody>
-      </p:sp>
-      <p:sp>
-        <p:nvSpPr>
-          <p:cNvPr id="3" name="Content Placeholder 2">
-            <a:extLst>
-              <a:ext uri="{FF2B5EF4-FFF2-40B4-BE49-F238E27FC236}">
-                <a16:creationId xmlns:a16="http://schemas.microsoft.com/office/drawing/2014/main" id="{7BFE4042-24DF-4107-9C7E-524FFBD186AD}"/>
-              </a:ext>
-            </a:extLst>
-          </p:cNvPr>
-          <p:cNvSpPr>
-            <a:spLocks noGrp="1"/>
-          </p:cNvSpPr>
-          <p:nvPr>
-            <p:ph idx="1"/>
-          </p:nvPr>
-        </p:nvSpPr>
-        <p:spPr>
-          <a:xfrm>
-            <a:off x="1451579" y="1716066"/>
-            <a:ext cx="9291215" cy="3750279"/>
-          </a:xfrm>
-        </p:spPr>
-        <p:txBody>
-          <a:bodyPr>
-            <a:normAutofit/>
-          </a:bodyPr>
-          <a:lstStyle/>
-          <a:p>
-            <a:pPr>
-              <a:lnSpc>
-                <a:spcPct val="150000"/>
-              </a:lnSpc>
-            </a:pPr>
-            <a:r>
-              <a:rPr lang="en-US" dirty="0"/>
-              <a:t>Industries are side by side comparisons of Big and Small Businesses</a:t>
-            </a:r>
-          </a:p>
-          <a:p>
-            <a:pPr>
-              <a:lnSpc>
-                <a:spcPct val="150000"/>
-              </a:lnSpc>
-            </a:pPr>
-            <a:r>
-              <a:rPr lang="en-US" dirty="0"/>
-              <a:t>Revenue by industry (this shows a 1</a:t>
-            </a:r>
-            <a:r>
-              <a:rPr lang="en-US" baseline="30000" dirty="0"/>
-              <a:t>st</a:t>
-            </a:r>
-            <a:r>
-              <a:rPr lang="en-US" dirty="0"/>
-              <a:t> world *service* economy)</a:t>
-            </a:r>
-          </a:p>
-          <a:p>
-            <a:pPr marL="800100" lvl="1" indent="-342900">
-              <a:lnSpc>
-                <a:spcPct val="150000"/>
-              </a:lnSpc>
-              <a:buFont typeface="+mj-lt"/>
-              <a:buAutoNum type="arabicPeriod"/>
-            </a:pPr>
-            <a:r>
-              <a:rPr lang="en-US" dirty="0"/>
-              <a:t>Management, Utilities, Finance &amp; Insurance, Resource Exploitation</a:t>
-            </a:r>
-          </a:p>
-          <a:p>
-            <a:pPr>
-              <a:lnSpc>
-                <a:spcPct val="150000"/>
-              </a:lnSpc>
-            </a:pPr>
-            <a:r>
-              <a:rPr lang="en-US" dirty="0"/>
-              <a:t>Information is a rapidly growing piece of the pie</a:t>
-            </a:r>
-          </a:p>
-          <a:p>
-            <a:pPr>
-              <a:lnSpc>
-                <a:spcPct val="150000"/>
-              </a:lnSpc>
-            </a:pPr>
-            <a:r>
-              <a:rPr lang="en-US" dirty="0"/>
-              <a:t>Large Businesses dominate the US economies Total Payroll</a:t>
-            </a:r>
-          </a:p>
-          <a:p>
-            <a:pPr marL="0" indent="0">
-              <a:buNone/>
-            </a:pPr>
-            <a:endParaRPr lang="en-US" dirty="0"/>
-          </a:p>
-          <a:p>
-            <a:pPr marL="0" indent="0">
-              <a:buNone/>
-            </a:pPr>
-            <a:endParaRPr lang="en-US" dirty="0"/>
-          </a:p>
-          <a:p>
-            <a:endParaRPr lang="en-US" dirty="0"/>
-          </a:p>
-          <a:p>
-            <a:endParaRPr lang="en-US" dirty="0"/>
-          </a:p>
-        </p:txBody>
-      </p:sp>
-    </p:spTree>
-    <p:extLst>
-      <p:ext uri="{BB962C8B-B14F-4D97-AF65-F5344CB8AC3E}">
-        <p14:creationId xmlns:p14="http://schemas.microsoft.com/office/powerpoint/2010/main" val="4049647872"/>
-      </p:ext>
-    </p:extLst>
-  </p:cSld>
-  <p:clrMapOvr>
-    <a:masterClrMapping/>
-  </p:clrMapOvr>
-</p:sld>
-</file>
-
 <file path=ppt/slides/slide13.xml><?xml version="1.0" encoding="utf-8"?>
 <p:sld xmlns:a="http://schemas.openxmlformats.org/drawingml/2006/main" xmlns:r="http://schemas.openxmlformats.org/officeDocument/2006/relationships" xmlns:p="http://schemas.openxmlformats.org/presentationml/2006/main">
   <p:cSld>
@@ -4841,6 +4772,177 @@
           <p:cNvPr id="2" name="Title 1">
             <a:extLst>
               <a:ext uri="{FF2B5EF4-FFF2-40B4-BE49-F238E27FC236}">
+                <a16:creationId xmlns:a16="http://schemas.microsoft.com/office/drawing/2014/main" id="{11454E09-CFEA-4CB8-B06F-E98298309E31}"/>
+              </a:ext>
+            </a:extLst>
+          </p:cNvPr>
+          <p:cNvSpPr>
+            <a:spLocks noGrp="1"/>
+          </p:cNvSpPr>
+          <p:nvPr>
+            <p:ph type="title"/>
+          </p:nvPr>
+        </p:nvSpPr>
+        <p:spPr/>
+        <p:txBody>
+          <a:bodyPr/>
+          <a:lstStyle/>
+          <a:p>
+            <a:pPr algn="l"/>
+            <a:r>
+              <a:rPr lang="en-US" dirty="0"/>
+              <a:t>The Bubble trends</a:t>
+            </a:r>
+          </a:p>
+        </p:txBody>
+      </p:sp>
+      <p:sp>
+        <p:nvSpPr>
+          <p:cNvPr id="3" name="Content Placeholder 2">
+            <a:extLst>
+              <a:ext uri="{FF2B5EF4-FFF2-40B4-BE49-F238E27FC236}">
+                <a16:creationId xmlns:a16="http://schemas.microsoft.com/office/drawing/2014/main" id="{7BFE4042-24DF-4107-9C7E-524FFBD186AD}"/>
+              </a:ext>
+            </a:extLst>
+          </p:cNvPr>
+          <p:cNvSpPr>
+            <a:spLocks noGrp="1"/>
+          </p:cNvSpPr>
+          <p:nvPr>
+            <p:ph idx="1"/>
+          </p:nvPr>
+        </p:nvSpPr>
+        <p:spPr>
+          <a:xfrm>
+            <a:off x="1451579" y="1716066"/>
+            <a:ext cx="9291215" cy="3750279"/>
+          </a:xfrm>
+        </p:spPr>
+        <p:txBody>
+          <a:bodyPr>
+            <a:normAutofit/>
+          </a:bodyPr>
+          <a:lstStyle/>
+          <a:p>
+            <a:pPr>
+              <a:lnSpc>
+                <a:spcPct val="150000"/>
+              </a:lnSpc>
+            </a:pPr>
+            <a:r>
+              <a:rPr lang="en-US" dirty="0"/>
+              <a:t>Industries are side by side comparisons of Big and Small Businesses</a:t>
+            </a:r>
+          </a:p>
+          <a:p>
+            <a:pPr>
+              <a:lnSpc>
+                <a:spcPct val="150000"/>
+              </a:lnSpc>
+            </a:pPr>
+            <a:r>
+              <a:rPr lang="en-US" dirty="0"/>
+              <a:t>Revenue by industry (this shows a 1</a:t>
+            </a:r>
+            <a:r>
+              <a:rPr lang="en-US" baseline="30000" dirty="0"/>
+              <a:t>st</a:t>
+            </a:r>
+            <a:r>
+              <a:rPr lang="en-US" dirty="0"/>
+              <a:t> world *service* economy)</a:t>
+            </a:r>
+          </a:p>
+          <a:p>
+            <a:pPr marL="800100" lvl="1" indent="-342900">
+              <a:lnSpc>
+                <a:spcPct val="150000"/>
+              </a:lnSpc>
+              <a:buFont typeface="+mj-lt"/>
+              <a:buAutoNum type="arabicPeriod"/>
+            </a:pPr>
+            <a:r>
+              <a:rPr lang="en-US" dirty="0"/>
+              <a:t>Management, Utilities, Finance &amp; Insurance, Resource Exploitation</a:t>
+            </a:r>
+          </a:p>
+          <a:p>
+            <a:pPr>
+              <a:lnSpc>
+                <a:spcPct val="150000"/>
+              </a:lnSpc>
+            </a:pPr>
+            <a:r>
+              <a:rPr lang="en-US" dirty="0"/>
+              <a:t>Information is a rapidly growing piece of the pie</a:t>
+            </a:r>
+          </a:p>
+          <a:p>
+            <a:pPr>
+              <a:lnSpc>
+                <a:spcPct val="150000"/>
+              </a:lnSpc>
+            </a:pPr>
+            <a:r>
+              <a:rPr lang="en-US" dirty="0"/>
+              <a:t>Large Businesses dominate the US economies Total Payroll</a:t>
+            </a:r>
+          </a:p>
+          <a:p>
+            <a:pPr marL="0" indent="0">
+              <a:buNone/>
+            </a:pPr>
+            <a:endParaRPr lang="en-US" dirty="0"/>
+          </a:p>
+          <a:p>
+            <a:pPr marL="0" indent="0">
+              <a:buNone/>
+            </a:pPr>
+            <a:endParaRPr lang="en-US" dirty="0"/>
+          </a:p>
+          <a:p>
+            <a:endParaRPr lang="en-US" dirty="0"/>
+          </a:p>
+          <a:p>
+            <a:endParaRPr lang="en-US" dirty="0"/>
+          </a:p>
+        </p:txBody>
+      </p:sp>
+    </p:spTree>
+    <p:extLst>
+      <p:ext uri="{BB962C8B-B14F-4D97-AF65-F5344CB8AC3E}">
+        <p14:creationId xmlns:p14="http://schemas.microsoft.com/office/powerpoint/2010/main" val="4049647872"/>
+      </p:ext>
+    </p:extLst>
+  </p:cSld>
+  <p:clrMapOvr>
+    <a:masterClrMapping/>
+  </p:clrMapOvr>
+</p:sld>
+</file>
+
+<file path=ppt/slides/slide14.xml><?xml version="1.0" encoding="utf-8"?>
+<p:sld xmlns:a="http://schemas.openxmlformats.org/drawingml/2006/main" xmlns:r="http://schemas.openxmlformats.org/officeDocument/2006/relationships" xmlns:p="http://schemas.openxmlformats.org/presentationml/2006/main">
+  <p:cSld>
+    <p:spTree>
+      <p:nvGrpSpPr>
+        <p:cNvPr id="1" name=""/>
+        <p:cNvGrpSpPr/>
+        <p:nvPr/>
+      </p:nvGrpSpPr>
+      <p:grpSpPr>
+        <a:xfrm>
+          <a:off x="0" y="0"/>
+          <a:ext cx="0" cy="0"/>
+          <a:chOff x="0" y="0"/>
+          <a:chExt cx="0" cy="0"/>
+        </a:xfrm>
+      </p:grpSpPr>
+      <p:sp>
+        <p:nvSpPr>
+          <p:cNvPr id="2" name="Title 1">
+            <a:extLst>
+              <a:ext uri="{FF2B5EF4-FFF2-40B4-BE49-F238E27FC236}">
                 <a16:creationId xmlns:a16="http://schemas.microsoft.com/office/drawing/2014/main" id="{CE040AB0-FF06-4B94-8C2E-15EAB5EEAE5E}"/>
               </a:ext>
             </a:extLst>
@@ -4951,7 +5053,7 @@
 </p:sld>
 </file>
 
-<file path=ppt/slides/slide14.xml><?xml version="1.0" encoding="utf-8"?>
+<file path=ppt/slides/slide15.xml><?xml version="1.0" encoding="utf-8"?>
 <p:sld xmlns:a="http://schemas.openxmlformats.org/drawingml/2006/main" xmlns:r="http://schemas.openxmlformats.org/officeDocument/2006/relationships" xmlns:p="http://schemas.openxmlformats.org/presentationml/2006/main">
   <p:cSld>
     <p:spTree>
@@ -5730,6 +5832,112 @@
       </p:grpSpPr>
       <p:sp>
         <p:nvSpPr>
+          <p:cNvPr id="2" name="Title 1">
+            <a:extLst>
+              <a:ext uri="{FF2B5EF4-FFF2-40B4-BE49-F238E27FC236}">
+                <a16:creationId xmlns:a16="http://schemas.microsoft.com/office/drawing/2014/main" id="{745B22F2-ABCA-48AD-BAFF-517A32C33F83}"/>
+              </a:ext>
+            </a:extLst>
+          </p:cNvPr>
+          <p:cNvSpPr>
+            <a:spLocks noGrp="1"/>
+          </p:cNvSpPr>
+          <p:nvPr>
+            <p:ph type="title"/>
+          </p:nvPr>
+        </p:nvSpPr>
+        <p:spPr/>
+        <p:txBody>
+          <a:bodyPr/>
+          <a:lstStyle/>
+          <a:p>
+            <a:pPr algn="l"/>
+            <a:r>
+              <a:rPr lang="en-US" dirty="0"/>
+              <a:t>Color map</a:t>
+            </a:r>
+          </a:p>
+        </p:txBody>
+      </p:sp>
+      <p:sp>
+        <p:nvSpPr>
+          <p:cNvPr id="3" name="Content Placeholder 2">
+            <a:extLst>
+              <a:ext uri="{FF2B5EF4-FFF2-40B4-BE49-F238E27FC236}">
+                <a16:creationId xmlns:a16="http://schemas.microsoft.com/office/drawing/2014/main" id="{E2310E3E-6483-4B36-A28F-0F6EB7A0352A}"/>
+              </a:ext>
+            </a:extLst>
+          </p:cNvPr>
+          <p:cNvSpPr>
+            <a:spLocks noGrp="1"/>
+          </p:cNvSpPr>
+          <p:nvPr>
+            <p:ph idx="1"/>
+          </p:nvPr>
+        </p:nvSpPr>
+        <p:spPr>
+          <a:xfrm>
+            <a:off x="1449206" y="1703693"/>
+            <a:ext cx="9291215" cy="4033228"/>
+          </a:xfrm>
+        </p:spPr>
+        <p:txBody>
+          <a:bodyPr>
+            <a:normAutofit/>
+          </a:bodyPr>
+          <a:lstStyle/>
+          <a:p>
+            <a:r>
+              <a:rPr lang="en-US" dirty="0"/>
+              <a:t>Shows the US economy grew by roughly 15% from 2008 to 2017 within these Industries (David- can compute the annual GDP growth from that? (reverse compound interest)</a:t>
+            </a:r>
+          </a:p>
+          <a:p>
+            <a:r>
+              <a:rPr lang="en-US" dirty="0"/>
+              <a:t>Big business grew from 08 to 10 then dropped until 14 then jumped 1M in 15, then dropping the next 2 years, look into something between 13 and 14 causing massive big biz windfall in 15.</a:t>
+            </a:r>
+          </a:p>
+          <a:p>
+            <a:r>
+              <a:rPr lang="en-US" dirty="0"/>
+              <a:t>Small Businesses dropped every year from 08 to 15, jumping significantly in 16. Falls in line with historical political trends as to small businesses support. </a:t>
+            </a:r>
+          </a:p>
+        </p:txBody>
+      </p:sp>
+    </p:spTree>
+    <p:extLst>
+      <p:ext uri="{BB962C8B-B14F-4D97-AF65-F5344CB8AC3E}">
+        <p14:creationId xmlns:p14="http://schemas.microsoft.com/office/powerpoint/2010/main" val="3461829213"/>
+      </p:ext>
+    </p:extLst>
+  </p:cSld>
+  <p:clrMapOvr>
+    <a:masterClrMapping/>
+  </p:clrMapOvr>
+</p:sld>
+</file>
+
+<file path=ppt/slides/slide9.xml><?xml version="1.0" encoding="utf-8"?>
+<p:sld xmlns:a="http://schemas.openxmlformats.org/drawingml/2006/main" xmlns:r="http://schemas.openxmlformats.org/officeDocument/2006/relationships" xmlns:p="http://schemas.openxmlformats.org/presentationml/2006/main">
+  <p:cSld>
+    <p:spTree>
+      <p:nvGrpSpPr>
+        <p:cNvPr id="1" name=""/>
+        <p:cNvGrpSpPr/>
+        <p:nvPr/>
+      </p:nvGrpSpPr>
+      <p:grpSpPr>
+        <a:xfrm>
+          <a:off x="0" y="0"/>
+          <a:ext cx="0" cy="0"/>
+          <a:chOff x="0" y="0"/>
+          <a:chExt cx="0" cy="0"/>
+        </a:xfrm>
+      </p:grpSpPr>
+      <p:sp>
+        <p:nvSpPr>
           <p:cNvPr id="2" name="Content Placeholder 1">
             <a:extLst>
               <a:ext uri="{FF2B5EF4-FFF2-40B4-BE49-F238E27FC236}">
@@ -5795,107 +6003,6 @@
     <p:extLst>
       <p:ext uri="{BB962C8B-B14F-4D97-AF65-F5344CB8AC3E}">
         <p14:creationId xmlns:p14="http://schemas.microsoft.com/office/powerpoint/2010/main" val="1417637710"/>
-      </p:ext>
-    </p:extLst>
-  </p:cSld>
-  <p:clrMapOvr>
-    <a:masterClrMapping/>
-  </p:clrMapOvr>
-</p:sld>
-</file>
-
-<file path=ppt/slides/slide9.xml><?xml version="1.0" encoding="utf-8"?>
-<p:sld xmlns:a="http://schemas.openxmlformats.org/drawingml/2006/main" xmlns:r="http://schemas.openxmlformats.org/officeDocument/2006/relationships" xmlns:p="http://schemas.openxmlformats.org/presentationml/2006/main">
-  <p:cSld>
-    <p:spTree>
-      <p:nvGrpSpPr>
-        <p:cNvPr id="1" name=""/>
-        <p:cNvGrpSpPr/>
-        <p:nvPr/>
-      </p:nvGrpSpPr>
-      <p:grpSpPr>
-        <a:xfrm>
-          <a:off x="0" y="0"/>
-          <a:ext cx="0" cy="0"/>
-          <a:chOff x="0" y="0"/>
-          <a:chExt cx="0" cy="0"/>
-        </a:xfrm>
-      </p:grpSpPr>
-      <p:sp>
-        <p:nvSpPr>
-          <p:cNvPr id="2" name="Content Placeholder 1">
-            <a:extLst>
-              <a:ext uri="{FF2B5EF4-FFF2-40B4-BE49-F238E27FC236}">
-                <a16:creationId xmlns:a16="http://schemas.microsoft.com/office/drawing/2014/main" id="{8E8EE68E-6ABD-4E4B-BCEA-97B333FB905B}"/>
-              </a:ext>
-            </a:extLst>
-          </p:cNvPr>
-          <p:cNvSpPr>
-            <a:spLocks noGrp="1"/>
-          </p:cNvSpPr>
-          <p:nvPr>
-            <p:ph idx="1"/>
-          </p:nvPr>
-        </p:nvSpPr>
-        <p:spPr>
-          <a:xfrm>
-            <a:off x="1113378" y="399875"/>
-            <a:ext cx="9233122" cy="904269"/>
-          </a:xfrm>
-        </p:spPr>
-        <p:txBody>
-          <a:bodyPr>
-            <a:normAutofit lnSpcReduction="10000"/>
-          </a:bodyPr>
-          <a:lstStyle/>
-          <a:p>
-            <a:r>
-              <a:rPr lang="en-US" dirty="0"/>
-              <a:t>Large Business Map</a:t>
-            </a:r>
-          </a:p>
-          <a:p>
-            <a:r>
-              <a:rPr lang="en-US" dirty="0"/>
-              <a:t>We actually need side by side comparisons by year </a:t>
-            </a:r>
-          </a:p>
-        </p:txBody>
-      </p:sp>
-      <p:pic>
-        <p:nvPicPr>
-          <p:cNvPr id="4" name="Picture 3" descr="Map&#10;&#10;Description automatically generated">
-            <a:extLst>
-              <a:ext uri="{FF2B5EF4-FFF2-40B4-BE49-F238E27FC236}">
-                <a16:creationId xmlns:a16="http://schemas.microsoft.com/office/drawing/2014/main" id="{2AF07DD8-DD59-400E-976B-84C8C500723F}"/>
-              </a:ext>
-            </a:extLst>
-          </p:cNvPr>
-          <p:cNvPicPr>
-            <a:picLocks noChangeAspect="1"/>
-          </p:cNvPicPr>
-          <p:nvPr/>
-        </p:nvPicPr>
-        <p:blipFill>
-          <a:blip r:embed="rId3"/>
-          <a:stretch>
-            <a:fillRect/>
-          </a:stretch>
-        </p:blipFill>
-        <p:spPr>
-          <a:xfrm>
-            <a:off x="614597" y="1411574"/>
-            <a:ext cx="9074044" cy="4537022"/>
-          </a:xfrm>
-          <a:prstGeom prst="rect">
-            <a:avLst/>
-          </a:prstGeom>
-        </p:spPr>
-      </p:pic>
-    </p:spTree>
-    <p:extLst>
-      <p:ext uri="{BB962C8B-B14F-4D97-AF65-F5344CB8AC3E}">
-        <p14:creationId xmlns:p14="http://schemas.microsoft.com/office/powerpoint/2010/main" val="1082837802"/>
       </p:ext>
     </p:extLst>
   </p:cSld>

--- a/Project_2_Group_10.pptx
+++ b/Project_2_Group_10.pptx
@@ -5,7 +5,7 @@
     <p:sldMasterId id="2147483648" r:id="rId1"/>
   </p:sldMasterIdLst>
   <p:notesMasterIdLst>
-    <p:notesMasterId r:id="rId17"/>
+    <p:notesMasterId r:id="rId16"/>
   </p:notesMasterIdLst>
   <p:sldIdLst>
     <p:sldId id="275" r:id="rId2"/>
@@ -18,11 +18,10 @@
     <p:sldId id="279" r:id="rId9"/>
     <p:sldId id="258" r:id="rId10"/>
     <p:sldId id="274" r:id="rId11"/>
-    <p:sldId id="269" r:id="rId12"/>
-    <p:sldId id="262" r:id="rId13"/>
-    <p:sldId id="260" r:id="rId14"/>
-    <p:sldId id="259" r:id="rId15"/>
-    <p:sldId id="265" r:id="rId16"/>
+    <p:sldId id="262" r:id="rId12"/>
+    <p:sldId id="260" r:id="rId13"/>
+    <p:sldId id="259" r:id="rId14"/>
+    <p:sldId id="265" r:id="rId15"/>
   </p:sldIdLst>
   <p:sldSz cx="12192000" cy="6858000"/>
   <p:notesSz cx="6858000" cy="9144000"/>
@@ -963,7 +962,7 @@
           <a:p>
             <a:fld id="{A7FE854B-F042-40AB-A8CC-8D2DE5C84AC8}" type="slidenum">
               <a:rPr lang="en-US" smtClean="0"/>
-              <a:t>12</a:t>
+              <a:t>11</a:t>
             </a:fld>
             <a:endParaRPr lang="en-US"/>
           </a:p>
@@ -1047,7 +1046,7 @@
           <a:p>
             <a:fld id="{A7FE854B-F042-40AB-A8CC-8D2DE5C84AC8}" type="slidenum">
               <a:rPr lang="en-US" smtClean="0"/>
-              <a:t>13</a:t>
+              <a:t>12</a:t>
             </a:fld>
             <a:endParaRPr lang="en-US"/>
           </a:p>
@@ -1131,7 +1130,7 @@
           <a:p>
             <a:fld id="{A7FE854B-F042-40AB-A8CC-8D2DE5C84AC8}" type="slidenum">
               <a:rPr lang="en-US" smtClean="0"/>
-              <a:t>14</a:t>
+              <a:t>13</a:t>
             </a:fld>
             <a:endParaRPr lang="en-US"/>
           </a:p>
@@ -1215,7 +1214,7 @@
           <a:p>
             <a:fld id="{A7FE854B-F042-40AB-A8CC-8D2DE5C84AC8}" type="slidenum">
               <a:rPr lang="en-US" smtClean="0"/>
-              <a:t>15</a:t>
+              <a:t>14</a:t>
             </a:fld>
             <a:endParaRPr lang="en-US"/>
           </a:p>
@@ -4504,24 +4503,18 @@
         <p:spPr>
           <a:xfrm>
             <a:off x="1113378" y="399875"/>
-            <a:ext cx="9233122" cy="904269"/>
+            <a:ext cx="9233122" cy="627259"/>
           </a:xfrm>
         </p:spPr>
         <p:txBody>
           <a:bodyPr>
-            <a:normAutofit lnSpcReduction="10000"/>
+            <a:normAutofit/>
           </a:bodyPr>
           <a:lstStyle/>
           <a:p>
             <a:r>
               <a:rPr lang="en-US" dirty="0"/>
               <a:t>Large Business Map</a:t>
-            </a:r>
-          </a:p>
-          <a:p>
-            <a:r>
-              <a:rPr lang="en-US" dirty="0"/>
-              <a:t>We actually need side by side comparisons by year </a:t>
             </a:r>
           </a:p>
         </p:txBody>
@@ -4548,8 +4541,8 @@
         </p:blipFill>
         <p:spPr>
           <a:xfrm>
-            <a:off x="614597" y="1411574"/>
-            <a:ext cx="9074044" cy="4537022"/>
+            <a:off x="614596" y="1082644"/>
+            <a:ext cx="9731903" cy="4865952"/>
           </a:xfrm>
           <a:prstGeom prst="rect">
             <a:avLst/>
@@ -4570,127 +4563,6 @@
 </file>
 
 <file path=ppt/slides/slide11.xml><?xml version="1.0" encoding="utf-8"?>
-<p:sld xmlns:a="http://schemas.openxmlformats.org/drawingml/2006/main" xmlns:r="http://schemas.openxmlformats.org/officeDocument/2006/relationships" xmlns:p="http://schemas.openxmlformats.org/presentationml/2006/main">
-  <p:cSld>
-    <p:spTree>
-      <p:nvGrpSpPr>
-        <p:cNvPr id="1" name=""/>
-        <p:cNvGrpSpPr/>
-        <p:nvPr/>
-      </p:nvGrpSpPr>
-      <p:grpSpPr>
-        <a:xfrm>
-          <a:off x="0" y="0"/>
-          <a:ext cx="0" cy="0"/>
-          <a:chOff x="0" y="0"/>
-          <a:chExt cx="0" cy="0"/>
-        </a:xfrm>
-      </p:grpSpPr>
-      <p:sp>
-        <p:nvSpPr>
-          <p:cNvPr id="2" name="Title 1">
-            <a:extLst>
-              <a:ext uri="{FF2B5EF4-FFF2-40B4-BE49-F238E27FC236}">
-                <a16:creationId xmlns:a16="http://schemas.microsoft.com/office/drawing/2014/main" id="{745B22F2-ABCA-48AD-BAFF-517A32C33F83}"/>
-              </a:ext>
-            </a:extLst>
-          </p:cNvPr>
-          <p:cNvSpPr>
-            <a:spLocks noGrp="1"/>
-          </p:cNvSpPr>
-          <p:nvPr>
-            <p:ph type="title"/>
-          </p:nvPr>
-        </p:nvSpPr>
-        <p:spPr/>
-        <p:txBody>
-          <a:bodyPr/>
-          <a:lstStyle/>
-          <a:p>
-            <a:pPr algn="l"/>
-            <a:r>
-              <a:rPr lang="en-US" dirty="0"/>
-              <a:t>Color map</a:t>
-            </a:r>
-          </a:p>
-        </p:txBody>
-      </p:sp>
-      <p:sp>
-        <p:nvSpPr>
-          <p:cNvPr id="3" name="Content Placeholder 2">
-            <a:extLst>
-              <a:ext uri="{FF2B5EF4-FFF2-40B4-BE49-F238E27FC236}">
-                <a16:creationId xmlns:a16="http://schemas.microsoft.com/office/drawing/2014/main" id="{E2310E3E-6483-4B36-A28F-0F6EB7A0352A}"/>
-              </a:ext>
-            </a:extLst>
-          </p:cNvPr>
-          <p:cNvSpPr>
-            <a:spLocks noGrp="1"/>
-          </p:cNvSpPr>
-          <p:nvPr>
-            <p:ph idx="1"/>
-          </p:nvPr>
-        </p:nvSpPr>
-        <p:spPr>
-          <a:xfrm>
-            <a:off x="1449206" y="1703693"/>
-            <a:ext cx="9291215" cy="4033228"/>
-          </a:xfrm>
-        </p:spPr>
-        <p:txBody>
-          <a:bodyPr>
-            <a:normAutofit/>
-          </a:bodyPr>
-          <a:lstStyle/>
-          <a:p>
-            <a:pPr>
-              <a:lnSpc>
-                <a:spcPct val="150000"/>
-              </a:lnSpc>
-            </a:pPr>
-            <a:r>
-              <a:rPr lang="en-US" dirty="0"/>
-              <a:t>Shows the US economy grew by roughly 15% from 2008 to 2017 within these Industries </a:t>
-            </a:r>
-          </a:p>
-          <a:p>
-            <a:pPr>
-              <a:lnSpc>
-                <a:spcPct val="150000"/>
-              </a:lnSpc>
-            </a:pPr>
-            <a:r>
-              <a:rPr lang="en-US" dirty="0"/>
-              <a:t>Big business grew from 2008 to 2010 then dropped until 2014 then jumped 1M in 2015, then dropped.</a:t>
-            </a:r>
-          </a:p>
-          <a:p>
-            <a:pPr>
-              <a:lnSpc>
-                <a:spcPct val="150000"/>
-              </a:lnSpc>
-            </a:pPr>
-            <a:r>
-              <a:rPr lang="en-US" dirty="0"/>
-              <a:t>Small Businesses dropped every year from 2008 to 2015, jumping significantly in 2016. </a:t>
-            </a:r>
-          </a:p>
-        </p:txBody>
-      </p:sp>
-    </p:spTree>
-    <p:extLst>
-      <p:ext uri="{BB962C8B-B14F-4D97-AF65-F5344CB8AC3E}">
-        <p14:creationId xmlns:p14="http://schemas.microsoft.com/office/powerpoint/2010/main" val="3357386375"/>
-      </p:ext>
-    </p:extLst>
-  </p:cSld>
-  <p:clrMapOvr>
-    <a:masterClrMapping/>
-  </p:clrMapOvr>
-</p:sld>
-</file>
-
-<file path=ppt/slides/slide12.xml><?xml version="1.0" encoding="utf-8"?>
 <p:sld xmlns:a="http://schemas.openxmlformats.org/drawingml/2006/main" xmlns:r="http://schemas.openxmlformats.org/officeDocument/2006/relationships" xmlns:p="http://schemas.openxmlformats.org/presentationml/2006/main">
   <p:cSld>
     <p:spTree>
@@ -4750,6 +4622,177 @@
 </p:sld>
 </file>
 
+<file path=ppt/slides/slide12.xml><?xml version="1.0" encoding="utf-8"?>
+<p:sld xmlns:a="http://schemas.openxmlformats.org/drawingml/2006/main" xmlns:r="http://schemas.openxmlformats.org/officeDocument/2006/relationships" xmlns:p="http://schemas.openxmlformats.org/presentationml/2006/main">
+  <p:cSld>
+    <p:spTree>
+      <p:nvGrpSpPr>
+        <p:cNvPr id="1" name=""/>
+        <p:cNvGrpSpPr/>
+        <p:nvPr/>
+      </p:nvGrpSpPr>
+      <p:grpSpPr>
+        <a:xfrm>
+          <a:off x="0" y="0"/>
+          <a:ext cx="0" cy="0"/>
+          <a:chOff x="0" y="0"/>
+          <a:chExt cx="0" cy="0"/>
+        </a:xfrm>
+      </p:grpSpPr>
+      <p:sp>
+        <p:nvSpPr>
+          <p:cNvPr id="2" name="Title 1">
+            <a:extLst>
+              <a:ext uri="{FF2B5EF4-FFF2-40B4-BE49-F238E27FC236}">
+                <a16:creationId xmlns:a16="http://schemas.microsoft.com/office/drawing/2014/main" id="{11454E09-CFEA-4CB8-B06F-E98298309E31}"/>
+              </a:ext>
+            </a:extLst>
+          </p:cNvPr>
+          <p:cNvSpPr>
+            <a:spLocks noGrp="1"/>
+          </p:cNvSpPr>
+          <p:nvPr>
+            <p:ph type="title"/>
+          </p:nvPr>
+        </p:nvSpPr>
+        <p:spPr/>
+        <p:txBody>
+          <a:bodyPr/>
+          <a:lstStyle/>
+          <a:p>
+            <a:pPr algn="l"/>
+            <a:r>
+              <a:rPr lang="en-US" dirty="0"/>
+              <a:t>The Bubble trends</a:t>
+            </a:r>
+          </a:p>
+        </p:txBody>
+      </p:sp>
+      <p:sp>
+        <p:nvSpPr>
+          <p:cNvPr id="3" name="Content Placeholder 2">
+            <a:extLst>
+              <a:ext uri="{FF2B5EF4-FFF2-40B4-BE49-F238E27FC236}">
+                <a16:creationId xmlns:a16="http://schemas.microsoft.com/office/drawing/2014/main" id="{7BFE4042-24DF-4107-9C7E-524FFBD186AD}"/>
+              </a:ext>
+            </a:extLst>
+          </p:cNvPr>
+          <p:cNvSpPr>
+            <a:spLocks noGrp="1"/>
+          </p:cNvSpPr>
+          <p:nvPr>
+            <p:ph idx="1"/>
+          </p:nvPr>
+        </p:nvSpPr>
+        <p:spPr>
+          <a:xfrm>
+            <a:off x="1451579" y="1716066"/>
+            <a:ext cx="9291215" cy="3750279"/>
+          </a:xfrm>
+        </p:spPr>
+        <p:txBody>
+          <a:bodyPr>
+            <a:normAutofit/>
+          </a:bodyPr>
+          <a:lstStyle/>
+          <a:p>
+            <a:pPr>
+              <a:lnSpc>
+                <a:spcPct val="150000"/>
+              </a:lnSpc>
+            </a:pPr>
+            <a:r>
+              <a:rPr lang="en-US" dirty="0"/>
+              <a:t>Industries are side by side comparisons of Big and Small Businesses</a:t>
+            </a:r>
+          </a:p>
+          <a:p>
+            <a:pPr>
+              <a:lnSpc>
+                <a:spcPct val="150000"/>
+              </a:lnSpc>
+            </a:pPr>
+            <a:r>
+              <a:rPr lang="en-US" dirty="0"/>
+              <a:t>Revenue by industry (this shows a 1</a:t>
+            </a:r>
+            <a:r>
+              <a:rPr lang="en-US" baseline="30000" dirty="0"/>
+              <a:t>st</a:t>
+            </a:r>
+            <a:r>
+              <a:rPr lang="en-US" dirty="0"/>
+              <a:t> world *service* economy)</a:t>
+            </a:r>
+          </a:p>
+          <a:p>
+            <a:pPr marL="800100" lvl="1" indent="-342900">
+              <a:lnSpc>
+                <a:spcPct val="150000"/>
+              </a:lnSpc>
+              <a:buFont typeface="+mj-lt"/>
+              <a:buAutoNum type="arabicPeriod"/>
+            </a:pPr>
+            <a:r>
+              <a:rPr lang="en-US" dirty="0"/>
+              <a:t>Management, Utilities, Finance &amp; Insurance, Resource Exploitation</a:t>
+            </a:r>
+          </a:p>
+          <a:p>
+            <a:pPr>
+              <a:lnSpc>
+                <a:spcPct val="150000"/>
+              </a:lnSpc>
+            </a:pPr>
+            <a:r>
+              <a:rPr lang="en-US" dirty="0"/>
+              <a:t>Information is a rapidly growing piece of the pie</a:t>
+            </a:r>
+          </a:p>
+          <a:p>
+            <a:pPr>
+              <a:lnSpc>
+                <a:spcPct val="150000"/>
+              </a:lnSpc>
+            </a:pPr>
+            <a:r>
+              <a:rPr lang="en-US" dirty="0"/>
+              <a:t>Large Businesses dominate the US economies Total Payroll</a:t>
+            </a:r>
+          </a:p>
+          <a:p>
+            <a:pPr marL="0" indent="0">
+              <a:buNone/>
+            </a:pPr>
+            <a:endParaRPr lang="en-US" dirty="0"/>
+          </a:p>
+          <a:p>
+            <a:pPr marL="0" indent="0">
+              <a:buNone/>
+            </a:pPr>
+            <a:endParaRPr lang="en-US" dirty="0"/>
+          </a:p>
+          <a:p>
+            <a:endParaRPr lang="en-US" dirty="0"/>
+          </a:p>
+          <a:p>
+            <a:endParaRPr lang="en-US" dirty="0"/>
+          </a:p>
+        </p:txBody>
+      </p:sp>
+    </p:spTree>
+    <p:extLst>
+      <p:ext uri="{BB962C8B-B14F-4D97-AF65-F5344CB8AC3E}">
+        <p14:creationId xmlns:p14="http://schemas.microsoft.com/office/powerpoint/2010/main" val="4049647872"/>
+      </p:ext>
+    </p:extLst>
+  </p:cSld>
+  <p:clrMapOvr>
+    <a:masterClrMapping/>
+  </p:clrMapOvr>
+</p:sld>
+</file>
+
 <file path=ppt/slides/slide13.xml><?xml version="1.0" encoding="utf-8"?>
 <p:sld xmlns:a="http://schemas.openxmlformats.org/drawingml/2006/main" xmlns:r="http://schemas.openxmlformats.org/officeDocument/2006/relationships" xmlns:p="http://schemas.openxmlformats.org/presentationml/2006/main">
   <p:cSld>
@@ -4772,177 +4815,6 @@
           <p:cNvPr id="2" name="Title 1">
             <a:extLst>
               <a:ext uri="{FF2B5EF4-FFF2-40B4-BE49-F238E27FC236}">
-                <a16:creationId xmlns:a16="http://schemas.microsoft.com/office/drawing/2014/main" id="{11454E09-CFEA-4CB8-B06F-E98298309E31}"/>
-              </a:ext>
-            </a:extLst>
-          </p:cNvPr>
-          <p:cNvSpPr>
-            <a:spLocks noGrp="1"/>
-          </p:cNvSpPr>
-          <p:nvPr>
-            <p:ph type="title"/>
-          </p:nvPr>
-        </p:nvSpPr>
-        <p:spPr/>
-        <p:txBody>
-          <a:bodyPr/>
-          <a:lstStyle/>
-          <a:p>
-            <a:pPr algn="l"/>
-            <a:r>
-              <a:rPr lang="en-US" dirty="0"/>
-              <a:t>The Bubble trends</a:t>
-            </a:r>
-          </a:p>
-        </p:txBody>
-      </p:sp>
-      <p:sp>
-        <p:nvSpPr>
-          <p:cNvPr id="3" name="Content Placeholder 2">
-            <a:extLst>
-              <a:ext uri="{FF2B5EF4-FFF2-40B4-BE49-F238E27FC236}">
-                <a16:creationId xmlns:a16="http://schemas.microsoft.com/office/drawing/2014/main" id="{7BFE4042-24DF-4107-9C7E-524FFBD186AD}"/>
-              </a:ext>
-            </a:extLst>
-          </p:cNvPr>
-          <p:cNvSpPr>
-            <a:spLocks noGrp="1"/>
-          </p:cNvSpPr>
-          <p:nvPr>
-            <p:ph idx="1"/>
-          </p:nvPr>
-        </p:nvSpPr>
-        <p:spPr>
-          <a:xfrm>
-            <a:off x="1451579" y="1716066"/>
-            <a:ext cx="9291215" cy="3750279"/>
-          </a:xfrm>
-        </p:spPr>
-        <p:txBody>
-          <a:bodyPr>
-            <a:normAutofit/>
-          </a:bodyPr>
-          <a:lstStyle/>
-          <a:p>
-            <a:pPr>
-              <a:lnSpc>
-                <a:spcPct val="150000"/>
-              </a:lnSpc>
-            </a:pPr>
-            <a:r>
-              <a:rPr lang="en-US" dirty="0"/>
-              <a:t>Industries are side by side comparisons of Big and Small Businesses</a:t>
-            </a:r>
-          </a:p>
-          <a:p>
-            <a:pPr>
-              <a:lnSpc>
-                <a:spcPct val="150000"/>
-              </a:lnSpc>
-            </a:pPr>
-            <a:r>
-              <a:rPr lang="en-US" dirty="0"/>
-              <a:t>Revenue by industry (this shows a 1</a:t>
-            </a:r>
-            <a:r>
-              <a:rPr lang="en-US" baseline="30000" dirty="0"/>
-              <a:t>st</a:t>
-            </a:r>
-            <a:r>
-              <a:rPr lang="en-US" dirty="0"/>
-              <a:t> world *service* economy)</a:t>
-            </a:r>
-          </a:p>
-          <a:p>
-            <a:pPr marL="800100" lvl="1" indent="-342900">
-              <a:lnSpc>
-                <a:spcPct val="150000"/>
-              </a:lnSpc>
-              <a:buFont typeface="+mj-lt"/>
-              <a:buAutoNum type="arabicPeriod"/>
-            </a:pPr>
-            <a:r>
-              <a:rPr lang="en-US" dirty="0"/>
-              <a:t>Management, Utilities, Finance &amp; Insurance, Resource Exploitation</a:t>
-            </a:r>
-          </a:p>
-          <a:p>
-            <a:pPr>
-              <a:lnSpc>
-                <a:spcPct val="150000"/>
-              </a:lnSpc>
-            </a:pPr>
-            <a:r>
-              <a:rPr lang="en-US" dirty="0"/>
-              <a:t>Information is a rapidly growing piece of the pie</a:t>
-            </a:r>
-          </a:p>
-          <a:p>
-            <a:pPr>
-              <a:lnSpc>
-                <a:spcPct val="150000"/>
-              </a:lnSpc>
-            </a:pPr>
-            <a:r>
-              <a:rPr lang="en-US" dirty="0"/>
-              <a:t>Large Businesses dominate the US economies Total Payroll</a:t>
-            </a:r>
-          </a:p>
-          <a:p>
-            <a:pPr marL="0" indent="0">
-              <a:buNone/>
-            </a:pPr>
-            <a:endParaRPr lang="en-US" dirty="0"/>
-          </a:p>
-          <a:p>
-            <a:pPr marL="0" indent="0">
-              <a:buNone/>
-            </a:pPr>
-            <a:endParaRPr lang="en-US" dirty="0"/>
-          </a:p>
-          <a:p>
-            <a:endParaRPr lang="en-US" dirty="0"/>
-          </a:p>
-          <a:p>
-            <a:endParaRPr lang="en-US" dirty="0"/>
-          </a:p>
-        </p:txBody>
-      </p:sp>
-    </p:spTree>
-    <p:extLst>
-      <p:ext uri="{BB962C8B-B14F-4D97-AF65-F5344CB8AC3E}">
-        <p14:creationId xmlns:p14="http://schemas.microsoft.com/office/powerpoint/2010/main" val="4049647872"/>
-      </p:ext>
-    </p:extLst>
-  </p:cSld>
-  <p:clrMapOvr>
-    <a:masterClrMapping/>
-  </p:clrMapOvr>
-</p:sld>
-</file>
-
-<file path=ppt/slides/slide14.xml><?xml version="1.0" encoding="utf-8"?>
-<p:sld xmlns:a="http://schemas.openxmlformats.org/drawingml/2006/main" xmlns:r="http://schemas.openxmlformats.org/officeDocument/2006/relationships" xmlns:p="http://schemas.openxmlformats.org/presentationml/2006/main">
-  <p:cSld>
-    <p:spTree>
-      <p:nvGrpSpPr>
-        <p:cNvPr id="1" name=""/>
-        <p:cNvGrpSpPr/>
-        <p:nvPr/>
-      </p:nvGrpSpPr>
-      <p:grpSpPr>
-        <a:xfrm>
-          <a:off x="0" y="0"/>
-          <a:ext cx="0" cy="0"/>
-          <a:chOff x="0" y="0"/>
-          <a:chExt cx="0" cy="0"/>
-        </a:xfrm>
-      </p:grpSpPr>
-      <p:sp>
-        <p:nvSpPr>
-          <p:cNvPr id="2" name="Title 1">
-            <a:extLst>
-              <a:ext uri="{FF2B5EF4-FFF2-40B4-BE49-F238E27FC236}">
                 <a16:creationId xmlns:a16="http://schemas.microsoft.com/office/drawing/2014/main" id="{CE040AB0-FF06-4B94-8C2E-15EAB5EEAE5E}"/>
               </a:ext>
             </a:extLst>
@@ -5053,7 +4925,7 @@
 </p:sld>
 </file>
 
-<file path=ppt/slides/slide15.xml><?xml version="1.0" encoding="utf-8"?>
+<file path=ppt/slides/slide14.xml><?xml version="1.0" encoding="utf-8"?>
 <p:sld xmlns:a="http://schemas.openxmlformats.org/drawingml/2006/main" xmlns:r="http://schemas.openxmlformats.org/officeDocument/2006/relationships" xmlns:p="http://schemas.openxmlformats.org/presentationml/2006/main">
   <p:cSld>
     <p:spTree>
@@ -5647,18 +5519,33 @@
           </a:bodyPr>
           <a:lstStyle/>
           <a:p>
+            <a:pPr>
+              <a:lnSpc>
+                <a:spcPct val="150000"/>
+              </a:lnSpc>
+            </a:pPr>
             <a:r>
               <a:rPr lang="en-US" dirty="0"/>
               <a:t>Bar chart showing Industry vs Revenue</a:t>
             </a:r>
           </a:p>
           <a:p>
+            <a:pPr>
+              <a:lnSpc>
+                <a:spcPct val="150000"/>
+              </a:lnSpc>
+            </a:pPr>
             <a:r>
               <a:rPr lang="en-US" dirty="0"/>
               <a:t>Scatterplot with Employment vs Payroll, distinguishes points by total revenue</a:t>
             </a:r>
           </a:p>
           <a:p>
+            <a:pPr>
+              <a:lnSpc>
+                <a:spcPct val="150000"/>
+              </a:lnSpc>
+            </a:pPr>
             <a:r>
               <a:rPr lang="en-US" dirty="0"/>
               <a:t>To make a good analysis, we needed to define parameters (year, industry, </a:t>
@@ -5673,6 +5560,11 @@
             </a:r>
           </a:p>
           <a:p>
+            <a:pPr>
+              <a:lnSpc>
+                <a:spcPct val="150000"/>
+              </a:lnSpc>
+            </a:pPr>
             <a:r>
               <a:rPr lang="en-US" dirty="0"/>
               <a:t>The closest differential in Small and Large is within the Finance &amp; Insurance industry, this suggests a low capital, mid margin, mid skill industry, compare this to Health Care (high capital), Hospitality (low skill),  Construction (high margin)</a:t>

--- a/Project_2_Group_10.pptx
+++ b/Project_2_Group_10.pptx
@@ -4863,12 +4863,9 @@
         </p:spPr>
         <p:txBody>
           <a:bodyPr>
-            <a:normAutofit lnSpcReduction="10000"/>
+            <a:normAutofit/>
           </a:bodyPr>
           <a:lstStyle/>
-          <a:p>
-            <a:endParaRPr lang="en-US" dirty="0"/>
-          </a:p>
           <a:p>
             <a:pPr>
               <a:lnSpc>
@@ -4881,16 +4878,16 @@
             </a:r>
           </a:p>
           <a:p>
-            <a:endParaRPr lang="en-US" dirty="0"/>
-          </a:p>
-          <a:p>
             <a:r>
               <a:rPr lang="en-US" dirty="0"/>
               <a:t>Falls in line with historical political trends as to small businesses historically.</a:t>
             </a:r>
           </a:p>
           <a:p>
-            <a:endParaRPr lang="en-US" dirty="0"/>
+            <a:r>
+              <a:rPr lang="en-US" dirty="0"/>
+              <a:t>Small business employ more individuals across every sector</a:t>
+            </a:r>
           </a:p>
           <a:p>
             <a:r>
@@ -5429,7 +5426,7 @@
         </p:blipFill>
         <p:spPr>
           <a:xfrm>
-            <a:off x="1108364" y="1469066"/>
+            <a:off x="1056606" y="1391655"/>
             <a:ext cx="8625538" cy="4273121"/>
           </a:xfrm>
           <a:prstGeom prst="rect">
@@ -5437,6 +5434,115 @@
           </a:prstGeom>
         </p:spPr>
       </p:pic>
+      <p:sp>
+        <p:nvSpPr>
+          <p:cNvPr id="15" name="TextBox 14">
+            <a:extLst>
+              <a:ext uri="{FF2B5EF4-FFF2-40B4-BE49-F238E27FC236}">
+                <a16:creationId xmlns:a16="http://schemas.microsoft.com/office/drawing/2014/main" id="{95E1B1AF-CCE7-4C0B-AF91-0F5F0B6636F8}"/>
+              </a:ext>
+            </a:extLst>
+          </p:cNvPr>
+          <p:cNvSpPr txBox="1"/>
+          <p:nvPr/>
+        </p:nvSpPr>
+        <p:spPr>
+          <a:xfrm>
+            <a:off x="1854679" y="3334108"/>
+            <a:ext cx="3036498" cy="1754326"/>
+          </a:xfrm>
+          <a:prstGeom prst="rect">
+            <a:avLst/>
+          </a:prstGeom>
+          <a:noFill/>
+          <a:ln w="9525">
+            <a:solidFill>
+              <a:schemeClr val="accent1"/>
+            </a:solidFill>
+          </a:ln>
+        </p:spPr>
+        <p:txBody>
+          <a:bodyPr wrap="square" rtlCol="0">
+            <a:spAutoFit/>
+          </a:bodyPr>
+          <a:lstStyle/>
+          <a:p>
+            <a:r>
+              <a:rPr lang="en-US" dirty="0" err="1">
+                <a:solidFill>
+                  <a:schemeClr val="bg1"/>
+                </a:solidFill>
+              </a:rPr>
+              <a:t>Javascript</a:t>
+            </a:r>
+            <a:endParaRPr lang="en-US" dirty="0">
+              <a:solidFill>
+                <a:schemeClr val="bg1"/>
+              </a:solidFill>
+            </a:endParaRPr>
+          </a:p>
+          <a:p>
+            <a:r>
+              <a:rPr lang="en-US" dirty="0">
+                <a:solidFill>
+                  <a:schemeClr val="bg1"/>
+                </a:solidFill>
+              </a:rPr>
+              <a:t>HTML/CSS</a:t>
+            </a:r>
+          </a:p>
+          <a:p>
+            <a:r>
+              <a:rPr lang="en-US" dirty="0">
+                <a:solidFill>
+                  <a:schemeClr val="bg1"/>
+                </a:solidFill>
+              </a:rPr>
+              <a:t>D3.js</a:t>
+            </a:r>
+          </a:p>
+          <a:p>
+            <a:r>
+              <a:rPr lang="en-US" dirty="0" err="1">
+                <a:solidFill>
+                  <a:schemeClr val="bg1"/>
+                </a:solidFill>
+              </a:rPr>
+              <a:t>Plotly</a:t>
+            </a:r>
+            <a:endParaRPr lang="en-US" dirty="0">
+              <a:solidFill>
+                <a:schemeClr val="bg1"/>
+              </a:solidFill>
+            </a:endParaRPr>
+          </a:p>
+          <a:p>
+            <a:r>
+              <a:rPr lang="en-US" dirty="0">
+                <a:solidFill>
+                  <a:schemeClr val="bg1"/>
+                </a:solidFill>
+              </a:rPr>
+              <a:t>Python</a:t>
+            </a:r>
+          </a:p>
+          <a:p>
+            <a:r>
+              <a:rPr lang="en-US" dirty="0" err="1">
+                <a:solidFill>
+                  <a:schemeClr val="bg1"/>
+                </a:solidFill>
+              </a:rPr>
+              <a:t>PostgresSQL</a:t>
+            </a:r>
+            <a:endParaRPr lang="en-US" dirty="0">
+              <a:solidFill>
+                <a:schemeClr val="bg1"/>
+              </a:solidFill>
+            </a:endParaRPr>
+          </a:p>
+        </p:txBody>
+      </p:sp>
     </p:spTree>
     <p:extLst>
       <p:ext uri="{BB962C8B-B14F-4D97-AF65-F5344CB8AC3E}">

--- a/Project_2_Group_10.pptx
+++ b/Project_2_Group_10.pptx
@@ -5632,8 +5632,13 @@
             </a:pPr>
             <a:r>
               <a:rPr lang="en-US" dirty="0"/>
-              <a:t>Bar chart showing Industry vs Revenue</a:t>
-            </a:r>
+              <a:t>Group Bar chart showing Industry vs Revenue by </a:t>
+            </a:r>
+            <a:r>
+              <a:rPr lang="en-US"/>
+              <a:t>Business Classification</a:t>
+            </a:r>
+            <a:endParaRPr lang="en-US" dirty="0"/>
           </a:p>
           <a:p>
             <a:pPr>

--- a/Project_2_Group_10.pptx
+++ b/Project_2_Group_10.pptx
@@ -5,7 +5,7 @@
     <p:sldMasterId id="2147483648" r:id="rId1"/>
   </p:sldMasterIdLst>
   <p:notesMasterIdLst>
-    <p:notesMasterId r:id="rId16"/>
+    <p:notesMasterId r:id="rId15"/>
   </p:notesMasterIdLst>
   <p:sldIdLst>
     <p:sldId id="275" r:id="rId2"/>
@@ -14,14 +14,13 @@
     <p:sldId id="278" r:id="rId5"/>
     <p:sldId id="270" r:id="rId6"/>
     <p:sldId id="271" r:id="rId7"/>
-    <p:sldId id="272" r:id="rId8"/>
-    <p:sldId id="279" r:id="rId9"/>
-    <p:sldId id="258" r:id="rId10"/>
-    <p:sldId id="274" r:id="rId11"/>
-    <p:sldId id="262" r:id="rId12"/>
-    <p:sldId id="260" r:id="rId13"/>
-    <p:sldId id="259" r:id="rId14"/>
-    <p:sldId id="265" r:id="rId15"/>
+    <p:sldId id="279" r:id="rId8"/>
+    <p:sldId id="258" r:id="rId9"/>
+    <p:sldId id="274" r:id="rId10"/>
+    <p:sldId id="262" r:id="rId11"/>
+    <p:sldId id="260" r:id="rId12"/>
+    <p:sldId id="259" r:id="rId13"/>
+    <p:sldId id="265" r:id="rId14"/>
   </p:sldIdLst>
   <p:sldSz cx="12192000" cy="6858000"/>
   <p:notesSz cx="6858000" cy="9144000"/>
@@ -710,7 +709,7 @@
           <a:p>
             <a:fld id="{A7FE854B-F042-40AB-A8CC-8D2DE5C84AC8}" type="slidenum">
               <a:rPr lang="en-US" smtClean="0"/>
-              <a:t>7</a:t>
+              <a:t>8</a:t>
             </a:fld>
             <a:endParaRPr lang="en-US"/>
           </a:p>
@@ -719,7 +718,7 @@
     </p:spTree>
     <p:extLst>
       <p:ext uri="{BB962C8B-B14F-4D97-AF65-F5344CB8AC3E}">
-        <p14:creationId xmlns:p14="http://schemas.microsoft.com/office/powerpoint/2010/main" val="1780560237"/>
+        <p14:creationId xmlns:p14="http://schemas.microsoft.com/office/powerpoint/2010/main" val="957875324"/>
       </p:ext>
     </p:extLst>
   </p:cSld>
@@ -803,7 +802,7 @@
     </p:spTree>
     <p:extLst>
       <p:ext uri="{BB962C8B-B14F-4D97-AF65-F5344CB8AC3E}">
-        <p14:creationId xmlns:p14="http://schemas.microsoft.com/office/powerpoint/2010/main" val="957875324"/>
+        <p14:creationId xmlns:p14="http://schemas.microsoft.com/office/powerpoint/2010/main" val="1250615393"/>
       </p:ext>
     </p:extLst>
   </p:cSld>
@@ -887,7 +886,7 @@
     </p:spTree>
     <p:extLst>
       <p:ext uri="{BB962C8B-B14F-4D97-AF65-F5344CB8AC3E}">
-        <p14:creationId xmlns:p14="http://schemas.microsoft.com/office/powerpoint/2010/main" val="1250615393"/>
+        <p14:creationId xmlns:p14="http://schemas.microsoft.com/office/powerpoint/2010/main" val="712438140"/>
       </p:ext>
     </p:extLst>
   </p:cSld>
@@ -971,7 +970,7 @@
     </p:spTree>
     <p:extLst>
       <p:ext uri="{BB962C8B-B14F-4D97-AF65-F5344CB8AC3E}">
-        <p14:creationId xmlns:p14="http://schemas.microsoft.com/office/powerpoint/2010/main" val="712438140"/>
+        <p14:creationId xmlns:p14="http://schemas.microsoft.com/office/powerpoint/2010/main" val="3969762949"/>
       </p:ext>
     </p:extLst>
   </p:cSld>
@@ -1055,7 +1054,7 @@
     </p:spTree>
     <p:extLst>
       <p:ext uri="{BB962C8B-B14F-4D97-AF65-F5344CB8AC3E}">
-        <p14:creationId xmlns:p14="http://schemas.microsoft.com/office/powerpoint/2010/main" val="3969762949"/>
+        <p14:creationId xmlns:p14="http://schemas.microsoft.com/office/powerpoint/2010/main" val="609426225"/>
       </p:ext>
     </p:extLst>
   </p:cSld>
@@ -1131,90 +1130,6 @@
             <a:fld id="{A7FE854B-F042-40AB-A8CC-8D2DE5C84AC8}" type="slidenum">
               <a:rPr lang="en-US" smtClean="0"/>
               <a:t>13</a:t>
-            </a:fld>
-            <a:endParaRPr lang="en-US"/>
-          </a:p>
-        </p:txBody>
-      </p:sp>
-    </p:spTree>
-    <p:extLst>
-      <p:ext uri="{BB962C8B-B14F-4D97-AF65-F5344CB8AC3E}">
-        <p14:creationId xmlns:p14="http://schemas.microsoft.com/office/powerpoint/2010/main" val="609426225"/>
-      </p:ext>
-    </p:extLst>
-  </p:cSld>
-  <p:clrMapOvr>
-    <a:masterClrMapping/>
-  </p:clrMapOvr>
-</p:notes>
-</file>
-
-<file path=ppt/notesSlides/notesSlide9.xml><?xml version="1.0" encoding="utf-8"?>
-<p:notes xmlns:a="http://schemas.openxmlformats.org/drawingml/2006/main" xmlns:r="http://schemas.openxmlformats.org/officeDocument/2006/relationships" xmlns:p="http://schemas.openxmlformats.org/presentationml/2006/main">
-  <p:cSld>
-    <p:spTree>
-      <p:nvGrpSpPr>
-        <p:cNvPr id="1" name=""/>
-        <p:cNvGrpSpPr/>
-        <p:nvPr/>
-      </p:nvGrpSpPr>
-      <p:grpSpPr>
-        <a:xfrm>
-          <a:off x="0" y="0"/>
-          <a:ext cx="0" cy="0"/>
-          <a:chOff x="0" y="0"/>
-          <a:chExt cx="0" cy="0"/>
-        </a:xfrm>
-      </p:grpSpPr>
-      <p:sp>
-        <p:nvSpPr>
-          <p:cNvPr id="2" name="Slide Image Placeholder 1"/>
-          <p:cNvSpPr>
-            <a:spLocks noGrp="1" noRot="1" noChangeAspect="1"/>
-          </p:cNvSpPr>
-          <p:nvPr>
-            <p:ph type="sldImg"/>
-          </p:nvPr>
-        </p:nvSpPr>
-        <p:spPr/>
-      </p:sp>
-      <p:sp>
-        <p:nvSpPr>
-          <p:cNvPr id="3" name="Notes Placeholder 2"/>
-          <p:cNvSpPr>
-            <a:spLocks noGrp="1"/>
-          </p:cNvSpPr>
-          <p:nvPr>
-            <p:ph type="body" idx="1"/>
-          </p:nvPr>
-        </p:nvSpPr>
-        <p:spPr/>
-        <p:txBody>
-          <a:bodyPr/>
-          <a:lstStyle/>
-          <a:p>
-            <a:endParaRPr lang="en-US"/>
-          </a:p>
-        </p:txBody>
-      </p:sp>
-      <p:sp>
-        <p:nvSpPr>
-          <p:cNvPr id="4" name="Slide Number Placeholder 3"/>
-          <p:cNvSpPr>
-            <a:spLocks noGrp="1"/>
-          </p:cNvSpPr>
-          <p:nvPr>
-            <p:ph type="sldNum" sz="quarter" idx="5"/>
-          </p:nvPr>
-        </p:nvSpPr>
-        <p:spPr/>
-        <p:txBody>
-          <a:bodyPr/>
-          <a:lstStyle/>
-          <a:p>
-            <a:fld id="{A7FE854B-F042-40AB-A8CC-8D2DE5C84AC8}" type="slidenum">
-              <a:rPr lang="en-US" smtClean="0"/>
-              <a:t>14</a:t>
             </a:fld>
             <a:endParaRPr lang="en-US"/>
           </a:p>
@@ -4484,101 +4399,6 @@
           <a:chExt cx="0" cy="0"/>
         </a:xfrm>
       </p:grpSpPr>
-      <p:sp>
-        <p:nvSpPr>
-          <p:cNvPr id="2" name="Content Placeholder 1">
-            <a:extLst>
-              <a:ext uri="{FF2B5EF4-FFF2-40B4-BE49-F238E27FC236}">
-                <a16:creationId xmlns:a16="http://schemas.microsoft.com/office/drawing/2014/main" id="{8E8EE68E-6ABD-4E4B-BCEA-97B333FB905B}"/>
-              </a:ext>
-            </a:extLst>
-          </p:cNvPr>
-          <p:cNvSpPr>
-            <a:spLocks noGrp="1"/>
-          </p:cNvSpPr>
-          <p:nvPr>
-            <p:ph idx="1"/>
-          </p:nvPr>
-        </p:nvSpPr>
-        <p:spPr>
-          <a:xfrm>
-            <a:off x="1113378" y="399875"/>
-            <a:ext cx="9233122" cy="627259"/>
-          </a:xfrm>
-        </p:spPr>
-        <p:txBody>
-          <a:bodyPr>
-            <a:normAutofit/>
-          </a:bodyPr>
-          <a:lstStyle/>
-          <a:p>
-            <a:r>
-              <a:rPr lang="en-US" dirty="0"/>
-              <a:t>Large Business Map</a:t>
-            </a:r>
-          </a:p>
-        </p:txBody>
-      </p:sp>
-      <p:pic>
-        <p:nvPicPr>
-          <p:cNvPr id="4" name="Picture 3" descr="Map&#10;&#10;Description automatically generated">
-            <a:extLst>
-              <a:ext uri="{FF2B5EF4-FFF2-40B4-BE49-F238E27FC236}">
-                <a16:creationId xmlns:a16="http://schemas.microsoft.com/office/drawing/2014/main" id="{2AF07DD8-DD59-400E-976B-84C8C500723F}"/>
-              </a:ext>
-            </a:extLst>
-          </p:cNvPr>
-          <p:cNvPicPr>
-            <a:picLocks noChangeAspect="1"/>
-          </p:cNvPicPr>
-          <p:nvPr/>
-        </p:nvPicPr>
-        <p:blipFill>
-          <a:blip r:embed="rId3"/>
-          <a:stretch>
-            <a:fillRect/>
-          </a:stretch>
-        </p:blipFill>
-        <p:spPr>
-          <a:xfrm>
-            <a:off x="614596" y="1082644"/>
-            <a:ext cx="9731903" cy="4865952"/>
-          </a:xfrm>
-          <a:prstGeom prst="rect">
-            <a:avLst/>
-          </a:prstGeom>
-        </p:spPr>
-      </p:pic>
-    </p:spTree>
-    <p:extLst>
-      <p:ext uri="{BB962C8B-B14F-4D97-AF65-F5344CB8AC3E}">
-        <p14:creationId xmlns:p14="http://schemas.microsoft.com/office/powerpoint/2010/main" val="1082837802"/>
-      </p:ext>
-    </p:extLst>
-  </p:cSld>
-  <p:clrMapOvr>
-    <a:masterClrMapping/>
-  </p:clrMapOvr>
-</p:sld>
-</file>
-
-<file path=ppt/slides/slide11.xml><?xml version="1.0" encoding="utf-8"?>
-<p:sld xmlns:a="http://schemas.openxmlformats.org/drawingml/2006/main" xmlns:r="http://schemas.openxmlformats.org/officeDocument/2006/relationships" xmlns:p="http://schemas.openxmlformats.org/presentationml/2006/main">
-  <p:cSld>
-    <p:spTree>
-      <p:nvGrpSpPr>
-        <p:cNvPr id="1" name=""/>
-        <p:cNvGrpSpPr/>
-        <p:nvPr/>
-      </p:nvGrpSpPr>
-      <p:grpSpPr>
-        <a:xfrm>
-          <a:off x="0" y="0"/>
-          <a:ext cx="0" cy="0"/>
-          <a:chOff x="0" y="0"/>
-          <a:chExt cx="0" cy="0"/>
-        </a:xfrm>
-      </p:grpSpPr>
       <p:pic>
         <p:nvPicPr>
           <p:cNvPr id="4" name="Picture 3">
@@ -4622,6 +4442,177 @@
 </p:sld>
 </file>
 
+<file path=ppt/slides/slide11.xml><?xml version="1.0" encoding="utf-8"?>
+<p:sld xmlns:a="http://schemas.openxmlformats.org/drawingml/2006/main" xmlns:r="http://schemas.openxmlformats.org/officeDocument/2006/relationships" xmlns:p="http://schemas.openxmlformats.org/presentationml/2006/main">
+  <p:cSld>
+    <p:spTree>
+      <p:nvGrpSpPr>
+        <p:cNvPr id="1" name=""/>
+        <p:cNvGrpSpPr/>
+        <p:nvPr/>
+      </p:nvGrpSpPr>
+      <p:grpSpPr>
+        <a:xfrm>
+          <a:off x="0" y="0"/>
+          <a:ext cx="0" cy="0"/>
+          <a:chOff x="0" y="0"/>
+          <a:chExt cx="0" cy="0"/>
+        </a:xfrm>
+      </p:grpSpPr>
+      <p:sp>
+        <p:nvSpPr>
+          <p:cNvPr id="2" name="Title 1">
+            <a:extLst>
+              <a:ext uri="{FF2B5EF4-FFF2-40B4-BE49-F238E27FC236}">
+                <a16:creationId xmlns:a16="http://schemas.microsoft.com/office/drawing/2014/main" id="{11454E09-CFEA-4CB8-B06F-E98298309E31}"/>
+              </a:ext>
+            </a:extLst>
+          </p:cNvPr>
+          <p:cNvSpPr>
+            <a:spLocks noGrp="1"/>
+          </p:cNvSpPr>
+          <p:nvPr>
+            <p:ph type="title"/>
+          </p:nvPr>
+        </p:nvSpPr>
+        <p:spPr/>
+        <p:txBody>
+          <a:bodyPr/>
+          <a:lstStyle/>
+          <a:p>
+            <a:pPr algn="l"/>
+            <a:r>
+              <a:rPr lang="en-US" dirty="0"/>
+              <a:t>The Bubble trends</a:t>
+            </a:r>
+          </a:p>
+        </p:txBody>
+      </p:sp>
+      <p:sp>
+        <p:nvSpPr>
+          <p:cNvPr id="3" name="Content Placeholder 2">
+            <a:extLst>
+              <a:ext uri="{FF2B5EF4-FFF2-40B4-BE49-F238E27FC236}">
+                <a16:creationId xmlns:a16="http://schemas.microsoft.com/office/drawing/2014/main" id="{7BFE4042-24DF-4107-9C7E-524FFBD186AD}"/>
+              </a:ext>
+            </a:extLst>
+          </p:cNvPr>
+          <p:cNvSpPr>
+            <a:spLocks noGrp="1"/>
+          </p:cNvSpPr>
+          <p:nvPr>
+            <p:ph idx="1"/>
+          </p:nvPr>
+        </p:nvSpPr>
+        <p:spPr>
+          <a:xfrm>
+            <a:off x="1451579" y="1716066"/>
+            <a:ext cx="9291215" cy="3750279"/>
+          </a:xfrm>
+        </p:spPr>
+        <p:txBody>
+          <a:bodyPr>
+            <a:normAutofit/>
+          </a:bodyPr>
+          <a:lstStyle/>
+          <a:p>
+            <a:pPr>
+              <a:lnSpc>
+                <a:spcPct val="150000"/>
+              </a:lnSpc>
+            </a:pPr>
+            <a:r>
+              <a:rPr lang="en-US" dirty="0"/>
+              <a:t>Industries are side by side comparisons of Big and Small Businesses</a:t>
+            </a:r>
+          </a:p>
+          <a:p>
+            <a:pPr>
+              <a:lnSpc>
+                <a:spcPct val="150000"/>
+              </a:lnSpc>
+            </a:pPr>
+            <a:r>
+              <a:rPr lang="en-US" dirty="0"/>
+              <a:t>Revenue by industry (this shows a 1</a:t>
+            </a:r>
+            <a:r>
+              <a:rPr lang="en-US" baseline="30000" dirty="0"/>
+              <a:t>st</a:t>
+            </a:r>
+            <a:r>
+              <a:rPr lang="en-US" dirty="0"/>
+              <a:t> world *service* economy)</a:t>
+            </a:r>
+          </a:p>
+          <a:p>
+            <a:pPr marL="800100" lvl="1" indent="-342900">
+              <a:lnSpc>
+                <a:spcPct val="150000"/>
+              </a:lnSpc>
+              <a:buFont typeface="+mj-lt"/>
+              <a:buAutoNum type="arabicPeriod"/>
+            </a:pPr>
+            <a:r>
+              <a:rPr lang="en-US" dirty="0"/>
+              <a:t>Management, Utilities, Finance &amp; Insurance, Resource Exploitation</a:t>
+            </a:r>
+          </a:p>
+          <a:p>
+            <a:pPr>
+              <a:lnSpc>
+                <a:spcPct val="150000"/>
+              </a:lnSpc>
+            </a:pPr>
+            <a:r>
+              <a:rPr lang="en-US" dirty="0"/>
+              <a:t>Information is a rapidly growing piece of the pie</a:t>
+            </a:r>
+          </a:p>
+          <a:p>
+            <a:pPr>
+              <a:lnSpc>
+                <a:spcPct val="150000"/>
+              </a:lnSpc>
+            </a:pPr>
+            <a:r>
+              <a:rPr lang="en-US" dirty="0"/>
+              <a:t>Large Businesses dominate the US economies Total Payroll</a:t>
+            </a:r>
+          </a:p>
+          <a:p>
+            <a:pPr marL="0" indent="0">
+              <a:buNone/>
+            </a:pPr>
+            <a:endParaRPr lang="en-US" dirty="0"/>
+          </a:p>
+          <a:p>
+            <a:pPr marL="0" indent="0">
+              <a:buNone/>
+            </a:pPr>
+            <a:endParaRPr lang="en-US" dirty="0"/>
+          </a:p>
+          <a:p>
+            <a:endParaRPr lang="en-US" dirty="0"/>
+          </a:p>
+          <a:p>
+            <a:endParaRPr lang="en-US" dirty="0"/>
+          </a:p>
+        </p:txBody>
+      </p:sp>
+    </p:spTree>
+    <p:extLst>
+      <p:ext uri="{BB962C8B-B14F-4D97-AF65-F5344CB8AC3E}">
+        <p14:creationId xmlns:p14="http://schemas.microsoft.com/office/powerpoint/2010/main" val="4049647872"/>
+      </p:ext>
+    </p:extLst>
+  </p:cSld>
+  <p:clrMapOvr>
+    <a:masterClrMapping/>
+  </p:clrMapOvr>
+</p:sld>
+</file>
+
 <file path=ppt/slides/slide12.xml><?xml version="1.0" encoding="utf-8"?>
 <p:sld xmlns:a="http://schemas.openxmlformats.org/drawingml/2006/main" xmlns:r="http://schemas.openxmlformats.org/officeDocument/2006/relationships" xmlns:p="http://schemas.openxmlformats.org/presentationml/2006/main">
   <p:cSld>
@@ -4644,177 +4635,6 @@
           <p:cNvPr id="2" name="Title 1">
             <a:extLst>
               <a:ext uri="{FF2B5EF4-FFF2-40B4-BE49-F238E27FC236}">
-                <a16:creationId xmlns:a16="http://schemas.microsoft.com/office/drawing/2014/main" id="{11454E09-CFEA-4CB8-B06F-E98298309E31}"/>
-              </a:ext>
-            </a:extLst>
-          </p:cNvPr>
-          <p:cNvSpPr>
-            <a:spLocks noGrp="1"/>
-          </p:cNvSpPr>
-          <p:nvPr>
-            <p:ph type="title"/>
-          </p:nvPr>
-        </p:nvSpPr>
-        <p:spPr/>
-        <p:txBody>
-          <a:bodyPr/>
-          <a:lstStyle/>
-          <a:p>
-            <a:pPr algn="l"/>
-            <a:r>
-              <a:rPr lang="en-US" dirty="0"/>
-              <a:t>The Bubble trends</a:t>
-            </a:r>
-          </a:p>
-        </p:txBody>
-      </p:sp>
-      <p:sp>
-        <p:nvSpPr>
-          <p:cNvPr id="3" name="Content Placeholder 2">
-            <a:extLst>
-              <a:ext uri="{FF2B5EF4-FFF2-40B4-BE49-F238E27FC236}">
-                <a16:creationId xmlns:a16="http://schemas.microsoft.com/office/drawing/2014/main" id="{7BFE4042-24DF-4107-9C7E-524FFBD186AD}"/>
-              </a:ext>
-            </a:extLst>
-          </p:cNvPr>
-          <p:cNvSpPr>
-            <a:spLocks noGrp="1"/>
-          </p:cNvSpPr>
-          <p:nvPr>
-            <p:ph idx="1"/>
-          </p:nvPr>
-        </p:nvSpPr>
-        <p:spPr>
-          <a:xfrm>
-            <a:off x="1451579" y="1716066"/>
-            <a:ext cx="9291215" cy="3750279"/>
-          </a:xfrm>
-        </p:spPr>
-        <p:txBody>
-          <a:bodyPr>
-            <a:normAutofit/>
-          </a:bodyPr>
-          <a:lstStyle/>
-          <a:p>
-            <a:pPr>
-              <a:lnSpc>
-                <a:spcPct val="150000"/>
-              </a:lnSpc>
-            </a:pPr>
-            <a:r>
-              <a:rPr lang="en-US" dirty="0"/>
-              <a:t>Industries are side by side comparisons of Big and Small Businesses</a:t>
-            </a:r>
-          </a:p>
-          <a:p>
-            <a:pPr>
-              <a:lnSpc>
-                <a:spcPct val="150000"/>
-              </a:lnSpc>
-            </a:pPr>
-            <a:r>
-              <a:rPr lang="en-US" dirty="0"/>
-              <a:t>Revenue by industry (this shows a 1</a:t>
-            </a:r>
-            <a:r>
-              <a:rPr lang="en-US" baseline="30000" dirty="0"/>
-              <a:t>st</a:t>
-            </a:r>
-            <a:r>
-              <a:rPr lang="en-US" dirty="0"/>
-              <a:t> world *service* economy)</a:t>
-            </a:r>
-          </a:p>
-          <a:p>
-            <a:pPr marL="800100" lvl="1" indent="-342900">
-              <a:lnSpc>
-                <a:spcPct val="150000"/>
-              </a:lnSpc>
-              <a:buFont typeface="+mj-lt"/>
-              <a:buAutoNum type="arabicPeriod"/>
-            </a:pPr>
-            <a:r>
-              <a:rPr lang="en-US" dirty="0"/>
-              <a:t>Management, Utilities, Finance &amp; Insurance, Resource Exploitation</a:t>
-            </a:r>
-          </a:p>
-          <a:p>
-            <a:pPr>
-              <a:lnSpc>
-                <a:spcPct val="150000"/>
-              </a:lnSpc>
-            </a:pPr>
-            <a:r>
-              <a:rPr lang="en-US" dirty="0"/>
-              <a:t>Information is a rapidly growing piece of the pie</a:t>
-            </a:r>
-          </a:p>
-          <a:p>
-            <a:pPr>
-              <a:lnSpc>
-                <a:spcPct val="150000"/>
-              </a:lnSpc>
-            </a:pPr>
-            <a:r>
-              <a:rPr lang="en-US" dirty="0"/>
-              <a:t>Large Businesses dominate the US economies Total Payroll</a:t>
-            </a:r>
-          </a:p>
-          <a:p>
-            <a:pPr marL="0" indent="0">
-              <a:buNone/>
-            </a:pPr>
-            <a:endParaRPr lang="en-US" dirty="0"/>
-          </a:p>
-          <a:p>
-            <a:pPr marL="0" indent="0">
-              <a:buNone/>
-            </a:pPr>
-            <a:endParaRPr lang="en-US" dirty="0"/>
-          </a:p>
-          <a:p>
-            <a:endParaRPr lang="en-US" dirty="0"/>
-          </a:p>
-          <a:p>
-            <a:endParaRPr lang="en-US" dirty="0"/>
-          </a:p>
-        </p:txBody>
-      </p:sp>
-    </p:spTree>
-    <p:extLst>
-      <p:ext uri="{BB962C8B-B14F-4D97-AF65-F5344CB8AC3E}">
-        <p14:creationId xmlns:p14="http://schemas.microsoft.com/office/powerpoint/2010/main" val="4049647872"/>
-      </p:ext>
-    </p:extLst>
-  </p:cSld>
-  <p:clrMapOvr>
-    <a:masterClrMapping/>
-  </p:clrMapOvr>
-</p:sld>
-</file>
-
-<file path=ppt/slides/slide13.xml><?xml version="1.0" encoding="utf-8"?>
-<p:sld xmlns:a="http://schemas.openxmlformats.org/drawingml/2006/main" xmlns:r="http://schemas.openxmlformats.org/officeDocument/2006/relationships" xmlns:p="http://schemas.openxmlformats.org/presentationml/2006/main">
-  <p:cSld>
-    <p:spTree>
-      <p:nvGrpSpPr>
-        <p:cNvPr id="1" name=""/>
-        <p:cNvGrpSpPr/>
-        <p:nvPr/>
-      </p:nvGrpSpPr>
-      <p:grpSpPr>
-        <a:xfrm>
-          <a:off x="0" y="0"/>
-          <a:ext cx="0" cy="0"/>
-          <a:chOff x="0" y="0"/>
-          <a:chExt cx="0" cy="0"/>
-        </a:xfrm>
-      </p:grpSpPr>
-      <p:sp>
-        <p:nvSpPr>
-          <p:cNvPr id="2" name="Title 1">
-            <a:extLst>
-              <a:ext uri="{FF2B5EF4-FFF2-40B4-BE49-F238E27FC236}">
                 <a16:creationId xmlns:a16="http://schemas.microsoft.com/office/drawing/2014/main" id="{CE040AB0-FF06-4B94-8C2E-15EAB5EEAE5E}"/>
               </a:ext>
             </a:extLst>
@@ -4925,7 +4745,7 @@
 </p:sld>
 </file>
 
-<file path=ppt/slides/slide14.xml><?xml version="1.0" encoding="utf-8"?>
+<file path=ppt/slides/slide13.xml><?xml version="1.0" encoding="utf-8"?>
 <p:sld xmlns:a="http://schemas.openxmlformats.org/drawingml/2006/main" xmlns:r="http://schemas.openxmlformats.org/officeDocument/2006/relationships" xmlns:p="http://schemas.openxmlformats.org/presentationml/2006/main">
   <p:cSld>
     <p:spTree>
@@ -5512,7 +5332,12 @@
             <p:ph idx="1"/>
           </p:nvPr>
         </p:nvSpPr>
-        <p:spPr/>
+        <p:spPr>
+          <a:xfrm>
+            <a:off x="1451579" y="2015732"/>
+            <a:ext cx="9291215" cy="3783819"/>
+          </a:xfrm>
+        </p:spPr>
         <p:txBody>
           <a:bodyPr>
             <a:normAutofit fontScale="92500"/>
@@ -5526,7 +5351,7 @@
             </a:pPr>
             <a:r>
               <a:rPr lang="en-US" dirty="0"/>
-              <a:t>Bar chart showing Industry vs Revenue</a:t>
+              <a:t>Group bar chart showing Industry vs. Revenue by business category</a:t>
             </a:r>
           </a:p>
           <a:p>
@@ -5537,7 +5362,7 @@
             </a:pPr>
             <a:r>
               <a:rPr lang="en-US" dirty="0"/>
-              <a:t>Scatterplot with Employment vs Payroll, distinguishes points by total revenue</a:t>
+              <a:t>Scatterplot with Employment vs Payroll, distinguishes size by payroll</a:t>
             </a:r>
           </a:p>
           <a:p>
@@ -5567,7 +5392,18 @@
             </a:pPr>
             <a:r>
               <a:rPr lang="en-US" dirty="0"/>
-              <a:t>The closest differential in Small and Large is within the Finance &amp; Insurance industry, this suggests a low capital, mid margin, mid skill industry, compare this to Health Care (high capital), Hospitality (low skill),  Construction (high margin)</a:t>
+              <a:t>The closest differential in Small vs Large businesses are within the Finance &amp; Insurance industry.</a:t>
+            </a:r>
+          </a:p>
+          <a:p>
+            <a:pPr lvl="1">
+              <a:lnSpc>
+                <a:spcPct val="150000"/>
+              </a:lnSpc>
+            </a:pPr>
+            <a:r>
+              <a:rPr lang="en-US" dirty="0"/>
+              <a:t>Low capital, mid margin, mid skill industry; compare this to Health Care (high capital), Hospitality (training),  Construction (high margin)</a:t>
             </a:r>
           </a:p>
         </p:txBody>
@@ -5624,8 +5460,38 @@
         </p:blipFill>
         <p:spPr>
           <a:xfrm>
-            <a:off x="1521040" y="736953"/>
-            <a:ext cx="9149919" cy="4670176"/>
+            <a:off x="0" y="0"/>
+            <a:ext cx="6311192" cy="3221272"/>
+          </a:xfrm>
+          <a:prstGeom prst="rect">
+            <a:avLst/>
+          </a:prstGeom>
+        </p:spPr>
+      </p:pic>
+      <p:pic>
+        <p:nvPicPr>
+          <p:cNvPr id="3" name="Picture 2" descr="Chart, scatter chart&#10;&#10;Description automatically generated">
+            <a:extLst>
+              <a:ext uri="{FF2B5EF4-FFF2-40B4-BE49-F238E27FC236}">
+                <a16:creationId xmlns:a16="http://schemas.microsoft.com/office/drawing/2014/main" id="{EC4400C6-F9CB-4A67-B2C1-745D58453BDD}"/>
+              </a:ext>
+            </a:extLst>
+          </p:cNvPr>
+          <p:cNvPicPr>
+            <a:picLocks noChangeAspect="1"/>
+          </p:cNvPicPr>
+          <p:nvPr/>
+        </p:nvPicPr>
+        <p:blipFill>
+          <a:blip r:embed="rId4"/>
+          <a:stretch>
+            <a:fillRect/>
+          </a:stretch>
+        </p:blipFill>
+        <p:spPr>
+          <a:xfrm>
+            <a:off x="4703750" y="3134765"/>
+            <a:ext cx="7488250" cy="3717354"/>
           </a:xfrm>
           <a:prstGeom prst="rect">
             <a:avLst/>
@@ -5662,66 +5528,6 @@
           <a:chExt cx="0" cy="0"/>
         </a:xfrm>
       </p:grpSpPr>
-      <p:pic>
-        <p:nvPicPr>
-          <p:cNvPr id="3" name="Picture 2" descr="Chart, scatter chart&#10;&#10;Description automatically generated">
-            <a:extLst>
-              <a:ext uri="{FF2B5EF4-FFF2-40B4-BE49-F238E27FC236}">
-                <a16:creationId xmlns:a16="http://schemas.microsoft.com/office/drawing/2014/main" id="{725DFAF4-3E3B-490C-B878-C1BF21062F1B}"/>
-              </a:ext>
-            </a:extLst>
-          </p:cNvPr>
-          <p:cNvPicPr>
-            <a:picLocks noChangeAspect="1"/>
-          </p:cNvPicPr>
-          <p:nvPr/>
-        </p:nvPicPr>
-        <p:blipFill>
-          <a:blip r:embed="rId3"/>
-          <a:stretch>
-            <a:fillRect/>
-          </a:stretch>
-        </p:blipFill>
-        <p:spPr>
-          <a:xfrm>
-            <a:off x="1414881" y="916894"/>
-            <a:ext cx="8885368" cy="4410918"/>
-          </a:xfrm>
-          <a:prstGeom prst="rect">
-            <a:avLst/>
-          </a:prstGeom>
-        </p:spPr>
-      </p:pic>
-    </p:spTree>
-    <p:extLst>
-      <p:ext uri="{BB962C8B-B14F-4D97-AF65-F5344CB8AC3E}">
-        <p14:creationId xmlns:p14="http://schemas.microsoft.com/office/powerpoint/2010/main" val="2490499327"/>
-      </p:ext>
-    </p:extLst>
-  </p:cSld>
-  <p:clrMapOvr>
-    <a:masterClrMapping/>
-  </p:clrMapOvr>
-</p:sld>
-</file>
-
-<file path=ppt/slides/slide8.xml><?xml version="1.0" encoding="utf-8"?>
-<p:sld xmlns:a="http://schemas.openxmlformats.org/drawingml/2006/main" xmlns:r="http://schemas.openxmlformats.org/officeDocument/2006/relationships" xmlns:p="http://schemas.openxmlformats.org/presentationml/2006/main">
-  <p:cSld>
-    <p:spTree>
-      <p:nvGrpSpPr>
-        <p:cNvPr id="1" name=""/>
-        <p:cNvGrpSpPr/>
-        <p:nvPr/>
-      </p:nvGrpSpPr>
-      <p:grpSpPr>
-        <a:xfrm>
-          <a:off x="0" y="0"/>
-          <a:ext cx="0" cy="0"/>
-          <a:chOff x="0" y="0"/>
-          <a:chExt cx="0" cy="0"/>
-        </a:xfrm>
-      </p:grpSpPr>
       <p:sp>
         <p:nvSpPr>
           <p:cNvPr id="2" name="Title 1">
@@ -5811,7 +5617,7 @@
 </p:sld>
 </file>
 
-<file path=ppt/slides/slide9.xml><?xml version="1.0" encoding="utf-8"?>
+<file path=ppt/slides/slide8.xml><?xml version="1.0" encoding="utf-8"?>
 <p:sld xmlns:a="http://schemas.openxmlformats.org/drawingml/2006/main" xmlns:r="http://schemas.openxmlformats.org/officeDocument/2006/relationships" xmlns:p="http://schemas.openxmlformats.org/presentationml/2006/main">
   <p:cSld>
     <p:spTree>
@@ -5895,6 +5701,101 @@
     <p:extLst>
       <p:ext uri="{BB962C8B-B14F-4D97-AF65-F5344CB8AC3E}">
         <p14:creationId xmlns:p14="http://schemas.microsoft.com/office/powerpoint/2010/main" val="1417637710"/>
+      </p:ext>
+    </p:extLst>
+  </p:cSld>
+  <p:clrMapOvr>
+    <a:masterClrMapping/>
+  </p:clrMapOvr>
+</p:sld>
+</file>
+
+<file path=ppt/slides/slide9.xml><?xml version="1.0" encoding="utf-8"?>
+<p:sld xmlns:a="http://schemas.openxmlformats.org/drawingml/2006/main" xmlns:r="http://schemas.openxmlformats.org/officeDocument/2006/relationships" xmlns:p="http://schemas.openxmlformats.org/presentationml/2006/main">
+  <p:cSld>
+    <p:spTree>
+      <p:nvGrpSpPr>
+        <p:cNvPr id="1" name=""/>
+        <p:cNvGrpSpPr/>
+        <p:nvPr/>
+      </p:nvGrpSpPr>
+      <p:grpSpPr>
+        <a:xfrm>
+          <a:off x="0" y="0"/>
+          <a:ext cx="0" cy="0"/>
+          <a:chOff x="0" y="0"/>
+          <a:chExt cx="0" cy="0"/>
+        </a:xfrm>
+      </p:grpSpPr>
+      <p:sp>
+        <p:nvSpPr>
+          <p:cNvPr id="2" name="Content Placeholder 1">
+            <a:extLst>
+              <a:ext uri="{FF2B5EF4-FFF2-40B4-BE49-F238E27FC236}">
+                <a16:creationId xmlns:a16="http://schemas.microsoft.com/office/drawing/2014/main" id="{8E8EE68E-6ABD-4E4B-BCEA-97B333FB905B}"/>
+              </a:ext>
+            </a:extLst>
+          </p:cNvPr>
+          <p:cNvSpPr>
+            <a:spLocks noGrp="1"/>
+          </p:cNvSpPr>
+          <p:nvPr>
+            <p:ph idx="1"/>
+          </p:nvPr>
+        </p:nvSpPr>
+        <p:spPr>
+          <a:xfrm>
+            <a:off x="1113378" y="399875"/>
+            <a:ext cx="9233122" cy="627259"/>
+          </a:xfrm>
+        </p:spPr>
+        <p:txBody>
+          <a:bodyPr>
+            <a:normAutofit/>
+          </a:bodyPr>
+          <a:lstStyle/>
+          <a:p>
+            <a:r>
+              <a:rPr lang="en-US" dirty="0"/>
+              <a:t>Large Business Map</a:t>
+            </a:r>
+          </a:p>
+        </p:txBody>
+      </p:sp>
+      <p:pic>
+        <p:nvPicPr>
+          <p:cNvPr id="4" name="Picture 3" descr="Map&#10;&#10;Description automatically generated">
+            <a:extLst>
+              <a:ext uri="{FF2B5EF4-FFF2-40B4-BE49-F238E27FC236}">
+                <a16:creationId xmlns:a16="http://schemas.microsoft.com/office/drawing/2014/main" id="{2AF07DD8-DD59-400E-976B-84C8C500723F}"/>
+              </a:ext>
+            </a:extLst>
+          </p:cNvPr>
+          <p:cNvPicPr>
+            <a:picLocks noChangeAspect="1"/>
+          </p:cNvPicPr>
+          <p:nvPr/>
+        </p:nvPicPr>
+        <p:blipFill>
+          <a:blip r:embed="rId3"/>
+          <a:stretch>
+            <a:fillRect/>
+          </a:stretch>
+        </p:blipFill>
+        <p:spPr>
+          <a:xfrm>
+            <a:off x="614596" y="1082644"/>
+            <a:ext cx="9731903" cy="4865952"/>
+          </a:xfrm>
+          <a:prstGeom prst="rect">
+            <a:avLst/>
+          </a:prstGeom>
+        </p:spPr>
+      </p:pic>
+    </p:spTree>
+    <p:extLst>
+      <p:ext uri="{BB962C8B-B14F-4D97-AF65-F5344CB8AC3E}">
+        <p14:creationId xmlns:p14="http://schemas.microsoft.com/office/powerpoint/2010/main" val="1082837802"/>
       </p:ext>
     </p:extLst>
   </p:cSld>

--- a/Project_2_Group_10.pptx
+++ b/Project_2_Group_10.pptx
@@ -209,7 +209,7 @@
           <a:p>
             <a:fld id="{84856A6C-BAAB-4B56-984C-11A790D614FB}" type="datetimeFigureOut">
               <a:rPr lang="en-US" smtClean="0"/>
-              <a:t>12/12/2020</a:t>
+              <a:t>12/16/2020</a:t>
             </a:fld>
             <a:endParaRPr lang="en-US"/>
           </a:p>
@@ -1287,7 +1287,7 @@
           <a:p>
             <a:fld id="{48A87A34-81AB-432B-8DAE-1953F412C126}" type="datetimeFigureOut">
               <a:rPr lang="en-US" dirty="0"/>
-              <a:t>12/12/2020</a:t>
+              <a:t>12/16/2020</a:t>
             </a:fld>
             <a:endParaRPr lang="en-US" dirty="0"/>
           </a:p>
@@ -1462,7 +1462,7 @@
           <a:p>
             <a:fld id="{48A87A34-81AB-432B-8DAE-1953F412C126}" type="datetimeFigureOut">
               <a:rPr lang="en-US" dirty="0"/>
-              <a:t>12/12/2020</a:t>
+              <a:t>12/16/2020</a:t>
             </a:fld>
             <a:endParaRPr lang="en-US" dirty="0"/>
           </a:p>
@@ -1641,7 +1641,7 @@
           <a:p>
             <a:fld id="{48A87A34-81AB-432B-8DAE-1953F412C126}" type="datetimeFigureOut">
               <a:rPr lang="en-US" dirty="0"/>
-              <a:t>12/12/2020</a:t>
+              <a:t>12/16/2020</a:t>
             </a:fld>
             <a:endParaRPr lang="en-US" dirty="0"/>
           </a:p>
@@ -1806,7 +1806,7 @@
           <a:p>
             <a:fld id="{48A87A34-81AB-432B-8DAE-1953F412C126}" type="datetimeFigureOut">
               <a:rPr lang="en-US" dirty="0"/>
-              <a:t>12/12/2020</a:t>
+              <a:t>12/16/2020</a:t>
             </a:fld>
             <a:endParaRPr lang="en-US" dirty="0"/>
           </a:p>
@@ -2049,7 +2049,7 @@
           <a:p>
             <a:fld id="{48A87A34-81AB-432B-8DAE-1953F412C126}" type="datetimeFigureOut">
               <a:rPr lang="en-US" dirty="0"/>
-              <a:t>12/12/2020</a:t>
+              <a:t>12/16/2020</a:t>
             </a:fld>
             <a:endParaRPr lang="en-US" dirty="0"/>
           </a:p>
@@ -2281,7 +2281,7 @@
           <a:p>
             <a:fld id="{48A87A34-81AB-432B-8DAE-1953F412C126}" type="datetimeFigureOut">
               <a:rPr lang="en-US" dirty="0"/>
-              <a:t>12/12/2020</a:t>
+              <a:t>12/16/2020</a:t>
             </a:fld>
             <a:endParaRPr lang="en-US" dirty="0"/>
           </a:p>
@@ -2661,7 +2661,7 @@
           <a:p>
             <a:fld id="{48A87A34-81AB-432B-8DAE-1953F412C126}" type="datetimeFigureOut">
               <a:rPr lang="en-US" dirty="0"/>
-              <a:t>12/12/2020</a:t>
+              <a:t>12/16/2020</a:t>
             </a:fld>
             <a:endParaRPr lang="en-US" dirty="0"/>
           </a:p>
@@ -2774,7 +2774,7 @@
           <a:p>
             <a:fld id="{48A87A34-81AB-432B-8DAE-1953F412C126}" type="datetimeFigureOut">
               <a:rPr lang="en-US" dirty="0"/>
-              <a:t>12/12/2020</a:t>
+              <a:t>12/16/2020</a:t>
             </a:fld>
             <a:endParaRPr lang="en-US" dirty="0"/>
           </a:p>
@@ -2864,7 +2864,7 @@
           <a:p>
             <a:fld id="{48A87A34-81AB-432B-8DAE-1953F412C126}" type="datetimeFigureOut">
               <a:rPr lang="en-US" dirty="0"/>
-              <a:t>12/12/2020</a:t>
+              <a:t>12/16/2020</a:t>
             </a:fld>
             <a:endParaRPr lang="en-US" dirty="0"/>
           </a:p>
@@ -3110,7 +3110,7 @@
           <a:p>
             <a:fld id="{48A87A34-81AB-432B-8DAE-1953F412C126}" type="datetimeFigureOut">
               <a:rPr lang="en-US" dirty="0"/>
-              <a:t>12/12/2020</a:t>
+              <a:t>12/16/2020</a:t>
             </a:fld>
             <a:endParaRPr lang="en-US" dirty="0"/>
           </a:p>
@@ -3497,7 +3497,7 @@
             <a:fld id="{48A87A34-81AB-432B-8DAE-1953F412C126}" type="datetimeFigureOut">
               <a:rPr lang="en-US" dirty="0"/>
               <a:pPr/>
-              <a:t>12/12/2020</a:t>
+              <a:t>12/16/2020</a:t>
             </a:fld>
             <a:endParaRPr lang="en-US" dirty="0"/>
           </a:p>
@@ -3711,7 +3711,7 @@
             <a:fld id="{48A87A34-81AB-432B-8DAE-1953F412C126}" type="datetimeFigureOut">
               <a:rPr lang="en-US" dirty="0"/>
               <a:pPr/>
-              <a:t>12/12/2020</a:t>
+              <a:t>12/16/2020</a:t>
             </a:fld>
             <a:endParaRPr lang="en-US" dirty="0"/>
           </a:p>
@@ -5587,7 +5587,7 @@
           <a:p>
             <a:r>
               <a:rPr lang="en-US" dirty="0"/>
-              <a:t>Shows the US economy grew by roughly 15% from 2008 to 2017 within these Industries (David- can compute the annual GDP growth from that? (reverse compound interest)</a:t>
+              <a:t>Shows the US economy grew by roughly 15% from 2008 to 2017 within these Industries </a:t>
             </a:r>
           </a:p>
           <a:p>
